--- a/2025/Training Materials/HTML.pptx
+++ b/2025/Training Materials/HTML.pptx
@@ -421,7 +421,10 @@
 <file path=ppt/revisionInfo.xml><?xml version="1.0" encoding="utf-8"?>
 <p1510:revInfo xmlns:a="http://schemas.openxmlformats.org/drawingml/2006/main" xmlns:r="http://schemas.openxmlformats.org/officeDocument/2006/relationships" xmlns:p1510="http://schemas.microsoft.com/office/powerpoint/2015/10/main">
   <p1510:revLst>
-    <p1510:client id="{5703FC0A-0008-45B5-AEF5-C27D1505EEC7}" v="40" dt="2025-08-23T17:35:24.854"/>
+    <p1510:client id="{1AD00DD1-F6D2-D466-1B1F-E23BCF46DBD1}" v="3" dt="2025-09-01T05:56:11.743"/>
+    <p1510:client id="{5703FC0A-0008-45B5-AEF5-C27D1505EEC7}" v="2" dt="2025-09-01T07:20:35.836"/>
+    <p1510:client id="{BAC556A8-913D-4075-B0CE-F03A94A06F30}" v="8" dt="2025-09-01T06:00:33.465"/>
+    <p1510:client id="{F67A3FC5-2D32-4E7C-72F3-ED5287D4B67B}" v="88" dt="2025-09-01T06:58:46.133"/>
   </p1510:revLst>
 </p1510:revInfo>
 </file>
@@ -429,20 +432,35 @@
 <file path=ppt/changesInfos/changesInfo1.xml><?xml version="1.0" encoding="utf-8"?>
 <pc:chgInfo xmlns:a="http://schemas.openxmlformats.org/drawingml/2006/main" xmlns:r="http://schemas.openxmlformats.org/officeDocument/2006/relationships" xmlns:ac="http://schemas.microsoft.com/office/drawing/2013/main/command" xmlns:pc="http://schemas.microsoft.com/office/powerpoint/2013/main/command">
   <pc:docChgLst>
-    <pc:chgData name="Bantwal Hebbahalasinakate, Mayur Pai" userId="754cdd8c-0ff8-48ba-be35-c2e80932eaf7" providerId="ADAL" clId="{5703FC0A-0008-45B5-AEF5-C27D1505EEC7}"/>
-    <pc:docChg chg="undo redo custSel addSld delSld modSld modSection">
-      <pc:chgData name="Bantwal Hebbahalasinakate, Mayur Pai" userId="754cdd8c-0ff8-48ba-be35-c2e80932eaf7" providerId="ADAL" clId="{5703FC0A-0008-45B5-AEF5-C27D1505EEC7}" dt="2025-08-23T17:36:27.109" v="455" actId="1076"/>
+    <pc:chgData name="Boddepalli, Lavanya" userId="eaf4ee7c-b98b-41d0-a1e8-50a4f8a9dce3" providerId="ADAL" clId="{18BF8EDD-5EAE-40A0-AD20-7ADCA19C85DA}"/>
+    <pc:docChg chg="undo custSel addSld modSld sldOrd modSection">
+      <pc:chgData name="Boddepalli, Lavanya" userId="eaf4ee7c-b98b-41d0-a1e8-50a4f8a9dce3" providerId="ADAL" clId="{18BF8EDD-5EAE-40A0-AD20-7ADCA19C85DA}" dt="2025-08-19T04:55:43.935" v="4828" actId="20577"/>
       <pc:docMkLst>
         <pc:docMk/>
       </pc:docMkLst>
       <pc:sldChg chg="modSp modAnim">
-        <pc:chgData name="Bantwal Hebbahalasinakate, Mayur Pai" userId="754cdd8c-0ff8-48ba-be35-c2e80932eaf7" providerId="ADAL" clId="{5703FC0A-0008-45B5-AEF5-C27D1505EEC7}" dt="2025-08-23T17:33:45.217" v="423"/>
+        <pc:chgData name="Boddepalli, Lavanya" userId="eaf4ee7c-b98b-41d0-a1e8-50a4f8a9dce3" providerId="ADAL" clId="{18BF8EDD-5EAE-40A0-AD20-7ADCA19C85DA}" dt="2025-08-18T07:28:43.035" v="67" actId="20577"/>
+        <pc:sldMkLst>
+          <pc:docMk/>
+          <pc:sldMk cId="0" sldId="259"/>
+        </pc:sldMkLst>
+        <pc:spChg chg="mod">
+          <ac:chgData name="Boddepalli, Lavanya" userId="eaf4ee7c-b98b-41d0-a1e8-50a4f8a9dce3" providerId="ADAL" clId="{18BF8EDD-5EAE-40A0-AD20-7ADCA19C85DA}" dt="2025-08-18T07:28:43.035" v="67" actId="20577"/>
+          <ac:spMkLst>
+            <pc:docMk/>
+            <pc:sldMk cId="0" sldId="259"/>
+            <ac:spMk id="7" creationId="{8F3F1603-B4ED-DC10-C260-83CE241220CF}"/>
+          </ac:spMkLst>
+        </pc:spChg>
+      </pc:sldChg>
+      <pc:sldChg chg="modSp mod modAnim">
+        <pc:chgData name="Boddepalli, Lavanya" userId="eaf4ee7c-b98b-41d0-a1e8-50a4f8a9dce3" providerId="ADAL" clId="{18BF8EDD-5EAE-40A0-AD20-7ADCA19C85DA}" dt="2025-08-18T07:40:48.897" v="580" actId="20577"/>
         <pc:sldMkLst>
           <pc:docMk/>
           <pc:sldMk cId="0" sldId="265"/>
         </pc:sldMkLst>
         <pc:spChg chg="mod">
-          <ac:chgData name="Bantwal Hebbahalasinakate, Mayur Pai" userId="754cdd8c-0ff8-48ba-be35-c2e80932eaf7" providerId="ADAL" clId="{5703FC0A-0008-45B5-AEF5-C27D1505EEC7}" dt="2025-08-23T17:33:24.143" v="415" actId="20577"/>
+          <ac:chgData name="Boddepalli, Lavanya" userId="eaf4ee7c-b98b-41d0-a1e8-50a4f8a9dce3" providerId="ADAL" clId="{18BF8EDD-5EAE-40A0-AD20-7ADCA19C85DA}" dt="2025-08-18T07:40:43.892" v="577" actId="20577"/>
           <ac:spMkLst>
             <pc:docMk/>
             <pc:sldMk cId="0" sldId="265"/>
@@ -450,7 +468,7 @@
           </ac:spMkLst>
         </pc:spChg>
         <pc:spChg chg="mod">
-          <ac:chgData name="Bantwal Hebbahalasinakate, Mayur Pai" userId="754cdd8c-0ff8-48ba-be35-c2e80932eaf7" providerId="ADAL" clId="{5703FC0A-0008-45B5-AEF5-C27D1505EEC7}" dt="2025-08-23T17:33:27.443" v="419" actId="20577"/>
+          <ac:chgData name="Boddepalli, Lavanya" userId="eaf4ee7c-b98b-41d0-a1e8-50a4f8a9dce3" providerId="ADAL" clId="{18BF8EDD-5EAE-40A0-AD20-7ADCA19C85DA}" dt="2025-08-18T07:40:48.897" v="580" actId="20577"/>
           <ac:spMkLst>
             <pc:docMk/>
             <pc:sldMk cId="0" sldId="265"/>
@@ -458,186 +476,130 @@
           </ac:spMkLst>
         </pc:spChg>
       </pc:sldChg>
-      <pc:sldChg chg="addSp delSp modSp mod addAnim delAnim modAnim">
-        <pc:chgData name="Bantwal Hebbahalasinakate, Mayur Pai" userId="754cdd8c-0ff8-48ba-be35-c2e80932eaf7" providerId="ADAL" clId="{5703FC0A-0008-45B5-AEF5-C27D1505EEC7}" dt="2025-08-23T17:35:24.854" v="454"/>
+      <pc:sldChg chg="addSp delSp modSp mod modClrScheme chgLayout">
+        <pc:chgData name="Boddepalli, Lavanya" userId="eaf4ee7c-b98b-41d0-a1e8-50a4f8a9dce3" providerId="ADAL" clId="{18BF8EDD-5EAE-40A0-AD20-7ADCA19C85DA}" dt="2025-08-18T08:51:05.496" v="800" actId="1035"/>
         <pc:sldMkLst>
           <pc:docMk/>
           <pc:sldMk cId="0" sldId="267"/>
         </pc:sldMkLst>
-        <pc:spChg chg="mod">
-          <ac:chgData name="Bantwal Hebbahalasinakate, Mayur Pai" userId="754cdd8c-0ff8-48ba-be35-c2e80932eaf7" providerId="ADAL" clId="{5703FC0A-0008-45B5-AEF5-C27D1505EEC7}" dt="2025-08-23T17:24:14.380" v="368" actId="20577"/>
+        <pc:spChg chg="mod ord">
+          <ac:chgData name="Boddepalli, Lavanya" userId="eaf4ee7c-b98b-41d0-a1e8-50a4f8a9dce3" providerId="ADAL" clId="{18BF8EDD-5EAE-40A0-AD20-7ADCA19C85DA}" dt="2025-08-18T08:41:34.322" v="605" actId="700"/>
           <ac:spMkLst>
             <pc:docMk/>
             <pc:sldMk cId="0" sldId="267"/>
-            <ac:spMk id="6" creationId="{CC28E446-EB49-5DBD-9E0F-BF300C86C90A}"/>
+            <ac:spMk id="2" creationId="{6E8236C8-1B63-E6BC-2285-F0A69D163446}"/>
           </ac:spMkLst>
         </pc:spChg>
-        <pc:spChg chg="add mod">
-          <ac:chgData name="Bantwal Hebbahalasinakate, Mayur Pai" userId="754cdd8c-0ff8-48ba-be35-c2e80932eaf7" providerId="ADAL" clId="{5703FC0A-0008-45B5-AEF5-C27D1505EEC7}" dt="2025-08-23T17:20:59.799" v="214" actId="2711"/>
-          <ac:spMkLst>
-            <pc:docMk/>
-            <pc:sldMk cId="0" sldId="267"/>
-            <ac:spMk id="7" creationId="{E4341A0E-7E70-89CD-F180-2F53BC754BD4}"/>
-          </ac:spMkLst>
-        </pc:spChg>
-        <pc:spChg chg="mod">
-          <ac:chgData name="Bantwal Hebbahalasinakate, Mayur Pai" userId="754cdd8c-0ff8-48ba-be35-c2e80932eaf7" providerId="ADAL" clId="{5703FC0A-0008-45B5-AEF5-C27D1505EEC7}" dt="2025-08-23T17:19:52.025" v="111" actId="21"/>
-          <ac:spMkLst>
-            <pc:docMk/>
-            <pc:sldMk cId="0" sldId="267"/>
-            <ac:spMk id="8" creationId="{D9F9A3B4-72FE-8085-DF98-19F853B92C82}"/>
-          </ac:spMkLst>
-        </pc:spChg>
-        <pc:spChg chg="mod">
-          <ac:chgData name="Bantwal Hebbahalasinakate, Mayur Pai" userId="754cdd8c-0ff8-48ba-be35-c2e80932eaf7" providerId="ADAL" clId="{5703FC0A-0008-45B5-AEF5-C27D1505EEC7}" dt="2025-08-23T17:24:00.822" v="360"/>
-          <ac:spMkLst>
-            <pc:docMk/>
-            <pc:sldMk cId="0" sldId="267"/>
-            <ac:spMk id="12" creationId="{F063DADB-309D-52C4-9A23-BBC45ED725E3}"/>
-          </ac:spMkLst>
-        </pc:spChg>
-        <pc:spChg chg="add del mod">
-          <ac:chgData name="Bantwal Hebbahalasinakate, Mayur Pai" userId="754cdd8c-0ff8-48ba-be35-c2e80932eaf7" providerId="ADAL" clId="{5703FC0A-0008-45B5-AEF5-C27D1505EEC7}" dt="2025-08-23T17:21:46.086" v="280" actId="478"/>
-          <ac:spMkLst>
-            <pc:docMk/>
-            <pc:sldMk cId="0" sldId="267"/>
-            <ac:spMk id="14" creationId="{941BB0BC-91DA-313A-0E8C-1BDFCAFC3729}"/>
-          </ac:spMkLst>
-        </pc:spChg>
-        <pc:spChg chg="mod">
-          <ac:chgData name="Bantwal Hebbahalasinakate, Mayur Pai" userId="754cdd8c-0ff8-48ba-be35-c2e80932eaf7" providerId="ADAL" clId="{5703FC0A-0008-45B5-AEF5-C27D1505EEC7}" dt="2025-08-23T17:23:43.964" v="358" actId="20577"/>
-          <ac:spMkLst>
-            <pc:docMk/>
-            <pc:sldMk cId="0" sldId="267"/>
-            <ac:spMk id="17" creationId="{644C5B81-ACDF-5F87-086C-41DEB7B36BA2}"/>
-          </ac:spMkLst>
-        </pc:spChg>
-        <pc:spChg chg="mod">
-          <ac:chgData name="Bantwal Hebbahalasinakate, Mayur Pai" userId="754cdd8c-0ff8-48ba-be35-c2e80932eaf7" providerId="ADAL" clId="{5703FC0A-0008-45B5-AEF5-C27D1505EEC7}" dt="2025-08-23T17:34:52.262" v="453" actId="207"/>
+        <pc:spChg chg="mod ord">
+          <ac:chgData name="Boddepalli, Lavanya" userId="eaf4ee7c-b98b-41d0-a1e8-50a4f8a9dce3" providerId="ADAL" clId="{18BF8EDD-5EAE-40A0-AD20-7ADCA19C85DA}" dt="2025-08-18T08:50:53.057" v="796" actId="1036"/>
           <ac:spMkLst>
             <pc:docMk/>
             <pc:sldMk cId="0" sldId="267"/>
             <ac:spMk id="253" creationId="{00000000-0000-0000-0000-000000000000}"/>
           </ac:spMkLst>
         </pc:spChg>
-        <pc:grpChg chg="add mod">
-          <ac:chgData name="Bantwal Hebbahalasinakate, Mayur Pai" userId="754cdd8c-0ff8-48ba-be35-c2e80932eaf7" providerId="ADAL" clId="{5703FC0A-0008-45B5-AEF5-C27D1505EEC7}" dt="2025-08-23T17:20:19.040" v="204" actId="1036"/>
-          <ac:grpSpMkLst>
+        <pc:spChg chg="mod ord">
+          <ac:chgData name="Boddepalli, Lavanya" userId="eaf4ee7c-b98b-41d0-a1e8-50a4f8a9dce3" providerId="ADAL" clId="{18BF8EDD-5EAE-40A0-AD20-7ADCA19C85DA}" dt="2025-08-18T08:51:05.496" v="800" actId="1035"/>
+          <ac:spMkLst>
             <pc:docMk/>
             <pc:sldMk cId="0" sldId="267"/>
-            <ac:grpSpMk id="4" creationId="{8F033F28-BBEB-5C66-31C2-0AF1FB762D08}"/>
-          </ac:grpSpMkLst>
-        </pc:grpChg>
-        <pc:grpChg chg="add mod">
-          <ac:chgData name="Bantwal Hebbahalasinakate, Mayur Pai" userId="754cdd8c-0ff8-48ba-be35-c2e80932eaf7" providerId="ADAL" clId="{5703FC0A-0008-45B5-AEF5-C27D1505EEC7}" dt="2025-08-23T17:20:19.040" v="204" actId="1036"/>
-          <ac:grpSpMkLst>
-            <pc:docMk/>
-            <pc:sldMk cId="0" sldId="267"/>
-            <ac:grpSpMk id="9" creationId="{537F52A1-D10F-7A8F-9CB3-AD346CD6978F}"/>
-          </ac:grpSpMkLst>
-        </pc:grpChg>
-        <pc:grpChg chg="add del">
-          <ac:chgData name="Bantwal Hebbahalasinakate, Mayur Pai" userId="754cdd8c-0ff8-48ba-be35-c2e80932eaf7" providerId="ADAL" clId="{5703FC0A-0008-45B5-AEF5-C27D1505EEC7}" dt="2025-08-23T17:20:23.775" v="205" actId="478"/>
-          <ac:grpSpMkLst>
-            <pc:docMk/>
-            <pc:sldMk cId="0" sldId="267"/>
-            <ac:grpSpMk id="11" creationId="{24A76F8E-1548-B955-CCF4-6A5918F15E09}"/>
-          </ac:grpSpMkLst>
-        </pc:grpChg>
-        <pc:grpChg chg="add mod">
-          <ac:chgData name="Bantwal Hebbahalasinakate, Mayur Pai" userId="754cdd8c-0ff8-48ba-be35-c2e80932eaf7" providerId="ADAL" clId="{5703FC0A-0008-45B5-AEF5-C27D1505EEC7}" dt="2025-08-23T17:21:14.829" v="216" actId="1076"/>
-          <ac:grpSpMkLst>
-            <pc:docMk/>
-            <pc:sldMk cId="0" sldId="267"/>
-            <ac:grpSpMk id="15" creationId="{1A2FABCE-AFD5-48E3-3CD3-4BDC790601FC}"/>
-          </ac:grpSpMkLst>
-        </pc:grpChg>
-        <pc:picChg chg="mod">
-          <ac:chgData name="Bantwal Hebbahalasinakate, Mayur Pai" userId="754cdd8c-0ff8-48ba-be35-c2e80932eaf7" providerId="ADAL" clId="{5703FC0A-0008-45B5-AEF5-C27D1505EEC7}" dt="2025-08-23T17:19:39.701" v="110"/>
-          <ac:picMkLst>
-            <pc:docMk/>
-            <pc:sldMk cId="0" sldId="267"/>
-            <ac:picMk id="5" creationId="{FAA6BF09-65EA-0FDB-7058-F19DE58F52E8}"/>
-          </ac:picMkLst>
-        </pc:picChg>
-        <pc:picChg chg="mod">
-          <ac:chgData name="Bantwal Hebbahalasinakate, Mayur Pai" userId="754cdd8c-0ff8-48ba-be35-c2e80932eaf7" providerId="ADAL" clId="{5703FC0A-0008-45B5-AEF5-C27D1505EEC7}" dt="2025-08-23T17:19:39.701" v="110"/>
-          <ac:picMkLst>
-            <pc:docMk/>
-            <pc:sldMk cId="0" sldId="267"/>
-            <ac:picMk id="10" creationId="{12F36591-5BCE-14D0-1F4D-B5A9AC908C22}"/>
-          </ac:picMkLst>
-        </pc:picChg>
-        <pc:picChg chg="mod">
-          <ac:chgData name="Bantwal Hebbahalasinakate, Mayur Pai" userId="754cdd8c-0ff8-48ba-be35-c2e80932eaf7" providerId="ADAL" clId="{5703FC0A-0008-45B5-AEF5-C27D1505EEC7}" dt="2025-08-23T17:21:11.070" v="215"/>
-          <ac:picMkLst>
-            <pc:docMk/>
-            <pc:sldMk cId="0" sldId="267"/>
-            <ac:picMk id="16" creationId="{8209CC7F-40AA-E5E6-05AF-693C92468B78}"/>
-          </ac:picMkLst>
-        </pc:picChg>
+            <ac:spMk id="254" creationId="{00000000-0000-0000-0000-000000000000}"/>
+          </ac:spMkLst>
+        </pc:spChg>
       </pc:sldChg>
-      <pc:sldChg chg="add">
-        <pc:chgData name="Bantwal Hebbahalasinakate, Mayur Pai" userId="754cdd8c-0ff8-48ba-be35-c2e80932eaf7" providerId="ADAL" clId="{5703FC0A-0008-45B5-AEF5-C27D1505EEC7}" dt="2025-08-23T16:53:59.260" v="13"/>
-        <pc:sldMkLst>
-          <pc:docMk/>
-          <pc:sldMk cId="0" sldId="357"/>
-        </pc:sldMkLst>
-      </pc:sldChg>
-      <pc:sldChg chg="del">
-        <pc:chgData name="Bantwal Hebbahalasinakate, Mayur Pai" userId="754cdd8c-0ff8-48ba-be35-c2e80932eaf7" providerId="ADAL" clId="{5703FC0A-0008-45B5-AEF5-C27D1505EEC7}" dt="2025-08-23T17:13:26.866" v="65" actId="47"/>
+      <pc:sldChg chg="modSp add mod">
+        <pc:chgData name="Boddepalli, Lavanya" userId="eaf4ee7c-b98b-41d0-a1e8-50a4f8a9dce3" providerId="ADAL" clId="{18BF8EDD-5EAE-40A0-AD20-7ADCA19C85DA}" dt="2025-08-18T08:55:19.987" v="1027" actId="20577"/>
         <pc:sldMkLst>
           <pc:docMk/>
           <pc:sldMk cId="906857529" sldId="522"/>
         </pc:sldMkLst>
       </pc:sldChg>
-      <pc:sldChg chg="addSp modSp del mod">
-        <pc:chgData name="Bantwal Hebbahalasinakate, Mayur Pai" userId="754cdd8c-0ff8-48ba-be35-c2e80932eaf7" providerId="ADAL" clId="{5703FC0A-0008-45B5-AEF5-C27D1505EEC7}" dt="2025-08-23T17:33:50.079" v="424" actId="47"/>
+      <pc:sldChg chg="modSp add mod ord">
+        <pc:chgData name="Boddepalli, Lavanya" userId="eaf4ee7c-b98b-41d0-a1e8-50a4f8a9dce3" providerId="ADAL" clId="{18BF8EDD-5EAE-40A0-AD20-7ADCA19C85DA}" dt="2025-08-18T09:33:41.020" v="1892" actId="255"/>
         <pc:sldMkLst>
           <pc:docMk/>
           <pc:sldMk cId="3477941004" sldId="523"/>
         </pc:sldMkLst>
+      </pc:sldChg>
+      <pc:sldChg chg="addSp delSp modSp add mod ord setBg">
+        <pc:chgData name="Boddepalli, Lavanya" userId="eaf4ee7c-b98b-41d0-a1e8-50a4f8a9dce3" providerId="ADAL" clId="{18BF8EDD-5EAE-40A0-AD20-7ADCA19C85DA}" dt="2025-08-18T11:15:44.844" v="4292"/>
+        <pc:sldMkLst>
+          <pc:docMk/>
+          <pc:sldMk cId="3683306195" sldId="524"/>
+        </pc:sldMkLst>
         <pc:spChg chg="add">
-          <ac:chgData name="Bantwal Hebbahalasinakate, Mayur Pai" userId="754cdd8c-0ff8-48ba-be35-c2e80932eaf7" providerId="ADAL" clId="{5703FC0A-0008-45B5-AEF5-C27D1505EEC7}" dt="2025-08-23T17:25:52.902" v="369"/>
+          <ac:chgData name="Boddepalli, Lavanya" userId="eaf4ee7c-b98b-41d0-a1e8-50a4f8a9dce3" providerId="ADAL" clId="{18BF8EDD-5EAE-40A0-AD20-7ADCA19C85DA}" dt="2025-08-18T09:40:33.463" v="2128"/>
           <ac:spMkLst>
             <pc:docMk/>
-            <pc:sldMk cId="3477941004" sldId="523"/>
-            <ac:spMk id="4" creationId="{3B8266BC-A75A-FE31-488D-E942675AA63F}"/>
+            <pc:sldMk cId="3683306195" sldId="524"/>
+            <ac:spMk id="5" creationId="{A136A2E7-7C32-380F-4EC3-0811DDAD9D7F}"/>
+          </ac:spMkLst>
+        </pc:spChg>
+        <pc:spChg chg="add del mod">
+          <ac:chgData name="Boddepalli, Lavanya" userId="eaf4ee7c-b98b-41d0-a1e8-50a4f8a9dce3" providerId="ADAL" clId="{18BF8EDD-5EAE-40A0-AD20-7ADCA19C85DA}" dt="2025-08-18T09:43:09.487" v="2223" actId="6549"/>
+          <ac:spMkLst>
+            <pc:docMk/>
+            <pc:sldMk cId="3683306195" sldId="524"/>
+            <ac:spMk id="6" creationId="{106B8273-C7FB-F34B-5851-9A06D713CF57}"/>
           </ac:spMkLst>
         </pc:spChg>
         <pc:spChg chg="mod">
-          <ac:chgData name="Bantwal Hebbahalasinakate, Mayur Pai" userId="754cdd8c-0ff8-48ba-be35-c2e80932eaf7" providerId="ADAL" clId="{5703FC0A-0008-45B5-AEF5-C27D1505EEC7}" dt="2025-08-23T17:31:27.212" v="413" actId="207"/>
+          <ac:chgData name="Boddepalli, Lavanya" userId="eaf4ee7c-b98b-41d0-a1e8-50a4f8a9dce3" providerId="ADAL" clId="{18BF8EDD-5EAE-40A0-AD20-7ADCA19C85DA}" dt="2025-08-18T11:15:36.016" v="4290" actId="20577"/>
           <ac:spMkLst>
             <pc:docMk/>
-            <pc:sldMk cId="3477941004" sldId="523"/>
-            <ac:spMk id="8" creationId="{B0F0A4F8-3406-A847-E2BD-6B7D7C048CE6}"/>
+            <pc:sldMk cId="3683306195" sldId="524"/>
+            <ac:spMk id="8" creationId="{A0D6288C-9C58-22C5-4122-A06E5D935CCE}"/>
+          </ac:spMkLst>
+        </pc:spChg>
+        <pc:spChg chg="add mod">
+          <ac:chgData name="Boddepalli, Lavanya" userId="eaf4ee7c-b98b-41d0-a1e8-50a4f8a9dce3" providerId="ADAL" clId="{18BF8EDD-5EAE-40A0-AD20-7ADCA19C85DA}" dt="2025-08-18T09:43:08.475" v="2221" actId="207"/>
+          <ac:spMkLst>
+            <pc:docMk/>
+            <pc:sldMk cId="3683306195" sldId="524"/>
+            <ac:spMk id="9" creationId="{76D5BD34-BF01-2378-9A7F-CAB4844E57A7}"/>
           </ac:spMkLst>
         </pc:spChg>
         <pc:grpChg chg="mod">
-          <ac:chgData name="Bantwal Hebbahalasinakate, Mayur Pai" userId="754cdd8c-0ff8-48ba-be35-c2e80932eaf7" providerId="ADAL" clId="{5703FC0A-0008-45B5-AEF5-C27D1505EEC7}" dt="2025-08-23T17:25:56.377" v="371"/>
+          <ac:chgData name="Boddepalli, Lavanya" userId="eaf4ee7c-b98b-41d0-a1e8-50a4f8a9dce3" providerId="ADAL" clId="{18BF8EDD-5EAE-40A0-AD20-7ADCA19C85DA}" dt="2025-08-18T09:40:40.198" v="2131"/>
           <ac:grpSpMkLst>
             <pc:docMk/>
-            <pc:sldMk cId="3477941004" sldId="523"/>
-            <ac:grpSpMk id="11" creationId="{0922286F-EA3F-FAC2-7373-26398AF0DB83}"/>
+            <pc:sldMk cId="3683306195" sldId="524"/>
+            <ac:grpSpMk id="11" creationId="{3C8BEC80-F45D-0E06-F166-A9DF9F0F4E6B}"/>
           </ac:grpSpMkLst>
         </pc:grpChg>
         <pc:picChg chg="mod">
-          <ac:chgData name="Bantwal Hebbahalasinakate, Mayur Pai" userId="754cdd8c-0ff8-48ba-be35-c2e80932eaf7" providerId="ADAL" clId="{5703FC0A-0008-45B5-AEF5-C27D1505EEC7}" dt="2025-08-23T17:25:56.377" v="371"/>
+          <ac:chgData name="Boddepalli, Lavanya" userId="eaf4ee7c-b98b-41d0-a1e8-50a4f8a9dce3" providerId="ADAL" clId="{18BF8EDD-5EAE-40A0-AD20-7ADCA19C85DA}" dt="2025-08-18T09:40:40.198" v="2131"/>
           <ac:picMkLst>
             <pc:docMk/>
-            <pc:sldMk cId="3477941004" sldId="523"/>
-            <ac:picMk id="3" creationId="{F5FABA91-481F-7B04-BE4E-9E0947BD9242}"/>
+            <pc:sldMk cId="3683306195" sldId="524"/>
+            <ac:picMk id="3" creationId="{4BF08CFA-AF0A-75F8-86C7-1EC1D41457B5}"/>
           </ac:picMkLst>
         </pc:picChg>
       </pc:sldChg>
-      <pc:sldChg chg="modSp mod">
-        <pc:chgData name="Bantwal Hebbahalasinakate, Mayur Pai" userId="754cdd8c-0ff8-48ba-be35-c2e80932eaf7" providerId="ADAL" clId="{5703FC0A-0008-45B5-AEF5-C27D1505EEC7}" dt="2025-08-23T17:33:53.571" v="426" actId="20577"/>
+      <pc:sldChg chg="modSp add mod ord">
+        <pc:chgData name="Boddepalli, Lavanya" userId="eaf4ee7c-b98b-41d0-a1e8-50a4f8a9dce3" providerId="ADAL" clId="{18BF8EDD-5EAE-40A0-AD20-7ADCA19C85DA}" dt="2025-08-18T10:20:05.431" v="2775" actId="20577"/>
         <pc:sldMkLst>
           <pc:docMk/>
           <pc:sldMk cId="2076122777" sldId="525"/>
         </pc:sldMkLst>
         <pc:spChg chg="mod">
-          <ac:chgData name="Bantwal Hebbahalasinakate, Mayur Pai" userId="754cdd8c-0ff8-48ba-be35-c2e80932eaf7" providerId="ADAL" clId="{5703FC0A-0008-45B5-AEF5-C27D1505EEC7}" dt="2025-08-23T17:33:53.571" v="426" actId="20577"/>
+          <ac:chgData name="Boddepalli, Lavanya" userId="eaf4ee7c-b98b-41d0-a1e8-50a4f8a9dce3" providerId="ADAL" clId="{18BF8EDD-5EAE-40A0-AD20-7ADCA19C85DA}" dt="2025-08-18T10:20:05.431" v="2775" actId="20577"/>
+          <ac:spMkLst>
+            <pc:docMk/>
+            <pc:sldMk cId="2076122777" sldId="525"/>
+            <ac:spMk id="8" creationId="{3D77BF50-F661-87B6-3A71-05E4CFD1D526}"/>
+          </ac:spMkLst>
+        </pc:spChg>
+        <pc:spChg chg="mod">
+          <ac:chgData name="Boddepalli, Lavanya" userId="eaf4ee7c-b98b-41d0-a1e8-50a4f8a9dce3" providerId="ADAL" clId="{18BF8EDD-5EAE-40A0-AD20-7ADCA19C85DA}" dt="2025-08-18T09:44:30.957" v="2279" actId="20577"/>
+          <ac:spMkLst>
+            <pc:docMk/>
+            <pc:sldMk cId="2076122777" sldId="525"/>
+            <ac:spMk id="253" creationId="{FCD7C229-594D-ED3D-6385-73F52A50370F}"/>
+          </ac:spMkLst>
+        </pc:spChg>
+        <pc:spChg chg="mod">
+          <ac:chgData name="Boddepalli, Lavanya" userId="eaf4ee7c-b98b-41d0-a1e8-50a4f8a9dce3" providerId="ADAL" clId="{18BF8EDD-5EAE-40A0-AD20-7ADCA19C85DA}" dt="2025-08-18T09:44:04.315" v="2237" actId="20577"/>
           <ac:spMkLst>
             <pc:docMk/>
             <pc:sldMk cId="2076122777" sldId="525"/>
@@ -645,213 +607,126 @@
           </ac:spMkLst>
         </pc:spChg>
       </pc:sldChg>
-      <pc:sldChg chg="modSp mod">
-        <pc:chgData name="Bantwal Hebbahalasinakate, Mayur Pai" userId="754cdd8c-0ff8-48ba-be35-c2e80932eaf7" providerId="ADAL" clId="{5703FC0A-0008-45B5-AEF5-C27D1505EEC7}" dt="2025-08-23T17:33:57.181" v="428" actId="20577"/>
+      <pc:sldChg chg="addSp delSp modSp add mod">
+        <pc:chgData name="Boddepalli, Lavanya" userId="eaf4ee7c-b98b-41d0-a1e8-50a4f8a9dce3" providerId="ADAL" clId="{18BF8EDD-5EAE-40A0-AD20-7ADCA19C85DA}" dt="2025-08-18T10:26:30.390" v="3175" actId="20577"/>
         <pc:sldMkLst>
           <pc:docMk/>
           <pc:sldMk cId="166880163" sldId="526"/>
         </pc:sldMkLst>
         <pc:spChg chg="mod">
-          <ac:chgData name="Bantwal Hebbahalasinakate, Mayur Pai" userId="754cdd8c-0ff8-48ba-be35-c2e80932eaf7" providerId="ADAL" clId="{5703FC0A-0008-45B5-AEF5-C27D1505EEC7}" dt="2025-08-23T17:33:57.181" v="428" actId="20577"/>
+          <ac:chgData name="Boddepalli, Lavanya" userId="eaf4ee7c-b98b-41d0-a1e8-50a4f8a9dce3" providerId="ADAL" clId="{18BF8EDD-5EAE-40A0-AD20-7ADCA19C85DA}" dt="2025-08-18T10:26:30.390" v="3175" actId="20577"/>
           <ac:spMkLst>
             <pc:docMk/>
             <pc:sldMk cId="166880163" sldId="526"/>
-            <ac:spMk id="254" creationId="{574025E1-5FBF-2319-013F-36397FFA493D}"/>
+            <ac:spMk id="8" creationId="{8D73BA16-1EB3-583D-FE99-CD2FDC72461A}"/>
           </ac:spMkLst>
         </pc:spChg>
+        <pc:picChg chg="add mod">
+          <ac:chgData name="Boddepalli, Lavanya" userId="eaf4ee7c-b98b-41d0-a1e8-50a4f8a9dce3" providerId="ADAL" clId="{18BF8EDD-5EAE-40A0-AD20-7ADCA19C85DA}" dt="2025-08-18T10:25:05.145" v="3117" actId="14100"/>
+          <ac:picMkLst>
+            <pc:docMk/>
+            <pc:sldMk cId="166880163" sldId="526"/>
+            <ac:picMk id="5" creationId="{8F28A861-0135-388E-BE1B-A0804A69B884}"/>
+          </ac:picMkLst>
+        </pc:picChg>
       </pc:sldChg>
-      <pc:sldChg chg="modSp mod">
-        <pc:chgData name="Bantwal Hebbahalasinakate, Mayur Pai" userId="754cdd8c-0ff8-48ba-be35-c2e80932eaf7" providerId="ADAL" clId="{5703FC0A-0008-45B5-AEF5-C27D1505EEC7}" dt="2025-08-23T17:33:59.916" v="430" actId="20577"/>
+      <pc:sldChg chg="delSp modSp add mod">
+        <pc:chgData name="Boddepalli, Lavanya" userId="eaf4ee7c-b98b-41d0-a1e8-50a4f8a9dce3" providerId="ADAL" clId="{18BF8EDD-5EAE-40A0-AD20-7ADCA19C85DA}" dt="2025-08-18T10:30:06.682" v="3550" actId="20577"/>
         <pc:sldMkLst>
           <pc:docMk/>
           <pc:sldMk cId="221593116" sldId="527"/>
         </pc:sldMkLst>
         <pc:spChg chg="mod">
-          <ac:chgData name="Bantwal Hebbahalasinakate, Mayur Pai" userId="754cdd8c-0ff8-48ba-be35-c2e80932eaf7" providerId="ADAL" clId="{5703FC0A-0008-45B5-AEF5-C27D1505EEC7}" dt="2025-08-23T17:33:59.916" v="430" actId="20577"/>
+          <ac:chgData name="Boddepalli, Lavanya" userId="eaf4ee7c-b98b-41d0-a1e8-50a4f8a9dce3" providerId="ADAL" clId="{18BF8EDD-5EAE-40A0-AD20-7ADCA19C85DA}" dt="2025-08-18T10:30:06.682" v="3550" actId="20577"/>
           <ac:spMkLst>
             <pc:docMk/>
             <pc:sldMk cId="221593116" sldId="527"/>
-            <ac:spMk id="254" creationId="{0D33E218-2EE1-7BDB-D079-B726D6A8CD34}"/>
+            <ac:spMk id="8" creationId="{C0772E2D-70A2-A691-CF6E-F2347150B444}"/>
           </ac:spMkLst>
         </pc:spChg>
+        <pc:grpChg chg="mod">
+          <ac:chgData name="Boddepalli, Lavanya" userId="eaf4ee7c-b98b-41d0-a1e8-50a4f8a9dce3" providerId="ADAL" clId="{18BF8EDD-5EAE-40A0-AD20-7ADCA19C85DA}" dt="2025-08-18T10:27:47.958" v="3236" actId="20578"/>
+          <ac:grpSpMkLst>
+            <pc:docMk/>
+            <pc:sldMk cId="221593116" sldId="527"/>
+            <ac:grpSpMk id="11" creationId="{9E52AEB6-AA46-67DE-D013-F2C614F0C3D6}"/>
+          </ac:grpSpMkLst>
+        </pc:grpChg>
+        <pc:picChg chg="mod">
+          <ac:chgData name="Boddepalli, Lavanya" userId="eaf4ee7c-b98b-41d0-a1e8-50a4f8a9dce3" providerId="ADAL" clId="{18BF8EDD-5EAE-40A0-AD20-7ADCA19C85DA}" dt="2025-08-18T10:27:47.958" v="3236" actId="20578"/>
+          <ac:picMkLst>
+            <pc:docMk/>
+            <pc:sldMk cId="221593116" sldId="527"/>
+            <ac:picMk id="3" creationId="{9593AA2B-F67A-D948-C1F8-823C8106D5F2}"/>
+          </ac:picMkLst>
+        </pc:picChg>
       </pc:sldChg>
-      <pc:sldChg chg="modSp mod">
-        <pc:chgData name="Bantwal Hebbahalasinakate, Mayur Pai" userId="754cdd8c-0ff8-48ba-be35-c2e80932eaf7" providerId="ADAL" clId="{5703FC0A-0008-45B5-AEF5-C27D1505EEC7}" dt="2025-08-23T17:34:03.755" v="432" actId="20577"/>
+      <pc:sldChg chg="modSp add mod">
+        <pc:chgData name="Boddepalli, Lavanya" userId="eaf4ee7c-b98b-41d0-a1e8-50a4f8a9dce3" providerId="ADAL" clId="{18BF8EDD-5EAE-40A0-AD20-7ADCA19C85DA}" dt="2025-08-18T10:58:30.276" v="4109" actId="20577"/>
         <pc:sldMkLst>
           <pc:docMk/>
           <pc:sldMk cId="2491458378" sldId="528"/>
         </pc:sldMkLst>
         <pc:spChg chg="mod">
-          <ac:chgData name="Bantwal Hebbahalasinakate, Mayur Pai" userId="754cdd8c-0ff8-48ba-be35-c2e80932eaf7" providerId="ADAL" clId="{5703FC0A-0008-45B5-AEF5-C27D1505EEC7}" dt="2025-08-23T17:34:03.755" v="432" actId="20577"/>
+          <ac:chgData name="Boddepalli, Lavanya" userId="eaf4ee7c-b98b-41d0-a1e8-50a4f8a9dce3" providerId="ADAL" clId="{18BF8EDD-5EAE-40A0-AD20-7ADCA19C85DA}" dt="2025-08-18T10:58:30.276" v="4109" actId="20577"/>
           <ac:spMkLst>
             <pc:docMk/>
             <pc:sldMk cId="2491458378" sldId="528"/>
-            <ac:spMk id="254" creationId="{EB10E34C-252F-78F8-D7DC-4ABF0ACB6D22}"/>
+            <ac:spMk id="8" creationId="{7654CBFA-6CC0-C148-26DF-380051DFB52D}"/>
           </ac:spMkLst>
         </pc:spChg>
       </pc:sldChg>
-      <pc:sldChg chg="modSp mod">
-        <pc:chgData name="Bantwal Hebbahalasinakate, Mayur Pai" userId="754cdd8c-0ff8-48ba-be35-c2e80932eaf7" providerId="ADAL" clId="{5703FC0A-0008-45B5-AEF5-C27D1505EEC7}" dt="2025-08-23T17:34:08.459" v="434" actId="20577"/>
+      <pc:sldChg chg="addSp delSp modSp add mod">
+        <pc:chgData name="Boddepalli, Lavanya" userId="eaf4ee7c-b98b-41d0-a1e8-50a4f8a9dce3" providerId="ADAL" clId="{18BF8EDD-5EAE-40A0-AD20-7ADCA19C85DA}" dt="2025-08-18T11:11:38.730" v="4230" actId="1038"/>
+        <pc:sldMkLst>
+          <pc:docMk/>
+          <pc:sldMk cId="1719385717" sldId="529"/>
+        </pc:sldMkLst>
+      </pc:sldChg>
+      <pc:sldChg chg="modSp add mod ord">
+        <pc:chgData name="Boddepalli, Lavanya" userId="eaf4ee7c-b98b-41d0-a1e8-50a4f8a9dce3" providerId="ADAL" clId="{18BF8EDD-5EAE-40A0-AD20-7ADCA19C85DA}" dt="2025-08-19T04:55:43.935" v="4828" actId="20577"/>
         <pc:sldMkLst>
           <pc:docMk/>
           <pc:sldMk cId="980947457" sldId="530"/>
         </pc:sldMkLst>
         <pc:spChg chg="mod">
-          <ac:chgData name="Bantwal Hebbahalasinakate, Mayur Pai" userId="754cdd8c-0ff8-48ba-be35-c2e80932eaf7" providerId="ADAL" clId="{5703FC0A-0008-45B5-AEF5-C27D1505EEC7}" dt="2025-08-23T17:34:08.459" v="434" actId="20577"/>
+          <ac:chgData name="Boddepalli, Lavanya" userId="eaf4ee7c-b98b-41d0-a1e8-50a4f8a9dce3" providerId="ADAL" clId="{18BF8EDD-5EAE-40A0-AD20-7ADCA19C85DA}" dt="2025-08-19T04:55:43.935" v="4828" actId="20577"/>
+          <ac:spMkLst>
+            <pc:docMk/>
+            <pc:sldMk cId="980947457" sldId="530"/>
+            <ac:spMk id="8" creationId="{D434AF30-9FD9-2946-FBAB-2EC4E45F63A7}"/>
+          </ac:spMkLst>
+        </pc:spChg>
+        <pc:spChg chg="mod">
+          <ac:chgData name="Boddepalli, Lavanya" userId="eaf4ee7c-b98b-41d0-a1e8-50a4f8a9dce3" providerId="ADAL" clId="{18BF8EDD-5EAE-40A0-AD20-7ADCA19C85DA}" dt="2025-08-18T11:21:29.531" v="4330" actId="20577"/>
+          <ac:spMkLst>
+            <pc:docMk/>
+            <pc:sldMk cId="980947457" sldId="530"/>
+            <ac:spMk id="253" creationId="{2EF709F7-DB21-D6D4-D46A-00C25318ADD5}"/>
+          </ac:spMkLst>
+        </pc:spChg>
+        <pc:spChg chg="mod">
+          <ac:chgData name="Boddepalli, Lavanya" userId="eaf4ee7c-b98b-41d0-a1e8-50a4f8a9dce3" providerId="ADAL" clId="{18BF8EDD-5EAE-40A0-AD20-7ADCA19C85DA}" dt="2025-08-18T11:21:16.302" v="4297" actId="20577"/>
           <ac:spMkLst>
             <pc:docMk/>
             <pc:sldMk cId="980947457" sldId="530"/>
             <ac:spMk id="254" creationId="{C47956F2-4D83-E9B1-4DD8-508A9F53530E}"/>
           </ac:spMkLst>
         </pc:spChg>
-      </pc:sldChg>
-      <pc:sldChg chg="modSp mod">
-        <pc:chgData name="Bantwal Hebbahalasinakate, Mayur Pai" userId="754cdd8c-0ff8-48ba-be35-c2e80932eaf7" providerId="ADAL" clId="{5703FC0A-0008-45B5-AEF5-C27D1505EEC7}" dt="2025-08-23T17:34:11.017" v="436" actId="20577"/>
-        <pc:sldMkLst>
-          <pc:docMk/>
-          <pc:sldMk cId="574078619" sldId="531"/>
-        </pc:sldMkLst>
-        <pc:spChg chg="mod">
-          <ac:chgData name="Bantwal Hebbahalasinakate, Mayur Pai" userId="754cdd8c-0ff8-48ba-be35-c2e80932eaf7" providerId="ADAL" clId="{5703FC0A-0008-45B5-AEF5-C27D1505EEC7}" dt="2025-08-23T17:34:11.017" v="436" actId="20577"/>
-          <ac:spMkLst>
+        <pc:grpChg chg="mod">
+          <ac:chgData name="Boddepalli, Lavanya" userId="eaf4ee7c-b98b-41d0-a1e8-50a4f8a9dce3" providerId="ADAL" clId="{18BF8EDD-5EAE-40A0-AD20-7ADCA19C85DA}" dt="2025-08-19T04:53:36.411" v="4615"/>
+          <ac:grpSpMkLst>
             <pc:docMk/>
-            <pc:sldMk cId="574078619" sldId="531"/>
-            <ac:spMk id="254" creationId="{5DCCB64E-7445-D5C7-C17C-C2FC4968491E}"/>
-          </ac:spMkLst>
-        </pc:spChg>
-      </pc:sldChg>
-      <pc:sldChg chg="modSp mod">
-        <pc:chgData name="Bantwal Hebbahalasinakate, Mayur Pai" userId="754cdd8c-0ff8-48ba-be35-c2e80932eaf7" providerId="ADAL" clId="{5703FC0A-0008-45B5-AEF5-C27D1505EEC7}" dt="2025-08-23T17:34:14.176" v="438" actId="20577"/>
-        <pc:sldMkLst>
-          <pc:docMk/>
-          <pc:sldMk cId="664143403" sldId="532"/>
-        </pc:sldMkLst>
-        <pc:spChg chg="mod">
-          <ac:chgData name="Bantwal Hebbahalasinakate, Mayur Pai" userId="754cdd8c-0ff8-48ba-be35-c2e80932eaf7" providerId="ADAL" clId="{5703FC0A-0008-45B5-AEF5-C27D1505EEC7}" dt="2025-08-23T17:34:14.176" v="438" actId="20577"/>
-          <ac:spMkLst>
-            <pc:docMk/>
-            <pc:sldMk cId="664143403" sldId="532"/>
-            <ac:spMk id="254" creationId="{367E7E27-51B2-39FD-7D7B-82639D44C0F2}"/>
-          </ac:spMkLst>
-        </pc:spChg>
-      </pc:sldChg>
-      <pc:sldChg chg="modSp mod">
-        <pc:chgData name="Bantwal Hebbahalasinakate, Mayur Pai" userId="754cdd8c-0ff8-48ba-be35-c2e80932eaf7" providerId="ADAL" clId="{5703FC0A-0008-45B5-AEF5-C27D1505EEC7}" dt="2025-08-23T17:34:16.651" v="440" actId="20577"/>
-        <pc:sldMkLst>
-          <pc:docMk/>
-          <pc:sldMk cId="506565346" sldId="533"/>
-        </pc:sldMkLst>
-        <pc:spChg chg="mod">
-          <ac:chgData name="Bantwal Hebbahalasinakate, Mayur Pai" userId="754cdd8c-0ff8-48ba-be35-c2e80932eaf7" providerId="ADAL" clId="{5703FC0A-0008-45B5-AEF5-C27D1505EEC7}" dt="2025-08-23T17:34:16.651" v="440" actId="20577"/>
-          <ac:spMkLst>
-            <pc:docMk/>
-            <pc:sldMk cId="506565346" sldId="533"/>
-            <ac:spMk id="254" creationId="{5B1268D9-7792-0B8C-07B2-E6D13DF0DC2E}"/>
-          </ac:spMkLst>
-        </pc:spChg>
-      </pc:sldChg>
-      <pc:sldChg chg="modSp mod">
-        <pc:chgData name="Bantwal Hebbahalasinakate, Mayur Pai" userId="754cdd8c-0ff8-48ba-be35-c2e80932eaf7" providerId="ADAL" clId="{5703FC0A-0008-45B5-AEF5-C27D1505EEC7}" dt="2025-08-23T17:34:21.323" v="442" actId="20577"/>
-        <pc:sldMkLst>
-          <pc:docMk/>
-          <pc:sldMk cId="3812268607" sldId="536"/>
-        </pc:sldMkLst>
-        <pc:spChg chg="mod">
-          <ac:chgData name="Bantwal Hebbahalasinakate, Mayur Pai" userId="754cdd8c-0ff8-48ba-be35-c2e80932eaf7" providerId="ADAL" clId="{5703FC0A-0008-45B5-AEF5-C27D1505EEC7}" dt="2025-08-23T17:34:21.323" v="442" actId="20577"/>
-          <ac:spMkLst>
-            <pc:docMk/>
-            <pc:sldMk cId="3812268607" sldId="536"/>
-            <ac:spMk id="254" creationId="{4F3A72FD-CDA9-880E-5335-6BA4465084F8}"/>
-          </ac:spMkLst>
-        </pc:spChg>
-      </pc:sldChg>
-      <pc:sldChg chg="modSp mod">
-        <pc:chgData name="Bantwal Hebbahalasinakate, Mayur Pai" userId="754cdd8c-0ff8-48ba-be35-c2e80932eaf7" providerId="ADAL" clId="{5703FC0A-0008-45B5-AEF5-C27D1505EEC7}" dt="2025-08-23T17:34:24.809" v="444" actId="20577"/>
-        <pc:sldMkLst>
-          <pc:docMk/>
-          <pc:sldMk cId="4013789738" sldId="537"/>
-        </pc:sldMkLst>
-        <pc:spChg chg="mod">
-          <ac:chgData name="Bantwal Hebbahalasinakate, Mayur Pai" userId="754cdd8c-0ff8-48ba-be35-c2e80932eaf7" providerId="ADAL" clId="{5703FC0A-0008-45B5-AEF5-C27D1505EEC7}" dt="2025-08-23T17:34:24.809" v="444" actId="20577"/>
-          <ac:spMkLst>
-            <pc:docMk/>
-            <pc:sldMk cId="4013789738" sldId="537"/>
-            <ac:spMk id="254" creationId="{A3000023-49A8-4808-D6A5-F0DA08DEB224}"/>
-          </ac:spMkLst>
-        </pc:spChg>
-      </pc:sldChg>
-      <pc:sldChg chg="modSp mod">
-        <pc:chgData name="Bantwal Hebbahalasinakate, Mayur Pai" userId="754cdd8c-0ff8-48ba-be35-c2e80932eaf7" providerId="ADAL" clId="{5703FC0A-0008-45B5-AEF5-C27D1505EEC7}" dt="2025-08-23T17:34:27.708" v="446" actId="20577"/>
-        <pc:sldMkLst>
-          <pc:docMk/>
-          <pc:sldMk cId="3017527538" sldId="538"/>
-        </pc:sldMkLst>
-        <pc:spChg chg="mod">
-          <ac:chgData name="Bantwal Hebbahalasinakate, Mayur Pai" userId="754cdd8c-0ff8-48ba-be35-c2e80932eaf7" providerId="ADAL" clId="{5703FC0A-0008-45B5-AEF5-C27D1505EEC7}" dt="2025-08-23T17:34:27.708" v="446" actId="20577"/>
-          <ac:spMkLst>
-            <pc:docMk/>
-            <pc:sldMk cId="3017527538" sldId="538"/>
-            <ac:spMk id="254" creationId="{0D7620F1-DEC1-3BB0-9F99-44588EF30FBE}"/>
-          </ac:spMkLst>
-        </pc:spChg>
-      </pc:sldChg>
-      <pc:sldChg chg="modSp mod">
-        <pc:chgData name="Bantwal Hebbahalasinakate, Mayur Pai" userId="754cdd8c-0ff8-48ba-be35-c2e80932eaf7" providerId="ADAL" clId="{5703FC0A-0008-45B5-AEF5-C27D1505EEC7}" dt="2025-08-23T17:34:31.577" v="448" actId="20577"/>
-        <pc:sldMkLst>
-          <pc:docMk/>
-          <pc:sldMk cId="2356792113" sldId="540"/>
-        </pc:sldMkLst>
-        <pc:spChg chg="mod">
-          <ac:chgData name="Bantwal Hebbahalasinakate, Mayur Pai" userId="754cdd8c-0ff8-48ba-be35-c2e80932eaf7" providerId="ADAL" clId="{5703FC0A-0008-45B5-AEF5-C27D1505EEC7}" dt="2025-08-23T17:34:31.577" v="448" actId="20577"/>
-          <ac:spMkLst>
-            <pc:docMk/>
-            <pc:sldMk cId="2356792113" sldId="540"/>
-            <ac:spMk id="254" creationId="{79A82ED0-4140-3189-E76D-E403BCDCF9B8}"/>
-          </ac:spMkLst>
-        </pc:spChg>
-      </pc:sldChg>
-      <pc:sldChg chg="modSp mod">
-        <pc:chgData name="Bantwal Hebbahalasinakate, Mayur Pai" userId="754cdd8c-0ff8-48ba-be35-c2e80932eaf7" providerId="ADAL" clId="{5703FC0A-0008-45B5-AEF5-C27D1505EEC7}" dt="2025-08-23T17:34:36.037" v="450" actId="20577"/>
-        <pc:sldMkLst>
-          <pc:docMk/>
-          <pc:sldMk cId="518204688" sldId="542"/>
-        </pc:sldMkLst>
-        <pc:spChg chg="mod">
-          <ac:chgData name="Bantwal Hebbahalasinakate, Mayur Pai" userId="754cdd8c-0ff8-48ba-be35-c2e80932eaf7" providerId="ADAL" clId="{5703FC0A-0008-45B5-AEF5-C27D1505EEC7}" dt="2025-08-23T17:34:36.037" v="450" actId="20577"/>
-          <ac:spMkLst>
-            <pc:docMk/>
-            <pc:sldMk cId="518204688" sldId="542"/>
-            <ac:spMk id="254" creationId="{4C7DB4AE-02EC-3183-726E-33AECF182EF2}"/>
-          </ac:spMkLst>
-        </pc:spChg>
-      </pc:sldChg>
-      <pc:sldChg chg="modSp mod">
-        <pc:chgData name="Bantwal Hebbahalasinakate, Mayur Pai" userId="754cdd8c-0ff8-48ba-be35-c2e80932eaf7" providerId="ADAL" clId="{5703FC0A-0008-45B5-AEF5-C27D1505EEC7}" dt="2025-08-23T17:34:40.353" v="452" actId="20577"/>
-        <pc:sldMkLst>
-          <pc:docMk/>
-          <pc:sldMk cId="466813535" sldId="543"/>
-        </pc:sldMkLst>
-        <pc:spChg chg="mod">
-          <ac:chgData name="Bantwal Hebbahalasinakate, Mayur Pai" userId="754cdd8c-0ff8-48ba-be35-c2e80932eaf7" providerId="ADAL" clId="{5703FC0A-0008-45B5-AEF5-C27D1505EEC7}" dt="2025-08-23T17:34:40.353" v="452" actId="20577"/>
-          <ac:spMkLst>
-            <pc:docMk/>
-            <pc:sldMk cId="466813535" sldId="543"/>
-            <ac:spMk id="254" creationId="{F6AF3528-4A41-E370-9637-A4FB9565121A}"/>
-          </ac:spMkLst>
-        </pc:spChg>
-      </pc:sldChg>
-      <pc:sldChg chg="modSp mod">
-        <pc:chgData name="Bantwal Hebbahalasinakate, Mayur Pai" userId="754cdd8c-0ff8-48ba-be35-c2e80932eaf7" providerId="ADAL" clId="{5703FC0A-0008-45B5-AEF5-C27D1505EEC7}" dt="2025-08-23T17:36:27.109" v="455" actId="1076"/>
-        <pc:sldMkLst>
-          <pc:docMk/>
-          <pc:sldMk cId="3395573679" sldId="545"/>
-        </pc:sldMkLst>
+            <pc:sldMk cId="980947457" sldId="530"/>
+            <ac:grpSpMk id="11" creationId="{D9DEB5A7-D602-09B8-12AF-58E4EEBB3105}"/>
+          </ac:grpSpMkLst>
+        </pc:grpChg>
         <pc:picChg chg="mod">
-          <ac:chgData name="Bantwal Hebbahalasinakate, Mayur Pai" userId="754cdd8c-0ff8-48ba-be35-c2e80932eaf7" providerId="ADAL" clId="{5703FC0A-0008-45B5-AEF5-C27D1505EEC7}" dt="2025-08-23T17:36:27.109" v="455" actId="1076"/>
+          <ac:chgData name="Boddepalli, Lavanya" userId="eaf4ee7c-b98b-41d0-a1e8-50a4f8a9dce3" providerId="ADAL" clId="{18BF8EDD-5EAE-40A0-AD20-7ADCA19C85DA}" dt="2025-08-19T04:53:36.411" v="4615"/>
           <ac:picMkLst>
             <pc:docMk/>
-            <pc:sldMk cId="3395573679" sldId="545"/>
-            <ac:picMk id="3" creationId="{119D44B0-3D2B-C9F5-5731-C64F7ADEF51E}"/>
+            <pc:sldMk cId="980947457" sldId="530"/>
+            <ac:picMk id="3" creationId="{49E15347-4294-1A9F-8141-77D00DC9BFFC}"/>
           </ac:picMkLst>
         </pc:picChg>
       </pc:sldChg>
@@ -860,7 +735,7 @@
   <pc:docChgLst>
     <pc:chgData name="Boddepalli, Lavanya" userId="eaf4ee7c-b98b-41d0-a1e8-50a4f8a9dce3" providerId="ADAL" clId="{2FAB9F09-5600-4B2A-9696-033228B32F6D}"/>
     <pc:docChg chg="undo redo custSel addSld delSld modSld sldOrd addSection delSection modSection">
-      <pc:chgData name="Boddepalli, Lavanya" userId="eaf4ee7c-b98b-41d0-a1e8-50a4f8a9dce3" providerId="ADAL" clId="{2FAB9F09-5600-4B2A-9696-033228B32F6D}" dt="2025-08-21T10:46:18.026" v="7907" actId="20577"/>
+      <pc:chgData name="Boddepalli, Lavanya" userId="eaf4ee7c-b98b-41d0-a1e8-50a4f8a9dce3" providerId="ADAL" clId="{2FAB9F09-5600-4B2A-9696-033228B32F6D}" dt="2025-09-01T06:00:33.465" v="7954" actId="20577"/>
       <pc:docMkLst>
         <pc:docMk/>
       </pc:docMkLst>
@@ -1548,6 +1423,36 @@
           </ac:picMkLst>
         </pc:picChg>
       </pc:sldChg>
+      <pc:sldChg chg="modSp mod">
+        <pc:chgData name="Boddepalli, Lavanya" userId="eaf4ee7c-b98b-41d0-a1e8-50a4f8a9dce3" providerId="ADAL" clId="{2FAB9F09-5600-4B2A-9696-033228B32F6D}" dt="2025-08-30T08:24:36.193" v="7946" actId="20577"/>
+        <pc:sldMkLst>
+          <pc:docMk/>
+          <pc:sldMk cId="2076122777" sldId="525"/>
+        </pc:sldMkLst>
+        <pc:spChg chg="mod">
+          <ac:chgData name="Boddepalli, Lavanya" userId="eaf4ee7c-b98b-41d0-a1e8-50a4f8a9dce3" providerId="ADAL" clId="{2FAB9F09-5600-4B2A-9696-033228B32F6D}" dt="2025-08-30T08:24:36.193" v="7946" actId="20577"/>
+          <ac:spMkLst>
+            <pc:docMk/>
+            <pc:sldMk cId="2076122777" sldId="525"/>
+            <ac:spMk id="8" creationId="{3D77BF50-F661-87B6-3A71-05E4CFD1D526}"/>
+          </ac:spMkLst>
+        </pc:spChg>
+      </pc:sldChg>
+      <pc:sldChg chg="modSp mod">
+        <pc:chgData name="Boddepalli, Lavanya" userId="eaf4ee7c-b98b-41d0-a1e8-50a4f8a9dce3" providerId="ADAL" clId="{2FAB9F09-5600-4B2A-9696-033228B32F6D}" dt="2025-08-28T09:15:07.763" v="7933" actId="20577"/>
+        <pc:sldMkLst>
+          <pc:docMk/>
+          <pc:sldMk cId="166880163" sldId="526"/>
+        </pc:sldMkLst>
+        <pc:spChg chg="mod">
+          <ac:chgData name="Boddepalli, Lavanya" userId="eaf4ee7c-b98b-41d0-a1e8-50a4f8a9dce3" providerId="ADAL" clId="{2FAB9F09-5600-4B2A-9696-033228B32F6D}" dt="2025-08-28T09:15:07.763" v="7933" actId="20577"/>
+          <ac:spMkLst>
+            <pc:docMk/>
+            <pc:sldMk cId="166880163" sldId="526"/>
+            <ac:spMk id="8" creationId="{8D73BA16-1EB3-583D-FE99-CD2FDC72461A}"/>
+          </ac:spMkLst>
+        </pc:spChg>
+      </pc:sldChg>
       <pc:sldChg chg="addSp delSp modSp del mod">
         <pc:chgData name="Boddepalli, Lavanya" userId="eaf4ee7c-b98b-41d0-a1e8-50a4f8a9dce3" providerId="ADAL" clId="{2FAB9F09-5600-4B2A-9696-033228B32F6D}" dt="2025-08-21T06:36:09.995" v="426" actId="2696"/>
         <pc:sldMkLst>
@@ -1903,13 +1808,13 @@
         </pc:grpChg>
       </pc:sldChg>
       <pc:sldChg chg="modSp add mod">
-        <pc:chgData name="Boddepalli, Lavanya" userId="eaf4ee7c-b98b-41d0-a1e8-50a4f8a9dce3" providerId="ADAL" clId="{2FAB9F09-5600-4B2A-9696-033228B32F6D}" dt="2025-08-21T10:34:34.744" v="7318" actId="20577"/>
+        <pc:chgData name="Boddepalli, Lavanya" userId="eaf4ee7c-b98b-41d0-a1e8-50a4f8a9dce3" providerId="ADAL" clId="{2FAB9F09-5600-4B2A-9696-033228B32F6D}" dt="2025-09-01T06:00:33.465" v="7954" actId="20577"/>
         <pc:sldMkLst>
           <pc:docMk/>
           <pc:sldMk cId="466813535" sldId="543"/>
         </pc:sldMkLst>
         <pc:spChg chg="mod">
-          <ac:chgData name="Boddepalli, Lavanya" userId="eaf4ee7c-b98b-41d0-a1e8-50a4f8a9dce3" providerId="ADAL" clId="{2FAB9F09-5600-4B2A-9696-033228B32F6D}" dt="2025-08-21T10:23:57.029" v="6518" actId="20577"/>
+          <ac:chgData name="Boddepalli, Lavanya" userId="eaf4ee7c-b98b-41d0-a1e8-50a4f8a9dce3" providerId="ADAL" clId="{2FAB9F09-5600-4B2A-9696-033228B32F6D}" dt="2025-09-01T06:00:33.465" v="7954" actId="20577"/>
           <ac:spMkLst>
             <pc:docMk/>
             <pc:sldMk cId="466813535" sldId="543"/>
@@ -1940,13 +1845,13 @@
         </pc:sldMkLst>
       </pc:sldChg>
       <pc:sldChg chg="modSp add mod ord">
-        <pc:chgData name="Boddepalli, Lavanya" userId="eaf4ee7c-b98b-41d0-a1e8-50a4f8a9dce3" providerId="ADAL" clId="{2FAB9F09-5600-4B2A-9696-033228B32F6D}" dt="2025-08-21T10:46:18.026" v="7907" actId="20577"/>
+        <pc:chgData name="Boddepalli, Lavanya" userId="eaf4ee7c-b98b-41d0-a1e8-50a4f8a9dce3" providerId="ADAL" clId="{2FAB9F09-5600-4B2A-9696-033228B32F6D}" dt="2025-09-01T05:33:40.340" v="7947" actId="20577"/>
         <pc:sldMkLst>
           <pc:docMk/>
           <pc:sldMk cId="147234377" sldId="546"/>
         </pc:sldMkLst>
         <pc:spChg chg="mod">
-          <ac:chgData name="Boddepalli, Lavanya" userId="eaf4ee7c-b98b-41d0-a1e8-50a4f8a9dce3" providerId="ADAL" clId="{2FAB9F09-5600-4B2A-9696-033228B32F6D}" dt="2025-08-21T10:46:18.026" v="7907" actId="20577"/>
+          <ac:chgData name="Boddepalli, Lavanya" userId="eaf4ee7c-b98b-41d0-a1e8-50a4f8a9dce3" providerId="ADAL" clId="{2FAB9F09-5600-4B2A-9696-033228B32F6D}" dt="2025-09-01T05:33:40.340" v="7947" actId="20577"/>
           <ac:spMkLst>
             <pc:docMk/>
             <pc:sldMk cId="147234377" sldId="546"/>
@@ -1958,7 +1863,7 @@
         <pc:chgData name="Boddepalli, Lavanya" userId="eaf4ee7c-b98b-41d0-a1e8-50a4f8a9dce3" providerId="ADAL" clId="{2FAB9F09-5600-4B2A-9696-033228B32F6D}" dt="2025-08-21T10:36:00.908" v="7323" actId="18676"/>
         <pc:sldMasterMkLst>
           <pc:docMk/>
-          <pc:sldMasterMk cId="0" sldId="2147483648"/>
+          <pc:sldMasterMk cId="0" sldId="2147483668"/>
         </pc:sldMasterMkLst>
         <pc:sldLayoutChg chg="add del">
           <pc:chgData name="Boddepalli, Lavanya" userId="eaf4ee7c-b98b-41d0-a1e8-50a4f8a9dce3" providerId="ADAL" clId="{2FAB9F09-5600-4B2A-9696-033228B32F6D}" dt="2025-08-21T10:36:00.908" v="7323" actId="18676"/>
@@ -1972,35 +1877,20 @@
     </pc:docChg>
   </pc:docChgLst>
   <pc:docChgLst>
-    <pc:chgData name="Boddepalli, Lavanya" userId="eaf4ee7c-b98b-41d0-a1e8-50a4f8a9dce3" providerId="ADAL" clId="{18BF8EDD-5EAE-40A0-AD20-7ADCA19C85DA}"/>
-    <pc:docChg chg="undo custSel addSld modSld sldOrd modSection">
-      <pc:chgData name="Boddepalli, Lavanya" userId="eaf4ee7c-b98b-41d0-a1e8-50a4f8a9dce3" providerId="ADAL" clId="{18BF8EDD-5EAE-40A0-AD20-7ADCA19C85DA}" dt="2025-08-19T04:55:43.935" v="4828" actId="20577"/>
+    <pc:chgData name="Bantwal Hebbahalasinakate, Mayur Pai" userId="754cdd8c-0ff8-48ba-be35-c2e80932eaf7" providerId="ADAL" clId="{5703FC0A-0008-45B5-AEF5-C27D1505EEC7}"/>
+    <pc:docChg chg="undo redo custSel addSld delSld modSld modSection">
+      <pc:chgData name="Bantwal Hebbahalasinakate, Mayur Pai" userId="754cdd8c-0ff8-48ba-be35-c2e80932eaf7" providerId="ADAL" clId="{5703FC0A-0008-45B5-AEF5-C27D1505EEC7}" dt="2025-08-25T10:40:29.231" v="456" actId="20577"/>
       <pc:docMkLst>
         <pc:docMk/>
       </pc:docMkLst>
       <pc:sldChg chg="modSp modAnim">
-        <pc:chgData name="Boddepalli, Lavanya" userId="eaf4ee7c-b98b-41d0-a1e8-50a4f8a9dce3" providerId="ADAL" clId="{18BF8EDD-5EAE-40A0-AD20-7ADCA19C85DA}" dt="2025-08-18T07:28:43.035" v="67" actId="20577"/>
-        <pc:sldMkLst>
-          <pc:docMk/>
-          <pc:sldMk cId="0" sldId="259"/>
-        </pc:sldMkLst>
-        <pc:spChg chg="mod">
-          <ac:chgData name="Boddepalli, Lavanya" userId="eaf4ee7c-b98b-41d0-a1e8-50a4f8a9dce3" providerId="ADAL" clId="{18BF8EDD-5EAE-40A0-AD20-7ADCA19C85DA}" dt="2025-08-18T07:28:43.035" v="67" actId="20577"/>
-          <ac:spMkLst>
-            <pc:docMk/>
-            <pc:sldMk cId="0" sldId="259"/>
-            <ac:spMk id="7" creationId="{8F3F1603-B4ED-DC10-C260-83CE241220CF}"/>
-          </ac:spMkLst>
-        </pc:spChg>
-      </pc:sldChg>
-      <pc:sldChg chg="modSp mod modAnim">
-        <pc:chgData name="Boddepalli, Lavanya" userId="eaf4ee7c-b98b-41d0-a1e8-50a4f8a9dce3" providerId="ADAL" clId="{18BF8EDD-5EAE-40A0-AD20-7ADCA19C85DA}" dt="2025-08-18T07:40:48.897" v="580" actId="20577"/>
+        <pc:chgData name="Bantwal Hebbahalasinakate, Mayur Pai" userId="754cdd8c-0ff8-48ba-be35-c2e80932eaf7" providerId="ADAL" clId="{5703FC0A-0008-45B5-AEF5-C27D1505EEC7}" dt="2025-08-23T17:33:45.217" v="423"/>
         <pc:sldMkLst>
           <pc:docMk/>
           <pc:sldMk cId="0" sldId="265"/>
         </pc:sldMkLst>
         <pc:spChg chg="mod">
-          <ac:chgData name="Boddepalli, Lavanya" userId="eaf4ee7c-b98b-41d0-a1e8-50a4f8a9dce3" providerId="ADAL" clId="{18BF8EDD-5EAE-40A0-AD20-7ADCA19C85DA}" dt="2025-08-18T07:40:43.892" v="577" actId="20577"/>
+          <ac:chgData name="Bantwal Hebbahalasinakate, Mayur Pai" userId="754cdd8c-0ff8-48ba-be35-c2e80932eaf7" providerId="ADAL" clId="{5703FC0A-0008-45B5-AEF5-C27D1505EEC7}" dt="2025-08-23T17:33:24.143" v="415" actId="20577"/>
           <ac:spMkLst>
             <pc:docMk/>
             <pc:sldMk cId="0" sldId="265"/>
@@ -2008,7 +1898,7 @@
           </ac:spMkLst>
         </pc:spChg>
         <pc:spChg chg="mod">
-          <ac:chgData name="Boddepalli, Lavanya" userId="eaf4ee7c-b98b-41d0-a1e8-50a4f8a9dce3" providerId="ADAL" clId="{18BF8EDD-5EAE-40A0-AD20-7ADCA19C85DA}" dt="2025-08-18T07:40:48.897" v="580" actId="20577"/>
+          <ac:chgData name="Bantwal Hebbahalasinakate, Mayur Pai" userId="754cdd8c-0ff8-48ba-be35-c2e80932eaf7" providerId="ADAL" clId="{5703FC0A-0008-45B5-AEF5-C27D1505EEC7}" dt="2025-08-23T17:33:27.443" v="419" actId="20577"/>
           <ac:spMkLst>
             <pc:docMk/>
             <pc:sldMk cId="0" sldId="265"/>
@@ -2016,130 +1906,138 @@
           </ac:spMkLst>
         </pc:spChg>
       </pc:sldChg>
-      <pc:sldChg chg="addSp delSp modSp mod modClrScheme chgLayout">
-        <pc:chgData name="Boddepalli, Lavanya" userId="eaf4ee7c-b98b-41d0-a1e8-50a4f8a9dce3" providerId="ADAL" clId="{18BF8EDD-5EAE-40A0-AD20-7ADCA19C85DA}" dt="2025-08-18T08:51:05.496" v="800" actId="1035"/>
+      <pc:sldChg chg="addSp delSp modSp mod addAnim delAnim modAnim">
+        <pc:chgData name="Bantwal Hebbahalasinakate, Mayur Pai" userId="754cdd8c-0ff8-48ba-be35-c2e80932eaf7" providerId="ADAL" clId="{5703FC0A-0008-45B5-AEF5-C27D1505EEC7}" dt="2025-08-23T17:35:24.854" v="454"/>
         <pc:sldMkLst>
           <pc:docMk/>
           <pc:sldMk cId="0" sldId="267"/>
         </pc:sldMkLst>
-        <pc:spChg chg="mod ord">
-          <ac:chgData name="Boddepalli, Lavanya" userId="eaf4ee7c-b98b-41d0-a1e8-50a4f8a9dce3" providerId="ADAL" clId="{18BF8EDD-5EAE-40A0-AD20-7ADCA19C85DA}" dt="2025-08-18T08:41:34.322" v="605" actId="700"/>
+        <pc:spChg chg="mod">
+          <ac:chgData name="Bantwal Hebbahalasinakate, Mayur Pai" userId="754cdd8c-0ff8-48ba-be35-c2e80932eaf7" providerId="ADAL" clId="{5703FC0A-0008-45B5-AEF5-C27D1505EEC7}" dt="2025-08-23T17:24:14.380" v="368" actId="20577"/>
           <ac:spMkLst>
             <pc:docMk/>
             <pc:sldMk cId="0" sldId="267"/>
-            <ac:spMk id="2" creationId="{6E8236C8-1B63-E6BC-2285-F0A69D163446}"/>
+            <ac:spMk id="6" creationId="{CC28E446-EB49-5DBD-9E0F-BF300C86C90A}"/>
           </ac:spMkLst>
         </pc:spChg>
-        <pc:spChg chg="mod ord">
-          <ac:chgData name="Boddepalli, Lavanya" userId="eaf4ee7c-b98b-41d0-a1e8-50a4f8a9dce3" providerId="ADAL" clId="{18BF8EDD-5EAE-40A0-AD20-7ADCA19C85DA}" dt="2025-08-18T08:50:53.057" v="796" actId="1036"/>
+        <pc:spChg chg="add mod">
+          <ac:chgData name="Bantwal Hebbahalasinakate, Mayur Pai" userId="754cdd8c-0ff8-48ba-be35-c2e80932eaf7" providerId="ADAL" clId="{5703FC0A-0008-45B5-AEF5-C27D1505EEC7}" dt="2025-08-23T17:20:59.799" v="214" actId="2711"/>
+          <ac:spMkLst>
+            <pc:docMk/>
+            <pc:sldMk cId="0" sldId="267"/>
+            <ac:spMk id="7" creationId="{E4341A0E-7E70-89CD-F180-2F53BC754BD4}"/>
+          </ac:spMkLst>
+        </pc:spChg>
+        <pc:spChg chg="mod">
+          <ac:chgData name="Bantwal Hebbahalasinakate, Mayur Pai" userId="754cdd8c-0ff8-48ba-be35-c2e80932eaf7" providerId="ADAL" clId="{5703FC0A-0008-45B5-AEF5-C27D1505EEC7}" dt="2025-08-23T17:24:00.822" v="360"/>
+          <ac:spMkLst>
+            <pc:docMk/>
+            <pc:sldMk cId="0" sldId="267"/>
+            <ac:spMk id="12" creationId="{F063DADB-309D-52C4-9A23-BBC45ED725E3}"/>
+          </ac:spMkLst>
+        </pc:spChg>
+        <pc:spChg chg="mod">
+          <ac:chgData name="Bantwal Hebbahalasinakate, Mayur Pai" userId="754cdd8c-0ff8-48ba-be35-c2e80932eaf7" providerId="ADAL" clId="{5703FC0A-0008-45B5-AEF5-C27D1505EEC7}" dt="2025-08-23T17:23:43.964" v="358" actId="20577"/>
+          <ac:spMkLst>
+            <pc:docMk/>
+            <pc:sldMk cId="0" sldId="267"/>
+            <ac:spMk id="17" creationId="{644C5B81-ACDF-5F87-086C-41DEB7B36BA2}"/>
+          </ac:spMkLst>
+        </pc:spChg>
+        <pc:spChg chg="mod">
+          <ac:chgData name="Bantwal Hebbahalasinakate, Mayur Pai" userId="754cdd8c-0ff8-48ba-be35-c2e80932eaf7" providerId="ADAL" clId="{5703FC0A-0008-45B5-AEF5-C27D1505EEC7}" dt="2025-08-23T17:34:52.262" v="453" actId="207"/>
           <ac:spMkLst>
             <pc:docMk/>
             <pc:sldMk cId="0" sldId="267"/>
             <ac:spMk id="253" creationId="{00000000-0000-0000-0000-000000000000}"/>
           </ac:spMkLst>
         </pc:spChg>
-        <pc:spChg chg="mod ord">
-          <ac:chgData name="Boddepalli, Lavanya" userId="eaf4ee7c-b98b-41d0-a1e8-50a4f8a9dce3" providerId="ADAL" clId="{18BF8EDD-5EAE-40A0-AD20-7ADCA19C85DA}" dt="2025-08-18T08:51:05.496" v="800" actId="1035"/>
+        <pc:grpChg chg="add mod">
+          <ac:chgData name="Bantwal Hebbahalasinakate, Mayur Pai" userId="754cdd8c-0ff8-48ba-be35-c2e80932eaf7" providerId="ADAL" clId="{5703FC0A-0008-45B5-AEF5-C27D1505EEC7}" dt="2025-08-23T17:20:19.040" v="204" actId="1036"/>
+          <ac:grpSpMkLst>
+            <pc:docMk/>
+            <pc:sldMk cId="0" sldId="267"/>
+            <ac:grpSpMk id="4" creationId="{8F033F28-BBEB-5C66-31C2-0AF1FB762D08}"/>
+          </ac:grpSpMkLst>
+        </pc:grpChg>
+        <pc:grpChg chg="add mod">
+          <ac:chgData name="Bantwal Hebbahalasinakate, Mayur Pai" userId="754cdd8c-0ff8-48ba-be35-c2e80932eaf7" providerId="ADAL" clId="{5703FC0A-0008-45B5-AEF5-C27D1505EEC7}" dt="2025-08-23T17:20:19.040" v="204" actId="1036"/>
+          <ac:grpSpMkLst>
+            <pc:docMk/>
+            <pc:sldMk cId="0" sldId="267"/>
+            <ac:grpSpMk id="9" creationId="{537F52A1-D10F-7A8F-9CB3-AD346CD6978F}"/>
+          </ac:grpSpMkLst>
+        </pc:grpChg>
+        <pc:grpChg chg="add mod">
+          <ac:chgData name="Bantwal Hebbahalasinakate, Mayur Pai" userId="754cdd8c-0ff8-48ba-be35-c2e80932eaf7" providerId="ADAL" clId="{5703FC0A-0008-45B5-AEF5-C27D1505EEC7}" dt="2025-08-23T17:21:14.829" v="216" actId="1076"/>
+          <ac:grpSpMkLst>
+            <pc:docMk/>
+            <pc:sldMk cId="0" sldId="267"/>
+            <ac:grpSpMk id="15" creationId="{1A2FABCE-AFD5-48E3-3CD3-4BDC790601FC}"/>
+          </ac:grpSpMkLst>
+        </pc:grpChg>
+        <pc:picChg chg="mod">
+          <ac:chgData name="Bantwal Hebbahalasinakate, Mayur Pai" userId="754cdd8c-0ff8-48ba-be35-c2e80932eaf7" providerId="ADAL" clId="{5703FC0A-0008-45B5-AEF5-C27D1505EEC7}" dt="2025-08-23T17:19:39.701" v="110"/>
+          <ac:picMkLst>
+            <pc:docMk/>
+            <pc:sldMk cId="0" sldId="267"/>
+            <ac:picMk id="5" creationId="{FAA6BF09-65EA-0FDB-7058-F19DE58F52E8}"/>
+          </ac:picMkLst>
+        </pc:picChg>
+        <pc:picChg chg="mod">
+          <ac:chgData name="Bantwal Hebbahalasinakate, Mayur Pai" userId="754cdd8c-0ff8-48ba-be35-c2e80932eaf7" providerId="ADAL" clId="{5703FC0A-0008-45B5-AEF5-C27D1505EEC7}" dt="2025-08-23T17:19:39.701" v="110"/>
+          <ac:picMkLst>
+            <pc:docMk/>
+            <pc:sldMk cId="0" sldId="267"/>
+            <ac:picMk id="10" creationId="{12F36591-5BCE-14D0-1F4D-B5A9AC908C22}"/>
+          </ac:picMkLst>
+        </pc:picChg>
+        <pc:picChg chg="mod">
+          <ac:chgData name="Bantwal Hebbahalasinakate, Mayur Pai" userId="754cdd8c-0ff8-48ba-be35-c2e80932eaf7" providerId="ADAL" clId="{5703FC0A-0008-45B5-AEF5-C27D1505EEC7}" dt="2025-08-23T17:21:11.070" v="215"/>
+          <ac:picMkLst>
+            <pc:docMk/>
+            <pc:sldMk cId="0" sldId="267"/>
+            <ac:picMk id="16" creationId="{8209CC7F-40AA-E5E6-05AF-693C92468B78}"/>
+          </ac:picMkLst>
+        </pc:picChg>
+      </pc:sldChg>
+      <pc:sldChg chg="modSp add mod">
+        <pc:chgData name="Bantwal Hebbahalasinakate, Mayur Pai" userId="754cdd8c-0ff8-48ba-be35-c2e80932eaf7" providerId="ADAL" clId="{5703FC0A-0008-45B5-AEF5-C27D1505EEC7}" dt="2025-08-25T10:40:29.231" v="456" actId="20577"/>
+        <pc:sldMkLst>
+          <pc:docMk/>
+          <pc:sldMk cId="0" sldId="357"/>
+        </pc:sldMkLst>
+        <pc:spChg chg="mod">
+          <ac:chgData name="Bantwal Hebbahalasinakate, Mayur Pai" userId="754cdd8c-0ff8-48ba-be35-c2e80932eaf7" providerId="ADAL" clId="{5703FC0A-0008-45B5-AEF5-C27D1505EEC7}" dt="2025-08-25T10:40:29.231" v="456" actId="20577"/>
           <ac:spMkLst>
             <pc:docMk/>
-            <pc:sldMk cId="0" sldId="267"/>
-            <ac:spMk id="254" creationId="{00000000-0000-0000-0000-000000000000}"/>
+            <pc:sldMk cId="0" sldId="357"/>
+            <ac:spMk id="1850" creationId="{00000000-0000-0000-0000-000000000000}"/>
           </ac:spMkLst>
         </pc:spChg>
       </pc:sldChg>
-      <pc:sldChg chg="modSp add mod">
-        <pc:chgData name="Boddepalli, Lavanya" userId="eaf4ee7c-b98b-41d0-a1e8-50a4f8a9dce3" providerId="ADAL" clId="{18BF8EDD-5EAE-40A0-AD20-7ADCA19C85DA}" dt="2025-08-18T08:55:19.987" v="1027" actId="20577"/>
+      <pc:sldChg chg="del">
+        <pc:chgData name="Bantwal Hebbahalasinakate, Mayur Pai" userId="754cdd8c-0ff8-48ba-be35-c2e80932eaf7" providerId="ADAL" clId="{5703FC0A-0008-45B5-AEF5-C27D1505EEC7}" dt="2025-08-23T17:13:26.866" v="65" actId="47"/>
         <pc:sldMkLst>
           <pc:docMk/>
           <pc:sldMk cId="906857529" sldId="522"/>
         </pc:sldMkLst>
       </pc:sldChg>
-      <pc:sldChg chg="modSp add mod ord">
-        <pc:chgData name="Boddepalli, Lavanya" userId="eaf4ee7c-b98b-41d0-a1e8-50a4f8a9dce3" providerId="ADAL" clId="{18BF8EDD-5EAE-40A0-AD20-7ADCA19C85DA}" dt="2025-08-18T09:33:41.020" v="1892" actId="255"/>
+      <pc:sldChg chg="addSp modSp del mod">
+        <pc:chgData name="Bantwal Hebbahalasinakate, Mayur Pai" userId="754cdd8c-0ff8-48ba-be35-c2e80932eaf7" providerId="ADAL" clId="{5703FC0A-0008-45B5-AEF5-C27D1505EEC7}" dt="2025-08-23T17:33:50.079" v="424" actId="47"/>
         <pc:sldMkLst>
           <pc:docMk/>
           <pc:sldMk cId="3477941004" sldId="523"/>
         </pc:sldMkLst>
       </pc:sldChg>
-      <pc:sldChg chg="addSp delSp modSp add mod ord setBg">
-        <pc:chgData name="Boddepalli, Lavanya" userId="eaf4ee7c-b98b-41d0-a1e8-50a4f8a9dce3" providerId="ADAL" clId="{18BF8EDD-5EAE-40A0-AD20-7ADCA19C85DA}" dt="2025-08-18T11:15:44.844" v="4292"/>
-        <pc:sldMkLst>
-          <pc:docMk/>
-          <pc:sldMk cId="3683306195" sldId="524"/>
-        </pc:sldMkLst>
-        <pc:spChg chg="add">
-          <ac:chgData name="Boddepalli, Lavanya" userId="eaf4ee7c-b98b-41d0-a1e8-50a4f8a9dce3" providerId="ADAL" clId="{18BF8EDD-5EAE-40A0-AD20-7ADCA19C85DA}" dt="2025-08-18T09:40:33.463" v="2128"/>
-          <ac:spMkLst>
-            <pc:docMk/>
-            <pc:sldMk cId="3683306195" sldId="524"/>
-            <ac:spMk id="5" creationId="{A136A2E7-7C32-380F-4EC3-0811DDAD9D7F}"/>
-          </ac:spMkLst>
-        </pc:spChg>
-        <pc:spChg chg="add del mod">
-          <ac:chgData name="Boddepalli, Lavanya" userId="eaf4ee7c-b98b-41d0-a1e8-50a4f8a9dce3" providerId="ADAL" clId="{18BF8EDD-5EAE-40A0-AD20-7ADCA19C85DA}" dt="2025-08-18T09:43:09.487" v="2223" actId="6549"/>
-          <ac:spMkLst>
-            <pc:docMk/>
-            <pc:sldMk cId="3683306195" sldId="524"/>
-            <ac:spMk id="6" creationId="{106B8273-C7FB-F34B-5851-9A06D713CF57}"/>
-          </ac:spMkLst>
-        </pc:spChg>
-        <pc:spChg chg="mod">
-          <ac:chgData name="Boddepalli, Lavanya" userId="eaf4ee7c-b98b-41d0-a1e8-50a4f8a9dce3" providerId="ADAL" clId="{18BF8EDD-5EAE-40A0-AD20-7ADCA19C85DA}" dt="2025-08-18T11:15:36.016" v="4290" actId="20577"/>
-          <ac:spMkLst>
-            <pc:docMk/>
-            <pc:sldMk cId="3683306195" sldId="524"/>
-            <ac:spMk id="8" creationId="{A0D6288C-9C58-22C5-4122-A06E5D935CCE}"/>
-          </ac:spMkLst>
-        </pc:spChg>
-        <pc:spChg chg="add mod">
-          <ac:chgData name="Boddepalli, Lavanya" userId="eaf4ee7c-b98b-41d0-a1e8-50a4f8a9dce3" providerId="ADAL" clId="{18BF8EDD-5EAE-40A0-AD20-7ADCA19C85DA}" dt="2025-08-18T09:43:08.475" v="2221" actId="207"/>
-          <ac:spMkLst>
-            <pc:docMk/>
-            <pc:sldMk cId="3683306195" sldId="524"/>
-            <ac:spMk id="9" creationId="{76D5BD34-BF01-2378-9A7F-CAB4844E57A7}"/>
-          </ac:spMkLst>
-        </pc:spChg>
-        <pc:grpChg chg="mod">
-          <ac:chgData name="Boddepalli, Lavanya" userId="eaf4ee7c-b98b-41d0-a1e8-50a4f8a9dce3" providerId="ADAL" clId="{18BF8EDD-5EAE-40A0-AD20-7ADCA19C85DA}" dt="2025-08-18T09:40:40.198" v="2131"/>
-          <ac:grpSpMkLst>
-            <pc:docMk/>
-            <pc:sldMk cId="3683306195" sldId="524"/>
-            <ac:grpSpMk id="11" creationId="{3C8BEC80-F45D-0E06-F166-A9DF9F0F4E6B}"/>
-          </ac:grpSpMkLst>
-        </pc:grpChg>
-        <pc:picChg chg="mod">
-          <ac:chgData name="Boddepalli, Lavanya" userId="eaf4ee7c-b98b-41d0-a1e8-50a4f8a9dce3" providerId="ADAL" clId="{18BF8EDD-5EAE-40A0-AD20-7ADCA19C85DA}" dt="2025-08-18T09:40:40.198" v="2131"/>
-          <ac:picMkLst>
-            <pc:docMk/>
-            <pc:sldMk cId="3683306195" sldId="524"/>
-            <ac:picMk id="3" creationId="{4BF08CFA-AF0A-75F8-86C7-1EC1D41457B5}"/>
-          </ac:picMkLst>
-        </pc:picChg>
-      </pc:sldChg>
-      <pc:sldChg chg="modSp add mod ord">
-        <pc:chgData name="Boddepalli, Lavanya" userId="eaf4ee7c-b98b-41d0-a1e8-50a4f8a9dce3" providerId="ADAL" clId="{18BF8EDD-5EAE-40A0-AD20-7ADCA19C85DA}" dt="2025-08-18T10:20:05.431" v="2775" actId="20577"/>
+      <pc:sldChg chg="modSp mod">
+        <pc:chgData name="Bantwal Hebbahalasinakate, Mayur Pai" userId="754cdd8c-0ff8-48ba-be35-c2e80932eaf7" providerId="ADAL" clId="{5703FC0A-0008-45B5-AEF5-C27D1505EEC7}" dt="2025-08-23T17:33:53.571" v="426" actId="20577"/>
         <pc:sldMkLst>
           <pc:docMk/>
           <pc:sldMk cId="2076122777" sldId="525"/>
         </pc:sldMkLst>
         <pc:spChg chg="mod">
-          <ac:chgData name="Boddepalli, Lavanya" userId="eaf4ee7c-b98b-41d0-a1e8-50a4f8a9dce3" providerId="ADAL" clId="{18BF8EDD-5EAE-40A0-AD20-7ADCA19C85DA}" dt="2025-08-18T10:20:05.431" v="2775" actId="20577"/>
-          <ac:spMkLst>
-            <pc:docMk/>
-            <pc:sldMk cId="2076122777" sldId="525"/>
-            <ac:spMk id="8" creationId="{3D77BF50-F661-87B6-3A71-05E4CFD1D526}"/>
-          </ac:spMkLst>
-        </pc:spChg>
-        <pc:spChg chg="mod">
-          <ac:chgData name="Boddepalli, Lavanya" userId="eaf4ee7c-b98b-41d0-a1e8-50a4f8a9dce3" providerId="ADAL" clId="{18BF8EDD-5EAE-40A0-AD20-7ADCA19C85DA}" dt="2025-08-18T09:44:30.957" v="2279" actId="20577"/>
-          <ac:spMkLst>
-            <pc:docMk/>
-            <pc:sldMk cId="2076122777" sldId="525"/>
-            <ac:spMk id="253" creationId="{FCD7C229-594D-ED3D-6385-73F52A50370F}"/>
-          </ac:spMkLst>
-        </pc:spChg>
-        <pc:spChg chg="mod">
-          <ac:chgData name="Boddepalli, Lavanya" userId="eaf4ee7c-b98b-41d0-a1e8-50a4f8a9dce3" providerId="ADAL" clId="{18BF8EDD-5EAE-40A0-AD20-7ADCA19C85DA}" dt="2025-08-18T09:44:04.315" v="2237" actId="20577"/>
+          <ac:chgData name="Bantwal Hebbahalasinakate, Mayur Pai" userId="754cdd8c-0ff8-48ba-be35-c2e80932eaf7" providerId="ADAL" clId="{5703FC0A-0008-45B5-AEF5-C27D1505EEC7}" dt="2025-08-23T17:33:53.571" v="426" actId="20577"/>
           <ac:spMkLst>
             <pc:docMk/>
             <pc:sldMk cId="2076122777" sldId="525"/>
@@ -2147,22 +2045,265 @@
           </ac:spMkLst>
         </pc:spChg>
       </pc:sldChg>
-      <pc:sldChg chg="addSp delSp modSp add mod">
-        <pc:chgData name="Boddepalli, Lavanya" userId="eaf4ee7c-b98b-41d0-a1e8-50a4f8a9dce3" providerId="ADAL" clId="{18BF8EDD-5EAE-40A0-AD20-7ADCA19C85DA}" dt="2025-08-18T10:26:30.390" v="3175" actId="20577"/>
+      <pc:sldChg chg="modSp mod">
+        <pc:chgData name="Bantwal Hebbahalasinakate, Mayur Pai" userId="754cdd8c-0ff8-48ba-be35-c2e80932eaf7" providerId="ADAL" clId="{5703FC0A-0008-45B5-AEF5-C27D1505EEC7}" dt="2025-08-23T17:33:57.181" v="428" actId="20577"/>
         <pc:sldMkLst>
           <pc:docMk/>
           <pc:sldMk cId="166880163" sldId="526"/>
         </pc:sldMkLst>
         <pc:spChg chg="mod">
-          <ac:chgData name="Boddepalli, Lavanya" userId="eaf4ee7c-b98b-41d0-a1e8-50a4f8a9dce3" providerId="ADAL" clId="{18BF8EDD-5EAE-40A0-AD20-7ADCA19C85DA}" dt="2025-08-18T10:26:30.390" v="3175" actId="20577"/>
+          <ac:chgData name="Bantwal Hebbahalasinakate, Mayur Pai" userId="754cdd8c-0ff8-48ba-be35-c2e80932eaf7" providerId="ADAL" clId="{5703FC0A-0008-45B5-AEF5-C27D1505EEC7}" dt="2025-08-23T17:33:57.181" v="428" actId="20577"/>
+          <ac:spMkLst>
+            <pc:docMk/>
+            <pc:sldMk cId="166880163" sldId="526"/>
+            <ac:spMk id="254" creationId="{574025E1-5FBF-2319-013F-36397FFA493D}"/>
+          </ac:spMkLst>
+        </pc:spChg>
+      </pc:sldChg>
+      <pc:sldChg chg="modSp mod">
+        <pc:chgData name="Bantwal Hebbahalasinakate, Mayur Pai" userId="754cdd8c-0ff8-48ba-be35-c2e80932eaf7" providerId="ADAL" clId="{5703FC0A-0008-45B5-AEF5-C27D1505EEC7}" dt="2025-08-23T17:33:59.916" v="430" actId="20577"/>
+        <pc:sldMkLst>
+          <pc:docMk/>
+          <pc:sldMk cId="221593116" sldId="527"/>
+        </pc:sldMkLst>
+        <pc:spChg chg="mod">
+          <ac:chgData name="Bantwal Hebbahalasinakate, Mayur Pai" userId="754cdd8c-0ff8-48ba-be35-c2e80932eaf7" providerId="ADAL" clId="{5703FC0A-0008-45B5-AEF5-C27D1505EEC7}" dt="2025-08-23T17:33:59.916" v="430" actId="20577"/>
+          <ac:spMkLst>
+            <pc:docMk/>
+            <pc:sldMk cId="221593116" sldId="527"/>
+            <ac:spMk id="254" creationId="{0D33E218-2EE1-7BDB-D079-B726D6A8CD34}"/>
+          </ac:spMkLst>
+        </pc:spChg>
+      </pc:sldChg>
+      <pc:sldChg chg="modSp mod">
+        <pc:chgData name="Bantwal Hebbahalasinakate, Mayur Pai" userId="754cdd8c-0ff8-48ba-be35-c2e80932eaf7" providerId="ADAL" clId="{5703FC0A-0008-45B5-AEF5-C27D1505EEC7}" dt="2025-08-23T17:34:03.755" v="432" actId="20577"/>
+        <pc:sldMkLst>
+          <pc:docMk/>
+          <pc:sldMk cId="2491458378" sldId="528"/>
+        </pc:sldMkLst>
+        <pc:spChg chg="mod">
+          <ac:chgData name="Bantwal Hebbahalasinakate, Mayur Pai" userId="754cdd8c-0ff8-48ba-be35-c2e80932eaf7" providerId="ADAL" clId="{5703FC0A-0008-45B5-AEF5-C27D1505EEC7}" dt="2025-08-23T17:34:03.755" v="432" actId="20577"/>
+          <ac:spMkLst>
+            <pc:docMk/>
+            <pc:sldMk cId="2491458378" sldId="528"/>
+            <ac:spMk id="254" creationId="{EB10E34C-252F-78F8-D7DC-4ABF0ACB6D22}"/>
+          </ac:spMkLst>
+        </pc:spChg>
+      </pc:sldChg>
+      <pc:sldChg chg="modSp mod">
+        <pc:chgData name="Bantwal Hebbahalasinakate, Mayur Pai" userId="754cdd8c-0ff8-48ba-be35-c2e80932eaf7" providerId="ADAL" clId="{5703FC0A-0008-45B5-AEF5-C27D1505EEC7}" dt="2025-08-23T17:34:08.459" v="434" actId="20577"/>
+        <pc:sldMkLst>
+          <pc:docMk/>
+          <pc:sldMk cId="980947457" sldId="530"/>
+        </pc:sldMkLst>
+        <pc:spChg chg="mod">
+          <ac:chgData name="Bantwal Hebbahalasinakate, Mayur Pai" userId="754cdd8c-0ff8-48ba-be35-c2e80932eaf7" providerId="ADAL" clId="{5703FC0A-0008-45B5-AEF5-C27D1505EEC7}" dt="2025-08-23T17:34:08.459" v="434" actId="20577"/>
+          <ac:spMkLst>
+            <pc:docMk/>
+            <pc:sldMk cId="980947457" sldId="530"/>
+            <ac:spMk id="254" creationId="{C47956F2-4D83-E9B1-4DD8-508A9F53530E}"/>
+          </ac:spMkLst>
+        </pc:spChg>
+      </pc:sldChg>
+      <pc:sldChg chg="modSp mod">
+        <pc:chgData name="Bantwal Hebbahalasinakate, Mayur Pai" userId="754cdd8c-0ff8-48ba-be35-c2e80932eaf7" providerId="ADAL" clId="{5703FC0A-0008-45B5-AEF5-C27D1505EEC7}" dt="2025-08-23T17:34:11.017" v="436" actId="20577"/>
+        <pc:sldMkLst>
+          <pc:docMk/>
+          <pc:sldMk cId="574078619" sldId="531"/>
+        </pc:sldMkLst>
+        <pc:spChg chg="mod">
+          <ac:chgData name="Bantwal Hebbahalasinakate, Mayur Pai" userId="754cdd8c-0ff8-48ba-be35-c2e80932eaf7" providerId="ADAL" clId="{5703FC0A-0008-45B5-AEF5-C27D1505EEC7}" dt="2025-08-23T17:34:11.017" v="436" actId="20577"/>
+          <ac:spMkLst>
+            <pc:docMk/>
+            <pc:sldMk cId="574078619" sldId="531"/>
+            <ac:spMk id="254" creationId="{5DCCB64E-7445-D5C7-C17C-C2FC4968491E}"/>
+          </ac:spMkLst>
+        </pc:spChg>
+      </pc:sldChg>
+      <pc:sldChg chg="modSp mod">
+        <pc:chgData name="Bantwal Hebbahalasinakate, Mayur Pai" userId="754cdd8c-0ff8-48ba-be35-c2e80932eaf7" providerId="ADAL" clId="{5703FC0A-0008-45B5-AEF5-C27D1505EEC7}" dt="2025-08-23T17:34:14.176" v="438" actId="20577"/>
+        <pc:sldMkLst>
+          <pc:docMk/>
+          <pc:sldMk cId="664143403" sldId="532"/>
+        </pc:sldMkLst>
+        <pc:spChg chg="mod">
+          <ac:chgData name="Bantwal Hebbahalasinakate, Mayur Pai" userId="754cdd8c-0ff8-48ba-be35-c2e80932eaf7" providerId="ADAL" clId="{5703FC0A-0008-45B5-AEF5-C27D1505EEC7}" dt="2025-08-23T17:34:14.176" v="438" actId="20577"/>
+          <ac:spMkLst>
+            <pc:docMk/>
+            <pc:sldMk cId="664143403" sldId="532"/>
+            <ac:spMk id="254" creationId="{367E7E27-51B2-39FD-7D7B-82639D44C0F2}"/>
+          </ac:spMkLst>
+        </pc:spChg>
+      </pc:sldChg>
+      <pc:sldChg chg="modSp mod">
+        <pc:chgData name="Bantwal Hebbahalasinakate, Mayur Pai" userId="754cdd8c-0ff8-48ba-be35-c2e80932eaf7" providerId="ADAL" clId="{5703FC0A-0008-45B5-AEF5-C27D1505EEC7}" dt="2025-08-23T17:34:16.651" v="440" actId="20577"/>
+        <pc:sldMkLst>
+          <pc:docMk/>
+          <pc:sldMk cId="506565346" sldId="533"/>
+        </pc:sldMkLst>
+        <pc:spChg chg="mod">
+          <ac:chgData name="Bantwal Hebbahalasinakate, Mayur Pai" userId="754cdd8c-0ff8-48ba-be35-c2e80932eaf7" providerId="ADAL" clId="{5703FC0A-0008-45B5-AEF5-C27D1505EEC7}" dt="2025-08-23T17:34:16.651" v="440" actId="20577"/>
+          <ac:spMkLst>
+            <pc:docMk/>
+            <pc:sldMk cId="506565346" sldId="533"/>
+            <ac:spMk id="254" creationId="{5B1268D9-7792-0B8C-07B2-E6D13DF0DC2E}"/>
+          </ac:spMkLst>
+        </pc:spChg>
+      </pc:sldChg>
+      <pc:sldChg chg="modSp mod">
+        <pc:chgData name="Bantwal Hebbahalasinakate, Mayur Pai" userId="754cdd8c-0ff8-48ba-be35-c2e80932eaf7" providerId="ADAL" clId="{5703FC0A-0008-45B5-AEF5-C27D1505EEC7}" dt="2025-08-23T17:34:21.323" v="442" actId="20577"/>
+        <pc:sldMkLst>
+          <pc:docMk/>
+          <pc:sldMk cId="3812268607" sldId="536"/>
+        </pc:sldMkLst>
+        <pc:spChg chg="mod">
+          <ac:chgData name="Bantwal Hebbahalasinakate, Mayur Pai" userId="754cdd8c-0ff8-48ba-be35-c2e80932eaf7" providerId="ADAL" clId="{5703FC0A-0008-45B5-AEF5-C27D1505EEC7}" dt="2025-08-23T17:34:21.323" v="442" actId="20577"/>
+          <ac:spMkLst>
+            <pc:docMk/>
+            <pc:sldMk cId="3812268607" sldId="536"/>
+            <ac:spMk id="254" creationId="{4F3A72FD-CDA9-880E-5335-6BA4465084F8}"/>
+          </ac:spMkLst>
+        </pc:spChg>
+      </pc:sldChg>
+      <pc:sldChg chg="modSp mod">
+        <pc:chgData name="Bantwal Hebbahalasinakate, Mayur Pai" userId="754cdd8c-0ff8-48ba-be35-c2e80932eaf7" providerId="ADAL" clId="{5703FC0A-0008-45B5-AEF5-C27D1505EEC7}" dt="2025-08-23T17:34:24.809" v="444" actId="20577"/>
+        <pc:sldMkLst>
+          <pc:docMk/>
+          <pc:sldMk cId="4013789738" sldId="537"/>
+        </pc:sldMkLst>
+        <pc:spChg chg="mod">
+          <ac:chgData name="Bantwal Hebbahalasinakate, Mayur Pai" userId="754cdd8c-0ff8-48ba-be35-c2e80932eaf7" providerId="ADAL" clId="{5703FC0A-0008-45B5-AEF5-C27D1505EEC7}" dt="2025-08-23T17:34:24.809" v="444" actId="20577"/>
+          <ac:spMkLst>
+            <pc:docMk/>
+            <pc:sldMk cId="4013789738" sldId="537"/>
+            <ac:spMk id="254" creationId="{A3000023-49A8-4808-D6A5-F0DA08DEB224}"/>
+          </ac:spMkLst>
+        </pc:spChg>
+      </pc:sldChg>
+      <pc:sldChg chg="modSp mod">
+        <pc:chgData name="Bantwal Hebbahalasinakate, Mayur Pai" userId="754cdd8c-0ff8-48ba-be35-c2e80932eaf7" providerId="ADAL" clId="{5703FC0A-0008-45B5-AEF5-C27D1505EEC7}" dt="2025-08-23T17:34:27.708" v="446" actId="20577"/>
+        <pc:sldMkLst>
+          <pc:docMk/>
+          <pc:sldMk cId="3017527538" sldId="538"/>
+        </pc:sldMkLst>
+        <pc:spChg chg="mod">
+          <ac:chgData name="Bantwal Hebbahalasinakate, Mayur Pai" userId="754cdd8c-0ff8-48ba-be35-c2e80932eaf7" providerId="ADAL" clId="{5703FC0A-0008-45B5-AEF5-C27D1505EEC7}" dt="2025-08-23T17:34:27.708" v="446" actId="20577"/>
+          <ac:spMkLst>
+            <pc:docMk/>
+            <pc:sldMk cId="3017527538" sldId="538"/>
+            <ac:spMk id="254" creationId="{0D7620F1-DEC1-3BB0-9F99-44588EF30FBE}"/>
+          </ac:spMkLst>
+        </pc:spChg>
+      </pc:sldChg>
+      <pc:sldChg chg="modSp mod">
+        <pc:chgData name="Bantwal Hebbahalasinakate, Mayur Pai" userId="754cdd8c-0ff8-48ba-be35-c2e80932eaf7" providerId="ADAL" clId="{5703FC0A-0008-45B5-AEF5-C27D1505EEC7}" dt="2025-08-23T17:34:31.577" v="448" actId="20577"/>
+        <pc:sldMkLst>
+          <pc:docMk/>
+          <pc:sldMk cId="2356792113" sldId="540"/>
+        </pc:sldMkLst>
+        <pc:spChg chg="mod">
+          <ac:chgData name="Bantwal Hebbahalasinakate, Mayur Pai" userId="754cdd8c-0ff8-48ba-be35-c2e80932eaf7" providerId="ADAL" clId="{5703FC0A-0008-45B5-AEF5-C27D1505EEC7}" dt="2025-08-23T17:34:31.577" v="448" actId="20577"/>
+          <ac:spMkLst>
+            <pc:docMk/>
+            <pc:sldMk cId="2356792113" sldId="540"/>
+            <ac:spMk id="254" creationId="{79A82ED0-4140-3189-E76D-E403BCDCF9B8}"/>
+          </ac:spMkLst>
+        </pc:spChg>
+      </pc:sldChg>
+      <pc:sldChg chg="modSp mod">
+        <pc:chgData name="Bantwal Hebbahalasinakate, Mayur Pai" userId="754cdd8c-0ff8-48ba-be35-c2e80932eaf7" providerId="ADAL" clId="{5703FC0A-0008-45B5-AEF5-C27D1505EEC7}" dt="2025-08-23T17:34:36.037" v="450" actId="20577"/>
+        <pc:sldMkLst>
+          <pc:docMk/>
+          <pc:sldMk cId="518204688" sldId="542"/>
+        </pc:sldMkLst>
+        <pc:spChg chg="mod">
+          <ac:chgData name="Bantwal Hebbahalasinakate, Mayur Pai" userId="754cdd8c-0ff8-48ba-be35-c2e80932eaf7" providerId="ADAL" clId="{5703FC0A-0008-45B5-AEF5-C27D1505EEC7}" dt="2025-08-23T17:34:36.037" v="450" actId="20577"/>
+          <ac:spMkLst>
+            <pc:docMk/>
+            <pc:sldMk cId="518204688" sldId="542"/>
+            <ac:spMk id="254" creationId="{4C7DB4AE-02EC-3183-726E-33AECF182EF2}"/>
+          </ac:spMkLst>
+        </pc:spChg>
+      </pc:sldChg>
+      <pc:sldChg chg="modSp mod">
+        <pc:chgData name="Bantwal Hebbahalasinakate, Mayur Pai" userId="754cdd8c-0ff8-48ba-be35-c2e80932eaf7" providerId="ADAL" clId="{5703FC0A-0008-45B5-AEF5-C27D1505EEC7}" dt="2025-08-23T17:34:40.353" v="452" actId="20577"/>
+        <pc:sldMkLst>
+          <pc:docMk/>
+          <pc:sldMk cId="466813535" sldId="543"/>
+        </pc:sldMkLst>
+        <pc:spChg chg="mod">
+          <ac:chgData name="Bantwal Hebbahalasinakate, Mayur Pai" userId="754cdd8c-0ff8-48ba-be35-c2e80932eaf7" providerId="ADAL" clId="{5703FC0A-0008-45B5-AEF5-C27D1505EEC7}" dt="2025-08-23T17:34:40.353" v="452" actId="20577"/>
+          <ac:spMkLst>
+            <pc:docMk/>
+            <pc:sldMk cId="466813535" sldId="543"/>
+            <ac:spMk id="254" creationId="{F6AF3528-4A41-E370-9637-A4FB9565121A}"/>
+          </ac:spMkLst>
+        </pc:spChg>
+      </pc:sldChg>
+      <pc:sldChg chg="modSp mod">
+        <pc:chgData name="Bantwal Hebbahalasinakate, Mayur Pai" userId="754cdd8c-0ff8-48ba-be35-c2e80932eaf7" providerId="ADAL" clId="{5703FC0A-0008-45B5-AEF5-C27D1505EEC7}" dt="2025-08-23T17:36:27.109" v="455" actId="1076"/>
+        <pc:sldMkLst>
+          <pc:docMk/>
+          <pc:sldMk cId="3395573679" sldId="545"/>
+        </pc:sldMkLst>
+        <pc:picChg chg="mod">
+          <ac:chgData name="Bantwal Hebbahalasinakate, Mayur Pai" userId="754cdd8c-0ff8-48ba-be35-c2e80932eaf7" providerId="ADAL" clId="{5703FC0A-0008-45B5-AEF5-C27D1505EEC7}" dt="2025-08-23T17:36:27.109" v="455" actId="1076"/>
+          <ac:picMkLst>
+            <pc:docMk/>
+            <pc:sldMk cId="3395573679" sldId="545"/>
+            <ac:picMk id="3" creationId="{119D44B0-3D2B-C9F5-5731-C64F7ADEF51E}"/>
+          </ac:picMkLst>
+        </pc:picChg>
+      </pc:sldChg>
+    </pc:docChg>
+  </pc:docChgLst>
+  <pc:docChgLst>
+    <pc:chgData name="Bantwal Hebbahalasinakate, Mayur Pai" userId="754cdd8c-0ff8-48ba-be35-c2e80932eaf7" providerId="ADAL" clId="{69288EDD-EE3A-49B5-BC7B-07E719CBEE47}"/>
+    <pc:docChg chg="modSld">
+      <pc:chgData name="Bantwal Hebbahalasinakate, Mayur Pai" userId="754cdd8c-0ff8-48ba-be35-c2e80932eaf7" providerId="ADAL" clId="{69288EDD-EE3A-49B5-BC7B-07E719CBEE47}" dt="2025-09-01T07:20:35.836" v="3" actId="207"/>
+      <pc:docMkLst>
+        <pc:docMk/>
+      </pc:docMkLst>
+      <pc:sldChg chg="modSp mod">
+        <pc:chgData name="Bantwal Hebbahalasinakate, Mayur Pai" userId="754cdd8c-0ff8-48ba-be35-c2e80932eaf7" providerId="ADAL" clId="{69288EDD-EE3A-49B5-BC7B-07E719CBEE47}" dt="2025-09-01T07:20:35.836" v="3" actId="207"/>
+        <pc:sldMkLst>
+          <pc:docMk/>
+          <pc:sldMk cId="147234377" sldId="546"/>
+        </pc:sldMkLst>
+        <pc:spChg chg="mod">
+          <ac:chgData name="Bantwal Hebbahalasinakate, Mayur Pai" userId="754cdd8c-0ff8-48ba-be35-c2e80932eaf7" providerId="ADAL" clId="{69288EDD-EE3A-49B5-BC7B-07E719CBEE47}" dt="2025-09-01T07:20:35.836" v="3" actId="207"/>
+          <ac:spMkLst>
+            <pc:docMk/>
+            <pc:sldMk cId="147234377" sldId="546"/>
+            <ac:spMk id="8" creationId="{7B63759D-EABF-6E7E-5BE5-05AAF67B6A9B}"/>
+          </ac:spMkLst>
+        </pc:spChg>
+      </pc:sldChg>
+    </pc:docChg>
+  </pc:docChgLst>
+  <pc:docChgLst>
+    <pc:chgData name="Boddepalli, Lavanya" userId="S::lboddepalli@galaxe.com::eaf4ee7c-b98b-41d0-a1e8-50a4f8a9dce3" providerId="AD" clId="Web-{F67A3FC5-2D32-4E7C-72F3-ED5287D4B67B}"/>
+    <pc:docChg chg="modSld">
+      <pc:chgData name="Boddepalli, Lavanya" userId="S::lboddepalli@galaxe.com::eaf4ee7c-b98b-41d0-a1e8-50a4f8a9dce3" providerId="AD" clId="Web-{F67A3FC5-2D32-4E7C-72F3-ED5287D4B67B}" dt="2025-09-01T06:58:44.477" v="42" actId="20577"/>
+      <pc:docMkLst>
+        <pc:docMk/>
+      </pc:docMkLst>
+      <pc:sldChg chg="modSp">
+        <pc:chgData name="Boddepalli, Lavanya" userId="S::lboddepalli@galaxe.com::eaf4ee7c-b98b-41d0-a1e8-50a4f8a9dce3" providerId="AD" clId="Web-{F67A3FC5-2D32-4E7C-72F3-ED5287D4B67B}" dt="2025-09-01T06:57:18.523" v="34" actId="20577"/>
+        <pc:sldMkLst>
+          <pc:docMk/>
+          <pc:sldMk cId="166880163" sldId="526"/>
+        </pc:sldMkLst>
+        <pc:spChg chg="mod">
+          <ac:chgData name="Boddepalli, Lavanya" userId="S::lboddepalli@galaxe.com::eaf4ee7c-b98b-41d0-a1e8-50a4f8a9dce3" providerId="AD" clId="Web-{F67A3FC5-2D32-4E7C-72F3-ED5287D4B67B}" dt="2025-09-01T06:57:18.523" v="34" actId="20577"/>
           <ac:spMkLst>
             <pc:docMk/>
             <pc:sldMk cId="166880163" sldId="526"/>
             <ac:spMk id="8" creationId="{8D73BA16-1EB3-583D-FE99-CD2FDC72461A}"/>
           </ac:spMkLst>
         </pc:spChg>
-        <pc:picChg chg="add mod">
-          <ac:chgData name="Boddepalli, Lavanya" userId="eaf4ee7c-b98b-41d0-a1e8-50a4f8a9dce3" providerId="ADAL" clId="{18BF8EDD-5EAE-40A0-AD20-7ADCA19C85DA}" dt="2025-08-18T10:25:05.145" v="3117" actId="14100"/>
+        <pc:picChg chg="mod">
+          <ac:chgData name="Boddepalli, Lavanya" userId="S::lboddepalli@galaxe.com::eaf4ee7c-b98b-41d0-a1e8-50a4f8a9dce3" providerId="AD" clId="Web-{F67A3FC5-2D32-4E7C-72F3-ED5287D4B67B}" dt="2025-09-01T06:56:48.460" v="32" actId="1076"/>
           <ac:picMkLst>
             <pc:docMk/>
             <pc:sldMk cId="166880163" sldId="526"/>
@@ -2170,105 +2311,51 @@
           </ac:picMkLst>
         </pc:picChg>
       </pc:sldChg>
-      <pc:sldChg chg="delSp modSp add mod">
-        <pc:chgData name="Boddepalli, Lavanya" userId="eaf4ee7c-b98b-41d0-a1e8-50a4f8a9dce3" providerId="ADAL" clId="{18BF8EDD-5EAE-40A0-AD20-7ADCA19C85DA}" dt="2025-08-18T10:30:06.682" v="3550" actId="20577"/>
+      <pc:sldChg chg="modSp">
+        <pc:chgData name="Boddepalli, Lavanya" userId="S::lboddepalli@galaxe.com::eaf4ee7c-b98b-41d0-a1e8-50a4f8a9dce3" providerId="AD" clId="Web-{F67A3FC5-2D32-4E7C-72F3-ED5287D4B67B}" dt="2025-09-01T06:58:44.477" v="42" actId="20577"/>
         <pc:sldMkLst>
           <pc:docMk/>
           <pc:sldMk cId="221593116" sldId="527"/>
         </pc:sldMkLst>
         <pc:spChg chg="mod">
-          <ac:chgData name="Boddepalli, Lavanya" userId="eaf4ee7c-b98b-41d0-a1e8-50a4f8a9dce3" providerId="ADAL" clId="{18BF8EDD-5EAE-40A0-AD20-7ADCA19C85DA}" dt="2025-08-18T10:30:06.682" v="3550" actId="20577"/>
+          <ac:chgData name="Boddepalli, Lavanya" userId="S::lboddepalli@galaxe.com::eaf4ee7c-b98b-41d0-a1e8-50a4f8a9dce3" providerId="AD" clId="Web-{F67A3FC5-2D32-4E7C-72F3-ED5287D4B67B}" dt="2025-09-01T06:58:44.477" v="42" actId="20577"/>
           <ac:spMkLst>
             <pc:docMk/>
             <pc:sldMk cId="221593116" sldId="527"/>
             <ac:spMk id="8" creationId="{C0772E2D-70A2-A691-CF6E-F2347150B444}"/>
           </ac:spMkLst>
         </pc:spChg>
-        <pc:grpChg chg="mod">
-          <ac:chgData name="Boddepalli, Lavanya" userId="eaf4ee7c-b98b-41d0-a1e8-50a4f8a9dce3" providerId="ADAL" clId="{18BF8EDD-5EAE-40A0-AD20-7ADCA19C85DA}" dt="2025-08-18T10:27:47.958" v="3236" actId="20578"/>
-          <ac:grpSpMkLst>
-            <pc:docMk/>
-            <pc:sldMk cId="221593116" sldId="527"/>
-            <ac:grpSpMk id="11" creationId="{9E52AEB6-AA46-67DE-D013-F2C614F0C3D6}"/>
-          </ac:grpSpMkLst>
-        </pc:grpChg>
-        <pc:picChg chg="mod">
-          <ac:chgData name="Boddepalli, Lavanya" userId="eaf4ee7c-b98b-41d0-a1e8-50a4f8a9dce3" providerId="ADAL" clId="{18BF8EDD-5EAE-40A0-AD20-7ADCA19C85DA}" dt="2025-08-18T10:27:47.958" v="3236" actId="20578"/>
-          <ac:picMkLst>
-            <pc:docMk/>
-            <pc:sldMk cId="221593116" sldId="527"/>
-            <ac:picMk id="3" creationId="{9593AA2B-F67A-D948-C1F8-823C8106D5F2}"/>
-          </ac:picMkLst>
-        </pc:picChg>
       </pc:sldChg>
-      <pc:sldChg chg="modSp add mod">
-        <pc:chgData name="Boddepalli, Lavanya" userId="eaf4ee7c-b98b-41d0-a1e8-50a4f8a9dce3" providerId="ADAL" clId="{18BF8EDD-5EAE-40A0-AD20-7ADCA19C85DA}" dt="2025-08-18T10:58:30.276" v="4109" actId="20577"/>
-        <pc:sldMkLst>
-          <pc:docMk/>
-          <pc:sldMk cId="2491458378" sldId="528"/>
-        </pc:sldMkLst>
-        <pc:spChg chg="mod">
-          <ac:chgData name="Boddepalli, Lavanya" userId="eaf4ee7c-b98b-41d0-a1e8-50a4f8a9dce3" providerId="ADAL" clId="{18BF8EDD-5EAE-40A0-AD20-7ADCA19C85DA}" dt="2025-08-18T10:58:30.276" v="4109" actId="20577"/>
-          <ac:spMkLst>
-            <pc:docMk/>
-            <pc:sldMk cId="2491458378" sldId="528"/>
-            <ac:spMk id="8" creationId="{7654CBFA-6CC0-C148-26DF-380051DFB52D}"/>
-          </ac:spMkLst>
-        </pc:spChg>
-      </pc:sldChg>
-      <pc:sldChg chg="addSp delSp modSp add mod">
-        <pc:chgData name="Boddepalli, Lavanya" userId="eaf4ee7c-b98b-41d0-a1e8-50a4f8a9dce3" providerId="ADAL" clId="{18BF8EDD-5EAE-40A0-AD20-7ADCA19C85DA}" dt="2025-08-18T11:11:38.730" v="4230" actId="1038"/>
-        <pc:sldMkLst>
-          <pc:docMk/>
-          <pc:sldMk cId="1719385717" sldId="529"/>
-        </pc:sldMkLst>
-      </pc:sldChg>
-      <pc:sldChg chg="modSp add mod ord">
-        <pc:chgData name="Boddepalli, Lavanya" userId="eaf4ee7c-b98b-41d0-a1e8-50a4f8a9dce3" providerId="ADAL" clId="{18BF8EDD-5EAE-40A0-AD20-7ADCA19C85DA}" dt="2025-08-19T04:55:43.935" v="4828" actId="20577"/>
+    </pc:docChg>
+  </pc:docChgLst>
+  <pc:docChgLst>
+    <pc:chgData name="Busanahalli Ravindra, Chandu" userId="S::cravindra@galaxe.com::204bb649-37ac-4aea-a87f-9cc4c7ec101b" providerId="AD" clId="Web-{1AD00DD1-F6D2-D466-1B1F-E23BCF46DBD1}"/>
+    <pc:docChg chg="modSld sldOrd">
+      <pc:chgData name="Busanahalli Ravindra, Chandu" userId="S::cravindra@galaxe.com::204bb649-37ac-4aea-a87f-9cc4c7ec101b" providerId="AD" clId="Web-{1AD00DD1-F6D2-D466-1B1F-E23BCF46DBD1}" dt="2025-09-01T05:56:11.743" v="2" actId="1076"/>
+      <pc:docMkLst>
+        <pc:docMk/>
+      </pc:docMkLst>
+      <pc:sldChg chg="modSp">
+        <pc:chgData name="Busanahalli Ravindra, Chandu" userId="S::cravindra@galaxe.com::204bb649-37ac-4aea-a87f-9cc4c7ec101b" providerId="AD" clId="Web-{1AD00DD1-F6D2-D466-1B1F-E23BCF46DBD1}" dt="2025-09-01T05:56:11.743" v="2" actId="1076"/>
         <pc:sldMkLst>
           <pc:docMk/>
           <pc:sldMk cId="980947457" sldId="530"/>
         </pc:sldMkLst>
-        <pc:spChg chg="mod">
-          <ac:chgData name="Boddepalli, Lavanya" userId="eaf4ee7c-b98b-41d0-a1e8-50a4f8a9dce3" providerId="ADAL" clId="{18BF8EDD-5EAE-40A0-AD20-7ADCA19C85DA}" dt="2025-08-19T04:55:43.935" v="4828" actId="20577"/>
-          <ac:spMkLst>
-            <pc:docMk/>
-            <pc:sldMk cId="980947457" sldId="530"/>
-            <ac:spMk id="8" creationId="{D434AF30-9FD9-2946-FBAB-2EC4E45F63A7}"/>
-          </ac:spMkLst>
-        </pc:spChg>
-        <pc:spChg chg="mod">
-          <ac:chgData name="Boddepalli, Lavanya" userId="eaf4ee7c-b98b-41d0-a1e8-50a4f8a9dce3" providerId="ADAL" clId="{18BF8EDD-5EAE-40A0-AD20-7ADCA19C85DA}" dt="2025-08-18T11:21:29.531" v="4330" actId="20577"/>
-          <ac:spMkLst>
-            <pc:docMk/>
-            <pc:sldMk cId="980947457" sldId="530"/>
-            <ac:spMk id="253" creationId="{2EF709F7-DB21-D6D4-D46A-00C25318ADD5}"/>
-          </ac:spMkLst>
-        </pc:spChg>
-        <pc:spChg chg="mod">
-          <ac:chgData name="Boddepalli, Lavanya" userId="eaf4ee7c-b98b-41d0-a1e8-50a4f8a9dce3" providerId="ADAL" clId="{18BF8EDD-5EAE-40A0-AD20-7ADCA19C85DA}" dt="2025-08-18T11:21:16.302" v="4297" actId="20577"/>
-          <ac:spMkLst>
-            <pc:docMk/>
-            <pc:sldMk cId="980947457" sldId="530"/>
-            <ac:spMk id="254" creationId="{C47956F2-4D83-E9B1-4DD8-508A9F53530E}"/>
-          </ac:spMkLst>
-        </pc:spChg>
         <pc:grpChg chg="mod">
-          <ac:chgData name="Boddepalli, Lavanya" userId="eaf4ee7c-b98b-41d0-a1e8-50a4f8a9dce3" providerId="ADAL" clId="{18BF8EDD-5EAE-40A0-AD20-7ADCA19C85DA}" dt="2025-08-19T04:53:36.411" v="4615"/>
+          <ac:chgData name="Busanahalli Ravindra, Chandu" userId="S::cravindra@galaxe.com::204bb649-37ac-4aea-a87f-9cc4c7ec101b" providerId="AD" clId="Web-{1AD00DD1-F6D2-D466-1B1F-E23BCF46DBD1}" dt="2025-09-01T05:56:11.743" v="2" actId="1076"/>
           <ac:grpSpMkLst>
             <pc:docMk/>
             <pc:sldMk cId="980947457" sldId="530"/>
             <ac:grpSpMk id="11" creationId="{D9DEB5A7-D602-09B8-12AF-58E4EEBB3105}"/>
           </ac:grpSpMkLst>
         </pc:grpChg>
-        <pc:picChg chg="mod">
-          <ac:chgData name="Boddepalli, Lavanya" userId="eaf4ee7c-b98b-41d0-a1e8-50a4f8a9dce3" providerId="ADAL" clId="{18BF8EDD-5EAE-40A0-AD20-7ADCA19C85DA}" dt="2025-08-19T04:53:36.411" v="4615"/>
-          <ac:picMkLst>
-            <pc:docMk/>
-            <pc:sldMk cId="980947457" sldId="530"/>
-            <ac:picMk id="3" creationId="{49E15347-4294-1A9F-8141-77D00DC9BFFC}"/>
-          </ac:picMkLst>
-        </pc:picChg>
+      </pc:sldChg>
+      <pc:sldChg chg="ord">
+        <pc:chgData name="Busanahalli Ravindra, Chandu" userId="S::cravindra@galaxe.com::204bb649-37ac-4aea-a87f-9cc4c7ec101b" providerId="AD" clId="Web-{1AD00DD1-F6D2-D466-1B1F-E23BCF46DBD1}" dt="2025-09-01T05:41:44.875" v="0"/>
+        <pc:sldMkLst>
+          <pc:docMk/>
+          <pc:sldMk cId="678539276" sldId="535"/>
+        </pc:sldMkLst>
       </pc:sldChg>
     </pc:docChg>
   </pc:docChgLst>
@@ -2369,7 +2456,7 @@
           <a:p>
             <a:fld id="{0B2A5286-0306-B143-BA49-3E397476CCE1}" type="datetimeFigureOut">
               <a:rPr lang="en-RO" smtClean="0"/>
-              <a:t>08/23/2025</a:t>
+              <a:t>09/01/2025</a:t>
             </a:fld>
             <a:endParaRPr lang="en-RO"/>
           </a:p>
@@ -2510,7 +2597,7 @@
           <a:bodyPr/>
           <a:lstStyle/>
           <a:p>
-            <a:endParaRPr dirty="0"/>
+            <a:endParaRPr/>
           </a:p>
         </p:txBody>
       </p:sp>
@@ -2537,7 +2624,7 @@
           <a:bodyPr/>
           <a:lstStyle/>
           <a:p>
-            <a:endParaRPr dirty="0"/>
+            <a:endParaRPr/>
           </a:p>
         </p:txBody>
       </p:sp>
@@ -2755,7 +2842,7 @@
           <a:bodyPr/>
           <a:lstStyle/>
           <a:p>
-            <a:endParaRPr dirty="0"/>
+            <a:endParaRPr/>
           </a:p>
         </p:txBody>
       </p:sp>
@@ -2786,7 +2873,7 @@
                 <a:sym typeface="Poppins Bold"/>
               </a:defRPr>
             </a:pPr>
-            <a:endParaRPr dirty="0"/>
+            <a:endParaRPr/>
           </a:p>
         </p:txBody>
       </p:sp>
@@ -2847,7 +2934,7 @@
           <a:bodyPr/>
           <a:lstStyle/>
           <a:p>
-            <a:endParaRPr lang="en-US" dirty="0"/>
+            <a:endParaRPr lang="en-US"/>
           </a:p>
         </p:txBody>
       </p:sp>
@@ -2931,7 +3018,7 @@
           <a:bodyPr/>
           <a:lstStyle/>
           <a:p>
-            <a:endParaRPr lang="en-US" dirty="0"/>
+            <a:endParaRPr lang="en-US"/>
           </a:p>
         </p:txBody>
       </p:sp>
@@ -3015,7 +3102,7 @@
           <a:bodyPr/>
           <a:lstStyle/>
           <a:p>
-            <a:endParaRPr lang="en-US" dirty="0"/>
+            <a:endParaRPr lang="en-US"/>
           </a:p>
         </p:txBody>
       </p:sp>
@@ -3099,7 +3186,7 @@
           <a:bodyPr/>
           <a:lstStyle/>
           <a:p>
-            <a:endParaRPr lang="en-US" dirty="0"/>
+            <a:endParaRPr lang="en-US"/>
           </a:p>
         </p:txBody>
       </p:sp>
@@ -3251,7 +3338,7 @@
           <a:bodyPr/>
           <a:lstStyle/>
           <a:p>
-            <a:endParaRPr dirty="0"/>
+            <a:endParaRPr/>
           </a:p>
         </p:txBody>
       </p:sp>
@@ -3288,7 +3375,7 @@
                 <a:sym typeface="Poppins Bold"/>
               </a:defRPr>
             </a:pPr>
-            <a:endParaRPr dirty="0"/>
+            <a:endParaRPr/>
           </a:p>
         </p:txBody>
       </p:sp>
@@ -3593,7 +3680,7 @@
           </a:ln>
           <a:extLst>
             <a:ext uri="{C572A759-6A51-4108-AA02-DFA0A04FC94B}">
-              <ma14:wrappingTextBoxFlag xmlns:m="http://schemas.openxmlformats.org/officeDocument/2006/math" xmlns:a14="http://schemas.microsoft.com/office/drawing/2010/main" xmlns:ma14="http://schemas.microsoft.com/office/mac/drawingml/2011/main" xmlns="" val="1"/>
+              <ma14:wrappingTextBoxFlag xmlns="" xmlns:ma14="http://schemas.microsoft.com/office/mac/drawingml/2011/main" xmlns:a14="http://schemas.microsoft.com/office/drawing/2010/main" xmlns:m="http://schemas.openxmlformats.org/officeDocument/2006/math" val="1"/>
             </a:ext>
           </a:extLst>
         </p:spPr>
@@ -3614,7 +3701,7 @@
             </a:lvl1pPr>
           </a:lstStyle>
           <a:p>
-            <a:endParaRPr dirty="0"/>
+            <a:endParaRPr/>
           </a:p>
         </p:txBody>
       </p:sp>
@@ -3671,7 +3758,7 @@
           </a:ln>
           <a:extLst>
             <a:ext uri="{C572A759-6A51-4108-AA02-DFA0A04FC94B}">
-              <ma14:wrappingTextBoxFlag xmlns:m="http://schemas.openxmlformats.org/officeDocument/2006/math" xmlns:a14="http://schemas.microsoft.com/office/drawing/2010/main" xmlns:ma14="http://schemas.microsoft.com/office/mac/drawingml/2011/main" xmlns="" val="1"/>
+              <ma14:wrappingTextBoxFlag xmlns="" xmlns:ma14="http://schemas.microsoft.com/office/mac/drawingml/2011/main" xmlns:a14="http://schemas.microsoft.com/office/drawing/2010/main" xmlns:m="http://schemas.openxmlformats.org/officeDocument/2006/math" val="1"/>
             </a:ext>
           </a:extLst>
         </p:spPr>
@@ -3696,7 +3783,7 @@
           </a:lstStyle>
           <a:p>
             <a:r>
-              <a:rPr b="1" dirty="0">
+              <a:rPr b="1">
                 <a:latin typeface="+mj-lt"/>
               </a:rPr>
               <a:t>Agenda</a:t>
@@ -3750,7 +3837,6 @@
               </a:defRPr>
             </a:pPr>
             <a:r>
-              <a:rPr dirty="0"/>
               <a:t>Insert short chapter name</a:t>
             </a:r>
           </a:p>
@@ -3772,7 +3858,6 @@
               </a:defRPr>
             </a:pPr>
             <a:r>
-              <a:rPr dirty="0"/>
               <a:t>Insert short chapter name</a:t>
             </a:r>
           </a:p>
@@ -3794,7 +3879,6 @@
               </a:defRPr>
             </a:pPr>
             <a:r>
-              <a:rPr dirty="0"/>
               <a:t>Insert short chapter name</a:t>
             </a:r>
           </a:p>
@@ -3816,7 +3900,6 @@
               </a:defRPr>
             </a:pPr>
             <a:r>
-              <a:rPr dirty="0"/>
               <a:t>Insert short chapter name</a:t>
             </a:r>
           </a:p>
@@ -3838,7 +3921,6 @@
               </a:defRPr>
             </a:pPr>
             <a:r>
-              <a:rPr dirty="0"/>
               <a:t>Insert short chapter name</a:t>
             </a:r>
           </a:p>
@@ -3889,7 +3971,6 @@
               </a:defRPr>
             </a:pPr>
             <a:r>
-              <a:rPr dirty="0"/>
               <a:t>01</a:t>
             </a:r>
           </a:p>
@@ -3910,7 +3991,6 @@
               </a:defRPr>
             </a:pPr>
             <a:r>
-              <a:rPr dirty="0"/>
               <a:t>02</a:t>
             </a:r>
           </a:p>
@@ -3931,7 +4011,6 @@
               </a:defRPr>
             </a:pPr>
             <a:r>
-              <a:rPr dirty="0"/>
               <a:t>03</a:t>
             </a:r>
           </a:p>
@@ -3952,7 +4031,6 @@
               </a:defRPr>
             </a:pPr>
             <a:r>
-              <a:rPr dirty="0"/>
               <a:t>04</a:t>
             </a:r>
           </a:p>
@@ -3973,7 +4051,6 @@
               </a:defRPr>
             </a:pPr>
             <a:r>
-              <a:rPr dirty="0"/>
               <a:t>05</a:t>
             </a:r>
           </a:p>
@@ -4011,7 +4088,7 @@
               <a:pPr/>
               <a:t>‹#›</a:t>
             </a:fld>
-            <a:endParaRPr lang="en-US" dirty="0"/>
+            <a:endParaRPr lang="en-US"/>
           </a:p>
         </p:txBody>
       </p:sp>
@@ -4020,13 +4097,13 @@
   <p:clrMapOvr>
     <a:masterClrMapping/>
   </p:clrMapOvr>
-  <mc:AlternateContent xmlns:mc="http://schemas.openxmlformats.org/markup-compatibility/2006" xmlns:p159="http://schemas.microsoft.com/office/powerpoint/2015/09/main">
-    <mc:Choice Requires="p159">
+  <mc:AlternateContent xmlns:mc="http://schemas.openxmlformats.org/markup-compatibility/2006">
+    <mc:Choice xmlns:p159="http://schemas.microsoft.com/office/powerpoint/2015/09/main" Requires="p159">
       <p:transition>
         <p159:morph option="byChar"/>
       </p:transition>
     </mc:Choice>
-    <mc:Fallback xmlns="">
+    <mc:Fallback>
       <p:transition>
         <p:fade/>
       </p:transition>
@@ -4102,7 +4179,6 @@
           </a:lstStyle>
           <a:p>
             <a:r>
-              <a:rPr dirty="0"/>
               <a:t>Title Text</a:t>
             </a:r>
           </a:p>
@@ -4155,7 +4231,6 @@
           </a:lstStyle>
           <a:p>
             <a:r>
-              <a:rPr dirty="0"/>
               <a:t>01</a:t>
             </a:r>
           </a:p>
@@ -4296,7 +4371,7 @@
           </a:ln>
           <a:extLst>
             <a:ext uri="{C572A759-6A51-4108-AA02-DFA0A04FC94B}">
-              <ma14:wrappingTextBoxFlag xmlns:ma14="http://schemas.microsoft.com/office/mac/drawingml/2011/main" xmlns:a14="http://schemas.microsoft.com/office/drawing/2010/main" xmlns:m="http://schemas.openxmlformats.org/officeDocument/2006/math" xmlns="" val="1"/>
+              <ma14:wrappingTextBoxFlag xmlns="" xmlns:m="http://schemas.openxmlformats.org/officeDocument/2006/math" xmlns:a14="http://schemas.microsoft.com/office/drawing/2010/main" xmlns:ma14="http://schemas.microsoft.com/office/mac/drawingml/2011/main" val="1"/>
             </a:ext>
           </a:extLst>
         </p:spPr>
@@ -4321,7 +4396,6 @@
           </a:lstStyle>
           <a:p>
             <a:r>
-              <a:rPr dirty="0"/>
               <a:t>© Copyright 2023 Endava  •  Confidential and Proprietary  •  Version 1.0</a:t>
             </a:r>
           </a:p>
@@ -4350,7 +4424,7 @@
               <a:rPr/>
               <a:t>‹#›</a:t>
             </a:fld>
-            <a:endParaRPr dirty="0"/>
+            <a:endParaRPr/>
           </a:p>
         </p:txBody>
       </p:sp>
@@ -4359,13 +4433,13 @@
   <p:clrMapOvr>
     <a:masterClrMapping/>
   </p:clrMapOvr>
-  <mc:AlternateContent xmlns:mc="http://schemas.openxmlformats.org/markup-compatibility/2006" xmlns:p159="http://schemas.microsoft.com/office/powerpoint/2015/09/main">
-    <mc:Choice Requires="p159">
+  <mc:AlternateContent xmlns:mc="http://schemas.openxmlformats.org/markup-compatibility/2006">
+    <mc:Choice xmlns:p159="http://schemas.microsoft.com/office/powerpoint/2015/09/main" Requires="p159">
       <p:transition>
         <p159:morph option="byChar"/>
       </p:transition>
     </mc:Choice>
-    <mc:Fallback xmlns="">
+    <mc:Fallback>
       <p:transition>
         <p:fade/>
       </p:transition>
@@ -4422,7 +4496,7 @@
               <a:rPr/>
               <a:t>‹#›</a:t>
             </a:fld>
-            <a:endParaRPr dirty="0"/>
+            <a:endParaRPr/>
           </a:p>
         </p:txBody>
       </p:sp>
@@ -4808,7 +4882,6 @@
               <a:rPr lang="en-US"/>
               <a:t>Click to edit Master title style</a:t>
             </a:r>
-            <a:endParaRPr lang="en-US" dirty="0"/>
           </a:p>
         </p:txBody>
       </p:sp>
@@ -4927,7 +5000,6 @@
               <a:rPr lang="en-US"/>
               <a:t>Click to edit Master subtitle style</a:t>
             </a:r>
-            <a:endParaRPr lang="en-US" dirty="0"/>
           </a:p>
         </p:txBody>
       </p:sp>
@@ -4948,9 +5020,9 @@
           <a:p>
             <a:fld id="{8E488443-9381-4175-872B-039B7D7F1909}" type="datetime4">
               <a:rPr lang="en-US" smtClean="0"/>
-              <a:t>August 23, 2025</a:t>
+              <a:t>September 1, 2025</a:t>
             </a:fld>
-            <a:endParaRPr lang="en-US" dirty="0"/>
+            <a:endParaRPr lang="en-US"/>
           </a:p>
         </p:txBody>
       </p:sp>
@@ -4974,7 +5046,7 @@
           <a:bodyPr/>
           <a:lstStyle/>
           <a:p>
-            <a:endParaRPr lang="en-US" dirty="0"/>
+            <a:endParaRPr lang="en-US"/>
           </a:p>
         </p:txBody>
       </p:sp>
@@ -5003,7 +5075,7 @@
               <a:pPr/>
               <a:t>‹#›</a:t>
             </a:fld>
-            <a:endParaRPr lang="en-US" dirty="0"/>
+            <a:endParaRPr lang="en-US"/>
           </a:p>
         </p:txBody>
       </p:sp>
@@ -5080,7 +5152,7 @@
           </a:ln>
           <a:extLst>
             <a:ext uri="{C572A759-6A51-4108-AA02-DFA0A04FC94B}">
-              <ma14:wrappingTextBoxFlag xmlns:m="http://schemas.openxmlformats.org/officeDocument/2006/math" xmlns:a14="http://schemas.microsoft.com/office/drawing/2010/main" xmlns:ma14="http://schemas.microsoft.com/office/mac/drawingml/2011/main" xmlns="" val="1"/>
+              <ma14:wrappingTextBoxFlag xmlns="" xmlns:ma14="http://schemas.microsoft.com/office/mac/drawingml/2011/main" xmlns:a14="http://schemas.microsoft.com/office/drawing/2010/main" xmlns:m="http://schemas.openxmlformats.org/officeDocument/2006/math" val="1"/>
             </a:ext>
           </a:extLst>
         </p:spPr>
@@ -5091,7 +5163,6 @@
           <a:lstStyle/>
           <a:p>
             <a:r>
-              <a:rPr dirty="0"/>
               <a:t>Title Text</a:t>
             </a:r>
           </a:p>
@@ -5120,7 +5191,7 @@
           </a:ln>
           <a:extLst>
             <a:ext uri="{C572A759-6A51-4108-AA02-DFA0A04FC94B}">
-              <ma14:wrappingTextBoxFlag xmlns:m="http://schemas.openxmlformats.org/officeDocument/2006/math" xmlns:a14="http://schemas.microsoft.com/office/drawing/2010/main" xmlns:ma14="http://schemas.microsoft.com/office/mac/drawingml/2011/main" xmlns="" val="1"/>
+              <ma14:wrappingTextBoxFlag xmlns="" xmlns:ma14="http://schemas.microsoft.com/office/mac/drawingml/2011/main" xmlns:a14="http://schemas.microsoft.com/office/drawing/2010/main" xmlns:m="http://schemas.openxmlformats.org/officeDocument/2006/math" val="1"/>
             </a:ext>
           </a:extLst>
         </p:spPr>
@@ -5132,38 +5203,38 @@
           <a:p>
             <a:pPr lvl="0"/>
             <a:r>
-              <a:rPr lang="en-GB" dirty="0"/>
+              <a:rPr lang="en-GB"/>
               <a:t>Click to edit Master text styles</a:t>
             </a:r>
           </a:p>
           <a:p>
             <a:pPr lvl="1"/>
             <a:r>
-              <a:rPr lang="en-GB" dirty="0"/>
+              <a:rPr lang="en-GB"/>
               <a:t>Second level</a:t>
             </a:r>
           </a:p>
           <a:p>
             <a:pPr lvl="2"/>
             <a:r>
-              <a:rPr lang="en-GB" dirty="0"/>
+              <a:rPr lang="en-GB"/>
               <a:t>Third level</a:t>
             </a:r>
           </a:p>
           <a:p>
             <a:pPr lvl="3"/>
             <a:r>
-              <a:rPr lang="en-GB" dirty="0"/>
+              <a:rPr lang="en-GB"/>
               <a:t>Fourth level</a:t>
             </a:r>
           </a:p>
           <a:p>
             <a:pPr lvl="4"/>
             <a:r>
-              <a:rPr lang="en-GB" dirty="0"/>
+              <a:rPr lang="en-GB"/>
               <a:t>Fifth level</a:t>
             </a:r>
-            <a:endParaRPr lang="en-RO" dirty="0"/>
+            <a:endParaRPr lang="en-RO"/>
           </a:p>
         </p:txBody>
       </p:sp>
@@ -5230,13 +5301,13 @@
     <p:sldLayoutId id="2147483665" r:id="rId6"/>
     <p:sldLayoutId id="2147483667" r:id="rId7"/>
   </p:sldLayoutIdLst>
-  <mc:AlternateContent xmlns:mc="http://schemas.openxmlformats.org/markup-compatibility/2006" xmlns:p159="http://schemas.microsoft.com/office/powerpoint/2015/09/main">
-    <mc:Choice Requires="p159">
+  <mc:AlternateContent xmlns:mc="http://schemas.openxmlformats.org/markup-compatibility/2006">
+    <mc:Choice xmlns:p159="http://schemas.microsoft.com/office/powerpoint/2015/09/main" Requires="p159">
       <p:transition>
         <p159:morph option="byChar"/>
       </p:transition>
     </mc:Choice>
-    <mc:Fallback xmlns="">
+    <mc:Fallback>
       <p:transition>
         <p:fade/>
       </p:transition>
@@ -6054,7 +6125,7 @@
               <a:tabLst/>
             </a:pPr>
             <a:r>
-              <a:rPr kumimoji="0" lang="en-US" sz="13800" b="1" i="0" u="none" strike="noStrike" cap="none" spc="0" normalizeH="0" baseline="0" dirty="0">
+              <a:rPr kumimoji="0" lang="en-US" sz="13800" b="1" i="0" u="none" strike="noStrike" cap="none" spc="0" normalizeH="0" baseline="0">
                 <a:ln>
                   <a:noFill/>
                 </a:ln>
@@ -6086,7 +6157,7 @@
               <a:tabLst/>
             </a:pPr>
             <a:r>
-              <a:rPr kumimoji="0" lang="en-US" sz="13800" b="1" i="0" u="none" strike="noStrike" cap="none" spc="0" normalizeH="0" baseline="0" dirty="0">
+              <a:rPr kumimoji="0" lang="en-US" sz="13800" b="1" i="0" u="none" strike="noStrike" cap="none" spc="0" normalizeH="0" baseline="0">
                 <a:ln>
                   <a:noFill/>
                 </a:ln>
@@ -6099,7 +6170,7 @@
               </a:rPr>
               <a:t>Fundamentals</a:t>
             </a:r>
-            <a:endParaRPr kumimoji="0" lang="en-US" sz="13800" b="1" i="0" u="none" strike="noStrike" cap="none" spc="0" normalizeH="0" baseline="0" dirty="0">
+            <a:endParaRPr kumimoji="0" lang="en-US" sz="13800" b="1" i="0" u="none" strike="noStrike" cap="none" spc="0" normalizeH="0" baseline="0">
               <a:ln>
                 <a:noFill/>
               </a:ln>
@@ -6118,13 +6189,13 @@
   <p:clrMapOvr>
     <a:masterClrMapping/>
   </p:clrMapOvr>
-  <mc:AlternateContent xmlns:mc="http://schemas.openxmlformats.org/markup-compatibility/2006" xmlns:p159="http://schemas.microsoft.com/office/powerpoint/2015/09/main">
-    <mc:Choice Requires="p159">
+  <mc:AlternateContent xmlns:mc="http://schemas.openxmlformats.org/markup-compatibility/2006">
+    <mc:Choice xmlns:p159="http://schemas.microsoft.com/office/powerpoint/2015/09/main" Requires="p159">
       <p:transition>
         <p159:morph option="byChar"/>
       </p:transition>
     </mc:Choice>
-    <mc:Fallback xmlns="">
+    <mc:Fallback>
       <p:transition>
         <p:fade/>
       </p:transition>
@@ -6277,10 +6348,10 @@
           <a:lstStyle/>
           <a:p>
             <a:r>
-              <a:rPr lang="en-US" sz="8000" dirty="0"/>
+              <a:rPr lang="en-US" sz="8000"/>
               <a:t>Elements &amp; Semantics</a:t>
             </a:r>
-            <a:endParaRPr sz="8000" dirty="0"/>
+            <a:endParaRPr sz="8000"/>
           </a:p>
         </p:txBody>
       </p:sp>
@@ -6314,7 +6385,7 @@
           <a:lstStyle/>
           <a:p>
             <a:r>
-              <a:rPr sz="8000" dirty="0"/>
+              <a:rPr sz="8000"/>
               <a:t>03</a:t>
             </a:r>
           </a:p>
@@ -6456,7 +6527,7 @@
             <a:p>
               <a:pPr algn="just"/>
               <a:r>
-                <a:rPr lang="en-US" sz="4000" dirty="0">
+                <a:rPr lang="en-US" sz="4000">
                   <a:solidFill>
                     <a:schemeClr val="bg1"/>
                   </a:solidFill>
@@ -6472,7 +6543,7 @@
                 <a:buChar char="•"/>
               </a:pPr>
               <a:r>
-                <a:rPr lang="en-US" sz="4000" dirty="0">
+                <a:rPr lang="en-US" sz="4000">
                   <a:solidFill>
                     <a:schemeClr val="bg2"/>
                   </a:solidFill>
@@ -6481,7 +6552,7 @@
                 </a:rPr>
                 <a:t>Provide meaningful structure instead of only &lt;div&gt;</a:t>
               </a:r>
-              <a:endParaRPr lang="en-US" sz="4000" b="1" dirty="0">
+              <a:endParaRPr lang="en-US" sz="4000" b="1">
                 <a:solidFill>
                   <a:schemeClr val="bg2"/>
                 </a:solidFill>
@@ -6495,7 +6566,7 @@
                 <a:buChar char="•"/>
               </a:pPr>
               <a:r>
-                <a:rPr lang="en-US" sz="4000" dirty="0">
+                <a:rPr lang="en-US" sz="4000">
                   <a:solidFill>
                     <a:schemeClr val="bg2"/>
                   </a:solidFill>
@@ -6508,7 +6579,7 @@
             <a:p>
               <a:pPr algn="just"/>
               <a:r>
-                <a:rPr lang="en-US" sz="4000" dirty="0">
+                <a:rPr lang="en-US" sz="4000">
                   <a:solidFill>
                     <a:schemeClr val="bg2"/>
                   </a:solidFill>
@@ -6521,7 +6592,7 @@
             <a:p>
               <a:pPr algn="just"/>
               <a:r>
-                <a:rPr lang="en-US" sz="4000" dirty="0">
+                <a:rPr lang="en-US" sz="4000">
                   <a:solidFill>
                     <a:schemeClr val="bg2"/>
                   </a:solidFill>
@@ -6534,7 +6605,7 @@
             <a:p>
               <a:pPr algn="just"/>
               <a:r>
-                <a:rPr lang="en-US" sz="4000" dirty="0">
+                <a:rPr lang="en-US" sz="4000">
                   <a:solidFill>
                     <a:schemeClr val="bg2"/>
                   </a:solidFill>
@@ -6547,7 +6618,7 @@
             <a:p>
               <a:pPr algn="just"/>
               <a:r>
-                <a:rPr lang="en-US" sz="4000" dirty="0">
+                <a:rPr lang="en-US" sz="4000">
                   <a:solidFill>
                     <a:schemeClr val="bg2"/>
                   </a:solidFill>
@@ -6560,7 +6631,7 @@
             <a:p>
               <a:pPr algn="just"/>
               <a:r>
-                <a:rPr lang="en-US" sz="4000" dirty="0">
+                <a:rPr lang="en-US" sz="4000">
                   <a:solidFill>
                     <a:schemeClr val="bg2"/>
                   </a:solidFill>
@@ -6573,7 +6644,7 @@
             <a:p>
               <a:pPr algn="just"/>
               <a:r>
-                <a:rPr lang="en-US" sz="4000" dirty="0">
+                <a:rPr lang="en-US" sz="4000">
                   <a:solidFill>
                     <a:schemeClr val="bg2"/>
                   </a:solidFill>
@@ -6586,7 +6657,7 @@
             <a:p>
               <a:pPr algn="just"/>
               <a:r>
-                <a:rPr lang="en-US" sz="4000" dirty="0">
+                <a:rPr lang="en-US" sz="4000">
                   <a:solidFill>
                     <a:schemeClr val="bg2"/>
                   </a:solidFill>
@@ -6749,7 +6820,7 @@
               <a:tabLst/>
             </a:pPr>
             <a:r>
-              <a:rPr kumimoji="0" lang="en-US" sz="3000" b="0" i="0" u="none" strike="noStrike" cap="none" spc="0" normalizeH="0" baseline="0" dirty="0">
+              <a:rPr kumimoji="0" lang="en-US" sz="3000" b="0" i="0" u="none" strike="noStrike" cap="none" spc="0" normalizeH="0" baseline="0">
                 <a:ln>
                   <a:noFill/>
                 </a:ln>
@@ -6784,14 +6855,14 @@
               <a:tabLst/>
             </a:pPr>
             <a:r>
-              <a:rPr lang="en-US" sz="3000" dirty="0">
+              <a:rPr lang="en-US" sz="3000">
                 <a:solidFill>
                   <a:schemeClr val="bg2"/>
                 </a:solidFill>
               </a:rPr>
               <a:t>Cleaner &amp; meaningful code. Better SEO &amp; accessibility</a:t>
             </a:r>
-            <a:endParaRPr kumimoji="0" lang="en-US" sz="3000" b="0" i="0" u="none" strike="noStrike" cap="none" spc="0" normalizeH="0" baseline="0" dirty="0">
+            <a:endParaRPr kumimoji="0" lang="en-US" sz="3000" b="0" i="0" u="none" strike="noStrike" cap="none" spc="0" normalizeH="0" baseline="0">
               <a:ln>
                 <a:noFill/>
               </a:ln>
@@ -6818,13 +6889,13 @@
   <p:clrMapOvr>
     <a:masterClrMapping/>
   </p:clrMapOvr>
-  <mc:AlternateContent xmlns:mc="http://schemas.openxmlformats.org/markup-compatibility/2006" xmlns:p159="http://schemas.microsoft.com/office/powerpoint/2015/09/main">
-    <mc:Choice Requires="p159">
+  <mc:AlternateContent xmlns:mc="http://schemas.openxmlformats.org/markup-compatibility/2006">
+    <mc:Choice xmlns:p159="http://schemas.microsoft.com/office/powerpoint/2015/09/main" Requires="p159">
       <p:transition>
         <p159:morph option="byChar"/>
       </p:transition>
     </mc:Choice>
-    <mc:Fallback xmlns="">
+    <mc:Fallback>
       <p:transition>
         <p:fade/>
       </p:transition>
@@ -6974,10 +7045,10 @@
           <a:lstStyle/>
           <a:p>
             <a:r>
-              <a:rPr lang="en-US" sz="8000" dirty="0"/>
+              <a:rPr lang="en-US" sz="8000"/>
               <a:t>Elements &amp; Semantics</a:t>
             </a:r>
-            <a:endParaRPr sz="8000" dirty="0"/>
+            <a:endParaRPr sz="8000"/>
           </a:p>
         </p:txBody>
       </p:sp>
@@ -7011,7 +7082,7 @@
           <a:lstStyle/>
           <a:p>
             <a:r>
-              <a:rPr sz="8000" dirty="0"/>
+              <a:rPr sz="8000"/>
               <a:t>03</a:t>
             </a:r>
           </a:p>
@@ -7153,7 +7224,7 @@
             <a:p>
               <a:pPr algn="just"/>
               <a:r>
-                <a:rPr lang="en-US" sz="4000" dirty="0">
+                <a:rPr lang="en-US" sz="4000">
                   <a:solidFill>
                     <a:schemeClr val="bg1"/>
                   </a:solidFill>
@@ -7169,7 +7240,7 @@
                 <a:buChar char="•"/>
               </a:pPr>
               <a:r>
-                <a:rPr lang="en-US" sz="4000" dirty="0">
+                <a:rPr lang="en-US" sz="4000">
                   <a:solidFill>
                     <a:schemeClr val="bg2"/>
                   </a:solidFill>
@@ -7185,7 +7256,7 @@
                 <a:buChar char="•"/>
               </a:pPr>
               <a:r>
-                <a:rPr lang="en-US" sz="4000" dirty="0">
+                <a:rPr lang="en-US" sz="4000">
                   <a:solidFill>
                     <a:schemeClr val="bg2"/>
                   </a:solidFill>
@@ -7201,7 +7272,7 @@
                 <a:buChar char="•"/>
               </a:pPr>
               <a:r>
-                <a:rPr lang="en-US" sz="4000" dirty="0">
+                <a:rPr lang="en-US" sz="4000">
                   <a:solidFill>
                     <a:schemeClr val="bg2"/>
                   </a:solidFill>
@@ -7211,7 +7282,7 @@
                 <a:t>Line break (&lt;</a:t>
               </a:r>
               <a:r>
-                <a:rPr lang="en-US" sz="4000" dirty="0" err="1">
+                <a:rPr lang="en-US" sz="4000" err="1">
                   <a:solidFill>
                     <a:schemeClr val="bg2"/>
                   </a:solidFill>
@@ -7221,7 +7292,7 @@
                 <a:t>br</a:t>
               </a:r>
               <a:r>
-                <a:rPr lang="en-US" sz="4000" dirty="0">
+                <a:rPr lang="en-US" sz="4000">
                   <a:solidFill>
                     <a:schemeClr val="bg2"/>
                   </a:solidFill>
@@ -7237,7 +7308,7 @@
                 <a:buChar char="•"/>
               </a:pPr>
               <a:r>
-                <a:rPr lang="en-US" sz="4000" dirty="0">
+                <a:rPr lang="en-US" sz="4000">
                   <a:solidFill>
                     <a:schemeClr val="bg2"/>
                   </a:solidFill>
@@ -7250,7 +7321,7 @@
             <a:p>
               <a:pPr lvl="1" indent="0" algn="just"/>
               <a:r>
-                <a:rPr lang="en-US" sz="4000" dirty="0">
+                <a:rPr lang="en-US" sz="4000">
                   <a:solidFill>
                     <a:schemeClr val="bg2"/>
                   </a:solidFill>
@@ -7260,7 +7331,7 @@
                 <a:t>	- &lt;</a:t>
               </a:r>
               <a:r>
-                <a:rPr lang="en-US" sz="4000" dirty="0" err="1">
+                <a:rPr lang="en-US" sz="4000" err="1">
                   <a:solidFill>
                     <a:schemeClr val="bg2"/>
                   </a:solidFill>
@@ -7270,7 +7341,7 @@
                 <a:t>em</a:t>
               </a:r>
               <a:r>
-                <a:rPr lang="en-US" sz="4000" dirty="0">
+                <a:rPr lang="en-US" sz="4000">
                   <a:solidFill>
                     <a:schemeClr val="bg2"/>
                   </a:solidFill>
@@ -7283,7 +7354,7 @@
             <a:p>
               <a:pPr lvl="1" indent="0" algn="just"/>
               <a:r>
-                <a:rPr lang="en-US" sz="4000" dirty="0">
+                <a:rPr lang="en-US" sz="4000">
                   <a:solidFill>
                     <a:schemeClr val="bg2"/>
                   </a:solidFill>
@@ -7299,7 +7370,7 @@
                 <a:buChar char="•"/>
               </a:pPr>
               <a:r>
-                <a:rPr lang="en-US" sz="4000" dirty="0">
+                <a:rPr lang="en-US" sz="4000">
                   <a:solidFill>
                     <a:schemeClr val="bg2"/>
                   </a:solidFill>
@@ -7309,7 +7380,7 @@
                 <a:t>Thematic break (&lt;</a:t>
               </a:r>
               <a:r>
-                <a:rPr lang="en-US" sz="4000" dirty="0" err="1">
+                <a:rPr lang="en-US" sz="4000" err="1">
                   <a:solidFill>
                     <a:schemeClr val="bg2"/>
                   </a:solidFill>
@@ -7319,7 +7390,7 @@
                 <a:t>hr</a:t>
               </a:r>
               <a:r>
-                <a:rPr lang="en-US" sz="4000" dirty="0">
+                <a:rPr lang="en-US" sz="4000">
                   <a:solidFill>
                     <a:schemeClr val="bg2"/>
                   </a:solidFill>
@@ -7334,7 +7405,7 @@
                 <a:buFont typeface="Arial" panose="020B0604020202020204" pitchFamily="34" charset="0"/>
                 <a:buChar char="•"/>
               </a:pPr>
-              <a:endParaRPr lang="en-US" sz="4000" dirty="0">
+              <a:endParaRPr lang="en-US" sz="4000">
                 <a:solidFill>
                   <a:schemeClr val="bg2"/>
                 </a:solidFill>
@@ -7345,7 +7416,7 @@
             <a:p>
               <a:pPr lvl="1" indent="0" algn="just"/>
               <a:r>
-                <a:rPr lang="en-US" sz="4000" dirty="0">
+                <a:rPr lang="en-US" sz="4000">
                   <a:solidFill>
                     <a:schemeClr val="bg1"/>
                   </a:solidFill>
@@ -7355,7 +7426,7 @@
                 <a:t>Note: </a:t>
               </a:r>
               <a:r>
-                <a:rPr lang="en-US" sz="4000" dirty="0">
+                <a:rPr lang="en-US" sz="4000">
                   <a:solidFill>
                     <a:schemeClr val="bg2"/>
                   </a:solidFill>
@@ -7378,13 +7449,13 @@
   <p:clrMapOvr>
     <a:masterClrMapping/>
   </p:clrMapOvr>
-  <mc:AlternateContent xmlns:mc="http://schemas.openxmlformats.org/markup-compatibility/2006" xmlns:p159="http://schemas.microsoft.com/office/powerpoint/2015/09/main">
-    <mc:Choice Requires="p159">
+  <mc:AlternateContent xmlns:mc="http://schemas.openxmlformats.org/markup-compatibility/2006">
+    <mc:Choice xmlns:p159="http://schemas.microsoft.com/office/powerpoint/2015/09/main" Requires="p159">
       <p:transition>
         <p159:morph option="byChar"/>
       </p:transition>
     </mc:Choice>
-    <mc:Fallback xmlns="">
+    <mc:Fallback>
       <p:transition>
         <p:fade/>
       </p:transition>
@@ -7534,10 +7605,10 @@
           <a:lstStyle/>
           <a:p>
             <a:r>
-              <a:rPr lang="en-US" sz="8000" dirty="0"/>
+              <a:rPr lang="en-US" sz="8000"/>
               <a:t>Elements &amp; Semantics</a:t>
             </a:r>
-            <a:endParaRPr sz="8000" dirty="0"/>
+            <a:endParaRPr sz="8000"/>
           </a:p>
         </p:txBody>
       </p:sp>
@@ -7571,7 +7642,7 @@
           <a:lstStyle/>
           <a:p>
             <a:r>
-              <a:rPr sz="8000" dirty="0"/>
+              <a:rPr sz="8000"/>
               <a:t>03</a:t>
             </a:r>
           </a:p>
@@ -7713,7 +7784,7 @@
             <a:p>
               <a:pPr algn="just"/>
               <a:r>
-                <a:rPr lang="en-US" sz="4000" dirty="0">
+                <a:rPr lang="en-US" sz="4000">
                   <a:solidFill>
                     <a:schemeClr val="bg1"/>
                   </a:solidFill>
@@ -7729,7 +7800,7 @@
                 <a:buChar char="•"/>
               </a:pPr>
               <a:r>
-                <a:rPr lang="en-US" sz="4000" b="1" dirty="0">
+                <a:rPr lang="en-US" sz="4000" b="1">
                   <a:solidFill>
                     <a:schemeClr val="bg2"/>
                   </a:solidFill>
@@ -7742,7 +7813,7 @@
             <a:p>
               <a:pPr lvl="1" indent="0" algn="just"/>
               <a:r>
-                <a:rPr lang="en-US" sz="4000" b="1" dirty="0">
+                <a:rPr lang="en-US" sz="4000" b="1">
                   <a:solidFill>
                     <a:schemeClr val="bg2"/>
                   </a:solidFill>
@@ -7752,7 +7823,7 @@
                 <a:t>	- </a:t>
               </a:r>
               <a:r>
-                <a:rPr lang="en-US" sz="4000" dirty="0">
+                <a:rPr lang="en-US" sz="4000">
                   <a:solidFill>
                     <a:schemeClr val="bg2"/>
                   </a:solidFill>
@@ -7765,7 +7836,7 @@
             <a:p>
               <a:pPr lvl="1" indent="0" algn="just"/>
               <a:r>
-                <a:rPr lang="en-US" sz="4000" b="1" dirty="0">
+                <a:rPr lang="en-US" sz="4000" b="1">
                   <a:solidFill>
                     <a:schemeClr val="bg2"/>
                   </a:solidFill>
@@ -7775,7 +7846,7 @@
                 <a:t>	- </a:t>
               </a:r>
               <a:r>
-                <a:rPr lang="en-US" sz="4000" dirty="0">
+                <a:rPr lang="en-US" sz="4000">
                   <a:solidFill>
                     <a:schemeClr val="bg2"/>
                   </a:solidFill>
@@ -7784,7 +7855,7 @@
                 </a:rPr>
                 <a:t>Examples: &lt;div&gt;, &lt;p&gt;, &lt;h1&gt;, &lt;ul&gt;, &lt;table&gt;</a:t>
               </a:r>
-              <a:endParaRPr lang="en-US" sz="4000" b="1" dirty="0">
+              <a:endParaRPr lang="en-US" sz="4000" b="1">
                 <a:solidFill>
                   <a:schemeClr val="bg2"/>
                 </a:solidFill>
@@ -7798,7 +7869,7 @@
                 <a:buChar char="•"/>
               </a:pPr>
               <a:r>
-                <a:rPr lang="en-US" sz="4000" b="1" dirty="0">
+                <a:rPr lang="en-US" sz="4000" b="1">
                   <a:solidFill>
                     <a:schemeClr val="bg2"/>
                   </a:solidFill>
@@ -7811,7 +7882,7 @@
             <a:p>
               <a:pPr lvl="1" indent="0" algn="just"/>
               <a:r>
-                <a:rPr lang="en-US" sz="4000" b="1" dirty="0">
+                <a:rPr lang="en-US" sz="4000" b="1">
                   <a:solidFill>
                     <a:schemeClr val="bg2"/>
                   </a:solidFill>
@@ -7821,7 +7892,7 @@
                 <a:t>	- </a:t>
               </a:r>
               <a:r>
-                <a:rPr lang="en-US" sz="4000" dirty="0">
+                <a:rPr lang="en-US" sz="4000">
                   <a:solidFill>
                     <a:schemeClr val="bg2"/>
                   </a:solidFill>
@@ -7834,7 +7905,7 @@
             <a:p>
               <a:pPr lvl="1" indent="0" algn="just"/>
               <a:r>
-                <a:rPr lang="en-US" sz="4000" dirty="0">
+                <a:rPr lang="en-US" sz="4000">
                   <a:solidFill>
                     <a:schemeClr val="bg2"/>
                   </a:solidFill>
@@ -7844,7 +7915,7 @@
                 <a:t>	- Examples: &lt;span&gt;, &lt;a&gt;, &lt;</a:t>
               </a:r>
               <a:r>
-                <a:rPr lang="en-US" sz="4000" dirty="0" err="1">
+                <a:rPr lang="en-US" sz="4000" err="1">
                   <a:solidFill>
                     <a:schemeClr val="bg2"/>
                   </a:solidFill>
@@ -7854,7 +7925,7 @@
                 <a:t>img</a:t>
               </a:r>
               <a:r>
-                <a:rPr lang="en-US" sz="4000" dirty="0">
+                <a:rPr lang="en-US" sz="4000">
                   <a:solidFill>
                     <a:schemeClr val="bg2"/>
                   </a:solidFill>
@@ -7864,7 +7935,7 @@
                 <a:t>&gt;, &lt;</a:t>
               </a:r>
               <a:r>
-                <a:rPr lang="en-US" sz="4000" dirty="0" err="1">
+                <a:rPr lang="en-US" sz="4000" err="1">
                   <a:solidFill>
                     <a:schemeClr val="bg2"/>
                   </a:solidFill>
@@ -7874,7 +7945,7 @@
                 <a:t>em</a:t>
               </a:r>
               <a:r>
-                <a:rPr lang="en-US" sz="4000" dirty="0">
+                <a:rPr lang="en-US" sz="4000">
                   <a:solidFill>
                     <a:schemeClr val="bg2"/>
                   </a:solidFill>
@@ -7890,7 +7961,7 @@
                 <a:buChar char="•"/>
               </a:pPr>
               <a:r>
-                <a:rPr lang="en-US" sz="4000" b="1" dirty="0">
+                <a:rPr lang="en-US" sz="4000" b="1">
                   <a:solidFill>
                     <a:schemeClr val="bg2"/>
                   </a:solidFill>
@@ -7903,7 +7974,7 @@
             <a:p>
               <a:pPr lvl="1" indent="0" algn="just"/>
               <a:r>
-                <a:rPr lang="en-US" sz="4000" b="1" dirty="0">
+                <a:rPr lang="en-US" sz="4000" b="1">
                   <a:solidFill>
                     <a:schemeClr val="bg2"/>
                   </a:solidFill>
@@ -7913,7 +7984,7 @@
                 <a:t>	- id </a:t>
               </a:r>
               <a:r>
-                <a:rPr lang="en-US" sz="4000" dirty="0">
+                <a:rPr lang="en-US" sz="4000">
                   <a:solidFill>
                     <a:schemeClr val="bg2"/>
                   </a:solidFill>
@@ -7926,7 +7997,7 @@
             <a:p>
               <a:pPr lvl="1" indent="0" algn="just"/>
               <a:r>
-                <a:rPr lang="en-US" sz="4000" b="1" dirty="0">
+                <a:rPr lang="en-US" sz="4000" b="1">
                   <a:solidFill>
                     <a:schemeClr val="bg2"/>
                   </a:solidFill>
@@ -7936,7 +8007,7 @@
                 <a:t>	- class </a:t>
               </a:r>
               <a:r>
-                <a:rPr lang="en-US" sz="4000" dirty="0">
+                <a:rPr lang="en-US" sz="4000">
                   <a:solidFill>
                     <a:schemeClr val="bg2"/>
                   </a:solidFill>
@@ -7946,7 +8017,7 @@
                 <a:t>– reusable, multiple allowed (class=“</a:t>
               </a:r>
               <a:r>
-                <a:rPr lang="en-US" sz="4000" dirty="0" err="1">
+                <a:rPr lang="en-US" sz="4000" err="1">
                   <a:solidFill>
                     <a:schemeClr val="bg2"/>
                   </a:solidFill>
@@ -7956,7 +8027,7 @@
                 <a:t>btn</a:t>
               </a:r>
               <a:r>
-                <a:rPr lang="en-US" sz="4000" dirty="0">
+                <a:rPr lang="en-US" sz="4000">
                   <a:solidFill>
                     <a:schemeClr val="bg2"/>
                   </a:solidFill>
@@ -8119,7 +8190,7 @@
               <a:tabLst/>
             </a:pPr>
             <a:r>
-              <a:rPr kumimoji="0" lang="en-US" sz="3000" b="0" i="0" u="none" strike="noStrike" cap="none" spc="0" normalizeH="0" baseline="0" dirty="0">
+              <a:rPr kumimoji="0" lang="en-US" sz="3000" b="0" i="0" u="none" strike="noStrike" cap="none" spc="0" normalizeH="0" baseline="0">
                 <a:ln>
                   <a:noFill/>
                 </a:ln>
@@ -8154,7 +8225,7 @@
               <a:tabLst/>
             </a:pPr>
             <a:r>
-              <a:rPr kumimoji="0" lang="en-US" sz="3000" b="0" i="0" u="none" strike="noStrike" cap="none" spc="0" normalizeH="0" baseline="0" dirty="0">
+              <a:rPr kumimoji="0" lang="en-US" sz="3000" b="0" i="0" u="none" strike="noStrike" cap="none" spc="0" normalizeH="0" baseline="0">
                 <a:ln>
                   <a:noFill/>
                 </a:ln>
@@ -8183,13 +8254,13 @@
   <p:clrMapOvr>
     <a:masterClrMapping/>
   </p:clrMapOvr>
-  <mc:AlternateContent xmlns:mc="http://schemas.openxmlformats.org/markup-compatibility/2006" xmlns:p159="http://schemas.microsoft.com/office/powerpoint/2015/09/main">
-    <mc:Choice Requires="p159">
+  <mc:AlternateContent xmlns:mc="http://schemas.openxmlformats.org/markup-compatibility/2006">
+    <mc:Choice xmlns:p159="http://schemas.microsoft.com/office/powerpoint/2015/09/main" Requires="p159">
       <p:transition>
         <p159:morph option="byChar"/>
       </p:transition>
     </mc:Choice>
-    <mc:Fallback xmlns="">
+    <mc:Fallback>
       <p:transition>
         <p:fade/>
       </p:transition>
@@ -8339,10 +8410,10 @@
           <a:lstStyle/>
           <a:p>
             <a:r>
-              <a:rPr lang="en-US" sz="8000" dirty="0"/>
+              <a:rPr lang="en-US" sz="8000"/>
               <a:t>Exercise</a:t>
             </a:r>
-            <a:endParaRPr sz="8000" dirty="0"/>
+            <a:endParaRPr sz="8000"/>
           </a:p>
         </p:txBody>
       </p:sp>
@@ -8376,10 +8447,10 @@
           <a:lstStyle/>
           <a:p>
             <a:r>
-              <a:rPr lang="en-US" sz="8000" dirty="0"/>
+              <a:rPr lang="en-US" sz="8000"/>
               <a:t>*</a:t>
             </a:r>
-            <a:endParaRPr sz="8000" dirty="0"/>
+            <a:endParaRPr sz="8000"/>
           </a:p>
         </p:txBody>
       </p:sp>
@@ -8519,7 +8590,7 @@
             <a:p>
               <a:pPr algn="just"/>
               <a:r>
-                <a:rPr lang="en-US" sz="4000" dirty="0">
+                <a:rPr lang="en-US" sz="4000">
                   <a:solidFill>
                     <a:srgbClr val="FF5640"/>
                   </a:solidFill>
@@ -8535,7 +8606,7 @@
                 <a:buChar char="•"/>
               </a:pPr>
               <a:r>
-                <a:rPr lang="en-US" sz="4000" dirty="0">
+                <a:rPr lang="en-US" sz="4000">
                   <a:solidFill>
                     <a:schemeClr val="bg2"/>
                   </a:solidFill>
@@ -8548,7 +8619,7 @@
             <a:p>
               <a:pPr algn="just"/>
               <a:r>
-                <a:rPr lang="en-US" sz="4000" dirty="0">
+                <a:rPr lang="en-US" sz="4000">
                   <a:solidFill>
                     <a:schemeClr val="bg2"/>
                   </a:solidFill>
@@ -8561,7 +8632,7 @@
             <a:p>
               <a:pPr algn="just"/>
               <a:r>
-                <a:rPr lang="en-US" sz="4000" dirty="0">
+                <a:rPr lang="en-US" sz="4000">
                   <a:solidFill>
                     <a:schemeClr val="bg2"/>
                   </a:solidFill>
@@ -8574,7 +8645,7 @@
             <a:p>
               <a:pPr algn="just"/>
               <a:r>
-                <a:rPr lang="en-US" sz="4000" dirty="0">
+                <a:rPr lang="en-US" sz="4000">
                   <a:solidFill>
                     <a:schemeClr val="bg2"/>
                   </a:solidFill>
@@ -8587,7 +8658,7 @@
             <a:p>
               <a:pPr algn="just"/>
               <a:r>
-                <a:rPr lang="en-US" sz="4000" dirty="0">
+                <a:rPr lang="en-US" sz="4000">
                   <a:solidFill>
                     <a:schemeClr val="bg2"/>
                   </a:solidFill>
@@ -8600,7 +8671,7 @@
             <a:p>
               <a:pPr algn="just"/>
               <a:r>
-                <a:rPr lang="en-US" sz="4000" dirty="0">
+                <a:rPr lang="en-US" sz="4000">
                   <a:solidFill>
                     <a:schemeClr val="bg2"/>
                   </a:solidFill>
@@ -8613,7 +8684,7 @@
             <a:p>
               <a:pPr algn="just"/>
               <a:r>
-                <a:rPr lang="en-US" sz="4000" dirty="0">
+                <a:rPr lang="en-US" sz="4000">
                   <a:solidFill>
                     <a:schemeClr val="bg2"/>
                   </a:solidFill>
@@ -8623,7 +8694,7 @@
                 <a:t>	- Organized with </a:t>
               </a:r>
               <a:r>
-                <a:rPr lang="en-US" sz="4000" dirty="0" err="1">
+                <a:rPr lang="en-US" sz="4000" err="1">
                   <a:solidFill>
                     <a:schemeClr val="bg2"/>
                   </a:solidFill>
@@ -8633,7 +8704,7 @@
                 <a:t>atleast</a:t>
               </a:r>
               <a:r>
-                <a:rPr lang="en-US" sz="4000" dirty="0">
+                <a:rPr lang="en-US" sz="4000">
                   <a:solidFill>
                     <a:schemeClr val="bg2"/>
                   </a:solidFill>
@@ -8788,7 +8859,7 @@
               <a:tabLst/>
             </a:pPr>
             <a:r>
-              <a:rPr kumimoji="0" lang="en-US" altLang="en-US" sz="1800" b="1" i="0" u="none" strike="noStrike" cap="none" normalizeH="0" baseline="0" dirty="0">
+              <a:rPr kumimoji="0" lang="en-US" altLang="en-US" sz="1800" b="1" i="0" u="none" strike="noStrike" cap="none" normalizeH="0" baseline="0">
                 <a:ln>
                   <a:noFill/>
                 </a:ln>
@@ -8800,7 +8871,7 @@
               </a:rPr>
               <a:t>Expected Result</a:t>
             </a:r>
-            <a:endParaRPr kumimoji="0" lang="en-US" altLang="en-US" sz="1800" b="0" i="0" u="none" strike="noStrike" cap="none" normalizeH="0" baseline="0" dirty="0">
+            <a:endParaRPr kumimoji="0" lang="en-US" altLang="en-US" sz="1800" b="0" i="0" u="none" strike="noStrike" cap="none" normalizeH="0" baseline="0">
               <a:ln>
                 <a:noFill/>
               </a:ln>
@@ -8829,7 +8900,7 @@
               <a:tabLst/>
             </a:pPr>
             <a:r>
-              <a:rPr kumimoji="0" lang="en-US" altLang="en-US" sz="1800" b="0" i="0" u="none" strike="noStrike" cap="none" normalizeH="0" baseline="0" dirty="0">
+              <a:rPr kumimoji="0" lang="en-US" altLang="en-US" sz="1800" b="0" i="0" u="none" strike="noStrike" cap="none" normalizeH="0" baseline="0">
                 <a:ln>
                   <a:noFill/>
                 </a:ln>
@@ -8860,7 +8931,7 @@
               <a:tabLst/>
             </a:pPr>
             <a:r>
-              <a:rPr kumimoji="0" lang="en-US" altLang="en-US" sz="1800" b="0" i="0" u="none" strike="noStrike" cap="none" normalizeH="0" baseline="0" dirty="0">
+              <a:rPr kumimoji="0" lang="en-US" altLang="en-US" sz="1800" b="0" i="0" u="none" strike="noStrike" cap="none" normalizeH="0" baseline="0">
                 <a:ln>
                   <a:noFill/>
                 </a:ln>
@@ -8873,7 +8944,7 @@
               <a:t>With Doctype, page uses </a:t>
             </a:r>
             <a:r>
-              <a:rPr kumimoji="0" lang="en-US" altLang="en-US" sz="1800" b="1" i="0" u="none" strike="noStrike" cap="none" normalizeH="0" baseline="0" dirty="0">
+              <a:rPr kumimoji="0" lang="en-US" altLang="en-US" sz="1800" b="1" i="0" u="none" strike="noStrike" cap="none" normalizeH="0" baseline="0">
                 <a:ln>
                   <a:noFill/>
                 </a:ln>
@@ -8886,7 +8957,7 @@
               <a:t>HTML5 standards</a:t>
             </a:r>
             <a:r>
-              <a:rPr kumimoji="0" lang="en-US" altLang="en-US" sz="1800" b="0" i="0" u="none" strike="noStrike" cap="none" normalizeH="0" baseline="0" dirty="0">
+              <a:rPr kumimoji="0" lang="en-US" altLang="en-US" sz="1800" b="0" i="0" u="none" strike="noStrike" cap="none" normalizeH="0" baseline="0">
                 <a:ln>
                   <a:noFill/>
                 </a:ln>
@@ -8916,7 +8987,7 @@
               <a:buNone/>
               <a:tabLst/>
             </a:pPr>
-            <a:endParaRPr kumimoji="0" lang="en-US" altLang="en-US" sz="1800" b="0" i="0" u="none" strike="noStrike" cap="none" normalizeH="0" baseline="0" dirty="0">
+            <a:endParaRPr kumimoji="0" lang="en-US" altLang="en-US" sz="1800" b="0" i="0" u="none" strike="noStrike" cap="none" normalizeH="0" baseline="0">
               <a:ln>
                 <a:noFill/>
               </a:ln>
@@ -8999,13 +9070,13 @@
   <p:clrMapOvr>
     <a:masterClrMapping/>
   </p:clrMapOvr>
-  <mc:AlternateContent xmlns:mc="http://schemas.openxmlformats.org/markup-compatibility/2006" xmlns:p159="http://schemas.microsoft.com/office/powerpoint/2015/09/main">
-    <mc:Choice Requires="p159">
+  <mc:AlternateContent xmlns:mc="http://schemas.openxmlformats.org/markup-compatibility/2006">
+    <mc:Choice xmlns:p159="http://schemas.microsoft.com/office/powerpoint/2015/09/main" Requires="p159">
       <p:transition>
         <p159:morph option="byChar"/>
       </p:transition>
     </mc:Choice>
-    <mc:Fallback xmlns="">
+    <mc:Fallback>
       <p:transition>
         <p:fade/>
       </p:transition>
@@ -9155,10 +9226,10 @@
           <a:lstStyle/>
           <a:p>
             <a:r>
-              <a:rPr lang="en-US" sz="8000" dirty="0"/>
+              <a:rPr lang="en-US" sz="8000"/>
               <a:t>Links, Media &amp; Metadata</a:t>
             </a:r>
-            <a:endParaRPr sz="8000" dirty="0"/>
+            <a:endParaRPr sz="8000"/>
           </a:p>
         </p:txBody>
       </p:sp>
@@ -9192,7 +9263,7 @@
           <a:lstStyle/>
           <a:p>
             <a:r>
-              <a:rPr sz="8000" dirty="0"/>
+              <a:rPr sz="8000"/>
               <a:t>04</a:t>
             </a:r>
           </a:p>
@@ -9334,7 +9405,7 @@
             <a:p>
               <a:pPr algn="just"/>
               <a:r>
-                <a:rPr lang="en-US" sz="4000" dirty="0">
+                <a:rPr lang="en-US" sz="4000">
                   <a:solidFill>
                     <a:schemeClr val="bg1"/>
                   </a:solidFill>
@@ -9350,7 +9421,7 @@
                 <a:buChar char="•"/>
               </a:pPr>
               <a:r>
-                <a:rPr lang="en-US" sz="4000" dirty="0">
+                <a:rPr lang="en-US" sz="4000">
                   <a:solidFill>
                     <a:schemeClr val="bg2"/>
                   </a:solidFill>
@@ -9360,7 +9431,7 @@
                 <a:t>&lt;a </a:t>
               </a:r>
               <a:r>
-                <a:rPr lang="en-US" sz="4000" dirty="0" err="1">
+                <a:rPr lang="en-US" sz="4000" err="1">
                   <a:solidFill>
                     <a:schemeClr val="bg2"/>
                   </a:solidFill>
@@ -9370,7 +9441,7 @@
                 <a:t>href</a:t>
               </a:r>
               <a:r>
-                <a:rPr lang="en-US" sz="4000" dirty="0">
+                <a:rPr lang="en-US" sz="4000">
                   <a:solidFill>
                     <a:schemeClr val="bg2"/>
                   </a:solidFill>
@@ -9380,7 +9451,7 @@
                 <a:t>=“</a:t>
               </a:r>
               <a:r>
-                <a:rPr lang="en-US" sz="4000" dirty="0" err="1">
+                <a:rPr lang="en-US" sz="4000" err="1">
                   <a:solidFill>
                     <a:schemeClr val="bg2"/>
                   </a:solidFill>
@@ -9390,7 +9461,7 @@
                 <a:t>url</a:t>
               </a:r>
               <a:r>
-                <a:rPr lang="en-US" sz="4000" dirty="0">
+                <a:rPr lang="en-US" sz="4000">
                   <a:solidFill>
                     <a:schemeClr val="bg2"/>
                   </a:solidFill>
@@ -9406,7 +9477,7 @@
                 <a:buChar char="•"/>
               </a:pPr>
               <a:r>
-                <a:rPr lang="en-US" sz="4000" dirty="0">
+                <a:rPr lang="en-US" sz="4000">
                   <a:solidFill>
                     <a:schemeClr val="bg2"/>
                   </a:solidFill>
@@ -9419,7 +9490,7 @@
             <a:p>
               <a:pPr lvl="2" indent="0" algn="just"/>
               <a:r>
-                <a:rPr lang="en-US" sz="4000" dirty="0">
+                <a:rPr lang="en-US" sz="4000">
                   <a:solidFill>
                     <a:schemeClr val="bg2"/>
                   </a:solidFill>
@@ -9429,7 +9500,7 @@
                 <a:t>	- </a:t>
               </a:r>
               <a:r>
-                <a:rPr lang="en-US" sz="4000" dirty="0" err="1">
+                <a:rPr lang="en-US" sz="4000" err="1">
                   <a:solidFill>
                     <a:schemeClr val="bg2"/>
                   </a:solidFill>
@@ -9439,7 +9510,7 @@
                 <a:t>href</a:t>
               </a:r>
               <a:r>
-                <a:rPr lang="en-US" sz="4000" dirty="0">
+                <a:rPr lang="en-US" sz="4000">
                   <a:solidFill>
                     <a:schemeClr val="bg2"/>
                   </a:solidFill>
@@ -9452,7 +9523,7 @@
             <a:p>
               <a:pPr lvl="2" indent="0" algn="just"/>
               <a:r>
-                <a:rPr lang="en-US" sz="4000" dirty="0">
+                <a:rPr lang="en-US" sz="4000">
                   <a:solidFill>
                     <a:schemeClr val="bg2"/>
                   </a:solidFill>
@@ -9465,7 +9536,7 @@
             <a:p>
               <a:pPr lvl="2" indent="0" algn="just"/>
               <a:r>
-                <a:rPr lang="en-US" sz="4000" dirty="0">
+                <a:rPr lang="en-US" sz="4000">
                   <a:solidFill>
                     <a:schemeClr val="bg2"/>
                   </a:solidFill>
@@ -9475,7 +9546,7 @@
                 <a:t>	- </a:t>
               </a:r>
               <a:r>
-                <a:rPr lang="en-US" sz="4000" dirty="0" err="1">
+                <a:rPr lang="en-US" sz="4000" err="1">
                   <a:solidFill>
                     <a:schemeClr val="bg2"/>
                   </a:solidFill>
@@ -9485,7 +9556,7 @@
                 <a:t>rel</a:t>
               </a:r>
               <a:r>
-                <a:rPr lang="en-US" sz="4000" dirty="0">
+                <a:rPr lang="en-US" sz="4000">
                   <a:solidFill>
                     <a:schemeClr val="bg2"/>
                   </a:solidFill>
@@ -9495,7 +9566,7 @@
                 <a:t>=“</a:t>
               </a:r>
               <a:r>
-                <a:rPr lang="en-US" sz="4000" dirty="0" err="1">
+                <a:rPr lang="en-US" sz="4000" err="1">
                   <a:solidFill>
                     <a:schemeClr val="bg2"/>
                   </a:solidFill>
@@ -9505,7 +9576,7 @@
                 <a:t>noopener</a:t>
               </a:r>
               <a:r>
-                <a:rPr lang="en-US" sz="4000" dirty="0">
+                <a:rPr lang="en-US" sz="4000">
                   <a:solidFill>
                     <a:schemeClr val="bg2"/>
                   </a:solidFill>
@@ -9521,7 +9592,7 @@
                 <a:buChar char="•"/>
               </a:pPr>
               <a:r>
-                <a:rPr lang="en-US" sz="4000" dirty="0">
+                <a:rPr lang="en-US" sz="4000">
                   <a:solidFill>
                     <a:schemeClr val="bg2"/>
                   </a:solidFill>
@@ -9534,7 +9605,7 @@
             <a:p>
               <a:pPr lvl="3" indent="0" algn="just"/>
               <a:r>
-                <a:rPr lang="en-US" sz="4000" dirty="0">
+                <a:rPr lang="en-US" sz="4000">
                   <a:solidFill>
                     <a:schemeClr val="bg2"/>
                   </a:solidFill>
@@ -9544,7 +9615,7 @@
                 <a:t>	- Absolute: full URL -&gt; </a:t>
               </a:r>
               <a:r>
-                <a:rPr lang="en-US" sz="4000" dirty="0">
+                <a:rPr lang="en-US" sz="4000">
                   <a:solidFill>
                     <a:schemeClr val="bg2"/>
                   </a:solidFill>
@@ -9554,7 +9625,7 @@
                 </a:rPr>
                 <a:t>https://example.com</a:t>
               </a:r>
-              <a:endParaRPr lang="en-US" sz="4000" dirty="0">
+              <a:endParaRPr lang="en-US" sz="4000">
                 <a:solidFill>
                   <a:schemeClr val="bg2"/>
                 </a:solidFill>
@@ -9565,7 +9636,7 @@
             <a:p>
               <a:pPr lvl="3" indent="0" algn="just"/>
               <a:r>
-                <a:rPr lang="en-US" sz="4000" dirty="0">
+                <a:rPr lang="en-US" sz="4000">
                   <a:solidFill>
                     <a:schemeClr val="bg2"/>
                   </a:solidFill>
@@ -9578,7 +9649,7 @@
             <a:p>
               <a:pPr lvl="3" indent="0" algn="just"/>
               <a:r>
-                <a:rPr lang="en-US" sz="4000" dirty="0">
+                <a:rPr lang="en-US" sz="4000">
                   <a:solidFill>
                     <a:schemeClr val="bg2"/>
                   </a:solidFill>
@@ -9588,7 +9659,7 @@
                 <a:t>	- Anchor: within page -&gt; </a:t>
               </a:r>
               <a:r>
-                <a:rPr lang="en-US" sz="4000" dirty="0" err="1">
+                <a:rPr lang="en-US" sz="4000" err="1">
                   <a:solidFill>
                     <a:schemeClr val="bg2"/>
                   </a:solidFill>
@@ -9598,7 +9669,7 @@
                 <a:t>href</a:t>
               </a:r>
               <a:r>
-                <a:rPr lang="en-US" sz="4000" dirty="0">
+                <a:rPr lang="en-US" sz="4000">
                   <a:solidFill>
                     <a:schemeClr val="bg2"/>
                   </a:solidFill>
@@ -9621,13 +9692,13 @@
   <p:clrMapOvr>
     <a:masterClrMapping/>
   </p:clrMapOvr>
-  <mc:AlternateContent xmlns:mc="http://schemas.openxmlformats.org/markup-compatibility/2006" xmlns:p159="http://schemas.microsoft.com/office/powerpoint/2015/09/main">
-    <mc:Choice Requires="p159">
+  <mc:AlternateContent xmlns:mc="http://schemas.openxmlformats.org/markup-compatibility/2006">
+    <mc:Choice xmlns:p159="http://schemas.microsoft.com/office/powerpoint/2015/09/main" Requires="p159">
       <p:transition>
         <p159:morph option="byChar"/>
       </p:transition>
     </mc:Choice>
-    <mc:Fallback xmlns="">
+    <mc:Fallback>
       <p:transition>
         <p:fade/>
       </p:transition>
@@ -9777,10 +9848,10 @@
           <a:lstStyle/>
           <a:p>
             <a:r>
-              <a:rPr lang="en-US" sz="8000" dirty="0"/>
+              <a:rPr lang="en-US" sz="8000"/>
               <a:t>Links, Media &amp; Metadata</a:t>
             </a:r>
-            <a:endParaRPr sz="8000" dirty="0"/>
+            <a:endParaRPr sz="8000"/>
           </a:p>
         </p:txBody>
       </p:sp>
@@ -9814,7 +9885,7 @@
           <a:lstStyle/>
           <a:p>
             <a:r>
-              <a:rPr sz="8000" dirty="0"/>
+              <a:rPr sz="8000"/>
               <a:t>04</a:t>
             </a:r>
           </a:p>
@@ -9956,7 +10027,7 @@
             <a:p>
               <a:pPr algn="just"/>
               <a:r>
-                <a:rPr lang="en-US" sz="4000" dirty="0">
+                <a:rPr lang="en-US" sz="4000">
                   <a:solidFill>
                     <a:schemeClr val="bg1"/>
                   </a:solidFill>
@@ -9972,7 +10043,7 @@
                 <a:buChar char="•"/>
               </a:pPr>
               <a:r>
-                <a:rPr lang="en-US" sz="4000" b="1" dirty="0">
+                <a:rPr lang="en-US" sz="4000" b="1">
                   <a:solidFill>
                     <a:schemeClr val="bg2"/>
                   </a:solidFill>
@@ -9982,7 +10053,7 @@
                 <a:t>Image (&lt;</a:t>
               </a:r>
               <a:r>
-                <a:rPr lang="en-US" sz="4000" b="1" dirty="0" err="1">
+                <a:rPr lang="en-US" sz="4000" b="1" err="1">
                   <a:solidFill>
                     <a:schemeClr val="bg2"/>
                   </a:solidFill>
@@ -9992,7 +10063,7 @@
                 <a:t>img</a:t>
               </a:r>
               <a:r>
-                <a:rPr lang="en-US" sz="4000" b="1" dirty="0">
+                <a:rPr lang="en-US" sz="4000" b="1">
                   <a:solidFill>
                     <a:schemeClr val="bg2"/>
                   </a:solidFill>
@@ -10005,7 +10076,7 @@
             <a:p>
               <a:pPr lvl="1" indent="0" algn="just"/>
               <a:r>
-                <a:rPr lang="en-US" sz="4000" dirty="0">
+                <a:rPr lang="en-US" sz="4000">
                   <a:solidFill>
                     <a:schemeClr val="bg2"/>
                   </a:solidFill>
@@ -10015,7 +10086,7 @@
                 <a:t>	- &lt;</a:t>
               </a:r>
               <a:r>
-                <a:rPr lang="en-US" sz="4000" dirty="0" err="1">
+                <a:rPr lang="en-US" sz="4000" err="1">
                   <a:solidFill>
                     <a:schemeClr val="bg2"/>
                   </a:solidFill>
@@ -10025,7 +10096,7 @@
                 <a:t>img</a:t>
               </a:r>
               <a:r>
-                <a:rPr lang="en-US" sz="4000" dirty="0">
+                <a:rPr lang="en-US" sz="4000">
                   <a:solidFill>
                     <a:schemeClr val="bg2"/>
                   </a:solidFill>
@@ -10035,7 +10106,7 @@
                 <a:t> </a:t>
               </a:r>
               <a:r>
-                <a:rPr lang="en-US" sz="4000" dirty="0" err="1">
+                <a:rPr lang="en-US" sz="4000" err="1">
                   <a:solidFill>
                     <a:schemeClr val="bg2"/>
                   </a:solidFill>
@@ -10045,7 +10116,7 @@
                 <a:t>src</a:t>
               </a:r>
               <a:r>
-                <a:rPr lang="en-US" sz="4000" dirty="0">
+                <a:rPr lang="en-US" sz="4000">
                   <a:solidFill>
                     <a:schemeClr val="bg2"/>
                   </a:solidFill>
@@ -10061,7 +10132,7 @@
                 <a:buChar char="•"/>
               </a:pPr>
               <a:r>
-                <a:rPr lang="en-US" sz="4000" b="1" dirty="0">
+                <a:rPr lang="en-US" sz="4000" b="1">
                   <a:solidFill>
                     <a:schemeClr val="bg2"/>
                   </a:solidFill>
@@ -10074,7 +10145,7 @@
             <a:p>
               <a:pPr lvl="1" indent="0" algn="just"/>
               <a:r>
-                <a:rPr lang="en-US" sz="4000" dirty="0">
+                <a:rPr lang="en-US" sz="4000">
                   <a:solidFill>
                     <a:schemeClr val="bg2"/>
                   </a:solidFill>
@@ -10084,7 +10155,7 @@
                 <a:t>	- &lt;audio controls&gt;&lt;source </a:t>
               </a:r>
               <a:r>
-                <a:rPr lang="en-US" sz="4000" dirty="0" err="1">
+                <a:rPr lang="en-US" sz="4000" err="1">
                   <a:solidFill>
                     <a:schemeClr val="bg2"/>
                   </a:solidFill>
@@ -10094,7 +10165,7 @@
                 <a:t>src</a:t>
               </a:r>
               <a:r>
-                <a:rPr lang="en-US" sz="4000" dirty="0">
+                <a:rPr lang="en-US" sz="4000">
                   <a:solidFill>
                     <a:schemeClr val="bg2"/>
                   </a:solidFill>
@@ -10110,7 +10181,7 @@
                 <a:buChar char="•"/>
               </a:pPr>
               <a:r>
-                <a:rPr lang="en-US" sz="4000" b="1" dirty="0">
+                <a:rPr lang="en-US" sz="4000" b="1">
                   <a:solidFill>
                     <a:schemeClr val="bg2"/>
                   </a:solidFill>
@@ -10123,7 +10194,7 @@
             <a:p>
               <a:pPr algn="just"/>
               <a:r>
-                <a:rPr lang="en-US" sz="4000" dirty="0">
+                <a:rPr lang="en-US" sz="4000">
                   <a:solidFill>
                     <a:schemeClr val="bg2"/>
                   </a:solidFill>
@@ -10133,7 +10204,7 @@
                 <a:t>	- &lt;video controls&gt;&lt;source </a:t>
               </a:r>
               <a:r>
-                <a:rPr lang="en-US" sz="4000" dirty="0" err="1">
+                <a:rPr lang="en-US" sz="4000" err="1">
                   <a:solidFill>
                     <a:schemeClr val="bg2"/>
                   </a:solidFill>
@@ -10143,7 +10214,7 @@
                 <a:t>src</a:t>
               </a:r>
               <a:r>
-                <a:rPr lang="en-US" sz="4000" dirty="0">
+                <a:rPr lang="en-US" sz="4000">
                   <a:solidFill>
                     <a:schemeClr val="bg2"/>
                   </a:solidFill>
@@ -10159,7 +10230,7 @@
                 <a:buChar char="•"/>
               </a:pPr>
               <a:r>
-                <a:rPr lang="en-US" sz="4000" b="1" dirty="0" err="1">
+                <a:rPr lang="en-US" sz="4000" b="1" err="1">
                   <a:solidFill>
                     <a:schemeClr val="bg2"/>
                   </a:solidFill>
@@ -10169,7 +10240,7 @@
                 <a:t>Iframe</a:t>
               </a:r>
               <a:r>
-                <a:rPr lang="en-US" sz="4000" b="1" dirty="0">
+                <a:rPr lang="en-US" sz="4000" b="1">
                   <a:solidFill>
                     <a:schemeClr val="bg2"/>
                   </a:solidFill>
@@ -10179,7 +10250,7 @@
                 <a:t> (&lt;</a:t>
               </a:r>
               <a:r>
-                <a:rPr lang="en-US" sz="4000" b="1" dirty="0" err="1">
+                <a:rPr lang="en-US" sz="4000" b="1" err="1">
                   <a:solidFill>
                     <a:schemeClr val="bg2"/>
                   </a:solidFill>
@@ -10189,7 +10260,7 @@
                 <a:t>iframe</a:t>
               </a:r>
               <a:r>
-                <a:rPr lang="en-US" sz="4000" b="1" dirty="0">
+                <a:rPr lang="en-US" sz="4000" b="1">
                   <a:solidFill>
                     <a:schemeClr val="bg2"/>
                   </a:solidFill>
@@ -10199,7 +10270,7 @@
                 <a:t>&gt;): </a:t>
               </a:r>
               <a:r>
-                <a:rPr lang="en-US" sz="4000" dirty="0">
+                <a:rPr lang="en-US" sz="4000">
                   <a:solidFill>
                     <a:schemeClr val="bg2"/>
                   </a:solidFill>
@@ -10215,7 +10286,7 @@
                 <a:buChar char="•"/>
               </a:pPr>
               <a:r>
-                <a:rPr lang="en-US" sz="4000" b="1" dirty="0">
+                <a:rPr lang="en-US" sz="4000" b="1">
                   <a:solidFill>
                     <a:schemeClr val="bg2"/>
                   </a:solidFill>
@@ -10225,7 +10296,7 @@
                 <a:t>Picture (&lt;picture&gt;): </a:t>
               </a:r>
               <a:r>
-                <a:rPr lang="en-US" sz="4000" dirty="0">
+                <a:rPr lang="en-US" sz="4000">
                   <a:solidFill>
                     <a:schemeClr val="bg2"/>
                   </a:solidFill>
@@ -10388,7 +10459,7 @@
               <a:tabLst/>
             </a:pPr>
             <a:r>
-              <a:rPr lang="en-US" sz="3000" dirty="0">
+              <a:rPr lang="en-US" sz="3000">
                 <a:solidFill>
                   <a:schemeClr val="bg1"/>
                 </a:solidFill>
@@ -10396,7 +10467,7 @@
               <a:t>Note</a:t>
             </a:r>
             <a:r>
-              <a:rPr kumimoji="0" lang="en-US" sz="3000" b="0" i="0" u="none" strike="noStrike" cap="none" spc="0" normalizeH="0" baseline="0" dirty="0">
+              <a:rPr kumimoji="0" lang="en-US" sz="3000" b="0" i="0" u="none" strike="noStrike" cap="none" spc="0" normalizeH="0" baseline="0">
                 <a:ln>
                   <a:noFill/>
                 </a:ln>
@@ -10431,7 +10502,7 @@
               <a:tabLst/>
             </a:pPr>
             <a:r>
-              <a:rPr lang="en-US" sz="3000" dirty="0">
+              <a:rPr lang="en-US" sz="3000">
                 <a:solidFill>
                   <a:schemeClr val="bg2"/>
                 </a:solidFill>
@@ -10439,7 +10510,7 @@
               <a:t>Always u</a:t>
             </a:r>
             <a:r>
-              <a:rPr kumimoji="0" lang="en-US" sz="3000" b="0" i="0" u="none" strike="noStrike" cap="none" spc="0" normalizeH="0" baseline="0" dirty="0">
+              <a:rPr kumimoji="0" lang="en-US" sz="3000" b="0" i="0" u="none" strike="noStrike" cap="none" spc="0" normalizeH="0" baseline="0">
                 <a:ln>
                   <a:noFill/>
                 </a:ln>
@@ -10468,13 +10539,13 @@
   <p:clrMapOvr>
     <a:masterClrMapping/>
   </p:clrMapOvr>
-  <mc:AlternateContent xmlns:mc="http://schemas.openxmlformats.org/markup-compatibility/2006" xmlns:p159="http://schemas.microsoft.com/office/powerpoint/2015/09/main">
-    <mc:Choice Requires="p159">
+  <mc:AlternateContent xmlns:mc="http://schemas.openxmlformats.org/markup-compatibility/2006">
+    <mc:Choice xmlns:p159="http://schemas.microsoft.com/office/powerpoint/2015/09/main" Requires="p159">
       <p:transition>
         <p159:morph option="byChar"/>
       </p:transition>
     </mc:Choice>
-    <mc:Fallback xmlns="">
+    <mc:Fallback>
       <p:transition>
         <p:fade/>
       </p:transition>
@@ -10624,10 +10695,10 @@
           <a:lstStyle/>
           <a:p>
             <a:r>
-              <a:rPr lang="en-US" sz="8000" dirty="0"/>
+              <a:rPr lang="en-US" sz="8000"/>
               <a:t>Links, Media &amp; Metadata</a:t>
             </a:r>
-            <a:endParaRPr sz="8000" dirty="0"/>
+            <a:endParaRPr sz="8000"/>
           </a:p>
         </p:txBody>
       </p:sp>
@@ -10661,7 +10732,7 @@
           <a:lstStyle/>
           <a:p>
             <a:r>
-              <a:rPr sz="8000" dirty="0"/>
+              <a:rPr sz="8000"/>
               <a:t>04</a:t>
             </a:r>
           </a:p>
@@ -10803,7 +10874,7 @@
             <a:p>
               <a:pPr algn="just"/>
               <a:r>
-                <a:rPr lang="en-US" sz="4000" dirty="0">
+                <a:rPr lang="en-US" sz="4000">
                   <a:solidFill>
                     <a:schemeClr val="bg1"/>
                   </a:solidFill>
@@ -10819,7 +10890,7 @@
                 <a:buChar char="•"/>
               </a:pPr>
               <a:r>
-                <a:rPr lang="en-US" sz="4000" b="1" dirty="0">
+                <a:rPr lang="en-US" sz="4000" b="1">
                   <a:solidFill>
                     <a:schemeClr val="bg2"/>
                   </a:solidFill>
@@ -10829,7 +10900,7 @@
                 <a:t>Title</a:t>
               </a:r>
               <a:r>
-                <a:rPr lang="en-US" sz="4000" dirty="0">
+                <a:rPr lang="en-US" sz="4000">
                   <a:solidFill>
                     <a:schemeClr val="bg2"/>
                   </a:solidFill>
@@ -10842,7 +10913,7 @@
             <a:p>
               <a:pPr lvl="1" indent="0" algn="just"/>
               <a:r>
-                <a:rPr lang="en-US" sz="4000" dirty="0">
+                <a:rPr lang="en-US" sz="4000">
                   <a:solidFill>
                     <a:schemeClr val="bg2"/>
                   </a:solidFill>
@@ -10858,7 +10929,7 @@
                 <a:buChar char="•"/>
               </a:pPr>
               <a:r>
-                <a:rPr lang="en-US" sz="4000" b="1" dirty="0">
+                <a:rPr lang="en-US" sz="4000" b="1">
                   <a:solidFill>
                     <a:schemeClr val="bg2"/>
                   </a:solidFill>
@@ -10868,7 +10939,7 @@
                 <a:t>Favicon </a:t>
               </a:r>
               <a:r>
-                <a:rPr lang="en-US" sz="4000" dirty="0">
+                <a:rPr lang="en-US" sz="4000">
                   <a:solidFill>
                     <a:schemeClr val="bg2"/>
                   </a:solidFill>
@@ -10878,7 +10949,7 @@
                 <a:t>(&lt;link </a:t>
               </a:r>
               <a:r>
-                <a:rPr lang="en-US" sz="4000" dirty="0" err="1">
+                <a:rPr lang="en-US" sz="4000" err="1">
                   <a:solidFill>
                     <a:schemeClr val="bg2"/>
                   </a:solidFill>
@@ -10888,7 +10959,7 @@
                 <a:t>rel</a:t>
               </a:r>
               <a:r>
-                <a:rPr lang="en-US" sz="4000" dirty="0">
+                <a:rPr lang="en-US" sz="4000">
                   <a:solidFill>
                     <a:schemeClr val="bg2"/>
                   </a:solidFill>
@@ -10901,7 +10972,7 @@
             <a:p>
               <a:pPr lvl="1" indent="0" algn="just"/>
               <a:r>
-                <a:rPr lang="en-US" sz="4000" dirty="0">
+                <a:rPr lang="en-US" sz="4000">
                   <a:solidFill>
                     <a:schemeClr val="bg2"/>
                   </a:solidFill>
@@ -10917,7 +10988,7 @@
                 <a:buChar char="•"/>
               </a:pPr>
               <a:r>
-                <a:rPr lang="en-US" sz="4000" b="1" dirty="0">
+                <a:rPr lang="en-US" sz="4000" b="1">
                   <a:solidFill>
                     <a:schemeClr val="bg2"/>
                   </a:solidFill>
@@ -10930,7 +11001,7 @@
             <a:p>
               <a:pPr lvl="1" indent="0" algn="just"/>
               <a:r>
-                <a:rPr lang="en-US" sz="4000" dirty="0">
+                <a:rPr lang="en-US" sz="4000">
                   <a:solidFill>
                     <a:schemeClr val="bg2"/>
                   </a:solidFill>
@@ -10943,7 +11014,7 @@
             <a:p>
               <a:pPr lvl="1" indent="0" algn="just"/>
               <a:r>
-                <a:rPr lang="en-US" sz="4000" dirty="0">
+                <a:rPr lang="en-US" sz="4000">
                   <a:solidFill>
                     <a:schemeClr val="bg2"/>
                   </a:solidFill>
@@ -10956,7 +11027,7 @@
             <a:p>
               <a:pPr lvl="1" indent="0" algn="just"/>
               <a:r>
-                <a:rPr lang="en-US" sz="4000" dirty="0">
+                <a:rPr lang="en-US" sz="4000">
                   <a:solidFill>
                     <a:schemeClr val="bg2"/>
                   </a:solidFill>
@@ -10969,7 +11040,7 @@
             <a:p>
               <a:pPr lvl="1" indent="0" algn="just"/>
               <a:r>
-                <a:rPr lang="en-US" sz="4000" dirty="0">
+                <a:rPr lang="en-US" sz="4000">
                   <a:solidFill>
                     <a:schemeClr val="bg1"/>
                   </a:solidFill>
@@ -10979,7 +11050,7 @@
                 <a:t>Note: </a:t>
               </a:r>
               <a:r>
-                <a:rPr lang="en-US" sz="4000" dirty="0">
+                <a:rPr lang="en-US" sz="4000">
                   <a:solidFill>
                     <a:schemeClr val="bg2"/>
                   </a:solidFill>
@@ -11002,13 +11073,13 @@
   <p:clrMapOvr>
     <a:masterClrMapping/>
   </p:clrMapOvr>
-  <mc:AlternateContent xmlns:mc="http://schemas.openxmlformats.org/markup-compatibility/2006" xmlns:p159="http://schemas.microsoft.com/office/powerpoint/2015/09/main">
-    <mc:Choice Requires="p159">
+  <mc:AlternateContent xmlns:mc="http://schemas.openxmlformats.org/markup-compatibility/2006">
+    <mc:Choice xmlns:p159="http://schemas.microsoft.com/office/powerpoint/2015/09/main" Requires="p159">
       <p:transition>
         <p159:morph option="byChar"/>
       </p:transition>
     </mc:Choice>
-    <mc:Fallback xmlns="">
+    <mc:Fallback>
       <p:transition>
         <p:fade/>
       </p:transition>
@@ -11158,10 +11229,10 @@
           <a:lstStyle/>
           <a:p>
             <a:r>
-              <a:rPr lang="en-US" sz="8000" dirty="0"/>
+              <a:rPr lang="en-US" sz="8000"/>
               <a:t>Exercise</a:t>
             </a:r>
-            <a:endParaRPr sz="8000" dirty="0"/>
+            <a:endParaRPr sz="8000"/>
           </a:p>
         </p:txBody>
       </p:sp>
@@ -11195,10 +11266,10 @@
           <a:lstStyle/>
           <a:p>
             <a:r>
-              <a:rPr lang="en-US" sz="8000" dirty="0"/>
+              <a:rPr lang="en-US" sz="8000"/>
               <a:t>*</a:t>
             </a:r>
-            <a:endParaRPr sz="8000" dirty="0"/>
+            <a:endParaRPr sz="8000"/>
           </a:p>
         </p:txBody>
       </p:sp>
@@ -11338,7 +11409,7 @@
             <a:p>
               <a:pPr algn="just"/>
               <a:r>
-                <a:rPr lang="en-US" sz="4000" dirty="0">
+                <a:rPr lang="en-US" sz="4000">
                   <a:solidFill>
                     <a:srgbClr val="FF5640"/>
                   </a:solidFill>
@@ -11354,7 +11425,7 @@
                 <a:buChar char="•"/>
               </a:pPr>
               <a:r>
-                <a:rPr lang="en-US" sz="4000" dirty="0">
+                <a:rPr lang="en-US" sz="4000">
                   <a:solidFill>
                     <a:schemeClr val="bg2"/>
                   </a:solidFill>
@@ -11367,7 +11438,7 @@
             <a:p>
               <a:pPr algn="just"/>
               <a:r>
-                <a:rPr lang="en-US" sz="4000" dirty="0">
+                <a:rPr lang="en-US" sz="4000">
                   <a:solidFill>
                     <a:schemeClr val="bg2"/>
                   </a:solidFill>
@@ -11380,7 +11451,7 @@
             <a:p>
               <a:pPr algn="just"/>
               <a:r>
-                <a:rPr lang="en-US" sz="4000" dirty="0">
+                <a:rPr lang="en-US" sz="4000">
                   <a:solidFill>
                     <a:schemeClr val="bg2"/>
                   </a:solidFill>
@@ -11390,7 +11461,7 @@
                 <a:t>	- </a:t>
               </a:r>
               <a:r>
-                <a:rPr lang="en-US" sz="4000" dirty="0" err="1">
+                <a:rPr lang="en-US" sz="4000" err="1">
                   <a:solidFill>
                     <a:schemeClr val="bg2"/>
                   </a:solidFill>
@@ -11400,7 +11471,7 @@
                 <a:t>Atleast</a:t>
               </a:r>
               <a:r>
-                <a:rPr lang="en-US" sz="4000" dirty="0">
+                <a:rPr lang="en-US" sz="4000">
                   <a:solidFill>
                     <a:schemeClr val="bg2"/>
                   </a:solidFill>
@@ -11413,7 +11484,7 @@
             <a:p>
               <a:pPr algn="just"/>
               <a:r>
-                <a:rPr lang="en-US" sz="4000" dirty="0">
+                <a:rPr lang="en-US" sz="4000">
                   <a:solidFill>
                     <a:schemeClr val="bg2"/>
                   </a:solidFill>
@@ -11426,7 +11497,7 @@
             <a:p>
               <a:pPr algn="just"/>
               <a:r>
-                <a:rPr lang="en-US" sz="4000" dirty="0">
+                <a:rPr lang="en-US" sz="4000">
                   <a:solidFill>
                     <a:schemeClr val="bg2"/>
                   </a:solidFill>
@@ -11436,7 +11507,7 @@
                 <a:t>	- One additional media element (audio, video or embedded YouTube/map using 	  &lt;</a:t>
               </a:r>
               <a:r>
-                <a:rPr lang="en-US" sz="4000" dirty="0" err="1">
+                <a:rPr lang="en-US" sz="4000" err="1">
                   <a:solidFill>
                     <a:schemeClr val="bg2"/>
                   </a:solidFill>
@@ -11446,7 +11517,7 @@
                 <a:t>iframe</a:t>
               </a:r>
               <a:r>
-                <a:rPr lang="en-US" sz="4000" dirty="0">
+                <a:rPr lang="en-US" sz="4000">
                   <a:solidFill>
                     <a:schemeClr val="bg2"/>
                   </a:solidFill>
@@ -11601,7 +11672,7 @@
               <a:tabLst/>
             </a:pPr>
             <a:r>
-              <a:rPr kumimoji="0" lang="en-US" altLang="en-US" sz="1800" b="1" i="0" u="none" strike="noStrike" cap="none" normalizeH="0" baseline="0" dirty="0">
+              <a:rPr kumimoji="0" lang="en-US" altLang="en-US" sz="1800" b="1" i="0" u="none" strike="noStrike" cap="none" normalizeH="0" baseline="0">
                 <a:ln>
                   <a:noFill/>
                 </a:ln>
@@ -11613,7 +11684,7 @@
               </a:rPr>
               <a:t>Expected Result</a:t>
             </a:r>
-            <a:endParaRPr kumimoji="0" lang="en-US" altLang="en-US" sz="1800" b="0" i="0" u="none" strike="noStrike" cap="none" normalizeH="0" baseline="0" dirty="0">
+            <a:endParaRPr kumimoji="0" lang="en-US" altLang="en-US" sz="1800" b="0" i="0" u="none" strike="noStrike" cap="none" normalizeH="0" baseline="0">
               <a:ln>
                 <a:noFill/>
               </a:ln>
@@ -11642,7 +11713,7 @@
               <a:tabLst/>
             </a:pPr>
             <a:r>
-              <a:rPr kumimoji="0" lang="en-US" altLang="en-US" sz="1800" b="0" i="0" u="none" strike="noStrike" cap="none" normalizeH="0" baseline="0" dirty="0">
+              <a:rPr kumimoji="0" lang="en-US" altLang="en-US" sz="1800" b="0" i="0" u="none" strike="noStrike" cap="none" normalizeH="0" baseline="0">
                 <a:ln>
                   <a:noFill/>
                 </a:ln>
@@ -11673,7 +11744,7 @@
               <a:tabLst/>
             </a:pPr>
             <a:r>
-              <a:rPr kumimoji="0" lang="en-US" altLang="en-US" sz="1800" b="0" i="0" u="none" strike="noStrike" cap="none" normalizeH="0" baseline="0" dirty="0">
+              <a:rPr kumimoji="0" lang="en-US" altLang="en-US" sz="1800" b="0" i="0" u="none" strike="noStrike" cap="none" normalizeH="0" baseline="0">
                 <a:ln>
                   <a:noFill/>
                 </a:ln>
@@ -11686,7 +11757,7 @@
               <a:t>With Doctype, page uses </a:t>
             </a:r>
             <a:r>
-              <a:rPr kumimoji="0" lang="en-US" altLang="en-US" sz="1800" b="1" i="0" u="none" strike="noStrike" cap="none" normalizeH="0" baseline="0" dirty="0">
+              <a:rPr kumimoji="0" lang="en-US" altLang="en-US" sz="1800" b="1" i="0" u="none" strike="noStrike" cap="none" normalizeH="0" baseline="0">
                 <a:ln>
                   <a:noFill/>
                 </a:ln>
@@ -11699,7 +11770,7 @@
               <a:t>HTML5 standards</a:t>
             </a:r>
             <a:r>
-              <a:rPr kumimoji="0" lang="en-US" altLang="en-US" sz="1800" b="0" i="0" u="none" strike="noStrike" cap="none" normalizeH="0" baseline="0" dirty="0">
+              <a:rPr kumimoji="0" lang="en-US" altLang="en-US" sz="1800" b="0" i="0" u="none" strike="noStrike" cap="none" normalizeH="0" baseline="0">
                 <a:ln>
                   <a:noFill/>
                 </a:ln>
@@ -11729,7 +11800,7 @@
               <a:buNone/>
               <a:tabLst/>
             </a:pPr>
-            <a:endParaRPr kumimoji="0" lang="en-US" altLang="en-US" sz="1800" b="0" i="0" u="none" strike="noStrike" cap="none" normalizeH="0" baseline="0" dirty="0">
+            <a:endParaRPr kumimoji="0" lang="en-US" altLang="en-US" sz="1800" b="0" i="0" u="none" strike="noStrike" cap="none" normalizeH="0" baseline="0">
               <a:ln>
                 <a:noFill/>
               </a:ln>
@@ -11812,13 +11883,13 @@
   <p:clrMapOvr>
     <a:masterClrMapping/>
   </p:clrMapOvr>
-  <mc:AlternateContent xmlns:mc="http://schemas.openxmlformats.org/markup-compatibility/2006" xmlns:p159="http://schemas.microsoft.com/office/powerpoint/2015/09/main">
-    <mc:Choice Requires="p159">
+  <mc:AlternateContent xmlns:mc="http://schemas.openxmlformats.org/markup-compatibility/2006">
+    <mc:Choice xmlns:p159="http://schemas.microsoft.com/office/powerpoint/2015/09/main" Requires="p159">
       <p:transition>
         <p159:morph option="byChar"/>
       </p:transition>
     </mc:Choice>
-    <mc:Fallback xmlns="">
+    <mc:Fallback>
       <p:transition>
         <p:fade/>
       </p:transition>
@@ -11968,10 +12039,10 @@
           <a:lstStyle/>
           <a:p>
             <a:r>
-              <a:rPr lang="en-US" sz="8000" dirty="0"/>
+              <a:rPr lang="en-US" sz="8000"/>
               <a:t>Structured Content</a:t>
             </a:r>
-            <a:endParaRPr sz="8000" dirty="0"/>
+            <a:endParaRPr sz="8000"/>
           </a:p>
         </p:txBody>
       </p:sp>
@@ -12005,7 +12076,7 @@
           <a:lstStyle/>
           <a:p>
             <a:r>
-              <a:rPr sz="8000" dirty="0"/>
+              <a:rPr sz="8000"/>
               <a:t>05</a:t>
             </a:r>
           </a:p>
@@ -12147,7 +12218,7 @@
             <a:p>
               <a:pPr algn="just"/>
               <a:r>
-                <a:rPr lang="en-US" sz="4000" dirty="0">
+                <a:rPr lang="en-US" sz="4000">
                   <a:solidFill>
                     <a:schemeClr val="bg1"/>
                   </a:solidFill>
@@ -12163,7 +12234,7 @@
                 <a:buChar char="•"/>
               </a:pPr>
               <a:r>
-                <a:rPr lang="en-US" sz="4000" dirty="0">
+                <a:rPr lang="en-US" sz="4000">
                   <a:solidFill>
                     <a:schemeClr val="bg2"/>
                   </a:solidFill>
@@ -12173,7 +12244,7 @@
                 <a:t>Ordered (&lt;</a:t>
               </a:r>
               <a:r>
-                <a:rPr lang="en-US" sz="4000" dirty="0" err="1">
+                <a:rPr lang="en-US" sz="4000" err="1">
                   <a:solidFill>
                     <a:schemeClr val="bg2"/>
                   </a:solidFill>
@@ -12183,7 +12254,7 @@
                 <a:t>ol</a:t>
               </a:r>
               <a:r>
-                <a:rPr lang="en-US" sz="4000" dirty="0">
+                <a:rPr lang="en-US" sz="4000">
                   <a:solidFill>
                     <a:schemeClr val="bg2"/>
                   </a:solidFill>
@@ -12199,7 +12270,7 @@
                 <a:buChar char="•"/>
               </a:pPr>
               <a:r>
-                <a:rPr lang="en-US" sz="4000" dirty="0">
+                <a:rPr lang="en-US" sz="4000">
                   <a:solidFill>
                     <a:schemeClr val="bg2"/>
                   </a:solidFill>
@@ -12215,7 +12286,7 @@
                 <a:buChar char="•"/>
               </a:pPr>
               <a:r>
-                <a:rPr lang="en-US" sz="4000" dirty="0">
+                <a:rPr lang="en-US" sz="4000">
                   <a:solidFill>
                     <a:schemeClr val="bg2"/>
                   </a:solidFill>
@@ -12228,7 +12299,7 @@
             <a:p>
               <a:pPr algn="just"/>
               <a:r>
-                <a:rPr lang="en-US" sz="4000" dirty="0">
+                <a:rPr lang="en-US" sz="4000">
                   <a:solidFill>
                     <a:schemeClr val="bg1"/>
                   </a:solidFill>
@@ -12244,7 +12315,7 @@
                 <a:buChar char="•"/>
               </a:pPr>
               <a:r>
-                <a:rPr lang="en-US" sz="4000" dirty="0">
+                <a:rPr lang="en-US" sz="4000">
                   <a:solidFill>
                     <a:schemeClr val="bg2"/>
                   </a:solidFill>
@@ -12260,7 +12331,7 @@
                 <a:buChar char="•"/>
               </a:pPr>
               <a:r>
-                <a:rPr lang="en-US" sz="4000" dirty="0">
+                <a:rPr lang="en-US" sz="4000">
                   <a:solidFill>
                     <a:schemeClr val="bg2"/>
                   </a:solidFill>
@@ -12270,7 +12341,7 @@
                 <a:t>&lt;</a:t>
               </a:r>
               <a:r>
-                <a:rPr lang="en-US" sz="4000" dirty="0" err="1">
+                <a:rPr lang="en-US" sz="4000" err="1">
                   <a:solidFill>
                     <a:schemeClr val="bg2"/>
                   </a:solidFill>
@@ -12280,7 +12351,7 @@
                 <a:t>thead</a:t>
               </a:r>
               <a:r>
-                <a:rPr lang="en-US" sz="4000" dirty="0">
+                <a:rPr lang="en-US" sz="4000">
                   <a:solidFill>
                     <a:schemeClr val="bg2"/>
                   </a:solidFill>
@@ -12290,7 +12361,7 @@
                 <a:t>&gt; -&gt; header rows (&lt;</a:t>
               </a:r>
               <a:r>
-                <a:rPr lang="en-US" sz="4000" dirty="0" err="1">
+                <a:rPr lang="en-US" sz="4000" err="1">
                   <a:solidFill>
                     <a:schemeClr val="bg2"/>
                   </a:solidFill>
@@ -12300,7 +12371,7 @@
                 <a:t>th</a:t>
               </a:r>
               <a:r>
-                <a:rPr lang="en-US" sz="4000" dirty="0">
+                <a:rPr lang="en-US" sz="4000">
                   <a:solidFill>
                     <a:schemeClr val="bg2"/>
                   </a:solidFill>
@@ -12316,7 +12387,7 @@
                 <a:buChar char="•"/>
               </a:pPr>
               <a:r>
-                <a:rPr lang="en-US" sz="4000" dirty="0">
+                <a:rPr lang="en-US" sz="4000">
                   <a:solidFill>
                     <a:schemeClr val="bg2"/>
                   </a:solidFill>
@@ -12326,7 +12397,7 @@
                 <a:t>&lt;</a:t>
               </a:r>
               <a:r>
-                <a:rPr lang="en-US" sz="4000" dirty="0" err="1">
+                <a:rPr lang="en-US" sz="4000" err="1">
                   <a:solidFill>
                     <a:schemeClr val="bg2"/>
                   </a:solidFill>
@@ -12336,7 +12407,7 @@
                 <a:t>tbody</a:t>
               </a:r>
               <a:r>
-                <a:rPr lang="en-US" sz="4000" dirty="0">
+                <a:rPr lang="en-US" sz="4000">
                   <a:solidFill>
                     <a:schemeClr val="bg2"/>
                   </a:solidFill>
@@ -12352,7 +12423,7 @@
                 <a:buChar char="•"/>
               </a:pPr>
               <a:r>
-                <a:rPr lang="en-US" sz="4000" dirty="0">
+                <a:rPr lang="en-US" sz="4000">
                   <a:solidFill>
                     <a:schemeClr val="bg2"/>
                   </a:solidFill>
@@ -12375,13 +12446,13 @@
   <p:clrMapOvr>
     <a:masterClrMapping/>
   </p:clrMapOvr>
-  <mc:AlternateContent xmlns:mc="http://schemas.openxmlformats.org/markup-compatibility/2006" xmlns:p159="http://schemas.microsoft.com/office/powerpoint/2015/09/main">
-    <mc:Choice Requires="p159">
+  <mc:AlternateContent xmlns:mc="http://schemas.openxmlformats.org/markup-compatibility/2006">
+    <mc:Choice xmlns:p159="http://schemas.microsoft.com/office/powerpoint/2015/09/main" Requires="p159">
       <p:transition>
         <p159:morph option="byChar"/>
       </p:transition>
     </mc:Choice>
-    <mc:Fallback xmlns="">
+    <mc:Fallback>
       <p:transition>
         <p:fade/>
       </p:transition>
@@ -12531,10 +12602,10 @@
           <a:lstStyle/>
           <a:p>
             <a:r>
-              <a:rPr lang="en-US" sz="8000" dirty="0"/>
+              <a:rPr lang="en-US" sz="8000"/>
               <a:t>Exercise</a:t>
             </a:r>
-            <a:endParaRPr sz="8000" dirty="0"/>
+            <a:endParaRPr sz="8000"/>
           </a:p>
         </p:txBody>
       </p:sp>
@@ -12568,10 +12639,10 @@
           <a:lstStyle/>
           <a:p>
             <a:r>
-              <a:rPr lang="en-US" sz="8000" dirty="0"/>
+              <a:rPr lang="en-US" sz="8000"/>
               <a:t>*</a:t>
             </a:r>
-            <a:endParaRPr sz="8000" dirty="0"/>
+            <a:endParaRPr sz="8000"/>
           </a:p>
         </p:txBody>
       </p:sp>
@@ -12711,7 +12782,7 @@
             <a:p>
               <a:pPr algn="just"/>
               <a:r>
-                <a:rPr lang="en-US" sz="4000" dirty="0">
+                <a:rPr lang="en-US" sz="4000">
                   <a:solidFill>
                     <a:srgbClr val="FF5640"/>
                   </a:solidFill>
@@ -12727,7 +12798,7 @@
                 <a:buChar char="•"/>
               </a:pPr>
               <a:r>
-                <a:rPr lang="en-US" sz="4000" dirty="0">
+                <a:rPr lang="en-US" sz="4000">
                   <a:solidFill>
                     <a:schemeClr val="bg2"/>
                   </a:solidFill>
@@ -12740,7 +12811,7 @@
             <a:p>
               <a:pPr algn="just"/>
               <a:r>
-                <a:rPr lang="en-US" sz="4000" dirty="0">
+                <a:rPr lang="en-US" sz="4000">
                   <a:solidFill>
                     <a:schemeClr val="bg2"/>
                   </a:solidFill>
@@ -12753,7 +12824,7 @@
             <a:p>
               <a:pPr algn="just"/>
               <a:r>
-                <a:rPr lang="en-US" sz="4000" dirty="0">
+                <a:rPr lang="en-US" sz="4000">
                   <a:solidFill>
                     <a:schemeClr val="bg2"/>
                   </a:solidFill>
@@ -12766,7 +12837,7 @@
             <a:p>
               <a:pPr algn="just"/>
               <a:r>
-                <a:rPr lang="en-US" sz="4000" dirty="0">
+                <a:rPr lang="en-US" sz="4000">
                   <a:solidFill>
                     <a:schemeClr val="bg2"/>
                   </a:solidFill>
@@ -12779,7 +12850,7 @@
             <a:p>
               <a:pPr algn="just"/>
               <a:r>
-                <a:rPr lang="en-US" sz="4000" dirty="0">
+                <a:rPr lang="en-US" sz="4000">
                   <a:solidFill>
                     <a:schemeClr val="bg2"/>
                   </a:solidFill>
@@ -12934,7 +13005,7 @@
               <a:tabLst/>
             </a:pPr>
             <a:r>
-              <a:rPr kumimoji="0" lang="en-US" altLang="en-US" sz="1800" b="1" i="0" u="none" strike="noStrike" cap="none" normalizeH="0" baseline="0" dirty="0">
+              <a:rPr kumimoji="0" lang="en-US" altLang="en-US" sz="1800" b="1" i="0" u="none" strike="noStrike" cap="none" normalizeH="0" baseline="0">
                 <a:ln>
                   <a:noFill/>
                 </a:ln>
@@ -12946,7 +13017,7 @@
               </a:rPr>
               <a:t>Expected Result</a:t>
             </a:r>
-            <a:endParaRPr kumimoji="0" lang="en-US" altLang="en-US" sz="1800" b="0" i="0" u="none" strike="noStrike" cap="none" normalizeH="0" baseline="0" dirty="0">
+            <a:endParaRPr kumimoji="0" lang="en-US" altLang="en-US" sz="1800" b="0" i="0" u="none" strike="noStrike" cap="none" normalizeH="0" baseline="0">
               <a:ln>
                 <a:noFill/>
               </a:ln>
@@ -12975,7 +13046,7 @@
               <a:tabLst/>
             </a:pPr>
             <a:r>
-              <a:rPr kumimoji="0" lang="en-US" altLang="en-US" sz="1800" b="0" i="0" u="none" strike="noStrike" cap="none" normalizeH="0" baseline="0" dirty="0">
+              <a:rPr kumimoji="0" lang="en-US" altLang="en-US" sz="1800" b="0" i="0" u="none" strike="noStrike" cap="none" normalizeH="0" baseline="0">
                 <a:ln>
                   <a:noFill/>
                 </a:ln>
@@ -13006,7 +13077,7 @@
               <a:tabLst/>
             </a:pPr>
             <a:r>
-              <a:rPr kumimoji="0" lang="en-US" altLang="en-US" sz="1800" b="0" i="0" u="none" strike="noStrike" cap="none" normalizeH="0" baseline="0" dirty="0">
+              <a:rPr kumimoji="0" lang="en-US" altLang="en-US" sz="1800" b="0" i="0" u="none" strike="noStrike" cap="none" normalizeH="0" baseline="0">
                 <a:ln>
                   <a:noFill/>
                 </a:ln>
@@ -13019,7 +13090,7 @@
               <a:t>With Doctype, page uses </a:t>
             </a:r>
             <a:r>
-              <a:rPr kumimoji="0" lang="en-US" altLang="en-US" sz="1800" b="1" i="0" u="none" strike="noStrike" cap="none" normalizeH="0" baseline="0" dirty="0">
+              <a:rPr kumimoji="0" lang="en-US" altLang="en-US" sz="1800" b="1" i="0" u="none" strike="noStrike" cap="none" normalizeH="0" baseline="0">
                 <a:ln>
                   <a:noFill/>
                 </a:ln>
@@ -13032,7 +13103,7 @@
               <a:t>HTML5 standards</a:t>
             </a:r>
             <a:r>
-              <a:rPr kumimoji="0" lang="en-US" altLang="en-US" sz="1800" b="0" i="0" u="none" strike="noStrike" cap="none" normalizeH="0" baseline="0" dirty="0">
+              <a:rPr kumimoji="0" lang="en-US" altLang="en-US" sz="1800" b="0" i="0" u="none" strike="noStrike" cap="none" normalizeH="0" baseline="0">
                 <a:ln>
                   <a:noFill/>
                 </a:ln>
@@ -13062,7 +13133,7 @@
               <a:buNone/>
               <a:tabLst/>
             </a:pPr>
-            <a:endParaRPr kumimoji="0" lang="en-US" altLang="en-US" sz="1800" b="0" i="0" u="none" strike="noStrike" cap="none" normalizeH="0" baseline="0" dirty="0">
+            <a:endParaRPr kumimoji="0" lang="en-US" altLang="en-US" sz="1800" b="0" i="0" u="none" strike="noStrike" cap="none" normalizeH="0" baseline="0">
               <a:ln>
                 <a:noFill/>
               </a:ln>
@@ -13145,13 +13216,13 @@
   <p:clrMapOvr>
     <a:masterClrMapping/>
   </p:clrMapOvr>
-  <mc:AlternateContent xmlns:mc="http://schemas.openxmlformats.org/markup-compatibility/2006" xmlns:p159="http://schemas.microsoft.com/office/powerpoint/2015/09/main">
-    <mc:Choice Requires="p159">
+  <mc:AlternateContent xmlns:mc="http://schemas.openxmlformats.org/markup-compatibility/2006">
+    <mc:Choice xmlns:p159="http://schemas.microsoft.com/office/powerpoint/2015/09/main" Requires="p159">
       <p:transition>
         <p159:morph option="byChar"/>
       </p:transition>
     </mc:Choice>
-    <mc:Fallback xmlns="">
+    <mc:Fallback>
       <p:transition>
         <p:fade/>
       </p:transition>
@@ -13305,7 +13376,7 @@
               </a:defRPr>
             </a:pPr>
             <a:r>
-              <a:rPr lang="en-US" dirty="0"/>
+              <a:rPr lang="en-US"/>
               <a:t>Setup &amp; Workflow</a:t>
             </a:r>
           </a:p>
@@ -13329,7 +13400,7 @@
               </a:defRPr>
             </a:pPr>
             <a:r>
-              <a:rPr lang="en-US" dirty="0"/>
+              <a:rPr lang="en-US"/>
               <a:t>HTML Document Structure &amp; DOM</a:t>
             </a:r>
           </a:p>
@@ -13353,7 +13424,7 @@
               </a:defRPr>
             </a:pPr>
             <a:r>
-              <a:rPr lang="en-US" dirty="0"/>
+              <a:rPr lang="en-US"/>
               <a:t>Elements &amp; Semantics</a:t>
             </a:r>
           </a:p>
@@ -13377,7 +13448,7 @@
               </a:defRPr>
             </a:pPr>
             <a:r>
-              <a:rPr lang="en-US" dirty="0"/>
+              <a:rPr lang="en-US"/>
               <a:t>Links, Media &amp; Metadata</a:t>
             </a:r>
           </a:p>
@@ -13401,7 +13472,7 @@
               </a:defRPr>
             </a:pPr>
             <a:r>
-              <a:rPr lang="en-US" dirty="0"/>
+              <a:rPr lang="en-US"/>
               <a:t>Structured Content</a:t>
             </a:r>
           </a:p>
@@ -13425,7 +13496,7 @@
               </a:defRPr>
             </a:pPr>
             <a:r>
-              <a:rPr lang="en-US" dirty="0"/>
+              <a:rPr lang="en-US"/>
               <a:t>Assets &amp; File Paths</a:t>
             </a:r>
           </a:p>
@@ -13470,7 +13541,6 @@
               </a:defRPr>
             </a:pPr>
             <a:r>
-              <a:rPr dirty="0"/>
               <a:t>01</a:t>
             </a:r>
           </a:p>
@@ -13491,7 +13561,6 @@
               </a:defRPr>
             </a:pPr>
             <a:r>
-              <a:rPr dirty="0"/>
               <a:t>02</a:t>
             </a:r>
           </a:p>
@@ -13512,7 +13581,6 @@
               </a:defRPr>
             </a:pPr>
             <a:r>
-              <a:rPr dirty="0"/>
               <a:t>03</a:t>
             </a:r>
           </a:p>
@@ -13533,7 +13601,6 @@
               </a:defRPr>
             </a:pPr>
             <a:r>
-              <a:rPr dirty="0"/>
               <a:t>04</a:t>
             </a:r>
           </a:p>
@@ -13554,7 +13621,6 @@
               </a:defRPr>
             </a:pPr>
             <a:r>
-              <a:rPr dirty="0"/>
               <a:t>05</a:t>
             </a:r>
           </a:p>
@@ -13575,7 +13641,7 @@
               </a:defRPr>
             </a:pPr>
             <a:r>
-              <a:rPr lang="en-US" dirty="0"/>
+              <a:rPr lang="en-US"/>
               <a:t>06</a:t>
             </a:r>
           </a:p>
@@ -13586,13 +13652,13 @@
   <p:clrMapOvr>
     <a:masterClrMapping/>
   </p:clrMapOvr>
-  <mc:AlternateContent xmlns:mc="http://schemas.openxmlformats.org/markup-compatibility/2006" xmlns:p159="http://schemas.microsoft.com/office/powerpoint/2015/09/main">
-    <mc:Choice Requires="p159">
+  <mc:AlternateContent xmlns:mc="http://schemas.openxmlformats.org/markup-compatibility/2006">
+    <mc:Choice xmlns:p159="http://schemas.microsoft.com/office/powerpoint/2015/09/main" Requires="p159">
       <p:transition>
         <p159:morph option="byChar"/>
       </p:transition>
     </mc:Choice>
-    <mc:Fallback xmlns="">
+    <mc:Fallback>
       <p:transition>
         <p:fade/>
       </p:transition>
@@ -14317,10 +14383,10 @@
           <a:lstStyle/>
           <a:p>
             <a:r>
-              <a:rPr lang="en-US" sz="8000" dirty="0"/>
+              <a:rPr lang="en-US" sz="8000"/>
               <a:t>Assets &amp; File Paths</a:t>
             </a:r>
-            <a:endParaRPr sz="8000" dirty="0"/>
+            <a:endParaRPr sz="8000"/>
           </a:p>
         </p:txBody>
       </p:sp>
@@ -14354,7 +14420,7 @@
           <a:lstStyle/>
           <a:p>
             <a:r>
-              <a:rPr sz="8000" dirty="0"/>
+              <a:rPr sz="8000"/>
               <a:t>06</a:t>
             </a:r>
           </a:p>
@@ -14496,7 +14562,7 @@
             <a:p>
               <a:pPr algn="just"/>
               <a:r>
-                <a:rPr lang="en-US" sz="4000" dirty="0">
+                <a:rPr lang="en-US" sz="4000">
                   <a:solidFill>
                     <a:schemeClr val="bg1"/>
                   </a:solidFill>
@@ -14512,7 +14578,7 @@
                 <a:buChar char="•"/>
               </a:pPr>
               <a:r>
-                <a:rPr lang="en-US" sz="4000" b="1" dirty="0">
+                <a:rPr lang="en-US" sz="4000" b="1">
                   <a:solidFill>
                     <a:schemeClr val="bg2"/>
                   </a:solidFill>
@@ -14525,7 +14591,7 @@
             <a:p>
               <a:pPr lvl="1" indent="0" algn="just"/>
               <a:r>
-                <a:rPr lang="en-US" sz="4000" b="1" dirty="0">
+                <a:rPr lang="en-US" sz="4000" b="1">
                   <a:solidFill>
                     <a:schemeClr val="bg2"/>
                   </a:solidFill>
@@ -14535,7 +14601,7 @@
                 <a:t>	- </a:t>
               </a:r>
               <a:r>
-                <a:rPr lang="en-US" sz="4000" dirty="0">
+                <a:rPr lang="en-US" sz="4000">
                   <a:solidFill>
                     <a:schemeClr val="bg2"/>
                   </a:solidFill>
@@ -14545,7 +14611,7 @@
                 <a:t>External: &lt;link </a:t>
               </a:r>
               <a:r>
-                <a:rPr lang="en-US" sz="4000" dirty="0" err="1">
+                <a:rPr lang="en-US" sz="4000" err="1">
                   <a:solidFill>
                     <a:schemeClr val="bg2"/>
                   </a:solidFill>
@@ -14555,7 +14621,7 @@
                 <a:t>rel</a:t>
               </a:r>
               <a:r>
-                <a:rPr lang="en-US" sz="4000" dirty="0">
+                <a:rPr lang="en-US" sz="4000">
                   <a:solidFill>
                     <a:schemeClr val="bg2"/>
                   </a:solidFill>
@@ -14565,7 +14631,7 @@
                 <a:t>=“stylesheet” </a:t>
               </a:r>
               <a:r>
-                <a:rPr lang="en-US" sz="4000" dirty="0" err="1">
+                <a:rPr lang="en-US" sz="4000" err="1">
                   <a:solidFill>
                     <a:schemeClr val="bg2"/>
                   </a:solidFill>
@@ -14575,7 +14641,7 @@
                 <a:t>href</a:t>
               </a:r>
               <a:r>
-                <a:rPr lang="en-US" sz="4000" dirty="0">
+                <a:rPr lang="en-US" sz="4000">
                   <a:solidFill>
                     <a:schemeClr val="bg2"/>
                   </a:solidFill>
@@ -14588,7 +14654,7 @@
             <a:p>
               <a:pPr lvl="1" indent="0" algn="just"/>
               <a:r>
-                <a:rPr lang="en-US" sz="4000" b="1" dirty="0">
+                <a:rPr lang="en-US" sz="4000" b="1">
                   <a:solidFill>
                     <a:schemeClr val="bg2"/>
                   </a:solidFill>
@@ -14598,7 +14664,7 @@
                 <a:t>	- </a:t>
               </a:r>
               <a:r>
-                <a:rPr lang="en-US" sz="4000" dirty="0">
+                <a:rPr lang="en-US" sz="4000">
                   <a:solidFill>
                     <a:schemeClr val="bg2"/>
                   </a:solidFill>
@@ -14607,7 +14673,7 @@
                 </a:rPr>
                 <a:t>Internal: &lt;style&gt;…&lt;/style&gt; inside &lt;head&gt;</a:t>
               </a:r>
-              <a:endParaRPr lang="en-US" sz="4000" b="1" dirty="0">
+              <a:endParaRPr lang="en-US" sz="4000" b="1">
                 <a:solidFill>
                   <a:schemeClr val="bg2"/>
                 </a:solidFill>
@@ -14618,7 +14684,7 @@
             <a:p>
               <a:pPr lvl="1" indent="0" algn="just"/>
               <a:r>
-                <a:rPr lang="en-US" sz="4000" b="1" dirty="0">
+                <a:rPr lang="en-US" sz="4000" b="1">
                   <a:solidFill>
                     <a:schemeClr val="bg2"/>
                   </a:solidFill>
@@ -14628,7 +14694,7 @@
                 <a:t>	- </a:t>
               </a:r>
               <a:r>
-                <a:rPr lang="en-US" sz="4000" dirty="0">
+                <a:rPr lang="en-US" sz="4000">
                   <a:solidFill>
                     <a:schemeClr val="bg2"/>
                   </a:solidFill>
@@ -14644,7 +14710,7 @@
                 <a:buChar char="•"/>
               </a:pPr>
               <a:r>
-                <a:rPr lang="en-US" sz="4000" b="1" dirty="0">
+                <a:rPr lang="en-US" sz="4000" b="1">
                   <a:solidFill>
                     <a:schemeClr val="bg2"/>
                   </a:solidFill>
@@ -14657,7 +14723,7 @@
             <a:p>
               <a:pPr lvl="1" indent="0" algn="just"/>
               <a:r>
-                <a:rPr lang="en-US" sz="4000" b="1" dirty="0">
+                <a:rPr lang="en-US" sz="4000" b="1">
                   <a:solidFill>
                     <a:schemeClr val="bg2"/>
                   </a:solidFill>
@@ -14667,7 +14733,7 @@
                 <a:t>	- </a:t>
               </a:r>
               <a:r>
-                <a:rPr lang="en-US" sz="4000" dirty="0">
+                <a:rPr lang="en-US" sz="4000">
                   <a:solidFill>
                     <a:schemeClr val="bg2"/>
                   </a:solidFill>
@@ -14677,7 +14743,7 @@
                 <a:t>External: &lt;script </a:t>
               </a:r>
               <a:r>
-                <a:rPr lang="en-US" sz="4000" dirty="0" err="1">
+                <a:rPr lang="en-US" sz="4000" err="1">
                   <a:solidFill>
                     <a:schemeClr val="bg2"/>
                   </a:solidFill>
@@ -14687,7 +14753,7 @@
                 <a:t>src</a:t>
               </a:r>
               <a:r>
-                <a:rPr lang="en-US" sz="4000" dirty="0">
+                <a:rPr lang="en-US" sz="4000">
                   <a:solidFill>
                     <a:schemeClr val="bg2"/>
                   </a:solidFill>
@@ -14700,7 +14766,7 @@
             <a:p>
               <a:pPr lvl="1" indent="0" algn="just"/>
               <a:r>
-                <a:rPr lang="en-US" sz="4000" dirty="0">
+                <a:rPr lang="en-US" sz="4000">
                   <a:solidFill>
                     <a:schemeClr val="bg2"/>
                   </a:solidFill>
@@ -14713,7 +14779,7 @@
             <a:p>
               <a:pPr lvl="1" indent="0" algn="just"/>
               <a:r>
-                <a:rPr lang="en-US" sz="4000" dirty="0">
+                <a:rPr lang="en-US" sz="4000">
                   <a:solidFill>
                     <a:schemeClr val="bg2"/>
                   </a:solidFill>
@@ -14726,7 +14792,7 @@
             <a:p>
               <a:pPr lvl="1" indent="0" algn="just"/>
               <a:r>
-                <a:rPr lang="en-US" sz="4000" dirty="0">
+                <a:rPr lang="en-US" sz="4000">
                   <a:solidFill>
                     <a:schemeClr val="bg2"/>
                   </a:solidFill>
@@ -14889,7 +14955,7 @@
               <a:tabLst/>
             </a:pPr>
             <a:r>
-              <a:rPr kumimoji="0" lang="en-US" sz="3000" b="0" i="0" u="none" strike="noStrike" cap="none" spc="0" normalizeH="0" baseline="0" dirty="0">
+              <a:rPr kumimoji="0" lang="en-US" sz="3000" b="0" i="0" u="none" strike="noStrike" cap="none" spc="0" normalizeH="0" baseline="0">
                 <a:ln>
                   <a:noFill/>
                 </a:ln>
@@ -14924,14 +14990,14 @@
               <a:tabLst/>
             </a:pPr>
             <a:r>
-              <a:rPr lang="en-US" sz="3000" dirty="0">
+              <a:rPr lang="en-US" sz="3000">
                 <a:solidFill>
                   <a:schemeClr val="bg2"/>
                 </a:solidFill>
               </a:rPr>
               <a:t>Always prefer external CSS &amp; JS -&gt; cleaner, reusable and maintainable</a:t>
             </a:r>
-            <a:endParaRPr kumimoji="0" lang="en-US" sz="3000" b="0" i="0" u="none" strike="noStrike" cap="none" spc="0" normalizeH="0" baseline="0" dirty="0">
+            <a:endParaRPr kumimoji="0" lang="en-US" sz="3000" b="0" i="0" u="none" strike="noStrike" cap="none" spc="0" normalizeH="0" baseline="0">
               <a:ln>
                 <a:noFill/>
               </a:ln>
@@ -14958,13 +15024,13 @@
   <p:clrMapOvr>
     <a:masterClrMapping/>
   </p:clrMapOvr>
-  <mc:AlternateContent xmlns:mc="http://schemas.openxmlformats.org/markup-compatibility/2006" xmlns:p159="http://schemas.microsoft.com/office/powerpoint/2015/09/main">
-    <mc:Choice Requires="p159">
+  <mc:AlternateContent xmlns:mc="http://schemas.openxmlformats.org/markup-compatibility/2006">
+    <mc:Choice xmlns:p159="http://schemas.microsoft.com/office/powerpoint/2015/09/main" Requires="p159">
       <p:transition>
         <p159:morph option="byChar"/>
       </p:transition>
     </mc:Choice>
-    <mc:Fallback xmlns="">
+    <mc:Fallback>
       <p:transition>
         <p:fade/>
       </p:transition>
@@ -15114,10 +15180,10 @@
           <a:lstStyle/>
           <a:p>
             <a:r>
-              <a:rPr lang="en-US" sz="8000" dirty="0"/>
+              <a:rPr lang="en-US" sz="8000"/>
               <a:t>Assets &amp; File Paths</a:t>
             </a:r>
-            <a:endParaRPr sz="8000" dirty="0"/>
+            <a:endParaRPr sz="8000"/>
           </a:p>
         </p:txBody>
       </p:sp>
@@ -15151,10 +15217,10 @@
           <a:lstStyle/>
           <a:p>
             <a:r>
-              <a:rPr lang="en-US" sz="8000" dirty="0"/>
+              <a:rPr lang="en-US" sz="8000"/>
               <a:t>06</a:t>
             </a:r>
-            <a:endParaRPr sz="8000" dirty="0"/>
+            <a:endParaRPr sz="8000"/>
           </a:p>
         </p:txBody>
       </p:sp>
@@ -15202,9 +15268,9 @@
         <p:grpSpPr>
           <a:xfrm>
             <a:off x="1143042" y="3347455"/>
-            <a:ext cx="21936413" cy="8758301"/>
+            <a:ext cx="21936413" cy="5034204"/>
             <a:chOff x="1143042" y="3347455"/>
-            <a:chExt cx="21936413" cy="8758301"/>
+            <a:chExt cx="21936413" cy="5034204"/>
           </a:xfrm>
         </p:grpSpPr>
         <p:pic>
@@ -15261,7 +15327,7 @@
           <p:spPr>
             <a:xfrm>
               <a:off x="1447420" y="3826566"/>
-              <a:ext cx="21632035" cy="8279190"/>
+              <a:ext cx="21632035" cy="4555093"/>
             </a:xfrm>
             <a:prstGeom prst="rect">
               <a:avLst/>
@@ -15294,7 +15360,7 @@
             <a:p>
               <a:pPr algn="just"/>
               <a:r>
-                <a:rPr lang="en-US" sz="4000" dirty="0">
+                <a:rPr lang="en-US" sz="4000">
                   <a:solidFill>
                     <a:schemeClr val="bg1"/>
                   </a:solidFill>
@@ -15310,7 +15376,7 @@
                 <a:buChar char="•"/>
               </a:pPr>
               <a:r>
-                <a:rPr lang="en-US" sz="4000" dirty="0">
+                <a:rPr lang="en-US" sz="4000">
                   <a:solidFill>
                     <a:schemeClr val="bg2"/>
                   </a:solidFill>
@@ -15323,7 +15389,7 @@
             <a:p>
               <a:pPr algn="just"/>
               <a:r>
-                <a:rPr lang="en-US" sz="4000" dirty="0">
+                <a:rPr lang="en-US" sz="4000">
                   <a:solidFill>
                     <a:schemeClr val="bg2"/>
                   </a:solidFill>
@@ -15339,105 +15405,7 @@
                 <a:buChar char="•"/>
               </a:pPr>
               <a:r>
-                <a:rPr lang="en-US" sz="4000" dirty="0">
-                  <a:solidFill>
-                    <a:schemeClr val="bg2"/>
-                  </a:solidFill>
-                  <a:latin typeface="Dava Sans (Body)"/>
-                  <a:cs typeface="Cavolini" panose="03000502040302020204" pitchFamily="66" charset="0"/>
-                </a:rPr>
-                <a:t>Parent(../): go up one folder -&gt; ../</a:t>
-              </a:r>
-              <a:r>
-                <a:rPr lang="en-US" sz="4000" dirty="0" err="1">
-                  <a:solidFill>
-                    <a:schemeClr val="bg2"/>
-                  </a:solidFill>
-                  <a:latin typeface="Dava Sans (Body)"/>
-                  <a:cs typeface="Cavolini" panose="03000502040302020204" pitchFamily="66" charset="0"/>
-                </a:rPr>
-                <a:t>css</a:t>
-              </a:r>
-              <a:r>
-                <a:rPr lang="en-US" sz="4000" dirty="0">
-                  <a:solidFill>
-                    <a:schemeClr val="bg2"/>
-                  </a:solidFill>
-                  <a:latin typeface="Dava Sans (Body)"/>
-                  <a:cs typeface="Cavolini" panose="03000502040302020204" pitchFamily="66" charset="0"/>
-                </a:rPr>
-                <a:t>/styles.css</a:t>
-              </a:r>
-            </a:p>
-            <a:p>
-              <a:pPr algn="just"/>
-              <a:r>
-                <a:rPr lang="en-US" sz="4000" dirty="0">
-                  <a:solidFill>
-                    <a:schemeClr val="bg2"/>
-                  </a:solidFill>
-                  <a:latin typeface="Dava Sans (Body)"/>
-                  <a:cs typeface="Cavolini" panose="03000502040302020204" pitchFamily="66" charset="0"/>
-                </a:rPr>
-                <a:t>    (Use when HTML is in subfolder, asset in parent/sibling folder)</a:t>
-              </a:r>
-            </a:p>
-            <a:p>
-              <a:pPr marL="571500" indent="-571500" algn="just">
-                <a:buFont typeface="Arial" panose="020B0604020202020204" pitchFamily="34" charset="0"/>
-                <a:buChar char="•"/>
-              </a:pPr>
-              <a:r>
-                <a:rPr lang="en-US" sz="4000" dirty="0">
-                  <a:solidFill>
-                    <a:schemeClr val="bg2"/>
-                  </a:solidFill>
-                  <a:latin typeface="Dava Sans (Body)"/>
-                  <a:cs typeface="Cavolini" panose="03000502040302020204" pitchFamily="66" charset="0"/>
-                </a:rPr>
-                <a:t>Root-relative(/): from project root -&gt; /</a:t>
-              </a:r>
-              <a:r>
-                <a:rPr lang="en-US" sz="4000" dirty="0" err="1">
-                  <a:solidFill>
-                    <a:schemeClr val="bg2"/>
-                  </a:solidFill>
-                  <a:latin typeface="Dava Sans (Body)"/>
-                  <a:cs typeface="Cavolini" panose="03000502040302020204" pitchFamily="66" charset="0"/>
-                </a:rPr>
-                <a:t>js</a:t>
-              </a:r>
-              <a:r>
-                <a:rPr lang="en-US" sz="4000" dirty="0">
-                  <a:solidFill>
-                    <a:schemeClr val="bg2"/>
-                  </a:solidFill>
-                  <a:latin typeface="Dava Sans (Body)"/>
-                  <a:cs typeface="Cavolini" panose="03000502040302020204" pitchFamily="66" charset="0"/>
-                </a:rPr>
-                <a:t>/app.js</a:t>
-              </a:r>
-            </a:p>
-            <a:p>
-              <a:pPr algn="just"/>
-              <a:r>
-                <a:rPr lang="en-US" sz="4000" dirty="0">
-                  <a:solidFill>
-                    <a:schemeClr val="bg2"/>
-                  </a:solidFill>
-                  <a:latin typeface="Dava Sans (Body)"/>
-                  <a:cs typeface="Cavolini" panose="03000502040302020204" pitchFamily="66" charset="0"/>
-                </a:rPr>
-                <a:t>    (Use in large projects or on servers for consistent paths)</a:t>
-              </a:r>
-            </a:p>
-            <a:p>
-              <a:pPr marL="571500" indent="-571500" algn="just">
-                <a:buFont typeface="Arial" panose="020B0604020202020204" pitchFamily="34" charset="0"/>
-                <a:buChar char="•"/>
-              </a:pPr>
-              <a:r>
-                <a:rPr lang="en-US" sz="4000" dirty="0">
+                <a:rPr lang="en-US" sz="4000">
                   <a:solidFill>
                     <a:schemeClr val="bg2"/>
                   </a:solidFill>
@@ -15447,7 +15415,7 @@
                 <a:t>Absolute: full URL -&gt; </a:t>
               </a:r>
               <a:r>
-                <a:rPr lang="en-US" sz="4000" dirty="0">
+                <a:rPr lang="en-US" sz="4000">
                   <a:solidFill>
                     <a:schemeClr val="bg2"/>
                   </a:solidFill>
@@ -15457,7 +15425,7 @@
                 </a:rPr>
                 <a:t>https://example.com/logo.png</a:t>
               </a:r>
-              <a:endParaRPr lang="en-US" sz="4000" dirty="0">
+              <a:endParaRPr lang="en-US" sz="4000">
                 <a:solidFill>
                   <a:schemeClr val="bg2"/>
                 </a:solidFill>
@@ -15468,14 +15436,14 @@
             <a:p>
               <a:pPr algn="just"/>
               <a:r>
-                <a:rPr lang="en-US" sz="4000" dirty="0">
-                  <a:solidFill>
-                    <a:schemeClr val="bg2"/>
-                  </a:solidFill>
-                  <a:latin typeface="Dava Sans (Body)"/>
-                  <a:cs typeface="Cavolini" panose="03000502040302020204" pitchFamily="66" charset="0"/>
-                </a:rPr>
-                <a:t>    (Use for external resources/CDNs)</a:t>
+                <a:rPr lang="en-US" sz="4000">
+                  <a:solidFill>
+                    <a:schemeClr val="bg2"/>
+                  </a:solidFill>
+                  <a:latin typeface="Dava Sans (Body)"/>
+                  <a:cs typeface="Cavolini" panose="03000502040302020204" pitchFamily="66" charset="0"/>
+                </a:rPr>
+                <a:t>    (Use for external resources.)</a:t>
               </a:r>
             </a:p>
           </p:txBody>
@@ -15491,13 +15459,13 @@
   <p:clrMapOvr>
     <a:masterClrMapping/>
   </p:clrMapOvr>
-  <mc:AlternateContent xmlns:mc="http://schemas.openxmlformats.org/markup-compatibility/2006" xmlns:p159="http://schemas.microsoft.com/office/powerpoint/2015/09/main">
-    <mc:Choice Requires="p159">
+  <mc:AlternateContent xmlns:mc="http://schemas.openxmlformats.org/markup-compatibility/2006">
+    <mc:Choice xmlns:p159="http://schemas.microsoft.com/office/powerpoint/2015/09/main" Requires="p159">
       <p:transition>
         <p159:morph option="byChar"/>
       </p:transition>
     </mc:Choice>
-    <mc:Fallback xmlns="">
+    <mc:Fallback>
       <p:transition>
         <p:fade/>
       </p:transition>
@@ -15684,10 +15652,10 @@
           <a:lstStyle/>
           <a:p>
             <a:r>
-              <a:rPr lang="en-US" sz="8000" dirty="0"/>
+              <a:rPr lang="en-US" sz="8000"/>
               <a:t>*</a:t>
             </a:r>
-            <a:endParaRPr sz="8000" dirty="0"/>
+            <a:endParaRPr sz="8000"/>
           </a:p>
         </p:txBody>
       </p:sp>
@@ -15735,9 +15703,9 @@
         <p:grpSpPr>
           <a:xfrm>
             <a:off x="1143042" y="3347455"/>
-            <a:ext cx="21936413" cy="8758301"/>
+            <a:ext cx="21936413" cy="2130332"/>
             <a:chOff x="1143042" y="3347455"/>
-            <a:chExt cx="21936413" cy="8758301"/>
+            <a:chExt cx="21936413" cy="2130332"/>
           </a:xfrm>
         </p:grpSpPr>
         <p:pic>
@@ -15794,7 +15762,7 @@
           <p:spPr>
             <a:xfrm>
               <a:off x="1447420" y="3826566"/>
-              <a:ext cx="21632035" cy="8279190"/>
+              <a:ext cx="21632035" cy="1651221"/>
             </a:xfrm>
             <a:prstGeom prst="rect">
               <a:avLst/>
@@ -15843,106 +15811,27 @@
                 <a:buChar char="•"/>
               </a:pPr>
               <a:r>
-                <a:rPr lang="en-US" sz="4000" dirty="0">
-                  <a:solidFill>
-                    <a:schemeClr val="bg2"/>
-                  </a:solidFill>
-                  <a:latin typeface="Dava Sans (Body)"/>
-                  <a:cs typeface="Cavolini" panose="03000502040302020204" pitchFamily="66" charset="0"/>
-                </a:rPr>
-                <a:t>Create a personal portfolio webpage that includes:</a:t>
-              </a:r>
-            </a:p>
-            <a:p>
-              <a:pPr lvl="1" indent="0" algn="just"/>
-              <a:r>
-                <a:rPr lang="en-US" sz="4000" dirty="0">
-                  <a:solidFill>
-                    <a:schemeClr val="bg2"/>
-                  </a:solidFill>
-                  <a:latin typeface="Dava Sans (Body)"/>
-                  <a:cs typeface="Cavolini" panose="03000502040302020204" pitchFamily="66" charset="0"/>
-                </a:rPr>
-                <a:t>	- Proper document structure with metadata (title, favicon, meta tags)</a:t>
-              </a:r>
-            </a:p>
-            <a:p>
-              <a:pPr lvl="1" indent="0" algn="just"/>
-              <a:r>
-                <a:rPr lang="en-US" sz="4000" dirty="0">
-                  <a:solidFill>
-                    <a:schemeClr val="bg2"/>
-                  </a:solidFill>
-                  <a:latin typeface="Dava Sans (Body)"/>
-                  <a:cs typeface="Cavolini" panose="03000502040302020204" pitchFamily="66" charset="0"/>
-                </a:rPr>
-                <a:t>	- Semantic layout (header, nav, main sections, footer)</a:t>
-              </a:r>
-            </a:p>
-            <a:p>
-              <a:pPr lvl="1" indent="0" algn="just"/>
-              <a:r>
-                <a:rPr lang="en-US" sz="4000" dirty="0">
-                  <a:solidFill>
-                    <a:schemeClr val="bg2"/>
-                  </a:solidFill>
-                  <a:latin typeface="Dava Sans (Body)"/>
-                  <a:cs typeface="Cavolini" panose="03000502040302020204" pitchFamily="66" charset="0"/>
-                </a:rPr>
-                <a:t>	- Headings, paragraphs, emphasis, line breaks, and separators</a:t>
-              </a:r>
-            </a:p>
-            <a:p>
-              <a:pPr lvl="1" indent="0" algn="just"/>
-              <a:r>
-                <a:rPr lang="en-US" sz="4000" dirty="0">
-                  <a:solidFill>
-                    <a:schemeClr val="bg2"/>
-                  </a:solidFill>
-                  <a:latin typeface="Dava Sans (Body)"/>
-                  <a:cs typeface="Cavolini" panose="03000502040302020204" pitchFamily="66" charset="0"/>
-                </a:rPr>
-                <a:t>	- Links (internal and external), images, and at least one other media element</a:t>
-              </a:r>
-            </a:p>
-            <a:p>
-              <a:pPr lvl="1" indent="0" algn="just"/>
-              <a:r>
-                <a:rPr lang="en-US" sz="4000" dirty="0">
-                  <a:solidFill>
-                    <a:schemeClr val="bg2"/>
-                  </a:solidFill>
-                  <a:latin typeface="Dava Sans (Body)"/>
-                  <a:cs typeface="Cavolini" panose="03000502040302020204" pitchFamily="66" charset="0"/>
-                </a:rPr>
-                <a:t>	- Lists (ordered, unordered, definition) and a data table</a:t>
-              </a:r>
-            </a:p>
-            <a:p>
-              <a:pPr lvl="1" indent="0" algn="just"/>
-              <a:r>
-                <a:rPr lang="en-US" sz="4000" dirty="0">
-                  <a:solidFill>
-                    <a:schemeClr val="bg2"/>
-                  </a:solidFill>
-                  <a:latin typeface="Dava Sans (Body)"/>
-                  <a:cs typeface="Cavolini" panose="03000502040302020204" pitchFamily="66" charset="0"/>
-                </a:rPr>
-                <a:t>	- Use of classes and ids</a:t>
-              </a:r>
-            </a:p>
-            <a:p>
-              <a:pPr lvl="1" indent="0" algn="just"/>
-              <a:r>
-                <a:rPr lang="en-US" sz="4000" dirty="0">
-                  <a:solidFill>
-                    <a:schemeClr val="bg2"/>
-                  </a:solidFill>
-                  <a:latin typeface="Dava Sans (Body)"/>
-                  <a:cs typeface="Cavolini" panose="03000502040302020204" pitchFamily="66" charset="0"/>
-                </a:rPr>
-                <a:t>	- External CSS and JavaScript linked with correct file paths</a:t>
-              </a:r>
+                <a:rPr lang="en-US" sz="3600" dirty="0">
+                  <a:solidFill>
+                    <a:schemeClr val="bg2"/>
+                  </a:solidFill>
+                  <a:hlinkClick r:id="rId5">
+                    <a:extLst>
+                      <a:ext uri="{A12FA001-AC4F-418D-AE19-62706E023703}">
+                        <ahyp:hlinkClr xmlns:ahyp="http://schemas.microsoft.com/office/drawing/2018/hyperlinkcolor" val="tx"/>
+                      </a:ext>
+                    </a:extLst>
+                  </a:hlinkClick>
+                </a:rPr>
+                <a:t>Personal Portfolio Exercise</a:t>
+              </a:r>
+              <a:endParaRPr lang="en-US" sz="4000" dirty="0">
+                <a:solidFill>
+                  <a:schemeClr val="bg2"/>
+                </a:solidFill>
+                <a:latin typeface="Dava Sans (Body)"/>
+                <a:cs typeface="Cavolini" panose="03000502040302020204" pitchFamily="66" charset="0"/>
+              </a:endParaRPr>
             </a:p>
           </p:txBody>
         </p:sp>
@@ -16089,7 +15978,7 @@
               <a:tabLst/>
             </a:pPr>
             <a:r>
-              <a:rPr kumimoji="0" lang="en-US" altLang="en-US" sz="1800" b="1" i="0" u="none" strike="noStrike" cap="none" normalizeH="0" baseline="0" dirty="0">
+              <a:rPr kumimoji="0" lang="en-US" altLang="en-US" sz="1800" b="1" i="0" u="none" strike="noStrike" cap="none" normalizeH="0" baseline="0">
                 <a:ln>
                   <a:noFill/>
                 </a:ln>
@@ -16101,7 +15990,7 @@
               </a:rPr>
               <a:t>Expected Result</a:t>
             </a:r>
-            <a:endParaRPr kumimoji="0" lang="en-US" altLang="en-US" sz="1800" b="0" i="0" u="none" strike="noStrike" cap="none" normalizeH="0" baseline="0" dirty="0">
+            <a:endParaRPr kumimoji="0" lang="en-US" altLang="en-US" sz="1800" b="0" i="0" u="none" strike="noStrike" cap="none" normalizeH="0" baseline="0">
               <a:ln>
                 <a:noFill/>
               </a:ln>
@@ -16130,7 +16019,7 @@
               <a:tabLst/>
             </a:pPr>
             <a:r>
-              <a:rPr kumimoji="0" lang="en-US" altLang="en-US" sz="1800" b="0" i="0" u="none" strike="noStrike" cap="none" normalizeH="0" baseline="0" dirty="0">
+              <a:rPr kumimoji="0" lang="en-US" altLang="en-US" sz="1800" b="0" i="0" u="none" strike="noStrike" cap="none" normalizeH="0" baseline="0">
                 <a:ln>
                   <a:noFill/>
                 </a:ln>
@@ -16161,7 +16050,7 @@
               <a:tabLst/>
             </a:pPr>
             <a:r>
-              <a:rPr kumimoji="0" lang="en-US" altLang="en-US" sz="1800" b="0" i="0" u="none" strike="noStrike" cap="none" normalizeH="0" baseline="0" dirty="0">
+              <a:rPr kumimoji="0" lang="en-US" altLang="en-US" sz="1800" b="0" i="0" u="none" strike="noStrike" cap="none" normalizeH="0" baseline="0">
                 <a:ln>
                   <a:noFill/>
                 </a:ln>
@@ -16174,7 +16063,7 @@
               <a:t>With Doctype, page uses </a:t>
             </a:r>
             <a:r>
-              <a:rPr kumimoji="0" lang="en-US" altLang="en-US" sz="1800" b="1" i="0" u="none" strike="noStrike" cap="none" normalizeH="0" baseline="0" dirty="0">
+              <a:rPr kumimoji="0" lang="en-US" altLang="en-US" sz="1800" b="1" i="0" u="none" strike="noStrike" cap="none" normalizeH="0" baseline="0">
                 <a:ln>
                   <a:noFill/>
                 </a:ln>
@@ -16187,7 +16076,7 @@
               <a:t>HTML5 standards</a:t>
             </a:r>
             <a:r>
-              <a:rPr kumimoji="0" lang="en-US" altLang="en-US" sz="1800" b="0" i="0" u="none" strike="noStrike" cap="none" normalizeH="0" baseline="0" dirty="0">
+              <a:rPr kumimoji="0" lang="en-US" altLang="en-US" sz="1800" b="0" i="0" u="none" strike="noStrike" cap="none" normalizeH="0" baseline="0">
                 <a:ln>
                   <a:noFill/>
                 </a:ln>
@@ -16217,7 +16106,7 @@
               <a:buNone/>
               <a:tabLst/>
             </a:pPr>
-            <a:endParaRPr kumimoji="0" lang="en-US" altLang="en-US" sz="1800" b="0" i="0" u="none" strike="noStrike" cap="none" normalizeH="0" baseline="0" dirty="0">
+            <a:endParaRPr kumimoji="0" lang="en-US" altLang="en-US" sz="1800" b="0" i="0" u="none" strike="noStrike" cap="none" normalizeH="0" baseline="0">
               <a:ln>
                 <a:noFill/>
               </a:ln>
@@ -16300,13 +16189,13 @@
   <p:clrMapOvr>
     <a:masterClrMapping/>
   </p:clrMapOvr>
-  <mc:AlternateContent xmlns:mc="http://schemas.openxmlformats.org/markup-compatibility/2006" xmlns:p159="http://schemas.microsoft.com/office/powerpoint/2015/09/main">
-    <mc:Choice Requires="p159">
+  <mc:AlternateContent xmlns:mc="http://schemas.openxmlformats.org/markup-compatibility/2006">
+    <mc:Choice xmlns:p159="http://schemas.microsoft.com/office/powerpoint/2015/09/main" Requires="p159">
       <p:transition>
         <p159:morph option="byChar"/>
       </p:transition>
     </mc:Choice>
-    <mc:Fallback xmlns="">
+    <mc:Fallback>
       <p:transition>
         <p:fade/>
       </p:transition>
@@ -16438,7 +16327,7 @@
           </a:prstGeom>
           <a:extLst>
             <a:ext uri="{C572A759-6A51-4108-AA02-DFA0A04FC94B}">
-              <ma14:wrappingTextBoxFlag xmlns:ma14="http://schemas.microsoft.com/office/mac/drawingml/2011/main" xmlns:a14="http://schemas.microsoft.com/office/drawing/2010/main" xmlns:m="http://schemas.openxmlformats.org/officeDocument/2006/math" xmlns="" val="1"/>
+              <ma14:wrappingTextBoxFlag xmlns="" xmlns:m="http://schemas.openxmlformats.org/officeDocument/2006/math" xmlns:a14="http://schemas.microsoft.com/office/drawing/2010/main" xmlns:ma14="http://schemas.microsoft.com/office/mac/drawingml/2011/main" val="1"/>
             </a:ext>
           </a:extLst>
         </p:spPr>
@@ -16493,7 +16382,7 @@
             </a:ln>
             <a:extLst>
               <a:ext uri="{C572A759-6A51-4108-AA02-DFA0A04FC94B}">
-                <ma14:wrappingTextBoxFlag xmlns:ma14="http://schemas.microsoft.com/office/mac/drawingml/2011/main" xmlns:a14="http://schemas.microsoft.com/office/drawing/2010/main" xmlns:m="http://schemas.openxmlformats.org/officeDocument/2006/math" xmlns="" val="1"/>
+                <ma14:wrappingTextBoxFlag xmlns="" xmlns:m="http://schemas.openxmlformats.org/officeDocument/2006/math" xmlns:a14="http://schemas.microsoft.com/office/drawing/2010/main" xmlns:ma14="http://schemas.microsoft.com/office/mac/drawingml/2011/main" val="1"/>
               </a:ext>
             </a:extLst>
           </p:spPr>
@@ -16518,12 +16407,36 @@
                 </a:defRPr>
               </a:pPr>
               <a:r>
-                <a:rPr lang="en-US" b="1" dirty="0">
+                <a:rPr lang="en-US" b="1">
                   <a:solidFill>
                     <a:srgbClr val="FF5640"/>
                   </a:solidFill>
                 </a:rPr>
-                <a:t>Hit Me Up with Your Questions!</a:t>
+                <a:t>Hit Me Up with Your </a:t>
+              </a:r>
+            </a:p>
+            <a:p>
+              <a:pPr algn="ctr" defTabSz="470262">
+                <a:lnSpc>
+                  <a:spcPct val="100000"/>
+                </a:lnSpc>
+                <a:spcBef>
+                  <a:spcPts val="0"/>
+                </a:spcBef>
+                <a:defRPr sz="9600">
+                  <a:latin typeface="+mj-lt"/>
+                  <a:ea typeface="+mj-ea"/>
+                  <a:cs typeface="+mj-cs"/>
+                  <a:sym typeface="Poppins Medium"/>
+                </a:defRPr>
+              </a:pPr>
+              <a:r>
+                <a:rPr lang="en-US" b="1">
+                  <a:solidFill>
+                    <a:srgbClr val="FF5640"/>
+                  </a:solidFill>
+                </a:rPr>
+                <a:t>Questions!</a:t>
               </a:r>
             </a:p>
           </p:txBody>
@@ -16553,7 +16466,7 @@
             </a:ln>
             <a:extLst>
               <a:ext uri="{C572A759-6A51-4108-AA02-DFA0A04FC94B}">
-                <ma14:wrappingTextBoxFlag xmlns:m="http://schemas.openxmlformats.org/officeDocument/2006/math" xmlns:a14="http://schemas.microsoft.com/office/drawing/2010/main" xmlns:ma14="http://schemas.microsoft.com/office/mac/drawingml/2011/main" xmlns="" val="1"/>
+                <ma14:wrappingTextBoxFlag xmlns="" xmlns:ma14="http://schemas.microsoft.com/office/mac/drawingml/2011/main" xmlns:a14="http://schemas.microsoft.com/office/drawing/2010/main" xmlns:m="http://schemas.openxmlformats.org/officeDocument/2006/math" val="1"/>
               </a:ext>
             </a:extLst>
           </p:spPr>
@@ -16690,13 +16603,13 @@
   <p:clrMapOvr>
     <a:masterClrMapping/>
   </p:clrMapOvr>
-  <mc:AlternateContent xmlns:mc="http://schemas.openxmlformats.org/markup-compatibility/2006" xmlns:p159="http://schemas.microsoft.com/office/powerpoint/2015/09/main">
-    <mc:Choice Requires="p159">
+  <mc:AlternateContent xmlns:mc="http://schemas.openxmlformats.org/markup-compatibility/2006">
+    <mc:Choice xmlns:p159="http://schemas.microsoft.com/office/powerpoint/2015/09/main" Requires="p159">
       <p:transition>
         <p159:morph option="byChar"/>
       </p:transition>
     </mc:Choice>
-    <mc:Fallback xmlns="">
+    <mc:Fallback>
       <p:transition>
         <p:fade/>
       </p:transition>
@@ -16840,7 +16753,7 @@
           </a:prstGeom>
           <a:extLst>
             <a:ext uri="{C572A759-6A51-4108-AA02-DFA0A04FC94B}">
-              <ma14:wrappingTextBoxFlag xmlns:m="http://schemas.openxmlformats.org/officeDocument/2006/math" xmlns:a14="http://schemas.microsoft.com/office/drawing/2010/main" xmlns:ma14="http://schemas.microsoft.com/office/mac/drawingml/2011/main" xmlns="" val="1"/>
+              <ma14:wrappingTextBoxFlag xmlns="" xmlns:ma14="http://schemas.microsoft.com/office/mac/drawingml/2011/main" xmlns:a14="http://schemas.microsoft.com/office/drawing/2010/main" xmlns:m="http://schemas.openxmlformats.org/officeDocument/2006/math" val="1"/>
             </a:ext>
           </a:extLst>
         </p:spPr>
@@ -16901,7 +16814,7 @@
             </a:ln>
             <a:extLst>
               <a:ext uri="{C572A759-6A51-4108-AA02-DFA0A04FC94B}">
-                <ma14:wrappingTextBoxFlag xmlns:m="http://schemas.openxmlformats.org/officeDocument/2006/math" xmlns:a14="http://schemas.microsoft.com/office/drawing/2010/main" xmlns:ma14="http://schemas.microsoft.com/office/mac/drawingml/2011/main" xmlns="" val="1"/>
+                <ma14:wrappingTextBoxFlag xmlns="" xmlns:ma14="http://schemas.microsoft.com/office/mac/drawingml/2011/main" xmlns:a14="http://schemas.microsoft.com/office/drawing/2010/main" xmlns:m="http://schemas.openxmlformats.org/officeDocument/2006/math" val="1"/>
               </a:ext>
             </a:extLst>
           </p:spPr>
@@ -16926,7 +16839,7 @@
                 </a:defRPr>
               </a:pPr>
               <a:r>
-                <a:rPr b="1" dirty="0">
+                <a:rPr b="1">
                   <a:solidFill>
                     <a:srgbClr val="FFFFFF"/>
                   </a:solidFill>
@@ -16934,7 +16847,7 @@
                 <a:t>Thank </a:t>
               </a:r>
               <a:r>
-                <a:rPr b="1" dirty="0">
+                <a:rPr b="1">
                   <a:solidFill>
                     <a:srgbClr val="FF5640"/>
                   </a:solidFill>
@@ -16942,14 +16855,14 @@
                 <a:t>you</a:t>
               </a:r>
               <a:r>
-                <a:rPr b="1" dirty="0">
+                <a:rPr b="1">
                   <a:solidFill>
                     <a:srgbClr val="FFFFFF"/>
                   </a:solidFill>
                 </a:rPr>
                 <a:t>!</a:t>
               </a:r>
-              <a:endParaRPr lang="en-US" b="1" dirty="0">
+              <a:endParaRPr lang="en-US" b="1">
                 <a:solidFill>
                   <a:srgbClr val="FFFFFF"/>
                 </a:solidFill>
@@ -17090,7 +17003,7 @@
               </a:ln>
               <a:extLst>
                 <a:ext uri="{C572A759-6A51-4108-AA02-DFA0A04FC94B}">
-                  <ma14:wrappingTextBoxFlag xmlns:ma14="http://schemas.microsoft.com/office/mac/drawingml/2011/main" xmlns:a14="http://schemas.microsoft.com/office/drawing/2010/main" xmlns:m="http://schemas.openxmlformats.org/officeDocument/2006/math" xmlns="" val="1"/>
+                  <ma14:wrappingTextBoxFlag xmlns="" xmlns:m="http://schemas.openxmlformats.org/officeDocument/2006/math" xmlns:a14="http://schemas.microsoft.com/office/drawing/2010/main" xmlns:ma14="http://schemas.microsoft.com/office/mac/drawingml/2011/main" val="1"/>
                 </a:ext>
               </a:extLst>
             </p:spPr>
@@ -17119,7 +17032,7 @@
                   </a:lnSpc>
                 </a:pPr>
                 <a:r>
-                  <a:rPr lang="en-US" dirty="0">
+                  <a:rPr lang="en-US">
                     <a:solidFill>
                       <a:srgbClr val="FFFFFF"/>
                     </a:solidFill>
@@ -17127,14 +17040,14 @@
                   <a:t>Lavanya </a:t>
                 </a:r>
                 <a:r>
-                  <a:rPr lang="en-US" dirty="0" err="1">
+                  <a:rPr lang="en-US" err="1">
                     <a:solidFill>
                       <a:srgbClr val="FFFFFF"/>
                     </a:solidFill>
                   </a:rPr>
                   <a:t>Boddepalli</a:t>
                 </a:r>
-                <a:endParaRPr dirty="0">
+                <a:endParaRPr>
                   <a:solidFill>
                     <a:srgbClr val="FFFFFF"/>
                   </a:solidFill>
@@ -17167,7 +17080,7 @@
               </a:ln>
               <a:extLst>
                 <a:ext uri="{C572A759-6A51-4108-AA02-DFA0A04FC94B}">
-                  <ma14:wrappingTextBoxFlag xmlns:ma14="http://schemas.microsoft.com/office/mac/drawingml/2011/main" xmlns:a14="http://schemas.microsoft.com/office/drawing/2010/main" xmlns:m="http://schemas.openxmlformats.org/officeDocument/2006/math" xmlns="" val="1"/>
+                  <ma14:wrappingTextBoxFlag xmlns="" xmlns:m="http://schemas.openxmlformats.org/officeDocument/2006/math" xmlns:a14="http://schemas.microsoft.com/office/drawing/2010/main" xmlns:ma14="http://schemas.microsoft.com/office/mac/drawingml/2011/main" val="1"/>
                 </a:ext>
               </a:extLst>
             </p:spPr>
@@ -17187,7 +17100,7 @@
                   </a:lnSpc>
                 </a:pPr>
                 <a:r>
-                  <a:rPr lang="en-GB" sz="1800" dirty="0">
+                  <a:rPr lang="en-GB" sz="1800">
                     <a:solidFill>
                       <a:srgbClr val="FFFFFF"/>
                     </a:solidFill>
@@ -17205,7 +17118,7 @@
                   </a:spcBef>
                 </a:pPr>
                 <a:r>
-                  <a:rPr lang="en-GB" sz="1800" b="1" dirty="0">
+                  <a:rPr lang="en-GB" sz="1800" b="1">
                     <a:solidFill>
                       <a:srgbClr val="FF5640"/>
                     </a:solidFill>
@@ -17215,7 +17128,7 @@
                   </a:rPr>
                   <a:t>lavanya.boddepalli@endava.com</a:t>
                 </a:r>
-                <a:endParaRPr lang="en-GB" sz="1800" b="1" dirty="0">
+                <a:endParaRPr lang="en-GB" sz="1800" b="1">
                   <a:solidFill>
                     <a:srgbClr val="FF5640"/>
                   </a:solidFill>
@@ -17291,14 +17204,14 @@
                 <a:tabLst/>
               </a:pPr>
               <a:r>
-                <a:rPr lang="en-US" b="1" dirty="0">
+                <a:rPr lang="en-US" b="1">
                   <a:solidFill>
                     <a:srgbClr val="8C959B"/>
                   </a:solidFill>
                 </a:rPr>
                 <a:t>Feel free to reach out with any questions or thoughts!</a:t>
               </a:r>
-              <a:endParaRPr kumimoji="0" lang="en-US" sz="2000" b="1" i="0" u="none" strike="noStrike" cap="none" spc="0" normalizeH="0" baseline="0" dirty="0">
+              <a:endParaRPr kumimoji="0" lang="en-US" sz="2000" b="1" i="0" u="none" strike="noStrike" cap="none" spc="0" normalizeH="0" baseline="0">
                 <a:ln>
                   <a:noFill/>
                 </a:ln>
@@ -17326,13 +17239,13 @@
   <p:clrMapOvr>
     <a:masterClrMapping/>
   </p:clrMapOvr>
-  <mc:AlternateContent xmlns:mc="http://schemas.openxmlformats.org/markup-compatibility/2006" xmlns:p159="http://schemas.microsoft.com/office/powerpoint/2015/09/main">
-    <mc:Choice Requires="p159">
+  <mc:AlternateContent xmlns:mc="http://schemas.openxmlformats.org/markup-compatibility/2006">
+    <mc:Choice xmlns:p159="http://schemas.microsoft.com/office/powerpoint/2015/09/main" Requires="p159">
       <p:transition>
         <p159:morph option="byChar"/>
       </p:transition>
     </mc:Choice>
-    <mc:Fallback xmlns="">
+    <mc:Fallback>
       <p:transition>
         <p:fade/>
       </p:transition>
@@ -17470,11 +17383,11 @@
           <a:lstStyle/>
           <a:p>
             <a:r>
-              <a:rPr lang="en-US" sz="8000" dirty="0"/>
+              <a:rPr lang="en-US" sz="8000"/>
               <a:t>Setup </a:t>
             </a:r>
             <a:r>
-              <a:rPr lang="en-US" sz="8000" dirty="0">
+              <a:rPr lang="en-US" sz="8000">
                 <a:solidFill>
                   <a:schemeClr val="bg1"/>
                 </a:solidFill>
@@ -17482,10 +17395,10 @@
               <a:t>&amp;</a:t>
             </a:r>
             <a:r>
-              <a:rPr lang="en-US" sz="8000" dirty="0"/>
+              <a:rPr lang="en-US" sz="8000"/>
               <a:t> Workflow</a:t>
             </a:r>
-            <a:endParaRPr sz="8000" dirty="0"/>
+            <a:endParaRPr sz="8000"/>
           </a:p>
         </p:txBody>
       </p:sp>
@@ -17513,7 +17426,7 @@
           <a:lstStyle/>
           <a:p>
             <a:r>
-              <a:rPr sz="8000" dirty="0"/>
+              <a:rPr sz="8000"/>
               <a:t>01</a:t>
             </a:r>
           </a:p>
@@ -17655,7 +17568,7 @@
             <a:p>
               <a:pPr algn="l"/>
               <a:r>
-                <a:rPr lang="en-US" sz="3600" dirty="0">
+                <a:rPr lang="en-US" sz="3600">
                   <a:solidFill>
                     <a:schemeClr val="bg2"/>
                   </a:solidFill>
@@ -17663,7 +17576,7 @@
                 <a:t>Install a Code Editor  (My pick? ❤️‍🔥 </a:t>
               </a:r>
               <a:r>
-                <a:rPr lang="en-US" sz="3600" b="1" dirty="0">
+                <a:rPr lang="en-US" sz="3600" b="1">
                   <a:solidFill>
                     <a:schemeClr val="bg1"/>
                   </a:solidFill>
@@ -17671,14 +17584,14 @@
                 <a:t>Visual Studio Code</a:t>
               </a:r>
               <a:r>
-                <a:rPr lang="en-US" sz="3600" dirty="0">
+                <a:rPr lang="en-US" sz="3600">
                   <a:solidFill>
                     <a:schemeClr val="bg2"/>
                   </a:solidFill>
                 </a:rPr>
                 <a:t>).</a:t>
               </a:r>
-              <a:endParaRPr lang="en-US" sz="4000" dirty="0">
+              <a:endParaRPr lang="en-US" sz="4000">
                 <a:solidFill>
                   <a:schemeClr val="bg2"/>
                 </a:solidFill>
@@ -17737,7 +17650,7 @@
           <a:lstStyle/>
           <a:p>
             <a:r>
-              <a:rPr lang="en-US" sz="2800" b="1" dirty="0">
+              <a:rPr lang="en-US" sz="2800" b="1">
                 <a:solidFill>
                   <a:schemeClr val="bg1"/>
                 </a:solidFill>
@@ -17854,7 +17767,7 @@
             <a:lstStyle/>
             <a:p>
               <a:r>
-                <a:rPr lang="en-US" sz="3600" dirty="0">
+                <a:rPr lang="en-US" sz="3600">
                   <a:solidFill>
                     <a:schemeClr val="bg2"/>
                   </a:solidFill>
@@ -17864,7 +17777,7 @@
                 <a:t>Install VS Code Extensions (</a:t>
               </a:r>
               <a:r>
-                <a:rPr lang="en-US" sz="3600" dirty="0">
+                <a:rPr lang="en-US" sz="3600">
                   <a:solidFill>
                     <a:schemeClr val="bg1"/>
                   </a:solidFill>
@@ -17874,7 +17787,7 @@
                 <a:t>⚔️ The Weapons Already Forged For You, Locked &amp; Loaded</a:t>
               </a:r>
               <a:r>
-                <a:rPr lang="en-US" sz="3600" dirty="0">
+                <a:rPr lang="en-US" sz="3600">
                   <a:solidFill>
                     <a:schemeClr val="bg2"/>
                   </a:solidFill>
@@ -17994,7 +17907,7 @@
             <a:p>
               <a:pPr algn="l"/>
               <a:r>
-                <a:rPr lang="en-US" sz="3600" dirty="0">
+                <a:rPr lang="en-US" sz="3600">
                   <a:solidFill>
                     <a:schemeClr val="bg2"/>
                   </a:solidFill>
@@ -18010,7 +17923,7 @@
                 <a:buChar char="•"/>
               </a:pPr>
               <a:r>
-                <a:rPr lang="en-US" sz="3600" dirty="0">
+                <a:rPr lang="en-US" sz="3600">
                   <a:solidFill>
                     <a:schemeClr val="bg2"/>
                   </a:solidFill>
@@ -18026,7 +17939,7 @@
                 <a:buChar char="•"/>
               </a:pPr>
               <a:r>
-                <a:rPr lang="en-US" sz="3600" dirty="0">
+                <a:rPr lang="en-US" sz="3600">
                   <a:solidFill>
                     <a:schemeClr val="bg2"/>
                   </a:solidFill>
@@ -18044,13 +17957,13 @@
   <p:clrMapOvr>
     <a:masterClrMapping/>
   </p:clrMapOvr>
-  <mc:AlternateContent xmlns:mc="http://schemas.openxmlformats.org/markup-compatibility/2006" xmlns:p159="http://schemas.microsoft.com/office/powerpoint/2015/09/main">
-    <mc:Choice Requires="p159">
+  <mc:AlternateContent xmlns:mc="http://schemas.openxmlformats.org/markup-compatibility/2006">
+    <mc:Choice xmlns:p159="http://schemas.microsoft.com/office/powerpoint/2015/09/main" Requires="p159">
       <p:transition>
         <p159:morph option="byChar"/>
       </p:transition>
     </mc:Choice>
-    <mc:Fallback xmlns="">
+    <mc:Fallback>
       <p:transition>
         <p:fade/>
       </p:transition>
@@ -18344,10 +18257,10 @@
           <a:lstStyle/>
           <a:p>
             <a:r>
-              <a:rPr lang="en-US" sz="8000" dirty="0"/>
+              <a:rPr lang="en-US" sz="8000"/>
               <a:t>HTML Document Structure &amp; DOM</a:t>
             </a:r>
-            <a:endParaRPr sz="8000" dirty="0"/>
+            <a:endParaRPr sz="8000"/>
           </a:p>
         </p:txBody>
       </p:sp>
@@ -18381,7 +18294,7 @@
           <a:lstStyle/>
           <a:p>
             <a:r>
-              <a:rPr sz="8000" dirty="0"/>
+              <a:rPr sz="8000"/>
               <a:t>02</a:t>
             </a:r>
           </a:p>
@@ -18696,13 +18609,13 @@
   <p:clrMapOvr>
     <a:masterClrMapping/>
   </p:clrMapOvr>
-  <mc:AlternateContent xmlns:mc="http://schemas.openxmlformats.org/markup-compatibility/2006" xmlns:p159="http://schemas.microsoft.com/office/powerpoint/2015/09/main">
-    <mc:Choice Requires="p159">
+  <mc:AlternateContent xmlns:mc="http://schemas.openxmlformats.org/markup-compatibility/2006">
+    <mc:Choice xmlns:p159="http://schemas.microsoft.com/office/powerpoint/2015/09/main" Requires="p159">
       <p:transition>
         <p159:morph option="byChar"/>
       </p:transition>
     </mc:Choice>
-    <mc:Fallback xmlns="">
+    <mc:Fallback>
       <p:transition>
         <p:fade/>
       </p:transition>
@@ -18852,10 +18765,10 @@
           <a:lstStyle/>
           <a:p>
             <a:r>
-              <a:rPr lang="en-US" sz="8000" dirty="0"/>
+              <a:rPr lang="en-US" sz="8000"/>
               <a:t>HTML Document Structure &amp; DOM</a:t>
             </a:r>
-            <a:endParaRPr sz="8000" dirty="0"/>
+            <a:endParaRPr sz="8000"/>
           </a:p>
         </p:txBody>
       </p:sp>
@@ -18889,7 +18802,7 @@
           <a:lstStyle/>
           <a:p>
             <a:r>
-              <a:rPr sz="8000" dirty="0"/>
+              <a:rPr sz="8000"/>
               <a:t>02</a:t>
             </a:r>
           </a:p>
@@ -19024,21 +18937,21 @@
             <a:fontRef idx="none"/>
           </p:style>
           <p:txBody>
-            <a:bodyPr wrap="square">
+            <a:bodyPr wrap="square" lIns="91440" tIns="45720" rIns="91440" bIns="45720" anchor="t">
               <a:spAutoFit/>
             </a:bodyPr>
             <a:lstStyle/>
             <a:p>
               <a:pPr algn="just"/>
               <a:r>
-                <a:rPr lang="en-US" sz="4000" dirty="0">
+                <a:rPr lang="en-US" sz="4000">
                   <a:solidFill>
                     <a:schemeClr val="bg1"/>
                   </a:solidFill>
-                  <a:latin typeface="Dava Sans (Body)"/>
-                  <a:cs typeface="Cavolini" panose="03000502040302020204" pitchFamily="66" charset="0"/>
-                </a:rPr>
-                <a:t>Elements, Attributes &amp; Text Nodes</a:t>
+                  <a:latin typeface="Dava Sans"/>
+                  <a:cs typeface="Cavolini"/>
+                </a:rPr>
+                <a:t>Tags, Attributes &amp; Text Nodes</a:t>
               </a:r>
             </a:p>
             <a:p>
@@ -19047,12 +18960,12 @@
                 <a:buChar char="•"/>
               </a:pPr>
               <a:r>
-                <a:rPr lang="en-US" sz="4000" dirty="0">
-                  <a:solidFill>
-                    <a:schemeClr val="bg2"/>
-                  </a:solidFill>
-                  <a:latin typeface="Dava Sans (Body)"/>
-                  <a:cs typeface="Cavolini" panose="03000502040302020204" pitchFamily="66" charset="0"/>
+                <a:rPr lang="en-US" sz="4000">
+                  <a:solidFill>
+                    <a:schemeClr val="bg2"/>
+                  </a:solidFill>
+                  <a:latin typeface="Dava Sans"/>
+                  <a:cs typeface="Cavolini"/>
                 </a:rPr>
                 <a:t>Elements -&gt; &lt;p&gt;, &lt;div&gt;, &lt;h1&gt;</a:t>
               </a:r>
@@ -19063,35 +18976,42 @@
                 <a:buChar char="•"/>
               </a:pPr>
               <a:r>
-                <a:rPr lang="en-US" sz="4000" dirty="0">
-                  <a:solidFill>
-                    <a:schemeClr val="bg2"/>
-                  </a:solidFill>
-                  <a:latin typeface="Dava Sans (Body)"/>
-                  <a:cs typeface="Cavolini" panose="03000502040302020204" pitchFamily="66" charset="0"/>
+                <a:rPr lang="en-US" sz="4000">
+                  <a:solidFill>
+                    <a:schemeClr val="bg2"/>
+                  </a:solidFill>
+                  <a:latin typeface="Dava Sans"/>
+                  <a:cs typeface="Cavolini"/>
                 </a:rPr>
                 <a:t>Attributes -&gt; id=“main”, </a:t>
               </a:r>
               <a:r>
-                <a:rPr lang="en-US" sz="4000" dirty="0" err="1">
-                  <a:solidFill>
-                    <a:schemeClr val="bg2"/>
-                  </a:solidFill>
-                  <a:latin typeface="Dava Sans (Body)"/>
-                  <a:cs typeface="Cavolini" panose="03000502040302020204" pitchFamily="66" charset="0"/>
+                <a:rPr lang="en-US" sz="4000" err="1">
+                  <a:solidFill>
+                    <a:schemeClr val="bg2"/>
+                  </a:solidFill>
+                  <a:latin typeface="Dava Sans"/>
+                  <a:cs typeface="Cavolini"/>
                 </a:rPr>
                 <a:t>src</a:t>
               </a:r>
               <a:r>
-                <a:rPr lang="en-US" sz="4000" dirty="0">
-                  <a:solidFill>
-                    <a:schemeClr val="bg2"/>
-                  </a:solidFill>
-                  <a:latin typeface="Dava Sans (Body)"/>
-                  <a:cs typeface="Cavolini" panose="03000502040302020204" pitchFamily="66" charset="0"/>
+                <a:rPr lang="en-US" sz="4000">
+                  <a:solidFill>
+                    <a:schemeClr val="bg2"/>
+                  </a:solidFill>
+                  <a:latin typeface="Dava Sans"/>
+                  <a:cs typeface="Cavolini"/>
                 </a:rPr>
                 <a:t>=“img.png”</a:t>
               </a:r>
+              <a:endParaRPr lang="en-US" sz="4000">
+                <a:solidFill>
+                  <a:schemeClr val="bg2"/>
+                </a:solidFill>
+                <a:latin typeface="Dava Sans"/>
+                <a:cs typeface="Cavolini" panose="03000502040302020204" pitchFamily="66" charset="0"/>
+              </a:endParaRPr>
             </a:p>
             <a:p>
               <a:pPr marL="571500" indent="-571500" algn="just">
@@ -19099,12 +19019,12 @@
                 <a:buChar char="•"/>
               </a:pPr>
               <a:r>
-                <a:rPr lang="en-US" sz="4000" dirty="0">
-                  <a:solidFill>
-                    <a:schemeClr val="bg2"/>
-                  </a:solidFill>
-                  <a:latin typeface="Dava Sans (Body)"/>
-                  <a:cs typeface="Cavolini" panose="03000502040302020204" pitchFamily="66" charset="0"/>
+                <a:rPr lang="en-US" sz="4000">
+                  <a:solidFill>
+                    <a:schemeClr val="bg2"/>
+                  </a:solidFill>
+                  <a:latin typeface="Dava Sans"/>
+                  <a:cs typeface="Cavolini"/>
                 </a:rPr>
                 <a:t>Text nodes -&gt; “Hello World”</a:t>
               </a:r>
@@ -19115,12 +19035,12 @@
                 <a:buChar char="•"/>
               </a:pPr>
               <a:r>
-                <a:rPr lang="en-US" sz="4000" dirty="0">
-                  <a:solidFill>
-                    <a:schemeClr val="bg2"/>
-                  </a:solidFill>
-                  <a:latin typeface="Dava Sans (Body)"/>
-                  <a:cs typeface="Cavolini" panose="03000502040302020204" pitchFamily="66" charset="0"/>
+                <a:rPr lang="en-US" sz="4000">
+                  <a:solidFill>
+                    <a:schemeClr val="bg2"/>
+                  </a:solidFill>
+                  <a:latin typeface="Dava Sans"/>
+                  <a:cs typeface="Cavolini"/>
                 </a:rPr>
                 <a:t>DOM breakdown:</a:t>
               </a:r>
@@ -19128,12 +19048,12 @@
             <a:p>
               <a:pPr algn="just"/>
               <a:r>
-                <a:rPr lang="en-US" sz="4000" dirty="0">
-                  <a:solidFill>
-                    <a:schemeClr val="bg2"/>
-                  </a:solidFill>
-                  <a:latin typeface="Dava Sans (Body)"/>
-                  <a:cs typeface="Cavolini" panose="03000502040302020204" pitchFamily="66" charset="0"/>
+                <a:rPr lang="en-US" sz="4000">
+                  <a:solidFill>
+                    <a:schemeClr val="bg2"/>
+                  </a:solidFill>
+                  <a:latin typeface="Dava Sans"/>
+                  <a:cs typeface="Cavolini"/>
                 </a:rPr>
                 <a:t>	- Element node -&gt; &lt;p&gt;</a:t>
               </a:r>
@@ -19141,25 +19061,35 @@
             <a:p>
               <a:pPr algn="just"/>
               <a:r>
-                <a:rPr lang="en-US" sz="4000" dirty="0">
-                  <a:solidFill>
-                    <a:schemeClr val="bg2"/>
-                  </a:solidFill>
-                  <a:latin typeface="Dava Sans (Body)"/>
-                  <a:cs typeface="Cavolini" panose="03000502040302020204" pitchFamily="66" charset="0"/>
-                </a:rPr>
-                <a:t>	- Attribute node -&gt; id=“intro”</a:t>
+                <a:rPr lang="en-US" sz="4000">
+                  <a:solidFill>
+                    <a:schemeClr val="bg2"/>
+                  </a:solidFill>
+                  <a:latin typeface="Dava Sans"/>
+                  <a:cs typeface="Cavolini"/>
+                </a:rPr>
+                <a:t>	- Attribute -&gt;</a:t>
+              </a:r>
+              <a:r>
+                <a:rPr lang="en-US" sz="4000">
+                  <a:solidFill>
+                    <a:schemeClr val="bg2"/>
+                  </a:solidFill>
+                  <a:ea typeface="+mn-lt"/>
+                  <a:cs typeface="+mn-lt"/>
+                </a:rPr>
+                <a:t> id=“intro” (metadata on element node, not a node.)</a:t>
               </a:r>
             </a:p>
             <a:p>
               <a:pPr algn="just"/>
               <a:r>
-                <a:rPr lang="en-US" sz="4000" dirty="0">
-                  <a:solidFill>
-                    <a:schemeClr val="bg2"/>
-                  </a:solidFill>
-                  <a:latin typeface="Dava Sans (Body)"/>
-                  <a:cs typeface="Cavolini" panose="03000502040302020204" pitchFamily="66" charset="0"/>
+                <a:rPr lang="en-US" sz="4000">
+                  <a:solidFill>
+                    <a:schemeClr val="bg2"/>
+                  </a:solidFill>
+                  <a:latin typeface="Dava Sans"/>
+                  <a:cs typeface="Cavolini"/>
                 </a:rPr>
                 <a:t>	- Text node -&gt; Hello</a:t>
               </a:r>
@@ -19189,7 +19119,7 @@
         </p:blipFill>
         <p:spPr>
           <a:xfrm>
-            <a:off x="12792334" y="8466667"/>
+            <a:off x="13360467" y="5626001"/>
             <a:ext cx="7279347" cy="2422521"/>
           </a:xfrm>
           <a:prstGeom prst="rect">
@@ -19207,13 +19137,13 @@
   <p:clrMapOvr>
     <a:masterClrMapping/>
   </p:clrMapOvr>
-  <mc:AlternateContent xmlns:mc="http://schemas.openxmlformats.org/markup-compatibility/2006" xmlns:p159="http://schemas.microsoft.com/office/powerpoint/2015/09/main">
-    <mc:Choice Requires="p159">
+  <mc:AlternateContent xmlns:mc="http://schemas.openxmlformats.org/markup-compatibility/2006">
+    <mc:Choice xmlns:p159="http://schemas.microsoft.com/office/powerpoint/2015/09/main" Requires="p159">
       <p:transition>
         <p159:morph option="byChar"/>
       </p:transition>
     </mc:Choice>
-    <mc:Fallback xmlns="">
+    <mc:Fallback>
       <p:transition>
         <p:fade/>
       </p:transition>
@@ -19363,10 +19293,10 @@
           <a:lstStyle/>
           <a:p>
             <a:r>
-              <a:rPr lang="en-US" sz="8000" dirty="0"/>
+              <a:rPr lang="en-US" sz="8000"/>
               <a:t>HTML Document Structure &amp; DOM</a:t>
             </a:r>
-            <a:endParaRPr sz="8000" dirty="0"/>
+            <a:endParaRPr sz="8000"/>
           </a:p>
         </p:txBody>
       </p:sp>
@@ -19400,7 +19330,7 @@
           <a:lstStyle/>
           <a:p>
             <a:r>
-              <a:rPr sz="8000" dirty="0"/>
+              <a:rPr sz="8000"/>
               <a:t>02</a:t>
             </a:r>
           </a:p>
@@ -19535,19 +19465,19 @@
             <a:fontRef idx="none"/>
           </p:style>
           <p:txBody>
-            <a:bodyPr wrap="square">
+            <a:bodyPr wrap="square" lIns="91440" tIns="45720" rIns="91440" bIns="45720" anchor="t">
               <a:spAutoFit/>
             </a:bodyPr>
             <a:lstStyle/>
             <a:p>
               <a:pPr algn="just"/>
               <a:r>
-                <a:rPr lang="en-US" sz="4000" dirty="0">
+                <a:rPr lang="en-US" sz="4000">
                   <a:solidFill>
                     <a:schemeClr val="bg1"/>
                   </a:solidFill>
                   <a:latin typeface="Dava Sans (Body)"/>
-                  <a:cs typeface="Cavolini" panose="03000502040302020204" pitchFamily="66" charset="0"/>
+                  <a:cs typeface="Cavolini"/>
                 </a:rPr>
                 <a:t>How Browser Uses DOM</a:t>
               </a:r>
@@ -19558,12 +19488,12 @@
                 <a:buChar char="•"/>
               </a:pPr>
               <a:r>
-                <a:rPr lang="en-US" sz="4000" dirty="0">
-                  <a:solidFill>
-                    <a:schemeClr val="bg2"/>
-                  </a:solidFill>
-                  <a:latin typeface="Dava Sans (Body)"/>
-                  <a:cs typeface="Cavolini" panose="03000502040302020204" pitchFamily="66" charset="0"/>
+                <a:rPr lang="en-US" sz="4000">
+                  <a:solidFill>
+                    <a:schemeClr val="bg2"/>
+                  </a:solidFill>
+                  <a:latin typeface="Dava Sans (Body)"/>
+                  <a:cs typeface="Cavolini"/>
                 </a:rPr>
                 <a:t>Reads HTML Source</a:t>
               </a:r>
@@ -19574,12 +19504,12 @@
                 <a:buChar char="•"/>
               </a:pPr>
               <a:r>
-                <a:rPr lang="en-US" sz="4000" dirty="0">
-                  <a:solidFill>
-                    <a:schemeClr val="bg2"/>
-                  </a:solidFill>
-                  <a:latin typeface="Dava Sans (Body)"/>
-                  <a:cs typeface="Cavolini" panose="03000502040302020204" pitchFamily="66" charset="0"/>
+                <a:rPr lang="en-US" sz="4000">
+                  <a:solidFill>
+                    <a:schemeClr val="bg2"/>
+                  </a:solidFill>
+                  <a:latin typeface="Dava Sans (Body)"/>
+                  <a:cs typeface="Cavolini"/>
                 </a:rPr>
                 <a:t>Converts -&gt; DOM tree (memory)</a:t>
               </a:r>
@@ -19590,12 +19520,12 @@
                 <a:buChar char="•"/>
               </a:pPr>
               <a:r>
-                <a:rPr lang="en-US" sz="4000" dirty="0">
-                  <a:solidFill>
-                    <a:schemeClr val="bg2"/>
-                  </a:solidFill>
-                  <a:latin typeface="Dava Sans (Body)"/>
-                  <a:cs typeface="Cavolini" panose="03000502040302020204" pitchFamily="66" charset="0"/>
+                <a:rPr lang="en-US" sz="4000">
+                  <a:solidFill>
+                    <a:schemeClr val="bg2"/>
+                  </a:solidFill>
+                  <a:latin typeface="Dava Sans (Body)"/>
+                  <a:cs typeface="Cavolini"/>
                 </a:rPr>
                 <a:t>Applies CSS &amp; JS -&gt; renders pixels on screen</a:t>
               </a:r>
@@ -19606,12 +19536,12 @@
                 <a:buChar char="•"/>
               </a:pPr>
               <a:r>
-                <a:rPr lang="en-US" sz="4000" dirty="0">
-                  <a:solidFill>
-                    <a:schemeClr val="bg2"/>
-                  </a:solidFill>
-                  <a:latin typeface="Dava Sans (Body)"/>
-                  <a:cs typeface="Cavolini" panose="03000502040302020204" pitchFamily="66" charset="0"/>
+                <a:rPr lang="en-US" sz="4000">
+                  <a:solidFill>
+                    <a:schemeClr val="bg2"/>
+                  </a:solidFill>
+                  <a:latin typeface="Dava Sans (Body)"/>
+                  <a:cs typeface="Cavolini"/>
                 </a:rPr>
                 <a:t>Inspecting DOM:</a:t>
               </a:r>
@@ -19619,12 +19549,12 @@
             <a:p>
               <a:pPr algn="just"/>
               <a:r>
-                <a:rPr lang="en-US" sz="4000" dirty="0">
-                  <a:solidFill>
-                    <a:schemeClr val="bg2"/>
-                  </a:solidFill>
-                  <a:latin typeface="Dava Sans (Body)"/>
-                  <a:cs typeface="Cavolini" panose="03000502040302020204" pitchFamily="66" charset="0"/>
+                <a:rPr lang="en-US" sz="4000">
+                  <a:solidFill>
+                    <a:schemeClr val="bg2"/>
+                  </a:solidFill>
+                  <a:latin typeface="Dava Sans (Body)"/>
+                  <a:cs typeface="Cavolini"/>
                 </a:rPr>
                 <a:t>	- Right-click -&gt; Inspect -&gt; Elements tab</a:t>
               </a:r>
@@ -19632,14 +19562,14 @@
             <a:p>
               <a:pPr algn="just"/>
               <a:r>
-                <a:rPr lang="en-US" sz="4000" dirty="0">
-                  <a:solidFill>
-                    <a:schemeClr val="bg2"/>
-                  </a:solidFill>
-                  <a:latin typeface="Dava Sans (Body)"/>
-                  <a:cs typeface="Cavolini" panose="03000502040302020204" pitchFamily="66" charset="0"/>
-                </a:rPr>
-                <a:t>	- Shows the live DOM (may differ from your raw HTML -&gt; browser auto-fixes 	errors).</a:t>
+                <a:rPr lang="en-US" sz="4000">
+                  <a:solidFill>
+                    <a:schemeClr val="bg2"/>
+                  </a:solidFill>
+                  <a:latin typeface="Dava Sans (Body)"/>
+                  <a:cs typeface="Cavolini"/>
+                </a:rPr>
+                <a:t>	- Shows the live DOM (may differ from your raw HTML -&gt; browser auto-fixes errors).</a:t>
               </a:r>
             </a:p>
           </p:txBody>
@@ -19655,13 +19585,13 @@
   <p:clrMapOvr>
     <a:masterClrMapping/>
   </p:clrMapOvr>
-  <mc:AlternateContent xmlns:mc="http://schemas.openxmlformats.org/markup-compatibility/2006" xmlns:p159="http://schemas.microsoft.com/office/powerpoint/2015/09/main">
-    <mc:Choice Requires="p159">
+  <mc:AlternateContent xmlns:mc="http://schemas.openxmlformats.org/markup-compatibility/2006">
+    <mc:Choice xmlns:p159="http://schemas.microsoft.com/office/powerpoint/2015/09/main" Requires="p159">
       <p:transition>
         <p159:morph option="byChar"/>
       </p:transition>
     </mc:Choice>
-    <mc:Fallback xmlns="">
+    <mc:Fallback>
       <p:transition>
         <p:fade/>
       </p:transition>
@@ -19811,10 +19741,10 @@
           <a:lstStyle/>
           <a:p>
             <a:r>
-              <a:rPr lang="en-US" sz="8000" dirty="0"/>
+              <a:rPr lang="en-US" sz="8000"/>
               <a:t>HTML Document Structure &amp; DOM</a:t>
             </a:r>
-            <a:endParaRPr sz="8000" dirty="0"/>
+            <a:endParaRPr sz="8000"/>
           </a:p>
         </p:txBody>
       </p:sp>
@@ -19848,7 +19778,7 @@
           <a:lstStyle/>
           <a:p>
             <a:r>
-              <a:rPr sz="8000" dirty="0"/>
+              <a:rPr sz="8000"/>
               <a:t>02</a:t>
             </a:r>
           </a:p>
@@ -19990,7 +19920,7 @@
             <a:p>
               <a:pPr algn="just"/>
               <a:r>
-                <a:rPr lang="en-US" sz="4000" dirty="0">
+                <a:rPr lang="en-US" sz="4000">
                   <a:solidFill>
                     <a:schemeClr val="bg1"/>
                   </a:solidFill>
@@ -20006,7 +19936,7 @@
                 <a:buChar char="•"/>
               </a:pPr>
               <a:r>
-                <a:rPr lang="en-US" sz="4000" b="1" dirty="0">
+                <a:rPr lang="en-US" sz="4000" b="1">
                   <a:solidFill>
                     <a:schemeClr val="bg2"/>
                   </a:solidFill>
@@ -20016,7 +19946,7 @@
                 <a:t>&lt;DOCTYPE html&gt; -</a:t>
               </a:r>
               <a:r>
-                <a:rPr lang="en-US" sz="4000" dirty="0">
+                <a:rPr lang="en-US" sz="4000">
                   <a:solidFill>
                     <a:schemeClr val="bg2"/>
                   </a:solidFill>
@@ -20032,7 +19962,7 @@
                 <a:buChar char="•"/>
               </a:pPr>
               <a:r>
-                <a:rPr lang="en-US" sz="4000" b="1" dirty="0">
+                <a:rPr lang="en-US" sz="4000" b="1">
                   <a:solidFill>
                     <a:schemeClr val="bg2"/>
                   </a:solidFill>
@@ -20042,7 +19972,7 @@
                 <a:t>&lt;html lang=“</a:t>
               </a:r>
               <a:r>
-                <a:rPr lang="en-US" sz="4000" b="1" dirty="0" err="1">
+                <a:rPr lang="en-US" sz="4000" b="1" err="1">
                   <a:solidFill>
                     <a:schemeClr val="bg2"/>
                   </a:solidFill>
@@ -20052,7 +19982,7 @@
                 <a:t>en</a:t>
               </a:r>
               <a:r>
-                <a:rPr lang="en-US" sz="4000" b="1" dirty="0">
+                <a:rPr lang="en-US" sz="4000" b="1">
                   <a:solidFill>
                     <a:schemeClr val="bg2"/>
                   </a:solidFill>
@@ -20062,7 +19992,7 @@
                 <a:t>”&gt; - </a:t>
               </a:r>
               <a:r>
-                <a:rPr lang="en-US" sz="4000" dirty="0">
+                <a:rPr lang="en-US" sz="4000">
                   <a:solidFill>
                     <a:schemeClr val="bg2"/>
                   </a:solidFill>
@@ -20078,7 +20008,7 @@
                 <a:buChar char="•"/>
               </a:pPr>
               <a:r>
-                <a:rPr lang="en-US" sz="4000" b="1" dirty="0">
+                <a:rPr lang="en-US" sz="4000" b="1">
                   <a:solidFill>
                     <a:schemeClr val="bg2"/>
                   </a:solidFill>
@@ -20088,7 +20018,7 @@
                 <a:t>&lt;head&gt; - </a:t>
               </a:r>
               <a:r>
-                <a:rPr lang="en-US" sz="4000" dirty="0">
+                <a:rPr lang="en-US" sz="4000">
                   <a:solidFill>
                     <a:schemeClr val="bg2"/>
                   </a:solidFill>
@@ -20097,7 +20027,7 @@
                 </a:rPr>
                 <a:t>metadata (not visible)</a:t>
               </a:r>
-              <a:endParaRPr lang="en-US" sz="4000" b="1" dirty="0">
+              <a:endParaRPr lang="en-US" sz="4000" b="1">
                 <a:solidFill>
                   <a:schemeClr val="bg2"/>
                 </a:solidFill>
@@ -20108,7 +20038,7 @@
             <a:p>
               <a:pPr algn="just"/>
               <a:r>
-                <a:rPr lang="en-US" sz="4000" b="1" dirty="0">
+                <a:rPr lang="en-US" sz="4000" b="1">
                   <a:solidFill>
                     <a:schemeClr val="bg2"/>
                   </a:solidFill>
@@ -20118,7 +20048,7 @@
                 <a:t>	- &lt;title&gt; </a:t>
               </a:r>
               <a:r>
-                <a:rPr lang="en-US" sz="4000" dirty="0">
+                <a:rPr lang="en-US" sz="4000">
                   <a:solidFill>
                     <a:schemeClr val="bg2"/>
                   </a:solidFill>
@@ -20131,7 +20061,7 @@
             <a:p>
               <a:pPr algn="just"/>
               <a:r>
-                <a:rPr lang="en-US" sz="4000" dirty="0">
+                <a:rPr lang="en-US" sz="4000">
                   <a:solidFill>
                     <a:schemeClr val="bg2"/>
                   </a:solidFill>
@@ -20141,7 +20071,7 @@
                 <a:t>	</a:t>
               </a:r>
               <a:r>
-                <a:rPr lang="en-US" sz="4000" b="1" dirty="0">
+                <a:rPr lang="en-US" sz="4000" b="1">
                   <a:solidFill>
                     <a:schemeClr val="bg2"/>
                   </a:solidFill>
@@ -20151,7 +20081,7 @@
                 <a:t>- &lt;meta&gt; </a:t>
               </a:r>
               <a:r>
-                <a:rPr lang="en-US" sz="4000" dirty="0">
+                <a:rPr lang="en-US" sz="4000">
                   <a:solidFill>
                     <a:schemeClr val="bg2"/>
                   </a:solidFill>
@@ -20164,7 +20094,7 @@
             <a:p>
               <a:pPr algn="just"/>
               <a:r>
-                <a:rPr lang="en-US" sz="4000" dirty="0">
+                <a:rPr lang="en-US" sz="4000">
                   <a:solidFill>
                     <a:schemeClr val="bg2"/>
                   </a:solidFill>
@@ -20174,7 +20104,7 @@
                 <a:t>	</a:t>
               </a:r>
               <a:r>
-                <a:rPr lang="en-US" sz="4000" b="1" dirty="0">
+                <a:rPr lang="en-US" sz="4000" b="1">
                   <a:solidFill>
                     <a:schemeClr val="bg2"/>
                   </a:solidFill>
@@ -20184,7 +20114,7 @@
                 <a:t>- &lt;link&gt; </a:t>
               </a:r>
               <a:r>
-                <a:rPr lang="en-US" sz="4000" dirty="0">
+                <a:rPr lang="en-US" sz="4000">
                   <a:solidFill>
                     <a:schemeClr val="bg2"/>
                   </a:solidFill>
@@ -20197,7 +20127,7 @@
             <a:p>
               <a:pPr algn="just"/>
               <a:r>
-                <a:rPr lang="en-US" sz="4000" dirty="0">
+                <a:rPr lang="en-US" sz="4000">
                   <a:solidFill>
                     <a:schemeClr val="bg2"/>
                   </a:solidFill>
@@ -20207,7 +20137,7 @@
                 <a:t>	</a:t>
               </a:r>
               <a:r>
-                <a:rPr lang="en-US" sz="4000" b="1" dirty="0">
+                <a:rPr lang="en-US" sz="4000" b="1">
                   <a:solidFill>
                     <a:schemeClr val="bg2"/>
                   </a:solidFill>
@@ -20217,7 +20147,7 @@
                 <a:t>- &lt;script&gt; </a:t>
               </a:r>
               <a:r>
-                <a:rPr lang="en-US" sz="4000" dirty="0">
+                <a:rPr lang="en-US" sz="4000">
                   <a:solidFill>
                     <a:schemeClr val="bg2"/>
                   </a:solidFill>
@@ -20233,7 +20163,7 @@
                 <a:buChar char="•"/>
               </a:pPr>
               <a:r>
-                <a:rPr lang="en-US" sz="4000" b="1" dirty="0">
+                <a:rPr lang="en-US" sz="4000" b="1">
                   <a:solidFill>
                     <a:schemeClr val="bg2"/>
                   </a:solidFill>
@@ -20243,7 +20173,7 @@
                 <a:t>&lt;body&gt; - </a:t>
               </a:r>
               <a:r>
-                <a:rPr lang="en-US" sz="4000" dirty="0">
+                <a:rPr lang="en-US" sz="4000">
                   <a:solidFill>
                     <a:schemeClr val="bg2"/>
                   </a:solidFill>
@@ -20253,7 +20183,7 @@
                 <a:t>visible content</a:t>
               </a:r>
               <a:r>
-                <a:rPr lang="en-US" sz="4000" b="1" dirty="0">
+                <a:rPr lang="en-US" sz="4000" b="1">
                   <a:solidFill>
                     <a:schemeClr val="bg2"/>
                   </a:solidFill>
@@ -20263,7 +20193,7 @@
                 <a:t> </a:t>
               </a:r>
               <a:r>
-                <a:rPr lang="en-US" sz="4000" dirty="0">
+                <a:rPr lang="en-US" sz="4000">
                   <a:solidFill>
                     <a:schemeClr val="bg2"/>
                   </a:solidFill>
@@ -20286,13 +20216,13 @@
   <p:clrMapOvr>
     <a:masterClrMapping/>
   </p:clrMapOvr>
-  <mc:AlternateContent xmlns:mc="http://schemas.openxmlformats.org/markup-compatibility/2006" xmlns:p159="http://schemas.microsoft.com/office/powerpoint/2015/09/main">
-    <mc:Choice Requires="p159">
+  <mc:AlternateContent xmlns:mc="http://schemas.openxmlformats.org/markup-compatibility/2006">
+    <mc:Choice xmlns:p159="http://schemas.microsoft.com/office/powerpoint/2015/09/main" Requires="p159">
       <p:transition>
         <p159:morph option="byChar"/>
       </p:transition>
     </mc:Choice>
-    <mc:Fallback xmlns="">
+    <mc:Fallback>
       <p:transition>
         <p:fade/>
       </p:transition>
@@ -20442,10 +20372,10 @@
           <a:lstStyle/>
           <a:p>
             <a:r>
-              <a:rPr lang="en-US" sz="8000" dirty="0"/>
+              <a:rPr lang="en-US" sz="8000"/>
               <a:t>Exercise</a:t>
             </a:r>
-            <a:endParaRPr sz="8000" dirty="0"/>
+            <a:endParaRPr sz="8000"/>
           </a:p>
         </p:txBody>
       </p:sp>
@@ -20479,10 +20409,10 @@
           <a:lstStyle/>
           <a:p>
             <a:r>
-              <a:rPr lang="en-US" sz="8000" dirty="0"/>
+              <a:rPr lang="en-US" sz="8000"/>
               <a:t>*</a:t>
             </a:r>
-            <a:endParaRPr sz="8000" dirty="0"/>
+            <a:endParaRPr sz="8000"/>
           </a:p>
         </p:txBody>
       </p:sp>
@@ -20622,7 +20552,7 @@
             <a:p>
               <a:pPr algn="just"/>
               <a:r>
-                <a:rPr lang="en-US" sz="4000" dirty="0">
+                <a:rPr lang="en-US" sz="4000">
                   <a:solidFill>
                     <a:srgbClr val="FF5640"/>
                   </a:solidFill>
@@ -20631,7 +20561,7 @@
                 </a:rPr>
                 <a:t>Exercise 1</a:t>
               </a:r>
-              <a:endParaRPr lang="en-US" sz="4000" dirty="0">
+              <a:endParaRPr lang="en-US" sz="4000">
                 <a:solidFill>
                   <a:schemeClr val="bg2"/>
                 </a:solidFill>
@@ -20645,7 +20575,7 @@
                 <a:buChar char="•"/>
               </a:pPr>
               <a:r>
-                <a:rPr lang="en-US" sz="4000" dirty="0">
+                <a:rPr lang="en-US" sz="4000">
                   <a:solidFill>
                     <a:schemeClr val="bg2"/>
                   </a:solidFill>
@@ -20661,7 +20591,7 @@
                 <a:buChar char="•"/>
               </a:pPr>
               <a:r>
-                <a:rPr lang="en-US" sz="4000" dirty="0">
+                <a:rPr lang="en-US" sz="4000">
                   <a:solidFill>
                     <a:schemeClr val="bg2"/>
                   </a:solidFill>
@@ -20674,7 +20604,7 @@
             <a:p>
               <a:pPr algn="just"/>
               <a:r>
-                <a:rPr lang="en-US" sz="4000" dirty="0">
+                <a:rPr lang="en-US" sz="4000">
                   <a:solidFill>
                     <a:schemeClr val="bg2"/>
                   </a:solidFill>
@@ -20687,7 +20617,7 @@
             <a:p>
               <a:pPr algn="just"/>
               <a:r>
-                <a:rPr lang="en-US" sz="4000" dirty="0">
+                <a:rPr lang="en-US" sz="4000">
                   <a:solidFill>
                     <a:schemeClr val="bg2"/>
                   </a:solidFill>
@@ -20700,7 +20630,7 @@
             <a:p>
               <a:pPr algn="just"/>
               <a:r>
-                <a:rPr lang="en-US" sz="4000" dirty="0">
+                <a:rPr lang="en-US" sz="4000">
                   <a:solidFill>
                     <a:schemeClr val="bg2"/>
                   </a:solidFill>
@@ -20713,7 +20643,7 @@
             <a:p>
               <a:pPr algn="just"/>
               <a:r>
-                <a:rPr lang="en-US" sz="4000" dirty="0">
+                <a:rPr lang="en-US" sz="4000">
                   <a:solidFill>
                     <a:schemeClr val="bg2"/>
                   </a:solidFill>
@@ -20723,7 +20653,7 @@
                 <a:t>	- Page still loads, but </a:t>
               </a:r>
               <a:r>
-                <a:rPr lang="en-US" sz="4000" dirty="0" err="1">
+                <a:rPr lang="en-US" sz="4000" err="1">
                   <a:solidFill>
                     <a:schemeClr val="bg2"/>
                   </a:solidFill>
@@ -20733,7 +20663,7 @@
                 <a:t>DevTools</a:t>
               </a:r>
               <a:r>
-                <a:rPr lang="en-US" sz="4000" dirty="0">
+                <a:rPr lang="en-US" sz="4000">
                   <a:solidFill>
                     <a:schemeClr val="bg2"/>
                   </a:solidFill>
@@ -20746,7 +20676,7 @@
             <a:p>
               <a:pPr algn="just"/>
               <a:r>
-                <a:rPr lang="en-US" sz="4000" dirty="0">
+                <a:rPr lang="en-US" sz="4000">
                   <a:solidFill>
                     <a:schemeClr val="bg2"/>
                   </a:solidFill>
@@ -20762,7 +20692,7 @@
                 <a:buChar char="•"/>
               </a:pPr>
               <a:r>
-                <a:rPr lang="en-US" sz="4000" dirty="0">
+                <a:rPr lang="en-US" sz="4000">
                   <a:solidFill>
                     <a:schemeClr val="bg2"/>
                   </a:solidFill>
@@ -20917,7 +20847,7 @@
               <a:tabLst/>
             </a:pPr>
             <a:r>
-              <a:rPr kumimoji="0" lang="en-US" altLang="en-US" sz="1800" b="1" i="0" u="none" strike="noStrike" cap="none" normalizeH="0" baseline="0" dirty="0">
+              <a:rPr kumimoji="0" lang="en-US" altLang="en-US" sz="1800" b="1" i="0" u="none" strike="noStrike" cap="none" normalizeH="0" baseline="0">
                 <a:ln>
                   <a:noFill/>
                 </a:ln>
@@ -20929,7 +20859,7 @@
               </a:rPr>
               <a:t>Expected Result</a:t>
             </a:r>
-            <a:endParaRPr kumimoji="0" lang="en-US" altLang="en-US" sz="1800" b="0" i="0" u="none" strike="noStrike" cap="none" normalizeH="0" baseline="0" dirty="0">
+            <a:endParaRPr kumimoji="0" lang="en-US" altLang="en-US" sz="1800" b="0" i="0" u="none" strike="noStrike" cap="none" normalizeH="0" baseline="0">
               <a:ln>
                 <a:noFill/>
               </a:ln>
@@ -20958,7 +20888,7 @@
               <a:tabLst/>
             </a:pPr>
             <a:r>
-              <a:rPr kumimoji="0" lang="en-US" altLang="en-US" sz="1800" b="0" i="0" u="none" strike="noStrike" cap="none" normalizeH="0" baseline="0" dirty="0">
+              <a:rPr kumimoji="0" lang="en-US" altLang="en-US" sz="1800" b="0" i="0" u="none" strike="noStrike" cap="none" normalizeH="0" baseline="0">
                 <a:ln>
                   <a:noFill/>
                 </a:ln>
@@ -20989,7 +20919,7 @@
               <a:tabLst/>
             </a:pPr>
             <a:r>
-              <a:rPr kumimoji="0" lang="en-US" altLang="en-US" sz="1800" b="0" i="0" u="none" strike="noStrike" cap="none" normalizeH="0" baseline="0" dirty="0">
+              <a:rPr kumimoji="0" lang="en-US" altLang="en-US" sz="1800" b="0" i="0" u="none" strike="noStrike" cap="none" normalizeH="0" baseline="0">
                 <a:ln>
                   <a:noFill/>
                 </a:ln>
@@ -21002,7 +20932,7 @@
               <a:t>With Doctype, page uses </a:t>
             </a:r>
             <a:r>
-              <a:rPr kumimoji="0" lang="en-US" altLang="en-US" sz="1800" b="1" i="0" u="none" strike="noStrike" cap="none" normalizeH="0" baseline="0" dirty="0">
+              <a:rPr kumimoji="0" lang="en-US" altLang="en-US" sz="1800" b="1" i="0" u="none" strike="noStrike" cap="none" normalizeH="0" baseline="0">
                 <a:ln>
                   <a:noFill/>
                 </a:ln>
@@ -21015,7 +20945,7 @@
               <a:t>HTML5 standards</a:t>
             </a:r>
             <a:r>
-              <a:rPr kumimoji="0" lang="en-US" altLang="en-US" sz="1800" b="0" i="0" u="none" strike="noStrike" cap="none" normalizeH="0" baseline="0" dirty="0">
+              <a:rPr kumimoji="0" lang="en-US" altLang="en-US" sz="1800" b="0" i="0" u="none" strike="noStrike" cap="none" normalizeH="0" baseline="0">
                 <a:ln>
                   <a:noFill/>
                 </a:ln>
@@ -21045,7 +20975,7 @@
               <a:buNone/>
               <a:tabLst/>
             </a:pPr>
-            <a:endParaRPr kumimoji="0" lang="en-US" altLang="en-US" sz="1800" b="0" i="0" u="none" strike="noStrike" cap="none" normalizeH="0" baseline="0" dirty="0">
+            <a:endParaRPr kumimoji="0" lang="en-US" altLang="en-US" sz="1800" b="0" i="0" u="none" strike="noStrike" cap="none" normalizeH="0" baseline="0">
               <a:ln>
                 <a:noFill/>
               </a:ln>
@@ -21128,13 +21058,13 @@
   <p:clrMapOvr>
     <a:masterClrMapping/>
   </p:clrMapOvr>
-  <mc:AlternateContent xmlns:mc="http://schemas.openxmlformats.org/markup-compatibility/2006" xmlns:p159="http://schemas.microsoft.com/office/powerpoint/2015/09/main">
-    <mc:Choice Requires="p159">
+  <mc:AlternateContent xmlns:mc="http://schemas.openxmlformats.org/markup-compatibility/2006">
+    <mc:Choice xmlns:p159="http://schemas.microsoft.com/office/powerpoint/2015/09/main" Requires="p159">
       <p:transition>
         <p159:morph option="byChar"/>
       </p:transition>
     </mc:Choice>
-    <mc:Fallback xmlns="">
+    <mc:Fallback>
       <p:transition>
         <p:fade/>
       </p:transition>
@@ -21284,10 +21214,10 @@
           <a:lstStyle/>
           <a:p>
             <a:r>
-              <a:rPr lang="en-US" sz="8000" dirty="0"/>
+              <a:rPr lang="en-US" sz="8000"/>
               <a:t>Elements &amp; Semantics</a:t>
             </a:r>
-            <a:endParaRPr sz="8000" dirty="0"/>
+            <a:endParaRPr sz="8000"/>
           </a:p>
         </p:txBody>
       </p:sp>
@@ -21321,7 +21251,7 @@
           <a:lstStyle/>
           <a:p>
             <a:r>
-              <a:rPr sz="8000" dirty="0"/>
+              <a:rPr sz="8000"/>
               <a:t>03</a:t>
             </a:r>
           </a:p>
@@ -21463,7 +21393,7 @@
             <a:p>
               <a:pPr algn="just"/>
               <a:r>
-                <a:rPr lang="en-US" sz="4000" dirty="0">
+                <a:rPr lang="en-US" sz="4000">
                   <a:solidFill>
                     <a:schemeClr val="bg1"/>
                   </a:solidFill>
@@ -21479,7 +21409,7 @@
                 <a:buChar char="•"/>
               </a:pPr>
               <a:r>
-                <a:rPr lang="en-US" sz="4000" b="1" dirty="0">
+                <a:rPr lang="en-US" sz="4000" b="1">
                   <a:solidFill>
                     <a:schemeClr val="bg2"/>
                   </a:solidFill>
@@ -21492,7 +21422,7 @@
             <a:p>
               <a:pPr algn="just"/>
               <a:r>
-                <a:rPr lang="en-US" sz="4000" b="1" dirty="0">
+                <a:rPr lang="en-US" sz="4000" b="1">
                   <a:solidFill>
                     <a:schemeClr val="bg2"/>
                   </a:solidFill>
@@ -21502,7 +21432,7 @@
                 <a:t>	- </a:t>
               </a:r>
               <a:r>
-                <a:rPr lang="en-US" sz="4000" dirty="0">
+                <a:rPr lang="en-US" sz="4000">
                   <a:solidFill>
                     <a:schemeClr val="bg2"/>
                   </a:solidFill>
@@ -21515,7 +21445,7 @@
             <a:p>
               <a:pPr algn="just"/>
               <a:r>
-                <a:rPr lang="en-US" sz="4000" dirty="0">
+                <a:rPr lang="en-US" sz="4000">
                   <a:solidFill>
                     <a:schemeClr val="bg2"/>
                   </a:solidFill>
@@ -21525,7 +21455,7 @@
                 <a:t>	- Void (Empty): &lt;</a:t>
               </a:r>
               <a:r>
-                <a:rPr lang="en-US" sz="4000" dirty="0" err="1">
+                <a:rPr lang="en-US" sz="4000" err="1">
                   <a:solidFill>
                     <a:schemeClr val="bg2"/>
                   </a:solidFill>
@@ -21535,7 +21465,7 @@
                 <a:t>img</a:t>
               </a:r>
               <a:r>
-                <a:rPr lang="en-US" sz="4000" dirty="0">
+                <a:rPr lang="en-US" sz="4000">
                   <a:solidFill>
                     <a:schemeClr val="bg2"/>
                   </a:solidFill>
@@ -21545,7 +21475,7 @@
                 <a:t>&gt;, &lt;</a:t>
               </a:r>
               <a:r>
-                <a:rPr lang="en-US" sz="4000" dirty="0" err="1">
+                <a:rPr lang="en-US" sz="4000" err="1">
                   <a:solidFill>
                     <a:schemeClr val="bg2"/>
                   </a:solidFill>
@@ -21555,7 +21485,7 @@
                 <a:t>br</a:t>
               </a:r>
               <a:r>
-                <a:rPr lang="en-US" sz="4000" dirty="0">
+                <a:rPr lang="en-US" sz="4000">
                   <a:solidFill>
                     <a:schemeClr val="bg2"/>
                   </a:solidFill>
@@ -21565,7 +21495,7 @@
                 <a:t>&gt;, &lt;</a:t>
               </a:r>
               <a:r>
-                <a:rPr lang="en-US" sz="4000" dirty="0" err="1">
+                <a:rPr lang="en-US" sz="4000" err="1">
                   <a:solidFill>
                     <a:schemeClr val="bg2"/>
                   </a:solidFill>
@@ -21575,7 +21505,7 @@
                 <a:t>hr</a:t>
               </a:r>
               <a:r>
-                <a:rPr lang="en-US" sz="4000" dirty="0">
+                <a:rPr lang="en-US" sz="4000">
                   <a:solidFill>
                     <a:schemeClr val="bg2"/>
                   </a:solidFill>
@@ -21588,7 +21518,7 @@
             <a:p>
               <a:pPr algn="just"/>
               <a:r>
-                <a:rPr lang="en-US" sz="4000" dirty="0">
+                <a:rPr lang="en-US" sz="4000">
                   <a:solidFill>
                     <a:schemeClr val="bg2"/>
                   </a:solidFill>
@@ -21597,7 +21527,7 @@
                 </a:rPr>
                 <a:t>	- Void tags stand alone -&gt; no closing tags, no children</a:t>
               </a:r>
-              <a:endParaRPr lang="en-US" sz="4000" b="1" dirty="0">
+              <a:endParaRPr lang="en-US" sz="4000" b="1">
                 <a:solidFill>
                   <a:schemeClr val="bg2"/>
                 </a:solidFill>
@@ -21611,7 +21541,7 @@
                 <a:buChar char="•"/>
               </a:pPr>
               <a:r>
-                <a:rPr lang="en-US" sz="4000" b="1" dirty="0">
+                <a:rPr lang="en-US" sz="4000" b="1">
                   <a:solidFill>
                     <a:schemeClr val="bg2"/>
                   </a:solidFill>
@@ -21624,7 +21554,7 @@
             <a:p>
               <a:pPr algn="just"/>
               <a:r>
-                <a:rPr lang="en-US" sz="4000" b="1" dirty="0">
+                <a:rPr lang="en-US" sz="4000" b="1">
                   <a:solidFill>
                     <a:schemeClr val="bg2"/>
                   </a:solidFill>
@@ -21634,7 +21564,7 @@
                 <a:t>	</a:t>
               </a:r>
               <a:r>
-                <a:rPr lang="en-US" sz="4000" dirty="0">
+                <a:rPr lang="en-US" sz="4000">
                   <a:solidFill>
                     <a:schemeClr val="bg2"/>
                   </a:solidFill>
@@ -21647,7 +21577,7 @@
             <a:p>
               <a:pPr algn="just"/>
               <a:r>
-                <a:rPr lang="en-US" sz="4000" b="1" dirty="0">
+                <a:rPr lang="en-US" sz="4000" b="1">
                   <a:solidFill>
                     <a:schemeClr val="bg2"/>
                   </a:solidFill>
@@ -21657,7 +21587,7 @@
                 <a:t>	</a:t>
               </a:r>
               <a:r>
-                <a:rPr lang="en-US" sz="4000" dirty="0">
+                <a:rPr lang="en-US" sz="4000">
                   <a:solidFill>
                     <a:schemeClr val="bg2"/>
                   </a:solidFill>
@@ -21670,7 +21600,7 @@
             <a:p>
               <a:pPr algn="just"/>
               <a:r>
-                <a:rPr lang="en-US" sz="4000" b="1" dirty="0">
+                <a:rPr lang="en-US" sz="4000" b="1">
                   <a:solidFill>
                     <a:schemeClr val="bg2"/>
                   </a:solidFill>
@@ -21680,7 +21610,7 @@
                 <a:t>	- </a:t>
               </a:r>
               <a:r>
-                <a:rPr lang="en-US" sz="4000" dirty="0">
+                <a:rPr lang="en-US" sz="4000">
                   <a:solidFill>
                     <a:schemeClr val="bg2"/>
                   </a:solidFill>
@@ -21689,7 +21619,7 @@
                 </a:rPr>
                 <a:t>&lt;span&gt; -&gt; inline container (style/script part of text)</a:t>
               </a:r>
-              <a:endParaRPr lang="en-US" sz="4000" b="1" dirty="0">
+              <a:endParaRPr lang="en-US" sz="4000" b="1">
                 <a:solidFill>
                   <a:schemeClr val="bg2"/>
                 </a:solidFill>
@@ -21710,13 +21640,13 @@
   <p:clrMapOvr>
     <a:masterClrMapping/>
   </p:clrMapOvr>
-  <mc:AlternateContent xmlns:mc="http://schemas.openxmlformats.org/markup-compatibility/2006" xmlns:p159="http://schemas.microsoft.com/office/powerpoint/2015/09/main">
-    <mc:Choice Requires="p159">
+  <mc:AlternateContent xmlns:mc="http://schemas.openxmlformats.org/markup-compatibility/2006">
+    <mc:Choice xmlns:p159="http://schemas.microsoft.com/office/powerpoint/2015/09/main" Requires="p159">
       <p:transition>
         <p159:morph option="byChar"/>
       </p:transition>
     </mc:Choice>
-    <mc:Fallback xmlns="">
+    <mc:Fallback>
       <p:transition>
         <p:fade/>
       </p:transition>
@@ -24247,6 +24177,15 @@
 </file>
 
 <file path=customXml/item1.xml><?xml version="1.0" encoding="utf-8"?>
+<?mso-contentType ?>
+<FormTemplates xmlns="http://schemas.microsoft.com/sharepoint/v3/contenttype/forms">
+  <Display>DocumentLibraryForm</Display>
+  <Edit>DocumentLibraryForm</Edit>
+  <New>DocumentLibraryForm</New>
+</FormTemplates>
+</file>
+
+<file path=customXml/item2.xml><?xml version="1.0" encoding="utf-8"?>
 <ct:contentTypeSchema xmlns:ct="http://schemas.microsoft.com/office/2006/metadata/contentType" xmlns:ma="http://schemas.microsoft.com/office/2006/metadata/properties/metaAttributes" ct:_="" ma:_="" ma:contentTypeName="Document" ma:contentTypeID="0x0101004480604E87DF5041BD15CB4F557B211A" ma:contentTypeVersion="14" ma:contentTypeDescription="Create a new document." ma:contentTypeScope="" ma:versionID="a88e8bb0e7879107f0c07aadaf23de07">
   <xsd:schema xmlns:xsd="http://www.w3.org/2001/XMLSchema" xmlns:xs="http://www.w3.org/2001/XMLSchema" xmlns:p="http://schemas.microsoft.com/office/2006/metadata/properties" xmlns:ns2="78d364d5-28b3-46f0-8b40-ad8c9edf605c" xmlns:ns3="108da2a4-3037-4d7a-bf12-b2714ae87fcf" targetNamespace="http://schemas.microsoft.com/office/2006/metadata/properties" ma:root="true" ma:fieldsID="3b8936104071a705397c97e62d45e3af" ns2:_="" ns3:_="">
     <xsd:import namespace="78d364d5-28b3-46f0-8b40-ad8c9edf605c"/>
@@ -24475,16 +24414,15 @@
 </ct:contentTypeSchema>
 </file>
 
-<file path=customXml/item2.xml><?xml version="1.0" encoding="utf-8"?>
-<?mso-contentType ?>
-<FormTemplates xmlns="http://schemas.microsoft.com/sharepoint/v3/contenttype/forms">
-  <Display>DocumentLibraryForm</Display>
-  <Edit>DocumentLibraryForm</Edit>
-  <New>DocumentLibraryForm</New>
-</FormTemplates>
+<file path=customXml/itemProps1.xml><?xml version="1.0" encoding="utf-8"?>
+<ds:datastoreItem xmlns:ds="http://schemas.openxmlformats.org/officeDocument/2006/customXml" ds:itemID="{154546E5-6158-445B-86FA-D0CB17A6BF05}">
+  <ds:schemaRefs>
+    <ds:schemaRef ds:uri="http://schemas.microsoft.com/sharepoint/v3/contenttype/forms"/>
+  </ds:schemaRefs>
+</ds:datastoreItem>
 </file>
 
-<file path=customXml/itemProps1.xml><?xml version="1.0" encoding="utf-8"?>
+<file path=customXml/itemProps2.xml><?xml version="1.0" encoding="utf-8"?>
 <ds:datastoreItem xmlns:ds="http://schemas.openxmlformats.org/officeDocument/2006/customXml" ds:itemID="{8AC872FA-4377-438C-B264-583FE67DC013}">
   <ds:schemaRefs>
     <ds:schemaRef ds:uri="108da2a4-3037-4d7a-bf12-b2714ae87fcf"/>
@@ -24501,12 +24439,4 @@
     <ds:schemaRef ds:uri="http://www.w3.org/2001/XMLSchema"/>
   </ds:schemaRefs>
 </ds:datastoreItem>
-</file>
-
-<file path=customXml/itemProps2.xml><?xml version="1.0" encoding="utf-8"?>
-<ds:datastoreItem xmlns:ds="http://schemas.openxmlformats.org/officeDocument/2006/customXml" ds:itemID="{154546E5-6158-445B-86FA-D0CB17A6BF05}">
-  <ds:schemaRefs>
-    <ds:schemaRef ds:uri="http://schemas.microsoft.com/sharepoint/v3/contenttype/forms"/>
-  </ds:schemaRefs>
-</ds:datastoreItem>
 </file>
--- a/2025/Training Materials/HTML.pptx
+++ b/2025/Training Materials/HTML.pptx
@@ -40,7 +40,7 @@
   <p:notesSz cx="6858000" cy="9144000"/>
   <p:embeddedFontLst>
     <p:embeddedFont>
-      <p:font typeface="Dava Sans" pitchFamily="2" charset="0"/>
+      <p:font typeface="Dava Sans" panose="020B0604020202020204" charset="0"/>
       <p:regular r:id="rId30"/>
       <p:bold r:id="rId31"/>
       <p:italic r:id="rId32"/>
@@ -52,16 +52,16 @@
       <p:italic r:id="rId35"/>
     </p:embeddedFont>
     <p:embeddedFont>
-      <p:font typeface="MartianMono NF" panose="020B0009020000000004" pitchFamily="49" charset="0"/>
+      <p:font typeface="MartianMono NF" panose="020B0604020202020204" charset="0"/>
       <p:regular r:id="rId36"/>
       <p:bold r:id="rId37"/>
     </p:embeddedFont>
     <p:embeddedFont>
-      <p:font typeface="Poppins Regular" panose="00000500000000000000" charset="0"/>
+      <p:font typeface="Poppins Regular" panose="020B0604020202020204" charset="0"/>
       <p:regular r:id="rId38"/>
     </p:embeddedFont>
     <p:embeddedFont>
-      <p:font typeface="Poppins SemiBold" panose="00000700000000000000" pitchFamily="2" charset="0"/>
+      <p:font typeface="Poppins SemiBold" panose="020B0604020202020204" charset="0"/>
       <p:bold r:id="rId39"/>
       <p:boldItalic r:id="rId40"/>
     </p:embeddedFont>
@@ -432,6 +432,30 @@
 <file path=ppt/changesInfos/changesInfo1.xml><?xml version="1.0" encoding="utf-8"?>
 <pc:chgInfo xmlns:a="http://schemas.openxmlformats.org/drawingml/2006/main" xmlns:r="http://schemas.openxmlformats.org/officeDocument/2006/relationships" xmlns:ac="http://schemas.microsoft.com/office/drawing/2013/main/command" xmlns:pc="http://schemas.microsoft.com/office/powerpoint/2013/main/command">
   <pc:docChgLst>
+    <pc:chgData name="Bantwal Hebbahalasinakate, Mayur Pai" userId="754cdd8c-0ff8-48ba-be35-c2e80932eaf7" providerId="ADAL" clId="{69288EDD-EE3A-49B5-BC7B-07E719CBEE47}"/>
+    <pc:docChg chg="modSld">
+      <pc:chgData name="Bantwal Hebbahalasinakate, Mayur Pai" userId="754cdd8c-0ff8-48ba-be35-c2e80932eaf7" providerId="ADAL" clId="{69288EDD-EE3A-49B5-BC7B-07E719CBEE47}" dt="2025-09-01T07:20:35.836" v="3" actId="207"/>
+      <pc:docMkLst>
+        <pc:docMk/>
+      </pc:docMkLst>
+      <pc:sldChg chg="modSp mod">
+        <pc:chgData name="Bantwal Hebbahalasinakate, Mayur Pai" userId="754cdd8c-0ff8-48ba-be35-c2e80932eaf7" providerId="ADAL" clId="{69288EDD-EE3A-49B5-BC7B-07E719CBEE47}" dt="2025-09-01T07:20:35.836" v="3" actId="207"/>
+        <pc:sldMkLst>
+          <pc:docMk/>
+          <pc:sldMk cId="147234377" sldId="546"/>
+        </pc:sldMkLst>
+        <pc:spChg chg="mod">
+          <ac:chgData name="Bantwal Hebbahalasinakate, Mayur Pai" userId="754cdd8c-0ff8-48ba-be35-c2e80932eaf7" providerId="ADAL" clId="{69288EDD-EE3A-49B5-BC7B-07E719CBEE47}" dt="2025-09-01T07:20:35.836" v="3" actId="207"/>
+          <ac:spMkLst>
+            <pc:docMk/>
+            <pc:sldMk cId="147234377" sldId="546"/>
+            <ac:spMk id="8" creationId="{7B63759D-EABF-6E7E-5BE5-05AAF67B6A9B}"/>
+          </ac:spMkLst>
+        </pc:spChg>
+      </pc:sldChg>
+    </pc:docChg>
+  </pc:docChgLst>
+  <pc:docChgLst>
     <pc:chgData name="Boddepalli, Lavanya" userId="eaf4ee7c-b98b-41d0-a1e8-50a4f8a9dce3" providerId="ADAL" clId="{18BF8EDD-5EAE-40A0-AD20-7ADCA19C85DA}"/>
     <pc:docChg chg="undo custSel addSld modSld sldOrd modSection">
       <pc:chgData name="Boddepalli, Lavanya" userId="eaf4ee7c-b98b-41d0-a1e8-50a4f8a9dce3" providerId="ADAL" clId="{18BF8EDD-5EAE-40A0-AD20-7ADCA19C85DA}" dt="2025-08-19T04:55:43.935" v="4828" actId="20577"/>
@@ -729,6 +753,37 @@
             <ac:picMk id="3" creationId="{49E15347-4294-1A9F-8141-77D00DC9BFFC}"/>
           </ac:picMkLst>
         </pc:picChg>
+      </pc:sldChg>
+    </pc:docChg>
+  </pc:docChgLst>
+  <pc:docChgLst>
+    <pc:chgData name="Busanahalli Ravindra, Chandu" userId="S::cravindra@galaxe.com::204bb649-37ac-4aea-a87f-9cc4c7ec101b" providerId="AD" clId="Web-{1AD00DD1-F6D2-D466-1B1F-E23BCF46DBD1}"/>
+    <pc:docChg chg="modSld sldOrd">
+      <pc:chgData name="Busanahalli Ravindra, Chandu" userId="S::cravindra@galaxe.com::204bb649-37ac-4aea-a87f-9cc4c7ec101b" providerId="AD" clId="Web-{1AD00DD1-F6D2-D466-1B1F-E23BCF46DBD1}" dt="2025-09-01T05:56:11.743" v="2" actId="1076"/>
+      <pc:docMkLst>
+        <pc:docMk/>
+      </pc:docMkLst>
+      <pc:sldChg chg="modSp">
+        <pc:chgData name="Busanahalli Ravindra, Chandu" userId="S::cravindra@galaxe.com::204bb649-37ac-4aea-a87f-9cc4c7ec101b" providerId="AD" clId="Web-{1AD00DD1-F6D2-D466-1B1F-E23BCF46DBD1}" dt="2025-09-01T05:56:11.743" v="2" actId="1076"/>
+        <pc:sldMkLst>
+          <pc:docMk/>
+          <pc:sldMk cId="980947457" sldId="530"/>
+        </pc:sldMkLst>
+        <pc:grpChg chg="mod">
+          <ac:chgData name="Busanahalli Ravindra, Chandu" userId="S::cravindra@galaxe.com::204bb649-37ac-4aea-a87f-9cc4c7ec101b" providerId="AD" clId="Web-{1AD00DD1-F6D2-D466-1B1F-E23BCF46DBD1}" dt="2025-09-01T05:56:11.743" v="2" actId="1076"/>
+          <ac:grpSpMkLst>
+            <pc:docMk/>
+            <pc:sldMk cId="980947457" sldId="530"/>
+            <ac:grpSpMk id="11" creationId="{D9DEB5A7-D602-09B8-12AF-58E4EEBB3105}"/>
+          </ac:grpSpMkLst>
+        </pc:grpChg>
+      </pc:sldChg>
+      <pc:sldChg chg="ord">
+        <pc:chgData name="Busanahalli Ravindra, Chandu" userId="S::cravindra@galaxe.com::204bb649-37ac-4aea-a87f-9cc4c7ec101b" providerId="AD" clId="Web-{1AD00DD1-F6D2-D466-1B1F-E23BCF46DBD1}" dt="2025-09-01T05:41:44.875" v="0"/>
+        <pc:sldMkLst>
+          <pc:docMk/>
+          <pc:sldMk cId="678539276" sldId="535"/>
+        </pc:sldMkLst>
       </pc:sldChg>
     </pc:docChg>
   </pc:docChgLst>
@@ -1877,6 +1932,53 @@
     </pc:docChg>
   </pc:docChgLst>
   <pc:docChgLst>
+    <pc:chgData name="Boddepalli, Lavanya" userId="S::lboddepalli@galaxe.com::eaf4ee7c-b98b-41d0-a1e8-50a4f8a9dce3" providerId="AD" clId="Web-{F67A3FC5-2D32-4E7C-72F3-ED5287D4B67B}"/>
+    <pc:docChg chg="modSld">
+      <pc:chgData name="Boddepalli, Lavanya" userId="S::lboddepalli@galaxe.com::eaf4ee7c-b98b-41d0-a1e8-50a4f8a9dce3" providerId="AD" clId="Web-{F67A3FC5-2D32-4E7C-72F3-ED5287D4B67B}" dt="2025-09-01T06:58:44.477" v="42" actId="20577"/>
+      <pc:docMkLst>
+        <pc:docMk/>
+      </pc:docMkLst>
+      <pc:sldChg chg="modSp">
+        <pc:chgData name="Boddepalli, Lavanya" userId="S::lboddepalli@galaxe.com::eaf4ee7c-b98b-41d0-a1e8-50a4f8a9dce3" providerId="AD" clId="Web-{F67A3FC5-2D32-4E7C-72F3-ED5287D4B67B}" dt="2025-09-01T06:57:18.523" v="34" actId="20577"/>
+        <pc:sldMkLst>
+          <pc:docMk/>
+          <pc:sldMk cId="166880163" sldId="526"/>
+        </pc:sldMkLst>
+        <pc:spChg chg="mod">
+          <ac:chgData name="Boddepalli, Lavanya" userId="S::lboddepalli@galaxe.com::eaf4ee7c-b98b-41d0-a1e8-50a4f8a9dce3" providerId="AD" clId="Web-{F67A3FC5-2D32-4E7C-72F3-ED5287D4B67B}" dt="2025-09-01T06:57:18.523" v="34" actId="20577"/>
+          <ac:spMkLst>
+            <pc:docMk/>
+            <pc:sldMk cId="166880163" sldId="526"/>
+            <ac:spMk id="8" creationId="{8D73BA16-1EB3-583D-FE99-CD2FDC72461A}"/>
+          </ac:spMkLst>
+        </pc:spChg>
+        <pc:picChg chg="mod">
+          <ac:chgData name="Boddepalli, Lavanya" userId="S::lboddepalli@galaxe.com::eaf4ee7c-b98b-41d0-a1e8-50a4f8a9dce3" providerId="AD" clId="Web-{F67A3FC5-2D32-4E7C-72F3-ED5287D4B67B}" dt="2025-09-01T06:56:48.460" v="32" actId="1076"/>
+          <ac:picMkLst>
+            <pc:docMk/>
+            <pc:sldMk cId="166880163" sldId="526"/>
+            <ac:picMk id="5" creationId="{8F28A861-0135-388E-BE1B-A0804A69B884}"/>
+          </ac:picMkLst>
+        </pc:picChg>
+      </pc:sldChg>
+      <pc:sldChg chg="modSp">
+        <pc:chgData name="Boddepalli, Lavanya" userId="S::lboddepalli@galaxe.com::eaf4ee7c-b98b-41d0-a1e8-50a4f8a9dce3" providerId="AD" clId="Web-{F67A3FC5-2D32-4E7C-72F3-ED5287D4B67B}" dt="2025-09-01T06:58:44.477" v="42" actId="20577"/>
+        <pc:sldMkLst>
+          <pc:docMk/>
+          <pc:sldMk cId="221593116" sldId="527"/>
+        </pc:sldMkLst>
+        <pc:spChg chg="mod">
+          <ac:chgData name="Boddepalli, Lavanya" userId="S::lboddepalli@galaxe.com::eaf4ee7c-b98b-41d0-a1e8-50a4f8a9dce3" providerId="AD" clId="Web-{F67A3FC5-2D32-4E7C-72F3-ED5287D4B67B}" dt="2025-09-01T06:58:44.477" v="42" actId="20577"/>
+          <ac:spMkLst>
+            <pc:docMk/>
+            <pc:sldMk cId="221593116" sldId="527"/>
+            <ac:spMk id="8" creationId="{C0772E2D-70A2-A691-CF6E-F2347150B444}"/>
+          </ac:spMkLst>
+        </pc:spChg>
+      </pc:sldChg>
+    </pc:docChg>
+  </pc:docChgLst>
+  <pc:docChgLst>
     <pc:chgData name="Bantwal Hebbahalasinakate, Mayur Pai" userId="754cdd8c-0ff8-48ba-be35-c2e80932eaf7" providerId="ADAL" clId="{5703FC0A-0008-45B5-AEF5-C27D1505EEC7}"/>
     <pc:docChg chg="undo redo custSel addSld delSld modSld modSection">
       <pc:chgData name="Bantwal Hebbahalasinakate, Mayur Pai" userId="754cdd8c-0ff8-48ba-be35-c2e80932eaf7" providerId="ADAL" clId="{5703FC0A-0008-45B5-AEF5-C27D1505EEC7}" dt="2025-08-25T10:40:29.231" v="456" actId="20577"/>
@@ -2254,108 +2356,6 @@
             <ac:picMk id="3" creationId="{119D44B0-3D2B-C9F5-5731-C64F7ADEF51E}"/>
           </ac:picMkLst>
         </pc:picChg>
-      </pc:sldChg>
-    </pc:docChg>
-  </pc:docChgLst>
-  <pc:docChgLst>
-    <pc:chgData name="Bantwal Hebbahalasinakate, Mayur Pai" userId="754cdd8c-0ff8-48ba-be35-c2e80932eaf7" providerId="ADAL" clId="{69288EDD-EE3A-49B5-BC7B-07E719CBEE47}"/>
-    <pc:docChg chg="modSld">
-      <pc:chgData name="Bantwal Hebbahalasinakate, Mayur Pai" userId="754cdd8c-0ff8-48ba-be35-c2e80932eaf7" providerId="ADAL" clId="{69288EDD-EE3A-49B5-BC7B-07E719CBEE47}" dt="2025-09-01T07:20:35.836" v="3" actId="207"/>
-      <pc:docMkLst>
-        <pc:docMk/>
-      </pc:docMkLst>
-      <pc:sldChg chg="modSp mod">
-        <pc:chgData name="Bantwal Hebbahalasinakate, Mayur Pai" userId="754cdd8c-0ff8-48ba-be35-c2e80932eaf7" providerId="ADAL" clId="{69288EDD-EE3A-49B5-BC7B-07E719CBEE47}" dt="2025-09-01T07:20:35.836" v="3" actId="207"/>
-        <pc:sldMkLst>
-          <pc:docMk/>
-          <pc:sldMk cId="147234377" sldId="546"/>
-        </pc:sldMkLst>
-        <pc:spChg chg="mod">
-          <ac:chgData name="Bantwal Hebbahalasinakate, Mayur Pai" userId="754cdd8c-0ff8-48ba-be35-c2e80932eaf7" providerId="ADAL" clId="{69288EDD-EE3A-49B5-BC7B-07E719CBEE47}" dt="2025-09-01T07:20:35.836" v="3" actId="207"/>
-          <ac:spMkLst>
-            <pc:docMk/>
-            <pc:sldMk cId="147234377" sldId="546"/>
-            <ac:spMk id="8" creationId="{7B63759D-EABF-6E7E-5BE5-05AAF67B6A9B}"/>
-          </ac:spMkLst>
-        </pc:spChg>
-      </pc:sldChg>
-    </pc:docChg>
-  </pc:docChgLst>
-  <pc:docChgLst>
-    <pc:chgData name="Boddepalli, Lavanya" userId="S::lboddepalli@galaxe.com::eaf4ee7c-b98b-41d0-a1e8-50a4f8a9dce3" providerId="AD" clId="Web-{F67A3FC5-2D32-4E7C-72F3-ED5287D4B67B}"/>
-    <pc:docChg chg="modSld">
-      <pc:chgData name="Boddepalli, Lavanya" userId="S::lboddepalli@galaxe.com::eaf4ee7c-b98b-41d0-a1e8-50a4f8a9dce3" providerId="AD" clId="Web-{F67A3FC5-2D32-4E7C-72F3-ED5287D4B67B}" dt="2025-09-01T06:58:44.477" v="42" actId="20577"/>
-      <pc:docMkLst>
-        <pc:docMk/>
-      </pc:docMkLst>
-      <pc:sldChg chg="modSp">
-        <pc:chgData name="Boddepalli, Lavanya" userId="S::lboddepalli@galaxe.com::eaf4ee7c-b98b-41d0-a1e8-50a4f8a9dce3" providerId="AD" clId="Web-{F67A3FC5-2D32-4E7C-72F3-ED5287D4B67B}" dt="2025-09-01T06:57:18.523" v="34" actId="20577"/>
-        <pc:sldMkLst>
-          <pc:docMk/>
-          <pc:sldMk cId="166880163" sldId="526"/>
-        </pc:sldMkLst>
-        <pc:spChg chg="mod">
-          <ac:chgData name="Boddepalli, Lavanya" userId="S::lboddepalli@galaxe.com::eaf4ee7c-b98b-41d0-a1e8-50a4f8a9dce3" providerId="AD" clId="Web-{F67A3FC5-2D32-4E7C-72F3-ED5287D4B67B}" dt="2025-09-01T06:57:18.523" v="34" actId="20577"/>
-          <ac:spMkLst>
-            <pc:docMk/>
-            <pc:sldMk cId="166880163" sldId="526"/>
-            <ac:spMk id="8" creationId="{8D73BA16-1EB3-583D-FE99-CD2FDC72461A}"/>
-          </ac:spMkLst>
-        </pc:spChg>
-        <pc:picChg chg="mod">
-          <ac:chgData name="Boddepalli, Lavanya" userId="S::lboddepalli@galaxe.com::eaf4ee7c-b98b-41d0-a1e8-50a4f8a9dce3" providerId="AD" clId="Web-{F67A3FC5-2D32-4E7C-72F3-ED5287D4B67B}" dt="2025-09-01T06:56:48.460" v="32" actId="1076"/>
-          <ac:picMkLst>
-            <pc:docMk/>
-            <pc:sldMk cId="166880163" sldId="526"/>
-            <ac:picMk id="5" creationId="{8F28A861-0135-388E-BE1B-A0804A69B884}"/>
-          </ac:picMkLst>
-        </pc:picChg>
-      </pc:sldChg>
-      <pc:sldChg chg="modSp">
-        <pc:chgData name="Boddepalli, Lavanya" userId="S::lboddepalli@galaxe.com::eaf4ee7c-b98b-41d0-a1e8-50a4f8a9dce3" providerId="AD" clId="Web-{F67A3FC5-2D32-4E7C-72F3-ED5287D4B67B}" dt="2025-09-01T06:58:44.477" v="42" actId="20577"/>
-        <pc:sldMkLst>
-          <pc:docMk/>
-          <pc:sldMk cId="221593116" sldId="527"/>
-        </pc:sldMkLst>
-        <pc:spChg chg="mod">
-          <ac:chgData name="Boddepalli, Lavanya" userId="S::lboddepalli@galaxe.com::eaf4ee7c-b98b-41d0-a1e8-50a4f8a9dce3" providerId="AD" clId="Web-{F67A3FC5-2D32-4E7C-72F3-ED5287D4B67B}" dt="2025-09-01T06:58:44.477" v="42" actId="20577"/>
-          <ac:spMkLst>
-            <pc:docMk/>
-            <pc:sldMk cId="221593116" sldId="527"/>
-            <ac:spMk id="8" creationId="{C0772E2D-70A2-A691-CF6E-F2347150B444}"/>
-          </ac:spMkLst>
-        </pc:spChg>
-      </pc:sldChg>
-    </pc:docChg>
-  </pc:docChgLst>
-  <pc:docChgLst>
-    <pc:chgData name="Busanahalli Ravindra, Chandu" userId="S::cravindra@galaxe.com::204bb649-37ac-4aea-a87f-9cc4c7ec101b" providerId="AD" clId="Web-{1AD00DD1-F6D2-D466-1B1F-E23BCF46DBD1}"/>
-    <pc:docChg chg="modSld sldOrd">
-      <pc:chgData name="Busanahalli Ravindra, Chandu" userId="S::cravindra@galaxe.com::204bb649-37ac-4aea-a87f-9cc4c7ec101b" providerId="AD" clId="Web-{1AD00DD1-F6D2-D466-1B1F-E23BCF46DBD1}" dt="2025-09-01T05:56:11.743" v="2" actId="1076"/>
-      <pc:docMkLst>
-        <pc:docMk/>
-      </pc:docMkLst>
-      <pc:sldChg chg="modSp">
-        <pc:chgData name="Busanahalli Ravindra, Chandu" userId="S::cravindra@galaxe.com::204bb649-37ac-4aea-a87f-9cc4c7ec101b" providerId="AD" clId="Web-{1AD00DD1-F6D2-D466-1B1F-E23BCF46DBD1}" dt="2025-09-01T05:56:11.743" v="2" actId="1076"/>
-        <pc:sldMkLst>
-          <pc:docMk/>
-          <pc:sldMk cId="980947457" sldId="530"/>
-        </pc:sldMkLst>
-        <pc:grpChg chg="mod">
-          <ac:chgData name="Busanahalli Ravindra, Chandu" userId="S::cravindra@galaxe.com::204bb649-37ac-4aea-a87f-9cc4c7ec101b" providerId="AD" clId="Web-{1AD00DD1-F6D2-D466-1B1F-E23BCF46DBD1}" dt="2025-09-01T05:56:11.743" v="2" actId="1076"/>
-          <ac:grpSpMkLst>
-            <pc:docMk/>
-            <pc:sldMk cId="980947457" sldId="530"/>
-            <ac:grpSpMk id="11" creationId="{D9DEB5A7-D602-09B8-12AF-58E4EEBB3105}"/>
-          </ac:grpSpMkLst>
-        </pc:grpChg>
-      </pc:sldChg>
-      <pc:sldChg chg="ord">
-        <pc:chgData name="Busanahalli Ravindra, Chandu" userId="S::cravindra@galaxe.com::204bb649-37ac-4aea-a87f-9cc4c7ec101b" providerId="AD" clId="Web-{1AD00DD1-F6D2-D466-1B1F-E23BCF46DBD1}" dt="2025-09-01T05:41:44.875" v="0"/>
-        <pc:sldMkLst>
-          <pc:docMk/>
-          <pc:sldMk cId="678539276" sldId="535"/>
-        </pc:sldMkLst>
       </pc:sldChg>
     </pc:docChg>
   </pc:docChgLst>
@@ -3458,13 +3458,13 @@
   <p:clrMapOvr>
     <a:masterClrMapping/>
   </p:clrMapOvr>
-  <mc:AlternateContent xmlns:mc="http://schemas.openxmlformats.org/markup-compatibility/2006" xmlns:p159="http://schemas.microsoft.com/office/powerpoint/2015/09/main">
-    <mc:Choice Requires="p159">
+  <mc:AlternateContent xmlns:mc="http://schemas.openxmlformats.org/markup-compatibility/2006">
+    <mc:Choice xmlns:p159="http://schemas.microsoft.com/office/powerpoint/2015/09/main" Requires="p159">
       <p:transition>
         <p159:morph option="byChar"/>
       </p:transition>
     </mc:Choice>
-    <mc:Fallback xmlns="">
+    <mc:Fallback>
       <p:transition>
         <p:fade/>
       </p:transition>
@@ -3586,13 +3586,13 @@
   <p:clrMapOvr>
     <a:masterClrMapping/>
   </p:clrMapOvr>
-  <mc:AlternateContent xmlns:mc="http://schemas.openxmlformats.org/markup-compatibility/2006" xmlns:p159="http://schemas.microsoft.com/office/powerpoint/2015/09/main">
-    <mc:Choice Requires="p159">
+  <mc:AlternateContent xmlns:mc="http://schemas.openxmlformats.org/markup-compatibility/2006">
+    <mc:Choice xmlns:p159="http://schemas.microsoft.com/office/powerpoint/2015/09/main" Requires="p159">
       <p:transition>
         <p159:morph option="byChar"/>
       </p:transition>
     </mc:Choice>
-    <mc:Fallback xmlns="">
+    <mc:Fallback>
       <p:transition>
         <p:fade/>
       </p:transition>
@@ -3680,7 +3680,7 @@
           </a:ln>
           <a:extLst>
             <a:ext uri="{C572A759-6A51-4108-AA02-DFA0A04FC94B}">
-              <ma14:wrappingTextBoxFlag xmlns="" xmlns:ma14="http://schemas.microsoft.com/office/mac/drawingml/2011/main" xmlns:a14="http://schemas.microsoft.com/office/drawing/2010/main" xmlns:m="http://schemas.openxmlformats.org/officeDocument/2006/math" val="1"/>
+              <ma14:wrappingTextBoxFlag xmlns:m="http://schemas.openxmlformats.org/officeDocument/2006/math" xmlns:a14="http://schemas.microsoft.com/office/drawing/2010/main" xmlns:ma14="http://schemas.microsoft.com/office/mac/drawingml/2011/main" xmlns="" val="1"/>
             </a:ext>
           </a:extLst>
         </p:spPr>
@@ -3758,7 +3758,7 @@
           </a:ln>
           <a:extLst>
             <a:ext uri="{C572A759-6A51-4108-AA02-DFA0A04FC94B}">
-              <ma14:wrappingTextBoxFlag xmlns="" xmlns:ma14="http://schemas.microsoft.com/office/mac/drawingml/2011/main" xmlns:a14="http://schemas.microsoft.com/office/drawing/2010/main" xmlns:m="http://schemas.openxmlformats.org/officeDocument/2006/math" val="1"/>
+              <ma14:wrappingTextBoxFlag xmlns:m="http://schemas.openxmlformats.org/officeDocument/2006/math" xmlns:a14="http://schemas.microsoft.com/office/drawing/2010/main" xmlns:ma14="http://schemas.microsoft.com/office/mac/drawingml/2011/main" xmlns="" val="1"/>
             </a:ext>
           </a:extLst>
         </p:spPr>
@@ -4312,13 +4312,13 @@
   <p:clrMapOvr>
     <a:masterClrMapping/>
   </p:clrMapOvr>
-  <mc:AlternateContent xmlns:mc="http://schemas.openxmlformats.org/markup-compatibility/2006" xmlns:p159="http://schemas.microsoft.com/office/powerpoint/2015/09/main">
-    <mc:Choice Requires="p159">
+  <mc:AlternateContent xmlns:mc="http://schemas.openxmlformats.org/markup-compatibility/2006">
+    <mc:Choice xmlns:p159="http://schemas.microsoft.com/office/powerpoint/2015/09/main" Requires="p159">
       <p:transition>
         <p159:morph option="byChar"/>
       </p:transition>
     </mc:Choice>
-    <mc:Fallback xmlns="">
+    <mc:Fallback>
       <p:transition>
         <p:fade/>
       </p:transition>
@@ -4371,7 +4371,7 @@
           </a:ln>
           <a:extLst>
             <a:ext uri="{C572A759-6A51-4108-AA02-DFA0A04FC94B}">
-              <ma14:wrappingTextBoxFlag xmlns="" xmlns:m="http://schemas.openxmlformats.org/officeDocument/2006/math" xmlns:a14="http://schemas.microsoft.com/office/drawing/2010/main" xmlns:ma14="http://schemas.microsoft.com/office/mac/drawingml/2011/main" val="1"/>
+              <ma14:wrappingTextBoxFlag xmlns:ma14="http://schemas.microsoft.com/office/mac/drawingml/2011/main" xmlns:a14="http://schemas.microsoft.com/office/drawing/2010/main" xmlns:m="http://schemas.openxmlformats.org/officeDocument/2006/math" xmlns="" val="1"/>
             </a:ext>
           </a:extLst>
         </p:spPr>
@@ -4505,13 +4505,13 @@
   <p:clrMapOvr>
     <a:masterClrMapping/>
   </p:clrMapOvr>
-  <mc:AlternateContent xmlns:mc="http://schemas.openxmlformats.org/markup-compatibility/2006" xmlns:p159="http://schemas.microsoft.com/office/powerpoint/2015/09/main">
-    <mc:Choice Requires="p159">
+  <mc:AlternateContent xmlns:mc="http://schemas.openxmlformats.org/markup-compatibility/2006">
+    <mc:Choice xmlns:p159="http://schemas.microsoft.com/office/powerpoint/2015/09/main" Requires="p159">
       <p:transition>
         <p159:morph option="byChar"/>
       </p:transition>
     </mc:Choice>
-    <mc:Fallback xmlns="">
+    <mc:Fallback>
       <p:transition>
         <p:fade/>
       </p:transition>
@@ -5089,13 +5089,13 @@
   <p:clrMapOvr>
     <a:masterClrMapping/>
   </p:clrMapOvr>
-  <mc:AlternateContent xmlns:mc="http://schemas.openxmlformats.org/markup-compatibility/2006" xmlns:p159="http://schemas.microsoft.com/office/powerpoint/2015/09/main">
-    <mc:Choice Requires="p159">
+  <mc:AlternateContent xmlns:mc="http://schemas.openxmlformats.org/markup-compatibility/2006">
+    <mc:Choice xmlns:p159="http://schemas.microsoft.com/office/powerpoint/2015/09/main" Requires="p159">
       <p:transition>
         <p159:morph option="byChar"/>
       </p:transition>
     </mc:Choice>
-    <mc:Fallback xmlns="">
+    <mc:Fallback>
       <p:transition>
         <p:fade/>
       </p:transition>
@@ -5152,7 +5152,7 @@
           </a:ln>
           <a:extLst>
             <a:ext uri="{C572A759-6A51-4108-AA02-DFA0A04FC94B}">
-              <ma14:wrappingTextBoxFlag xmlns="" xmlns:ma14="http://schemas.microsoft.com/office/mac/drawingml/2011/main" xmlns:a14="http://schemas.microsoft.com/office/drawing/2010/main" xmlns:m="http://schemas.openxmlformats.org/officeDocument/2006/math" val="1"/>
+              <ma14:wrappingTextBoxFlag xmlns:m="http://schemas.openxmlformats.org/officeDocument/2006/math" xmlns:a14="http://schemas.microsoft.com/office/drawing/2010/main" xmlns:ma14="http://schemas.microsoft.com/office/mac/drawingml/2011/main" xmlns="" val="1"/>
             </a:ext>
           </a:extLst>
         </p:spPr>
@@ -5191,7 +5191,7 @@
           </a:ln>
           <a:extLst>
             <a:ext uri="{C572A759-6A51-4108-AA02-DFA0A04FC94B}">
-              <ma14:wrappingTextBoxFlag xmlns="" xmlns:ma14="http://schemas.microsoft.com/office/mac/drawingml/2011/main" xmlns:a14="http://schemas.microsoft.com/office/drawing/2010/main" xmlns:m="http://schemas.openxmlformats.org/officeDocument/2006/math" val="1"/>
+              <ma14:wrappingTextBoxFlag xmlns:m="http://schemas.openxmlformats.org/officeDocument/2006/math" xmlns:a14="http://schemas.microsoft.com/office/drawing/2010/main" xmlns:ma14="http://schemas.microsoft.com/office/mac/drawingml/2011/main" xmlns="" val="1"/>
             </a:ext>
           </a:extLst>
         </p:spPr>
@@ -15615,10 +15615,10 @@
           <a:lstStyle/>
           <a:p>
             <a:r>
-              <a:rPr lang="en-US" sz="8000" dirty="0"/>
+              <a:rPr lang="en-US" sz="8000"/>
               <a:t>Exercise</a:t>
             </a:r>
-            <a:endParaRPr sz="8000" dirty="0"/>
+            <a:endParaRPr sz="8000"/>
           </a:p>
         </p:txBody>
       </p:sp>
@@ -15795,7 +15795,7 @@
             <a:p>
               <a:pPr algn="just"/>
               <a:r>
-                <a:rPr lang="en-US" sz="4000" dirty="0">
+                <a:rPr lang="en-US" sz="4000">
                   <a:solidFill>
                     <a:srgbClr val="FF5640"/>
                   </a:solidFill>
@@ -15811,7 +15811,7 @@
                 <a:buChar char="•"/>
               </a:pPr>
               <a:r>
-                <a:rPr lang="en-US" sz="3600" dirty="0">
+                <a:rPr lang="en-US" sz="3600">
                   <a:solidFill>
                     <a:schemeClr val="bg2"/>
                   </a:solidFill>
@@ -15825,7 +15825,7 @@
                 </a:rPr>
                 <a:t>Personal Portfolio Exercise</a:t>
               </a:r>
-              <a:endParaRPr lang="en-US" sz="4000" dirty="0">
+              <a:endParaRPr lang="en-US" sz="4000">
                 <a:solidFill>
                   <a:schemeClr val="bg2"/>
                 </a:solidFill>
@@ -16327,7 +16327,7 @@
           </a:prstGeom>
           <a:extLst>
             <a:ext uri="{C572A759-6A51-4108-AA02-DFA0A04FC94B}">
-              <ma14:wrappingTextBoxFlag xmlns="" xmlns:m="http://schemas.openxmlformats.org/officeDocument/2006/math" xmlns:a14="http://schemas.microsoft.com/office/drawing/2010/main" xmlns:ma14="http://schemas.microsoft.com/office/mac/drawingml/2011/main" val="1"/>
+              <ma14:wrappingTextBoxFlag xmlns:ma14="http://schemas.microsoft.com/office/mac/drawingml/2011/main" xmlns:a14="http://schemas.microsoft.com/office/drawing/2010/main" xmlns:m="http://schemas.openxmlformats.org/officeDocument/2006/math" xmlns="" val="1"/>
             </a:ext>
           </a:extLst>
         </p:spPr>
@@ -16382,7 +16382,7 @@
             </a:ln>
             <a:extLst>
               <a:ext uri="{C572A759-6A51-4108-AA02-DFA0A04FC94B}">
-                <ma14:wrappingTextBoxFlag xmlns="" xmlns:m="http://schemas.openxmlformats.org/officeDocument/2006/math" xmlns:a14="http://schemas.microsoft.com/office/drawing/2010/main" xmlns:ma14="http://schemas.microsoft.com/office/mac/drawingml/2011/main" val="1"/>
+                <ma14:wrappingTextBoxFlag xmlns:ma14="http://schemas.microsoft.com/office/mac/drawingml/2011/main" xmlns:a14="http://schemas.microsoft.com/office/drawing/2010/main" xmlns:m="http://schemas.openxmlformats.org/officeDocument/2006/math" xmlns="" val="1"/>
               </a:ext>
             </a:extLst>
           </p:spPr>
@@ -16466,7 +16466,7 @@
             </a:ln>
             <a:extLst>
               <a:ext uri="{C572A759-6A51-4108-AA02-DFA0A04FC94B}">
-                <ma14:wrappingTextBoxFlag xmlns="" xmlns:ma14="http://schemas.microsoft.com/office/mac/drawingml/2011/main" xmlns:a14="http://schemas.microsoft.com/office/drawing/2010/main" xmlns:m="http://schemas.openxmlformats.org/officeDocument/2006/math" val="1"/>
+                <ma14:wrappingTextBoxFlag xmlns:m="http://schemas.openxmlformats.org/officeDocument/2006/math" xmlns:a14="http://schemas.microsoft.com/office/drawing/2010/main" xmlns:ma14="http://schemas.microsoft.com/office/mac/drawingml/2011/main" xmlns="" val="1"/>
               </a:ext>
             </a:extLst>
           </p:spPr>
@@ -16753,7 +16753,7 @@
           </a:prstGeom>
           <a:extLst>
             <a:ext uri="{C572A759-6A51-4108-AA02-DFA0A04FC94B}">
-              <ma14:wrappingTextBoxFlag xmlns="" xmlns:ma14="http://schemas.microsoft.com/office/mac/drawingml/2011/main" xmlns:a14="http://schemas.microsoft.com/office/drawing/2010/main" xmlns:m="http://schemas.openxmlformats.org/officeDocument/2006/math" val="1"/>
+              <ma14:wrappingTextBoxFlag xmlns:m="http://schemas.openxmlformats.org/officeDocument/2006/math" xmlns:a14="http://schemas.microsoft.com/office/drawing/2010/main" xmlns:ma14="http://schemas.microsoft.com/office/mac/drawingml/2011/main" xmlns="" val="1"/>
             </a:ext>
           </a:extLst>
         </p:spPr>
@@ -16814,7 +16814,7 @@
             </a:ln>
             <a:extLst>
               <a:ext uri="{C572A759-6A51-4108-AA02-DFA0A04FC94B}">
-                <ma14:wrappingTextBoxFlag xmlns="" xmlns:ma14="http://schemas.microsoft.com/office/mac/drawingml/2011/main" xmlns:a14="http://schemas.microsoft.com/office/drawing/2010/main" xmlns:m="http://schemas.openxmlformats.org/officeDocument/2006/math" val="1"/>
+                <ma14:wrappingTextBoxFlag xmlns:m="http://schemas.openxmlformats.org/officeDocument/2006/math" xmlns:a14="http://schemas.microsoft.com/office/drawing/2010/main" xmlns:ma14="http://schemas.microsoft.com/office/mac/drawingml/2011/main" xmlns="" val="1"/>
               </a:ext>
             </a:extLst>
           </p:spPr>
@@ -17003,7 +17003,7 @@
               </a:ln>
               <a:extLst>
                 <a:ext uri="{C572A759-6A51-4108-AA02-DFA0A04FC94B}">
-                  <ma14:wrappingTextBoxFlag xmlns="" xmlns:m="http://schemas.openxmlformats.org/officeDocument/2006/math" xmlns:a14="http://schemas.microsoft.com/office/drawing/2010/main" xmlns:ma14="http://schemas.microsoft.com/office/mac/drawingml/2011/main" val="1"/>
+                  <ma14:wrappingTextBoxFlag xmlns:ma14="http://schemas.microsoft.com/office/mac/drawingml/2011/main" xmlns:a14="http://schemas.microsoft.com/office/drawing/2010/main" xmlns:m="http://schemas.openxmlformats.org/officeDocument/2006/math" xmlns="" val="1"/>
                 </a:ext>
               </a:extLst>
             </p:spPr>
@@ -17080,7 +17080,7 @@
               </a:ln>
               <a:extLst>
                 <a:ext uri="{C572A759-6A51-4108-AA02-DFA0A04FC94B}">
-                  <ma14:wrappingTextBoxFlag xmlns="" xmlns:m="http://schemas.openxmlformats.org/officeDocument/2006/math" xmlns:a14="http://schemas.microsoft.com/office/drawing/2010/main" xmlns:ma14="http://schemas.microsoft.com/office/mac/drawingml/2011/main" val="1"/>
+                  <ma14:wrappingTextBoxFlag xmlns:ma14="http://schemas.microsoft.com/office/mac/drawingml/2011/main" xmlns:a14="http://schemas.microsoft.com/office/drawing/2010/main" xmlns:m="http://schemas.openxmlformats.org/officeDocument/2006/math" xmlns="" val="1"/>
                 </a:ext>
               </a:extLst>
             </p:spPr>
@@ -18436,7 +18436,7 @@
             <a:p>
               <a:pPr algn="just"/>
               <a:r>
-                <a:rPr lang="en-US" sz="4000" dirty="0">
+                <a:rPr lang="en-US" sz="4000">
                   <a:solidFill>
                     <a:schemeClr val="bg1"/>
                   </a:solidFill>
@@ -18452,7 +18452,7 @@
                 <a:buChar char="•"/>
               </a:pPr>
               <a:r>
-                <a:rPr lang="en-US" sz="4000" dirty="0">
+                <a:rPr lang="en-US" sz="4000">
                   <a:solidFill>
                     <a:schemeClr val="bg2"/>
                   </a:solidFill>
@@ -18468,7 +18468,7 @@
                 <a:buChar char="•"/>
               </a:pPr>
               <a:r>
-                <a:rPr lang="en-US" sz="4000" dirty="0">
+                <a:rPr lang="en-US" sz="4000">
                   <a:solidFill>
                     <a:schemeClr val="bg2"/>
                   </a:solidFill>
@@ -18484,7 +18484,7 @@
                 <a:buChar char="•"/>
               </a:pPr>
               <a:r>
-                <a:rPr lang="en-US" sz="4000" dirty="0">
+                <a:rPr lang="en-US" sz="4000">
                   <a:solidFill>
                     <a:schemeClr val="bg2"/>
                   </a:solidFill>
@@ -18500,7 +18500,7 @@
                 <a:buChar char="•"/>
               </a:pPr>
               <a:r>
-                <a:rPr lang="en-US" sz="4000" dirty="0">
+                <a:rPr lang="en-US" sz="4000">
                   <a:solidFill>
                     <a:schemeClr val="bg2"/>
                   </a:solidFill>
@@ -18513,7 +18513,7 @@
             <a:p>
               <a:pPr algn="just"/>
               <a:r>
-                <a:rPr lang="en-US" sz="4000" dirty="0">
+                <a:rPr lang="en-US" sz="4000">
                   <a:solidFill>
                     <a:schemeClr val="bg2"/>
                   </a:solidFill>
@@ -18526,7 +18526,7 @@
             <a:p>
               <a:pPr algn="just"/>
               <a:r>
-                <a:rPr lang="en-US" sz="4000" dirty="0">
+                <a:rPr lang="en-US" sz="4000">
                   <a:solidFill>
                     <a:schemeClr val="bg2"/>
                   </a:solidFill>
@@ -18539,7 +18539,7 @@
             <a:p>
               <a:pPr algn="just"/>
               <a:r>
-                <a:rPr lang="en-US" sz="4000" dirty="0">
+                <a:rPr lang="en-US" sz="4000">
                   <a:solidFill>
                     <a:schemeClr val="bg2"/>
                   </a:solidFill>
@@ -18552,7 +18552,7 @@
             <a:p>
               <a:pPr algn="just"/>
               <a:r>
-                <a:rPr lang="en-US" sz="4000" dirty="0">
+                <a:rPr lang="en-US" sz="4000">
                   <a:solidFill>
                     <a:schemeClr val="bg1"/>
                   </a:solidFill>
@@ -18565,7 +18565,7 @@
             <a:p>
               <a:pPr algn="just"/>
               <a:r>
-                <a:rPr lang="en-US" sz="4000" b="1" dirty="0">
+                <a:rPr lang="en-US" sz="4000" b="1">
                   <a:solidFill>
                     <a:schemeClr val="bg1"/>
                   </a:solidFill>
@@ -18573,7 +18573,7 @@
                 <a:t>“</a:t>
               </a:r>
               <a:r>
-                <a:rPr lang="en-US" sz="4000" dirty="0">
+                <a:rPr lang="en-US" sz="4000">
                   <a:solidFill>
                     <a:srgbClr val="FFFFFF"/>
                   </a:solidFill>
@@ -18581,14 +18581,14 @@
                 <a:t>DOM is like a family tree of HTML elements.</a:t>
               </a:r>
               <a:r>
-                <a:rPr lang="en-US" sz="4000" b="1" dirty="0">
+                <a:rPr lang="en-US" sz="4000" b="1">
                   <a:solidFill>
                     <a:schemeClr val="bg1"/>
                   </a:solidFill>
                 </a:rPr>
                 <a:t>”</a:t>
               </a:r>
-              <a:endParaRPr lang="en-US" sz="4000" b="1" dirty="0">
+              <a:endParaRPr lang="en-US" sz="4000" b="1">
                 <a:solidFill>
                   <a:schemeClr val="bg1"/>
                 </a:solidFill>
@@ -24177,15 +24177,6 @@
 </file>
 
 <file path=customXml/item1.xml><?xml version="1.0" encoding="utf-8"?>
-<?mso-contentType ?>
-<FormTemplates xmlns="http://schemas.microsoft.com/sharepoint/v3/contenttype/forms">
-  <Display>DocumentLibraryForm</Display>
-  <Edit>DocumentLibraryForm</Edit>
-  <New>DocumentLibraryForm</New>
-</FormTemplates>
-</file>
-
-<file path=customXml/item2.xml><?xml version="1.0" encoding="utf-8"?>
 <ct:contentTypeSchema xmlns:ct="http://schemas.microsoft.com/office/2006/metadata/contentType" xmlns:ma="http://schemas.microsoft.com/office/2006/metadata/properties/metaAttributes" ct:_="" ma:_="" ma:contentTypeName="Document" ma:contentTypeID="0x0101004480604E87DF5041BD15CB4F557B211A" ma:contentTypeVersion="14" ma:contentTypeDescription="Create a new document." ma:contentTypeScope="" ma:versionID="a88e8bb0e7879107f0c07aadaf23de07">
   <xsd:schema xmlns:xsd="http://www.w3.org/2001/XMLSchema" xmlns:xs="http://www.w3.org/2001/XMLSchema" xmlns:p="http://schemas.microsoft.com/office/2006/metadata/properties" xmlns:ns2="78d364d5-28b3-46f0-8b40-ad8c9edf605c" xmlns:ns3="108da2a4-3037-4d7a-bf12-b2714ae87fcf" targetNamespace="http://schemas.microsoft.com/office/2006/metadata/properties" ma:root="true" ma:fieldsID="3b8936104071a705397c97e62d45e3af" ns2:_="" ns3:_="">
     <xsd:import namespace="78d364d5-28b3-46f0-8b40-ad8c9edf605c"/>
@@ -24414,15 +24405,16 @@
 </ct:contentTypeSchema>
 </file>
 
-<file path=customXml/itemProps1.xml><?xml version="1.0" encoding="utf-8"?>
-<ds:datastoreItem xmlns:ds="http://schemas.openxmlformats.org/officeDocument/2006/customXml" ds:itemID="{154546E5-6158-445B-86FA-D0CB17A6BF05}">
-  <ds:schemaRefs>
-    <ds:schemaRef ds:uri="http://schemas.microsoft.com/sharepoint/v3/contenttype/forms"/>
-  </ds:schemaRefs>
-</ds:datastoreItem>
+<file path=customXml/item2.xml><?xml version="1.0" encoding="utf-8"?>
+<?mso-contentType ?>
+<FormTemplates xmlns="http://schemas.microsoft.com/sharepoint/v3/contenttype/forms">
+  <Display>DocumentLibraryForm</Display>
+  <Edit>DocumentLibraryForm</Edit>
+  <New>DocumentLibraryForm</New>
+</FormTemplates>
 </file>
 
-<file path=customXml/itemProps2.xml><?xml version="1.0" encoding="utf-8"?>
+<file path=customXml/itemProps1.xml><?xml version="1.0" encoding="utf-8"?>
 <ds:datastoreItem xmlns:ds="http://schemas.openxmlformats.org/officeDocument/2006/customXml" ds:itemID="{8AC872FA-4377-438C-B264-583FE67DC013}">
   <ds:schemaRefs>
     <ds:schemaRef ds:uri="108da2a4-3037-4d7a-bf12-b2714ae87fcf"/>
@@ -24439,4 +24431,12 @@
     <ds:schemaRef ds:uri="http://www.w3.org/2001/XMLSchema"/>
   </ds:schemaRefs>
 </ds:datastoreItem>
+</file>
+
+<file path=customXml/itemProps2.xml><?xml version="1.0" encoding="utf-8"?>
+<ds:datastoreItem xmlns:ds="http://schemas.openxmlformats.org/officeDocument/2006/customXml" ds:itemID="{154546E5-6158-445B-86FA-D0CB17A6BF05}">
+  <ds:schemaRefs>
+    <ds:schemaRef ds:uri="http://schemas.microsoft.com/sharepoint/v3/contenttype/forms"/>
+  </ds:schemaRefs>
+</ds:datastoreItem>
 </file>
--- a/2025/Training Materials/HTML.pptx
+++ b/2025/Training Materials/HTML.pptx
@@ -40,30 +40,25 @@
   <p:notesSz cx="6858000" cy="9144000"/>
   <p:embeddedFontLst>
     <p:embeddedFont>
-      <p:font typeface="Dava Sans" panose="020B0604020202020204" charset="0"/>
+      <p:font typeface="Dava Sans" pitchFamily="2" charset="0"/>
       <p:regular r:id="rId30"/>
       <p:bold r:id="rId31"/>
       <p:italic r:id="rId32"/>
       <p:boldItalic r:id="rId33"/>
     </p:embeddedFont>
     <p:embeddedFont>
-      <p:font typeface="Dava Sans Med" panose="020B0604020202020204" charset="0"/>
+      <p:font typeface="MartianMono NF" panose="020B0009020000000004" pitchFamily="49" charset="0"/>
       <p:regular r:id="rId34"/>
-      <p:italic r:id="rId35"/>
-    </p:embeddedFont>
-    <p:embeddedFont>
-      <p:font typeface="MartianMono NF" panose="020B0604020202020204" charset="0"/>
-      <p:regular r:id="rId36"/>
-      <p:bold r:id="rId37"/>
+      <p:bold r:id="rId35"/>
     </p:embeddedFont>
     <p:embeddedFont>
       <p:font typeface="Poppins Regular" panose="020B0604020202020204" charset="0"/>
-      <p:regular r:id="rId38"/>
+      <p:regular r:id="rId36"/>
     </p:embeddedFont>
     <p:embeddedFont>
-      <p:font typeface="Poppins SemiBold" panose="020B0604020202020204" charset="0"/>
-      <p:bold r:id="rId39"/>
-      <p:boldItalic r:id="rId40"/>
+      <p:font typeface="Poppins SemiBold" panose="00000700000000000000" pitchFamily="2" charset="0"/>
+      <p:bold r:id="rId37"/>
+      <p:boldItalic r:id="rId38"/>
     </p:embeddedFont>
   </p:embeddedFontLst>
   <p:defaultTextStyle>
@@ -421,7 +416,7 @@
 <file path=ppt/revisionInfo.xml><?xml version="1.0" encoding="utf-8"?>
 <p1510:revInfo xmlns:a="http://schemas.openxmlformats.org/drawingml/2006/main" xmlns:r="http://schemas.openxmlformats.org/officeDocument/2006/relationships" xmlns:p1510="http://schemas.microsoft.com/office/powerpoint/2015/10/main">
   <p1510:revLst>
-    <p1510:client id="{1AD00DD1-F6D2-D466-1B1F-E23BCF46DBD1}" v="3" dt="2025-09-01T05:56:11.743"/>
+    <p1510:client id="{1AD00DD1-F6D2-D466-1B1F-E23BCF46DBD1}" v="5" dt="2025-09-01T12:39:48.206"/>
     <p1510:client id="{5703FC0A-0008-45B5-AEF5-C27D1505EEC7}" v="2" dt="2025-09-01T07:20:35.836"/>
     <p1510:client id="{BAC556A8-913D-4075-B0CE-F03A94A06F30}" v="8" dt="2025-09-01T06:00:33.465"/>
     <p1510:client id="{F67A3FC5-2D32-4E7C-72F3-ED5287D4B67B}" v="88" dt="2025-09-01T06:58:46.133"/>
@@ -452,6 +447,52 @@
             <ac:spMk id="8" creationId="{7B63759D-EABF-6E7E-5BE5-05AAF67B6A9B}"/>
           </ac:spMkLst>
         </pc:spChg>
+      </pc:sldChg>
+    </pc:docChg>
+  </pc:docChgLst>
+  <pc:docChgLst>
+    <pc:chgData name="Busanahalli Ravindra, Chandu" userId="S::cravindra@galaxe.com::204bb649-37ac-4aea-a87f-9cc4c7ec101b" providerId="AD" clId="Web-{1AD00DD1-F6D2-D466-1B1F-E23BCF46DBD1}"/>
+    <pc:docChg chg="modSld sldOrd">
+      <pc:chgData name="Busanahalli Ravindra, Chandu" userId="S::cravindra@galaxe.com::204bb649-37ac-4aea-a87f-9cc4c7ec101b" providerId="AD" clId="Web-{1AD00DD1-F6D2-D466-1B1F-E23BCF46DBD1}" dt="2025-09-01T12:39:48.206" v="4" actId="1076"/>
+      <pc:docMkLst>
+        <pc:docMk/>
+      </pc:docMkLst>
+      <pc:sldChg chg="modSp">
+        <pc:chgData name="Busanahalli Ravindra, Chandu" userId="S::cravindra@galaxe.com::204bb649-37ac-4aea-a87f-9cc4c7ec101b" providerId="AD" clId="Web-{1AD00DD1-F6D2-D466-1B1F-E23BCF46DBD1}" dt="2025-09-01T05:56:11.743" v="2" actId="1076"/>
+        <pc:sldMkLst>
+          <pc:docMk/>
+          <pc:sldMk cId="980947457" sldId="530"/>
+        </pc:sldMkLst>
+        <pc:grpChg chg="mod">
+          <ac:chgData name="Busanahalli Ravindra, Chandu" userId="S::cravindra@galaxe.com::204bb649-37ac-4aea-a87f-9cc4c7ec101b" providerId="AD" clId="Web-{1AD00DD1-F6D2-D466-1B1F-E23BCF46DBD1}" dt="2025-09-01T05:56:11.743" v="2" actId="1076"/>
+          <ac:grpSpMkLst>
+            <pc:docMk/>
+            <pc:sldMk cId="980947457" sldId="530"/>
+            <ac:grpSpMk id="11" creationId="{D9DEB5A7-D602-09B8-12AF-58E4EEBB3105}"/>
+          </ac:grpSpMkLst>
+        </pc:grpChg>
+      </pc:sldChg>
+      <pc:sldChg chg="ord">
+        <pc:chgData name="Busanahalli Ravindra, Chandu" userId="S::cravindra@galaxe.com::204bb649-37ac-4aea-a87f-9cc4c7ec101b" providerId="AD" clId="Web-{1AD00DD1-F6D2-D466-1B1F-E23BCF46DBD1}" dt="2025-09-01T05:41:44.875" v="0"/>
+        <pc:sldMkLst>
+          <pc:docMk/>
+          <pc:sldMk cId="678539276" sldId="535"/>
+        </pc:sldMkLst>
+      </pc:sldChg>
+      <pc:sldChg chg="modSp">
+        <pc:chgData name="Busanahalli Ravindra, Chandu" userId="S::cravindra@galaxe.com::204bb649-37ac-4aea-a87f-9cc4c7ec101b" providerId="AD" clId="Web-{1AD00DD1-F6D2-D466-1B1F-E23BCF46DBD1}" dt="2025-09-01T12:39:48.206" v="4" actId="1076"/>
+        <pc:sldMkLst>
+          <pc:docMk/>
+          <pc:sldMk cId="466813535" sldId="543"/>
+        </pc:sldMkLst>
+        <pc:grpChg chg="mod">
+          <ac:chgData name="Busanahalli Ravindra, Chandu" userId="S::cravindra@galaxe.com::204bb649-37ac-4aea-a87f-9cc4c7ec101b" providerId="AD" clId="Web-{1AD00DD1-F6D2-D466-1B1F-E23BCF46DBD1}" dt="2025-09-01T12:39:48.206" v="4" actId="1076"/>
+          <ac:grpSpMkLst>
+            <pc:docMk/>
+            <pc:sldMk cId="466813535" sldId="543"/>
+            <ac:grpSpMk id="11" creationId="{4AC213F8-23E0-1B58-589E-0FBDE92484FD}"/>
+          </ac:grpSpMkLst>
+        </pc:grpChg>
       </pc:sldChg>
     </pc:docChg>
   </pc:docChgLst>
@@ -753,37 +794,6 @@
             <ac:picMk id="3" creationId="{49E15347-4294-1A9F-8141-77D00DC9BFFC}"/>
           </ac:picMkLst>
         </pc:picChg>
-      </pc:sldChg>
-    </pc:docChg>
-  </pc:docChgLst>
-  <pc:docChgLst>
-    <pc:chgData name="Busanahalli Ravindra, Chandu" userId="S::cravindra@galaxe.com::204bb649-37ac-4aea-a87f-9cc4c7ec101b" providerId="AD" clId="Web-{1AD00DD1-F6D2-D466-1B1F-E23BCF46DBD1}"/>
-    <pc:docChg chg="modSld sldOrd">
-      <pc:chgData name="Busanahalli Ravindra, Chandu" userId="S::cravindra@galaxe.com::204bb649-37ac-4aea-a87f-9cc4c7ec101b" providerId="AD" clId="Web-{1AD00DD1-F6D2-D466-1B1F-E23BCF46DBD1}" dt="2025-09-01T05:56:11.743" v="2" actId="1076"/>
-      <pc:docMkLst>
-        <pc:docMk/>
-      </pc:docMkLst>
-      <pc:sldChg chg="modSp">
-        <pc:chgData name="Busanahalli Ravindra, Chandu" userId="S::cravindra@galaxe.com::204bb649-37ac-4aea-a87f-9cc4c7ec101b" providerId="AD" clId="Web-{1AD00DD1-F6D2-D466-1B1F-E23BCF46DBD1}" dt="2025-09-01T05:56:11.743" v="2" actId="1076"/>
-        <pc:sldMkLst>
-          <pc:docMk/>
-          <pc:sldMk cId="980947457" sldId="530"/>
-        </pc:sldMkLst>
-        <pc:grpChg chg="mod">
-          <ac:chgData name="Busanahalli Ravindra, Chandu" userId="S::cravindra@galaxe.com::204bb649-37ac-4aea-a87f-9cc4c7ec101b" providerId="AD" clId="Web-{1AD00DD1-F6D2-D466-1B1F-E23BCF46DBD1}" dt="2025-09-01T05:56:11.743" v="2" actId="1076"/>
-          <ac:grpSpMkLst>
-            <pc:docMk/>
-            <pc:sldMk cId="980947457" sldId="530"/>
-            <ac:grpSpMk id="11" creationId="{D9DEB5A7-D602-09B8-12AF-58E4EEBB3105}"/>
-          </ac:grpSpMkLst>
-        </pc:grpChg>
-      </pc:sldChg>
-      <pc:sldChg chg="ord">
-        <pc:chgData name="Busanahalli Ravindra, Chandu" userId="S::cravindra@galaxe.com::204bb649-37ac-4aea-a87f-9cc4c7ec101b" providerId="AD" clId="Web-{1AD00DD1-F6D2-D466-1B1F-E23BCF46DBD1}" dt="2025-09-01T05:41:44.875" v="0"/>
-        <pc:sldMkLst>
-          <pc:docMk/>
-          <pc:sldMk cId="678539276" sldId="535"/>
-        </pc:sldMkLst>
       </pc:sldChg>
     </pc:docChg>
   </pc:docChgLst>
@@ -2456,7 +2466,7 @@
           <a:p>
             <a:fld id="{0B2A5286-0306-B143-BA49-3E397476CCE1}" type="datetimeFigureOut">
               <a:rPr lang="en-RO" smtClean="0"/>
-              <a:t>09/01/2025</a:t>
+              <a:t>09/02/2025</a:t>
             </a:fld>
             <a:endParaRPr lang="en-RO"/>
           </a:p>
@@ -3680,7 +3690,7 @@
           </a:ln>
           <a:extLst>
             <a:ext uri="{C572A759-6A51-4108-AA02-DFA0A04FC94B}">
-              <ma14:wrappingTextBoxFlag xmlns:m="http://schemas.openxmlformats.org/officeDocument/2006/math" xmlns:a14="http://schemas.microsoft.com/office/drawing/2010/main" xmlns:ma14="http://schemas.microsoft.com/office/mac/drawingml/2011/main" xmlns="" val="1"/>
+              <ma14:wrappingTextBoxFlag xmlns:ma14="http://schemas.microsoft.com/office/mac/drawingml/2011/main" xmlns:a14="http://schemas.microsoft.com/office/drawing/2010/main" xmlns:m="http://schemas.openxmlformats.org/officeDocument/2006/math" xmlns="" val="1"/>
             </a:ext>
           </a:extLst>
         </p:spPr>
@@ -3758,7 +3768,7 @@
           </a:ln>
           <a:extLst>
             <a:ext uri="{C572A759-6A51-4108-AA02-DFA0A04FC94B}">
-              <ma14:wrappingTextBoxFlag xmlns:m="http://schemas.openxmlformats.org/officeDocument/2006/math" xmlns:a14="http://schemas.microsoft.com/office/drawing/2010/main" xmlns:ma14="http://schemas.microsoft.com/office/mac/drawingml/2011/main" xmlns="" val="1"/>
+              <ma14:wrappingTextBoxFlag xmlns:ma14="http://schemas.microsoft.com/office/mac/drawingml/2011/main" xmlns:a14="http://schemas.microsoft.com/office/drawing/2010/main" xmlns:m="http://schemas.openxmlformats.org/officeDocument/2006/math" xmlns="" val="1"/>
             </a:ext>
           </a:extLst>
         </p:spPr>
@@ -4371,7 +4381,7 @@
           </a:ln>
           <a:extLst>
             <a:ext uri="{C572A759-6A51-4108-AA02-DFA0A04FC94B}">
-              <ma14:wrappingTextBoxFlag xmlns:ma14="http://schemas.microsoft.com/office/mac/drawingml/2011/main" xmlns:a14="http://schemas.microsoft.com/office/drawing/2010/main" xmlns:m="http://schemas.openxmlformats.org/officeDocument/2006/math" xmlns="" val="1"/>
+              <ma14:wrappingTextBoxFlag xmlns:m="http://schemas.openxmlformats.org/officeDocument/2006/math" xmlns:a14="http://schemas.microsoft.com/office/drawing/2010/main" xmlns:ma14="http://schemas.microsoft.com/office/mac/drawingml/2011/main" xmlns="" val="1"/>
             </a:ext>
           </a:extLst>
         </p:spPr>
@@ -5020,7 +5030,7 @@
           <a:p>
             <a:fld id="{8E488443-9381-4175-872B-039B7D7F1909}" type="datetime4">
               <a:rPr lang="en-US" smtClean="0"/>
-              <a:t>September 1, 2025</a:t>
+              <a:t>September 2, 2025</a:t>
             </a:fld>
             <a:endParaRPr lang="en-US"/>
           </a:p>
@@ -5152,7 +5162,7 @@
           </a:ln>
           <a:extLst>
             <a:ext uri="{C572A759-6A51-4108-AA02-DFA0A04FC94B}">
-              <ma14:wrappingTextBoxFlag xmlns:m="http://schemas.openxmlformats.org/officeDocument/2006/math" xmlns:a14="http://schemas.microsoft.com/office/drawing/2010/main" xmlns:ma14="http://schemas.microsoft.com/office/mac/drawingml/2011/main" xmlns="" val="1"/>
+              <ma14:wrappingTextBoxFlag xmlns:ma14="http://schemas.microsoft.com/office/mac/drawingml/2011/main" xmlns:a14="http://schemas.microsoft.com/office/drawing/2010/main" xmlns:m="http://schemas.openxmlformats.org/officeDocument/2006/math" xmlns="" val="1"/>
             </a:ext>
           </a:extLst>
         </p:spPr>
@@ -5191,7 +5201,7 @@
           </a:ln>
           <a:extLst>
             <a:ext uri="{C572A759-6A51-4108-AA02-DFA0A04FC94B}">
-              <ma14:wrappingTextBoxFlag xmlns:m="http://schemas.openxmlformats.org/officeDocument/2006/math" xmlns:a14="http://schemas.microsoft.com/office/drawing/2010/main" xmlns:ma14="http://schemas.microsoft.com/office/mac/drawingml/2011/main" xmlns="" val="1"/>
+              <ma14:wrappingTextBoxFlag xmlns:ma14="http://schemas.microsoft.com/office/mac/drawingml/2011/main" xmlns:a14="http://schemas.microsoft.com/office/drawing/2010/main" xmlns:m="http://schemas.openxmlformats.org/officeDocument/2006/math" xmlns="" val="1"/>
             </a:ext>
           </a:extLst>
         </p:spPr>
@@ -16327,7 +16337,7 @@
           </a:prstGeom>
           <a:extLst>
             <a:ext uri="{C572A759-6A51-4108-AA02-DFA0A04FC94B}">
-              <ma14:wrappingTextBoxFlag xmlns:ma14="http://schemas.microsoft.com/office/mac/drawingml/2011/main" xmlns:a14="http://schemas.microsoft.com/office/drawing/2010/main" xmlns:m="http://schemas.openxmlformats.org/officeDocument/2006/math" xmlns="" val="1"/>
+              <ma14:wrappingTextBoxFlag xmlns:m="http://schemas.openxmlformats.org/officeDocument/2006/math" xmlns:a14="http://schemas.microsoft.com/office/drawing/2010/main" xmlns:ma14="http://schemas.microsoft.com/office/mac/drawingml/2011/main" xmlns="" val="1"/>
             </a:ext>
           </a:extLst>
         </p:spPr>
@@ -16382,7 +16392,7 @@
             </a:ln>
             <a:extLst>
               <a:ext uri="{C572A759-6A51-4108-AA02-DFA0A04FC94B}">
-                <ma14:wrappingTextBoxFlag xmlns:ma14="http://schemas.microsoft.com/office/mac/drawingml/2011/main" xmlns:a14="http://schemas.microsoft.com/office/drawing/2010/main" xmlns:m="http://schemas.openxmlformats.org/officeDocument/2006/math" xmlns="" val="1"/>
+                <ma14:wrappingTextBoxFlag xmlns:m="http://schemas.openxmlformats.org/officeDocument/2006/math" xmlns:a14="http://schemas.microsoft.com/office/drawing/2010/main" xmlns:ma14="http://schemas.microsoft.com/office/mac/drawingml/2011/main" xmlns="" val="1"/>
               </a:ext>
             </a:extLst>
           </p:spPr>
@@ -16466,7 +16476,7 @@
             </a:ln>
             <a:extLst>
               <a:ext uri="{C572A759-6A51-4108-AA02-DFA0A04FC94B}">
-                <ma14:wrappingTextBoxFlag xmlns:m="http://schemas.openxmlformats.org/officeDocument/2006/math" xmlns:a14="http://schemas.microsoft.com/office/drawing/2010/main" xmlns:ma14="http://schemas.microsoft.com/office/mac/drawingml/2011/main" xmlns="" val="1"/>
+                <ma14:wrappingTextBoxFlag xmlns:ma14="http://schemas.microsoft.com/office/mac/drawingml/2011/main" xmlns:a14="http://schemas.microsoft.com/office/drawing/2010/main" xmlns:m="http://schemas.openxmlformats.org/officeDocument/2006/math" xmlns="" val="1"/>
               </a:ext>
             </a:extLst>
           </p:spPr>
@@ -16753,7 +16763,7 @@
           </a:prstGeom>
           <a:extLst>
             <a:ext uri="{C572A759-6A51-4108-AA02-DFA0A04FC94B}">
-              <ma14:wrappingTextBoxFlag xmlns:m="http://schemas.openxmlformats.org/officeDocument/2006/math" xmlns:a14="http://schemas.microsoft.com/office/drawing/2010/main" xmlns:ma14="http://schemas.microsoft.com/office/mac/drawingml/2011/main" xmlns="" val="1"/>
+              <ma14:wrappingTextBoxFlag xmlns:ma14="http://schemas.microsoft.com/office/mac/drawingml/2011/main" xmlns:a14="http://schemas.microsoft.com/office/drawing/2010/main" xmlns:m="http://schemas.openxmlformats.org/officeDocument/2006/math" xmlns="" val="1"/>
             </a:ext>
           </a:extLst>
         </p:spPr>
@@ -16814,7 +16824,7 @@
             </a:ln>
             <a:extLst>
               <a:ext uri="{C572A759-6A51-4108-AA02-DFA0A04FC94B}">
-                <ma14:wrappingTextBoxFlag xmlns:m="http://schemas.openxmlformats.org/officeDocument/2006/math" xmlns:a14="http://schemas.microsoft.com/office/drawing/2010/main" xmlns:ma14="http://schemas.microsoft.com/office/mac/drawingml/2011/main" xmlns="" val="1"/>
+                <ma14:wrappingTextBoxFlag xmlns:ma14="http://schemas.microsoft.com/office/mac/drawingml/2011/main" xmlns:a14="http://schemas.microsoft.com/office/drawing/2010/main" xmlns:m="http://schemas.openxmlformats.org/officeDocument/2006/math" xmlns="" val="1"/>
               </a:ext>
             </a:extLst>
           </p:spPr>
@@ -17003,7 +17013,7 @@
               </a:ln>
               <a:extLst>
                 <a:ext uri="{C572A759-6A51-4108-AA02-DFA0A04FC94B}">
-                  <ma14:wrappingTextBoxFlag xmlns:ma14="http://schemas.microsoft.com/office/mac/drawingml/2011/main" xmlns:a14="http://schemas.microsoft.com/office/drawing/2010/main" xmlns:m="http://schemas.openxmlformats.org/officeDocument/2006/math" xmlns="" val="1"/>
+                  <ma14:wrappingTextBoxFlag xmlns:m="http://schemas.openxmlformats.org/officeDocument/2006/math" xmlns:a14="http://schemas.microsoft.com/office/drawing/2010/main" xmlns:ma14="http://schemas.microsoft.com/office/mac/drawingml/2011/main" xmlns="" val="1"/>
                 </a:ext>
               </a:extLst>
             </p:spPr>
@@ -17080,7 +17090,7 @@
               </a:ln>
               <a:extLst>
                 <a:ext uri="{C572A759-6A51-4108-AA02-DFA0A04FC94B}">
-                  <ma14:wrappingTextBoxFlag xmlns:ma14="http://schemas.microsoft.com/office/mac/drawingml/2011/main" xmlns:a14="http://schemas.microsoft.com/office/drawing/2010/main" xmlns:m="http://schemas.openxmlformats.org/officeDocument/2006/math" xmlns="" val="1"/>
+                  <ma14:wrappingTextBoxFlag xmlns:m="http://schemas.openxmlformats.org/officeDocument/2006/math" xmlns:a14="http://schemas.microsoft.com/office/drawing/2010/main" xmlns:ma14="http://schemas.microsoft.com/office/mac/drawingml/2011/main" xmlns="" val="1"/>
                 </a:ext>
               </a:extLst>
             </p:spPr>
